--- a/Presentaciones del proyecto/Presentación de Proyecto Pitch1.pptx
+++ b/Presentaciones del proyecto/Presentación de Proyecto Pitch1.pptx
@@ -261,7 +261,7 @@
           <a:p>
             <a:fld id="{88369B9F-131C-2846-AB8F-CEE154B4CAEB}" type="datetimeFigureOut">
               <a:rPr lang="es-CO" smtClean="0"/>
-              <a:t>24/05/2023</a:t>
+              <a:t>25/05/2023</a:t>
             </a:fld>
             <a:endParaRPr lang="es-CO"/>
           </a:p>
@@ -438,7 +438,7 @@
           <a:p>
             <a:fld id="{9660CB96-A603-FF42-AE46-F5F75F80A67B}" type="datetimeFigureOut">
               <a:rPr lang="es-CO" smtClean="0"/>
-              <a:t>24/05/2023</a:t>
+              <a:t>25/05/2023</a:t>
             </a:fld>
             <a:endParaRPr lang="es-CO"/>
           </a:p>
@@ -939,7 +939,7 @@
           <a:p>
             <a:fld id="{BD986248-06F7-A441-A47A-264EBD310E11}" type="datetimeFigureOut">
               <a:rPr lang="es-CO" smtClean="0"/>
-              <a:t>24/05/2023</a:t>
+              <a:t>25/05/2023</a:t>
             </a:fld>
             <a:endParaRPr lang="es-CO"/>
           </a:p>
@@ -1139,7 +1139,7 @@
           <a:p>
             <a:fld id="{BD986248-06F7-A441-A47A-264EBD310E11}" type="datetimeFigureOut">
               <a:rPr lang="es-CO" smtClean="0"/>
-              <a:t>24/05/2023</a:t>
+              <a:t>25/05/2023</a:t>
             </a:fld>
             <a:endParaRPr lang="es-CO"/>
           </a:p>
@@ -1349,7 +1349,7 @@
           <a:p>
             <a:fld id="{BD986248-06F7-A441-A47A-264EBD310E11}" type="datetimeFigureOut">
               <a:rPr lang="es-CO" smtClean="0"/>
-              <a:t>24/05/2023</a:t>
+              <a:t>25/05/2023</a:t>
             </a:fld>
             <a:endParaRPr lang="es-CO"/>
           </a:p>
@@ -1612,7 +1612,7 @@
           <a:p>
             <a:fld id="{BD986248-06F7-A441-A47A-264EBD310E11}" type="datetimeFigureOut">
               <a:rPr lang="es-CO" smtClean="0"/>
-              <a:t>24/05/2023</a:t>
+              <a:t>25/05/2023</a:t>
             </a:fld>
             <a:endParaRPr lang="es-CO"/>
           </a:p>
@@ -1812,7 +1812,7 @@
           <a:p>
             <a:fld id="{BD986248-06F7-A441-A47A-264EBD310E11}" type="datetimeFigureOut">
               <a:rPr lang="es-CO" smtClean="0"/>
-              <a:t>24/05/2023</a:t>
+              <a:t>25/05/2023</a:t>
             </a:fld>
             <a:endParaRPr lang="es-CO"/>
           </a:p>
@@ -2088,7 +2088,7 @@
           <a:p>
             <a:fld id="{BD986248-06F7-A441-A47A-264EBD310E11}" type="datetimeFigureOut">
               <a:rPr lang="es-CO" smtClean="0"/>
-              <a:t>24/05/2023</a:t>
+              <a:t>25/05/2023</a:t>
             </a:fld>
             <a:endParaRPr lang="es-CO"/>
           </a:p>
@@ -2356,7 +2356,7 @@
           <a:p>
             <a:fld id="{BD986248-06F7-A441-A47A-264EBD310E11}" type="datetimeFigureOut">
               <a:rPr lang="es-CO" smtClean="0"/>
-              <a:t>24/05/2023</a:t>
+              <a:t>25/05/2023</a:t>
             </a:fld>
             <a:endParaRPr lang="es-CO"/>
           </a:p>
@@ -2771,7 +2771,7 @@
           <a:p>
             <a:fld id="{BD986248-06F7-A441-A47A-264EBD310E11}" type="datetimeFigureOut">
               <a:rPr lang="es-CO" smtClean="0"/>
-              <a:t>24/05/2023</a:t>
+              <a:t>25/05/2023</a:t>
             </a:fld>
             <a:endParaRPr lang="es-CO"/>
           </a:p>
@@ -2913,7 +2913,7 @@
           <a:p>
             <a:fld id="{BD986248-06F7-A441-A47A-264EBD310E11}" type="datetimeFigureOut">
               <a:rPr lang="es-CO" smtClean="0"/>
-              <a:t>24/05/2023</a:t>
+              <a:t>25/05/2023</a:t>
             </a:fld>
             <a:endParaRPr lang="es-CO"/>
           </a:p>
@@ -3026,7 +3026,7 @@
           <a:p>
             <a:fld id="{BD986248-06F7-A441-A47A-264EBD310E11}" type="datetimeFigureOut">
               <a:rPr lang="es-CO" smtClean="0"/>
-              <a:t>24/05/2023</a:t>
+              <a:t>25/05/2023</a:t>
             </a:fld>
             <a:endParaRPr lang="es-CO"/>
           </a:p>
@@ -3339,7 +3339,7 @@
           <a:p>
             <a:fld id="{BD986248-06F7-A441-A47A-264EBD310E11}" type="datetimeFigureOut">
               <a:rPr lang="es-CO" smtClean="0"/>
-              <a:t>24/05/2023</a:t>
+              <a:t>25/05/2023</a:t>
             </a:fld>
             <a:endParaRPr lang="es-CO"/>
           </a:p>
@@ -3628,7 +3628,7 @@
           <a:p>
             <a:fld id="{BD986248-06F7-A441-A47A-264EBD310E11}" type="datetimeFigureOut">
               <a:rPr lang="es-CO" smtClean="0"/>
-              <a:t>24/05/2023</a:t>
+              <a:t>25/05/2023</a:t>
             </a:fld>
             <a:endParaRPr lang="es-CO"/>
           </a:p>
@@ -3871,7 +3871,7 @@
           <a:p>
             <a:fld id="{BD986248-06F7-A441-A47A-264EBD310E11}" type="datetimeFigureOut">
               <a:rPr lang="es-CO" smtClean="0"/>
-              <a:t>24/05/2023</a:t>
+              <a:t>25/05/2023</a:t>
             </a:fld>
             <a:endParaRPr lang="es-CO"/>
           </a:p>
@@ -4601,13 +4601,13 @@
   <p:clrMapOvr>
     <a:masterClrMapping/>
   </p:clrMapOvr>
-  <mc:AlternateContent xmlns:mc="http://schemas.openxmlformats.org/markup-compatibility/2006">
-    <mc:Choice xmlns:p159="http://schemas.microsoft.com/office/powerpoint/2015/09/main" Requires="p159">
+  <mc:AlternateContent xmlns:mc="http://schemas.openxmlformats.org/markup-compatibility/2006" xmlns:p159="http://schemas.microsoft.com/office/powerpoint/2015/09/main">
+    <mc:Choice Requires="p159">
       <p:transition xmlns:p14="http://schemas.microsoft.com/office/powerpoint/2010/main" spd="slow" p14:dur="2000">
         <p159:morph option="byObject"/>
       </p:transition>
     </mc:Choice>
-    <mc:Fallback>
+    <mc:Fallback xmlns="">
       <p:transition spd="slow">
         <p:fade/>
       </p:transition>
@@ -4679,13 +4679,13 @@
   <p:clrMapOvr>
     <a:masterClrMapping/>
   </p:clrMapOvr>
-  <mc:AlternateContent xmlns:mc="http://schemas.openxmlformats.org/markup-compatibility/2006">
-    <mc:Choice xmlns:p159="http://schemas.microsoft.com/office/powerpoint/2015/09/main" Requires="p159">
+  <mc:AlternateContent xmlns:mc="http://schemas.openxmlformats.org/markup-compatibility/2006" xmlns:p159="http://schemas.microsoft.com/office/powerpoint/2015/09/main">
+    <mc:Choice Requires="p159">
       <p:transition xmlns:p14="http://schemas.microsoft.com/office/powerpoint/2010/main" spd="slow" p14:dur="2000">
         <p159:morph option="byObject"/>
       </p:transition>
     </mc:Choice>
-    <mc:Fallback>
+    <mc:Fallback xmlns="">
       <p:transition spd="slow">
         <p:fade/>
       </p:transition>
@@ -4955,6 +4955,302 @@
           </p:spPr>
         </p:pic>
       </p:grpSp>
+      <p:pic>
+        <p:nvPicPr>
+          <p:cNvPr id="6" name="Imagen 5" descr="Un hombre con lentes y camiseta negra&#10;&#10;Descripción generada automáticamente">
+            <a:extLst>
+              <a:ext uri="{FF2B5EF4-FFF2-40B4-BE49-F238E27FC236}">
+                <a16:creationId xmlns:a16="http://schemas.microsoft.com/office/drawing/2014/main" id="{E6AD576E-56B3-4DB9-86CD-7F3B26E9B3C5}"/>
+              </a:ext>
+            </a:extLst>
+          </p:cNvPr>
+          <p:cNvPicPr>
+            <a:picLocks noChangeAspect="1"/>
+          </p:cNvPicPr>
+          <p:nvPr/>
+        </p:nvPicPr>
+        <p:blipFill rotWithShape="1">
+          <a:blip r:embed="rId7"/>
+          <a:srcRect l="26570" r="23696"/>
+          <a:stretch/>
+        </p:blipFill>
+        <p:spPr>
+          <a:xfrm>
+            <a:off x="675088" y="2514923"/>
+            <a:ext cx="1707354" cy="2276472"/>
+          </a:xfrm>
+          <a:prstGeom prst="rect">
+            <a:avLst/>
+          </a:prstGeom>
+          <a:ln>
+            <a:noFill/>
+          </a:ln>
+          <a:effectLst>
+            <a:outerShdw blurRad="292100" dist="139700" dir="2700000" algn="tl" rotWithShape="0">
+              <a:srgbClr val="333333">
+                <a:alpha val="65000"/>
+              </a:srgbClr>
+            </a:outerShdw>
+          </a:effectLst>
+        </p:spPr>
+      </p:pic>
+      <p:pic>
+        <p:nvPicPr>
+          <p:cNvPr id="9" name="Imagen 8" descr="Un hombre con una camisa negra&#10;&#10;Descripción generada automáticamente">
+            <a:extLst>
+              <a:ext uri="{FF2B5EF4-FFF2-40B4-BE49-F238E27FC236}">
+                <a16:creationId xmlns:a16="http://schemas.microsoft.com/office/drawing/2014/main" id="{3C66BBCA-C314-39D3-B91C-865471F68976}"/>
+              </a:ext>
+            </a:extLst>
+          </p:cNvPr>
+          <p:cNvPicPr>
+            <a:picLocks noChangeAspect="1"/>
+          </p:cNvPicPr>
+          <p:nvPr/>
+        </p:nvPicPr>
+        <p:blipFill rotWithShape="1">
+          <a:blip r:embed="rId8"/>
+          <a:srcRect l="23219" r="27047"/>
+          <a:stretch/>
+        </p:blipFill>
+        <p:spPr>
+          <a:xfrm>
+            <a:off x="2994423" y="2514923"/>
+            <a:ext cx="1707354" cy="2276472"/>
+          </a:xfrm>
+          <a:prstGeom prst="rect">
+            <a:avLst/>
+          </a:prstGeom>
+          <a:ln>
+            <a:noFill/>
+          </a:ln>
+          <a:effectLst>
+            <a:outerShdw blurRad="292100" dist="139700" dir="2700000" algn="tl" rotWithShape="0">
+              <a:srgbClr val="333333">
+                <a:alpha val="65000"/>
+              </a:srgbClr>
+            </a:outerShdw>
+          </a:effectLst>
+        </p:spPr>
+      </p:pic>
+      <p:pic>
+        <p:nvPicPr>
+          <p:cNvPr id="11" name="Imagen 10" descr="Un hombre con una camisa negra&#10;&#10;Descripción generada automáticamente">
+            <a:extLst>
+              <a:ext uri="{FF2B5EF4-FFF2-40B4-BE49-F238E27FC236}">
+                <a16:creationId xmlns:a16="http://schemas.microsoft.com/office/drawing/2014/main" id="{4AA2C179-4962-B5F9-3C87-10A6F3E90F53}"/>
+              </a:ext>
+            </a:extLst>
+          </p:cNvPr>
+          <p:cNvPicPr>
+            <a:picLocks noChangeAspect="1"/>
+          </p:cNvPicPr>
+          <p:nvPr/>
+        </p:nvPicPr>
+        <p:blipFill rotWithShape="1">
+          <a:blip r:embed="rId9"/>
+          <a:srcRect l="23241" r="27025"/>
+          <a:stretch/>
+        </p:blipFill>
+        <p:spPr>
+          <a:xfrm>
+            <a:off x="5270895" y="2514923"/>
+            <a:ext cx="1707354" cy="2276472"/>
+          </a:xfrm>
+          <a:prstGeom prst="rect">
+            <a:avLst/>
+          </a:prstGeom>
+        </p:spPr>
+      </p:pic>
+      <p:sp>
+        <p:nvSpPr>
+          <p:cNvPr id="12" name="CuadroTexto 11">
+            <a:extLst>
+              <a:ext uri="{FF2B5EF4-FFF2-40B4-BE49-F238E27FC236}">
+                <a16:creationId xmlns:a16="http://schemas.microsoft.com/office/drawing/2014/main" id="{89DB906A-488A-7118-3977-30794CF8BD74}"/>
+              </a:ext>
+            </a:extLst>
+          </p:cNvPr>
+          <p:cNvSpPr txBox="1"/>
+          <p:nvPr/>
+        </p:nvSpPr>
+        <p:spPr>
+          <a:xfrm>
+            <a:off x="675088" y="4972050"/>
+            <a:ext cx="1707354" cy="738664"/>
+          </a:xfrm>
+          <a:prstGeom prst="rect">
+            <a:avLst/>
+          </a:prstGeom>
+          <a:noFill/>
+        </p:spPr>
+        <p:txBody>
+          <a:bodyPr wrap="square" rtlCol="0">
+            <a:spAutoFit/>
+          </a:bodyPr>
+          <a:lstStyle>
+            <a:defPPr>
+              <a:defRPr lang="es-CO"/>
+            </a:defPPr>
+            <a:lvl1pPr algn="ctr">
+              <a:defRPr sz="1600">
+                <a:latin typeface="+mj-lt"/>
+              </a:defRPr>
+            </a:lvl1pPr>
+          </a:lstStyle>
+          <a:p>
+            <a:r>
+              <a:rPr lang="es-ES" dirty="0" err="1"/>
+              <a:t>Ethiem</a:t>
+            </a:r>
+            <a:r>
+              <a:rPr lang="es-ES" dirty="0"/>
+              <a:t> Guerrero</a:t>
+            </a:r>
+          </a:p>
+          <a:p>
+            <a:r>
+              <a:rPr lang="es-ES" dirty="0"/>
+              <a:t>Full </a:t>
+            </a:r>
+            <a:r>
+              <a:rPr lang="es-ES" dirty="0" err="1"/>
+              <a:t>Stack</a:t>
+            </a:r>
+            <a:r>
+              <a:rPr lang="es-ES" dirty="0"/>
+              <a:t> / </a:t>
+            </a:r>
+            <a:r>
+              <a:rPr lang="es-ES" dirty="0" err="1"/>
+              <a:t>Developer</a:t>
+            </a:r>
+            <a:endParaRPr lang="es-CO" dirty="0"/>
+          </a:p>
+        </p:txBody>
+      </p:sp>
+      <p:sp>
+        <p:nvSpPr>
+          <p:cNvPr id="13" name="CuadroTexto 12">
+            <a:extLst>
+              <a:ext uri="{FF2B5EF4-FFF2-40B4-BE49-F238E27FC236}">
+                <a16:creationId xmlns:a16="http://schemas.microsoft.com/office/drawing/2014/main" id="{8574691A-EECC-F23D-B8F7-2A2B17CDF890}"/>
+              </a:ext>
+            </a:extLst>
+          </p:cNvPr>
+          <p:cNvSpPr txBox="1"/>
+          <p:nvPr/>
+        </p:nvSpPr>
+        <p:spPr>
+          <a:xfrm>
+            <a:off x="2994423" y="4986593"/>
+            <a:ext cx="1707354" cy="738664"/>
+          </a:xfrm>
+          <a:prstGeom prst="rect">
+            <a:avLst/>
+          </a:prstGeom>
+          <a:noFill/>
+        </p:spPr>
+        <p:txBody>
+          <a:bodyPr wrap="square" rtlCol="0">
+            <a:spAutoFit/>
+          </a:bodyPr>
+          <a:lstStyle>
+            <a:defPPr>
+              <a:defRPr lang="es-CO"/>
+            </a:defPPr>
+            <a:lvl1pPr algn="ctr">
+              <a:defRPr sz="1600">
+                <a:latin typeface="+mj-lt"/>
+              </a:defRPr>
+            </a:lvl1pPr>
+          </a:lstStyle>
+          <a:p>
+            <a:r>
+              <a:rPr lang="es-ES" dirty="0"/>
+              <a:t>Moisés Pineda</a:t>
+            </a:r>
+          </a:p>
+          <a:p>
+            <a:r>
+              <a:rPr lang="es-ES" dirty="0"/>
+              <a:t>Full </a:t>
+            </a:r>
+            <a:r>
+              <a:rPr lang="es-ES" dirty="0" err="1"/>
+              <a:t>Stack</a:t>
+            </a:r>
+            <a:r>
+              <a:rPr lang="es-ES" dirty="0"/>
+              <a:t> / </a:t>
+            </a:r>
+            <a:r>
+              <a:rPr lang="es-ES" dirty="0" err="1"/>
+              <a:t>Developer</a:t>
+            </a:r>
+            <a:endParaRPr lang="es-CO" dirty="0"/>
+          </a:p>
+        </p:txBody>
+      </p:sp>
+      <p:sp>
+        <p:nvSpPr>
+          <p:cNvPr id="14" name="CuadroTexto 13">
+            <a:extLst>
+              <a:ext uri="{FF2B5EF4-FFF2-40B4-BE49-F238E27FC236}">
+                <a16:creationId xmlns:a16="http://schemas.microsoft.com/office/drawing/2014/main" id="{181B400B-C5EF-307F-33A1-19A0889DEF51}"/>
+              </a:ext>
+            </a:extLst>
+          </p:cNvPr>
+          <p:cNvSpPr txBox="1"/>
+          <p:nvPr/>
+        </p:nvSpPr>
+        <p:spPr>
+          <a:xfrm>
+            <a:off x="5270895" y="4956195"/>
+            <a:ext cx="1707354" cy="523220"/>
+          </a:xfrm>
+          <a:prstGeom prst="rect">
+            <a:avLst/>
+          </a:prstGeom>
+          <a:noFill/>
+        </p:spPr>
+        <p:txBody>
+          <a:bodyPr wrap="square" rtlCol="0">
+            <a:spAutoFit/>
+          </a:bodyPr>
+          <a:lstStyle>
+            <a:defPPr>
+              <a:defRPr lang="es-CO"/>
+            </a:defPPr>
+            <a:lvl1pPr algn="ctr">
+              <a:defRPr sz="1600">
+                <a:latin typeface="+mj-lt"/>
+              </a:defRPr>
+            </a:lvl1pPr>
+          </a:lstStyle>
+          <a:p>
+            <a:r>
+              <a:rPr lang="es-ES" dirty="0"/>
+              <a:t>Brayan Medina</a:t>
+            </a:r>
+          </a:p>
+          <a:p>
+            <a:r>
+              <a:rPr lang="es-ES" dirty="0" err="1"/>
+              <a:t>Backend</a:t>
+            </a:r>
+            <a:r>
+              <a:rPr lang="es-ES" dirty="0"/>
+              <a:t> / </a:t>
+            </a:r>
+            <a:r>
+              <a:rPr lang="es-ES" dirty="0" err="1"/>
+              <a:t>Developer</a:t>
+            </a:r>
+            <a:endParaRPr lang="es-CO" dirty="0"/>
+          </a:p>
+        </p:txBody>
+      </p:sp>
     </p:spTree>
     <p:extLst>
       <p:ext uri="{BB962C8B-B14F-4D97-AF65-F5344CB8AC3E}">
@@ -4965,13 +5261,13 @@
   <p:clrMapOvr>
     <a:masterClrMapping/>
   </p:clrMapOvr>
-  <mc:AlternateContent xmlns:mc="http://schemas.openxmlformats.org/markup-compatibility/2006">
-    <mc:Choice xmlns:p159="http://schemas.microsoft.com/office/powerpoint/2015/09/main" Requires="p159">
+  <mc:AlternateContent xmlns:mc="http://schemas.openxmlformats.org/markup-compatibility/2006" xmlns:p159="http://schemas.microsoft.com/office/powerpoint/2015/09/main">
+    <mc:Choice Requires="p159">
       <p:transition xmlns:p14="http://schemas.microsoft.com/office/powerpoint/2010/main" spd="slow" p14:dur="2000">
         <p159:morph option="byObject"/>
       </p:transition>
     </mc:Choice>
-    <mc:Fallback>
+    <mc:Fallback xmlns="">
       <p:transition spd="slow">
         <p:fade/>
       </p:transition>
@@ -5357,13 +5653,13 @@
   <p:clrMapOvr>
     <a:masterClrMapping/>
   </p:clrMapOvr>
-  <mc:AlternateContent xmlns:mc="http://schemas.openxmlformats.org/markup-compatibility/2006">
-    <mc:Choice xmlns:p159="http://schemas.microsoft.com/office/powerpoint/2015/09/main" Requires="p159">
+  <mc:AlternateContent xmlns:mc="http://schemas.openxmlformats.org/markup-compatibility/2006" xmlns:p159="http://schemas.microsoft.com/office/powerpoint/2015/09/main">
+    <mc:Choice Requires="p159">
       <p:transition xmlns:p14="http://schemas.microsoft.com/office/powerpoint/2010/main" spd="slow" p14:dur="2000">
         <p159:morph option="byObject"/>
       </p:transition>
     </mc:Choice>
-    <mc:Fallback>
+    <mc:Fallback xmlns="">
       <p:transition spd="slow">
         <p:fade/>
       </p:transition>
@@ -5684,13 +5980,13 @@
   <p:clrMapOvr>
     <a:masterClrMapping/>
   </p:clrMapOvr>
-  <mc:AlternateContent xmlns:mc="http://schemas.openxmlformats.org/markup-compatibility/2006">
-    <mc:Choice xmlns:p159="http://schemas.microsoft.com/office/powerpoint/2015/09/main" Requires="p159">
+  <mc:AlternateContent xmlns:mc="http://schemas.openxmlformats.org/markup-compatibility/2006" xmlns:p159="http://schemas.microsoft.com/office/powerpoint/2015/09/main">
+    <mc:Choice Requires="p159">
       <p:transition xmlns:p14="http://schemas.microsoft.com/office/powerpoint/2010/main" spd="slow" p14:dur="2000">
         <p159:morph option="byObject"/>
       </p:transition>
     </mc:Choice>
-    <mc:Fallback>
+    <mc:Fallback xmlns="">
       <p:transition spd="slow">
         <p:fade/>
       </p:transition>
@@ -6041,13 +6337,13 @@
   <p:clrMapOvr>
     <a:masterClrMapping/>
   </p:clrMapOvr>
-  <mc:AlternateContent xmlns:mc="http://schemas.openxmlformats.org/markup-compatibility/2006">
-    <mc:Choice xmlns:p159="http://schemas.microsoft.com/office/powerpoint/2015/09/main" Requires="p159">
+  <mc:AlternateContent xmlns:mc="http://schemas.openxmlformats.org/markup-compatibility/2006" xmlns:p159="http://schemas.microsoft.com/office/powerpoint/2015/09/main">
+    <mc:Choice Requires="p159">
       <p:transition xmlns:p14="http://schemas.microsoft.com/office/powerpoint/2010/main" spd="slow" p14:dur="2000">
         <p159:morph option="byObject"/>
       </p:transition>
     </mc:Choice>
-    <mc:Fallback>
+    <mc:Fallback xmlns="">
       <p:transition spd="slow">
         <p:fade/>
       </p:transition>
@@ -6761,13 +7057,13 @@
   <p:clrMapOvr>
     <a:masterClrMapping/>
   </p:clrMapOvr>
-  <mc:AlternateContent xmlns:mc="http://schemas.openxmlformats.org/markup-compatibility/2006">
-    <mc:Choice xmlns:p159="http://schemas.microsoft.com/office/powerpoint/2015/09/main" Requires="p159">
+  <mc:AlternateContent xmlns:mc="http://schemas.openxmlformats.org/markup-compatibility/2006" xmlns:p159="http://schemas.microsoft.com/office/powerpoint/2015/09/main">
+    <mc:Choice Requires="p159">
       <p:transition xmlns:p14="http://schemas.microsoft.com/office/powerpoint/2010/main" spd="slow" p14:dur="2000">
         <p159:morph option="byObject"/>
       </p:transition>
     </mc:Choice>
-    <mc:Fallback>
+    <mc:Fallback xmlns="">
       <p:transition spd="slow">
         <p:fade/>
       </p:transition>
@@ -7080,13 +7376,13 @@
   <p:clrMapOvr>
     <a:masterClrMapping/>
   </p:clrMapOvr>
-  <mc:AlternateContent xmlns:mc="http://schemas.openxmlformats.org/markup-compatibility/2006">
-    <mc:Choice xmlns:p159="http://schemas.microsoft.com/office/powerpoint/2015/09/main" Requires="p159">
+  <mc:AlternateContent xmlns:mc="http://schemas.openxmlformats.org/markup-compatibility/2006" xmlns:p159="http://schemas.microsoft.com/office/powerpoint/2015/09/main">
+    <mc:Choice Requires="p159">
       <p:transition xmlns:p14="http://schemas.microsoft.com/office/powerpoint/2010/main" spd="slow" p14:dur="2000">
         <p159:morph option="byObject"/>
       </p:transition>
     </mc:Choice>
-    <mc:Fallback>
+    <mc:Fallback xmlns="">
       <p:transition spd="slow">
         <p:fade/>
       </p:transition>
@@ -7339,13 +7635,13 @@
   <p:clrMapOvr>
     <a:masterClrMapping/>
   </p:clrMapOvr>
-  <mc:AlternateContent xmlns:mc="http://schemas.openxmlformats.org/markup-compatibility/2006">
-    <mc:Choice xmlns:p159="http://schemas.microsoft.com/office/powerpoint/2015/09/main" Requires="p159">
+  <mc:AlternateContent xmlns:mc="http://schemas.openxmlformats.org/markup-compatibility/2006" xmlns:p159="http://schemas.microsoft.com/office/powerpoint/2015/09/main">
+    <mc:Choice Requires="p159">
       <p:transition xmlns:p14="http://schemas.microsoft.com/office/powerpoint/2010/main" spd="slow" p14:dur="2000">
         <p159:morph option="byObject"/>
       </p:transition>
     </mc:Choice>
-    <mc:Fallback>
+    <mc:Fallback xmlns="">
       <p:transition spd="slow">
         <p:fade/>
       </p:transition>
@@ -7828,13 +8124,13 @@
   <p:clrMapOvr>
     <a:masterClrMapping/>
   </p:clrMapOvr>
-  <mc:AlternateContent xmlns:mc="http://schemas.openxmlformats.org/markup-compatibility/2006">
-    <mc:Choice xmlns:p159="http://schemas.microsoft.com/office/powerpoint/2015/09/main" Requires="p159">
+  <mc:AlternateContent xmlns:mc="http://schemas.openxmlformats.org/markup-compatibility/2006" xmlns:p159="http://schemas.microsoft.com/office/powerpoint/2015/09/main">
+    <mc:Choice Requires="p159">
       <p:transition xmlns:p14="http://schemas.microsoft.com/office/powerpoint/2010/main" spd="slow" p14:dur="2000">
         <p159:morph option="byObject"/>
       </p:transition>
     </mc:Choice>
-    <mc:Fallback>
+    <mc:Fallback xmlns="">
       <p:transition spd="slow">
         <p:fade/>
       </p:transition>

--- a/Presentaciones del proyecto/Presentación de Proyecto Pitch1.pptx
+++ b/Presentaciones del proyecto/Presentación de Proyecto Pitch1.pptx
@@ -261,7 +261,7 @@
           <a:p>
             <a:fld id="{88369B9F-131C-2846-AB8F-CEE154B4CAEB}" type="datetimeFigureOut">
               <a:rPr lang="es-CO" smtClean="0"/>
-              <a:t>25/05/2023</a:t>
+              <a:t>26/05/2023</a:t>
             </a:fld>
             <a:endParaRPr lang="es-CO"/>
           </a:p>
@@ -438,7 +438,7 @@
           <a:p>
             <a:fld id="{9660CB96-A603-FF42-AE46-F5F75F80A67B}" type="datetimeFigureOut">
               <a:rPr lang="es-CO" smtClean="0"/>
-              <a:t>25/05/2023</a:t>
+              <a:t>26/05/2023</a:t>
             </a:fld>
             <a:endParaRPr lang="es-CO"/>
           </a:p>
@@ -939,7 +939,7 @@
           <a:p>
             <a:fld id="{BD986248-06F7-A441-A47A-264EBD310E11}" type="datetimeFigureOut">
               <a:rPr lang="es-CO" smtClean="0"/>
-              <a:t>25/05/2023</a:t>
+              <a:t>26/05/2023</a:t>
             </a:fld>
             <a:endParaRPr lang="es-CO"/>
           </a:p>
@@ -1139,7 +1139,7 @@
           <a:p>
             <a:fld id="{BD986248-06F7-A441-A47A-264EBD310E11}" type="datetimeFigureOut">
               <a:rPr lang="es-CO" smtClean="0"/>
-              <a:t>25/05/2023</a:t>
+              <a:t>26/05/2023</a:t>
             </a:fld>
             <a:endParaRPr lang="es-CO"/>
           </a:p>
@@ -1349,7 +1349,7 @@
           <a:p>
             <a:fld id="{BD986248-06F7-A441-A47A-264EBD310E11}" type="datetimeFigureOut">
               <a:rPr lang="es-CO" smtClean="0"/>
-              <a:t>25/05/2023</a:t>
+              <a:t>26/05/2023</a:t>
             </a:fld>
             <a:endParaRPr lang="es-CO"/>
           </a:p>
@@ -1612,7 +1612,7 @@
           <a:p>
             <a:fld id="{BD986248-06F7-A441-A47A-264EBD310E11}" type="datetimeFigureOut">
               <a:rPr lang="es-CO" smtClean="0"/>
-              <a:t>25/05/2023</a:t>
+              <a:t>26/05/2023</a:t>
             </a:fld>
             <a:endParaRPr lang="es-CO"/>
           </a:p>
@@ -1812,7 +1812,7 @@
           <a:p>
             <a:fld id="{BD986248-06F7-A441-A47A-264EBD310E11}" type="datetimeFigureOut">
               <a:rPr lang="es-CO" smtClean="0"/>
-              <a:t>25/05/2023</a:t>
+              <a:t>26/05/2023</a:t>
             </a:fld>
             <a:endParaRPr lang="es-CO"/>
           </a:p>
@@ -2088,7 +2088,7 @@
           <a:p>
             <a:fld id="{BD986248-06F7-A441-A47A-264EBD310E11}" type="datetimeFigureOut">
               <a:rPr lang="es-CO" smtClean="0"/>
-              <a:t>25/05/2023</a:t>
+              <a:t>26/05/2023</a:t>
             </a:fld>
             <a:endParaRPr lang="es-CO"/>
           </a:p>
@@ -2356,7 +2356,7 @@
           <a:p>
             <a:fld id="{BD986248-06F7-A441-A47A-264EBD310E11}" type="datetimeFigureOut">
               <a:rPr lang="es-CO" smtClean="0"/>
-              <a:t>25/05/2023</a:t>
+              <a:t>26/05/2023</a:t>
             </a:fld>
             <a:endParaRPr lang="es-CO"/>
           </a:p>
@@ -2771,7 +2771,7 @@
           <a:p>
             <a:fld id="{BD986248-06F7-A441-A47A-264EBD310E11}" type="datetimeFigureOut">
               <a:rPr lang="es-CO" smtClean="0"/>
-              <a:t>25/05/2023</a:t>
+              <a:t>26/05/2023</a:t>
             </a:fld>
             <a:endParaRPr lang="es-CO"/>
           </a:p>
@@ -2913,7 +2913,7 @@
           <a:p>
             <a:fld id="{BD986248-06F7-A441-A47A-264EBD310E11}" type="datetimeFigureOut">
               <a:rPr lang="es-CO" smtClean="0"/>
-              <a:t>25/05/2023</a:t>
+              <a:t>26/05/2023</a:t>
             </a:fld>
             <a:endParaRPr lang="es-CO"/>
           </a:p>
@@ -3026,7 +3026,7 @@
           <a:p>
             <a:fld id="{BD986248-06F7-A441-A47A-264EBD310E11}" type="datetimeFigureOut">
               <a:rPr lang="es-CO" smtClean="0"/>
-              <a:t>25/05/2023</a:t>
+              <a:t>26/05/2023</a:t>
             </a:fld>
             <a:endParaRPr lang="es-CO"/>
           </a:p>
@@ -3339,7 +3339,7 @@
           <a:p>
             <a:fld id="{BD986248-06F7-A441-A47A-264EBD310E11}" type="datetimeFigureOut">
               <a:rPr lang="es-CO" smtClean="0"/>
-              <a:t>25/05/2023</a:t>
+              <a:t>26/05/2023</a:t>
             </a:fld>
             <a:endParaRPr lang="es-CO"/>
           </a:p>
@@ -3628,7 +3628,7 @@
           <a:p>
             <a:fld id="{BD986248-06F7-A441-A47A-264EBD310E11}" type="datetimeFigureOut">
               <a:rPr lang="es-CO" smtClean="0"/>
-              <a:t>25/05/2023</a:t>
+              <a:t>26/05/2023</a:t>
             </a:fld>
             <a:endParaRPr lang="es-CO"/>
           </a:p>
@@ -3871,7 +3871,7 @@
           <a:p>
             <a:fld id="{BD986248-06F7-A441-A47A-264EBD310E11}" type="datetimeFigureOut">
               <a:rPr lang="es-CO" smtClean="0"/>
-              <a:t>25/05/2023</a:t>
+              <a:t>26/05/2023</a:t>
             </a:fld>
             <a:endParaRPr lang="es-CO"/>
           </a:p>
@@ -5076,7 +5076,7 @@
         </p:nvSpPr>
         <p:spPr>
           <a:xfrm>
-            <a:off x="675088" y="4972050"/>
+            <a:off x="675088" y="4956195"/>
             <a:ext cx="1707354" cy="738664"/>
           </a:xfrm>
           <a:prstGeom prst="rect">
@@ -5143,8 +5143,8 @@
         </p:nvSpPr>
         <p:spPr>
           <a:xfrm>
-            <a:off x="2994423" y="4986593"/>
-            <a:ext cx="1707354" cy="738664"/>
+            <a:off x="2994423" y="4956195"/>
+            <a:ext cx="1707354" cy="1077218"/>
           </a:xfrm>
           <a:prstGeom prst="rect">
             <a:avLst/>
@@ -5188,6 +5188,10 @@
               <a:rPr lang="es-ES" dirty="0" err="1"/>
               <a:t>Developer</a:t>
             </a:r>
+            <a:r>
+              <a:rPr lang="es-ES" dirty="0"/>
+              <a:t> – Scrum Master</a:t>
+            </a:r>
             <a:endParaRPr lang="es-CO" dirty="0"/>
           </a:p>
         </p:txBody>
@@ -5238,6 +5242,108 @@
             <a:r>
               <a:rPr lang="es-ES" dirty="0" err="1"/>
               <a:t>Backend</a:t>
+            </a:r>
+            <a:r>
+              <a:rPr lang="es-ES" dirty="0"/>
+              <a:t> / </a:t>
+            </a:r>
+            <a:r>
+              <a:rPr lang="es-ES" dirty="0" err="1"/>
+              <a:t>Developer</a:t>
+            </a:r>
+            <a:endParaRPr lang="es-CO" dirty="0"/>
+          </a:p>
+        </p:txBody>
+      </p:sp>
+      <p:pic>
+        <p:nvPicPr>
+          <p:cNvPr id="7" name="Imagen 6" descr="Un hombre con lentes y camiseta negra&#10;&#10;Descripción generada automáticamente">
+            <a:extLst>
+              <a:ext uri="{FF2B5EF4-FFF2-40B4-BE49-F238E27FC236}">
+                <a16:creationId xmlns:a16="http://schemas.microsoft.com/office/drawing/2014/main" id="{E168E1FE-53C4-0CA1-4060-20050B8A168C}"/>
+              </a:ext>
+            </a:extLst>
+          </p:cNvPr>
+          <p:cNvPicPr>
+            <a:picLocks noChangeAspect="1"/>
+          </p:cNvPicPr>
+          <p:nvPr/>
+        </p:nvPicPr>
+        <p:blipFill rotWithShape="1">
+          <a:blip r:embed="rId10"/>
+          <a:srcRect t="12500" b="12500"/>
+          <a:stretch/>
+        </p:blipFill>
+        <p:spPr>
+          <a:xfrm>
+            <a:off x="7745276" y="2514923"/>
+            <a:ext cx="1707354" cy="2276472"/>
+          </a:xfrm>
+          <a:prstGeom prst="rect">
+            <a:avLst/>
+          </a:prstGeom>
+          <a:ln>
+            <a:noFill/>
+          </a:ln>
+          <a:effectLst>
+            <a:outerShdw blurRad="292100" dist="139700" dir="2700000" algn="tl" rotWithShape="0">
+              <a:srgbClr val="333333">
+                <a:alpha val="65000"/>
+              </a:srgbClr>
+            </a:outerShdw>
+          </a:effectLst>
+        </p:spPr>
+      </p:pic>
+      <p:sp>
+        <p:nvSpPr>
+          <p:cNvPr id="10" name="CuadroTexto 9">
+            <a:extLst>
+              <a:ext uri="{FF2B5EF4-FFF2-40B4-BE49-F238E27FC236}">
+                <a16:creationId xmlns:a16="http://schemas.microsoft.com/office/drawing/2014/main" id="{E716EBD1-8740-ADE2-DDD9-80AA9A7F586D}"/>
+              </a:ext>
+            </a:extLst>
+          </p:cNvPr>
+          <p:cNvSpPr txBox="1"/>
+          <p:nvPr/>
+        </p:nvSpPr>
+        <p:spPr>
+          <a:xfrm>
+            <a:off x="7745276" y="4956195"/>
+            <a:ext cx="1707354" cy="830997"/>
+          </a:xfrm>
+          <a:prstGeom prst="rect">
+            <a:avLst/>
+          </a:prstGeom>
+          <a:noFill/>
+        </p:spPr>
+        <p:txBody>
+          <a:bodyPr wrap="square" rtlCol="0">
+            <a:spAutoFit/>
+          </a:bodyPr>
+          <a:lstStyle>
+            <a:defPPr>
+              <a:defRPr lang="es-CO"/>
+            </a:defPPr>
+            <a:lvl1pPr algn="ctr">
+              <a:defRPr sz="1600">
+                <a:latin typeface="+mj-lt"/>
+              </a:defRPr>
+            </a:lvl1pPr>
+          </a:lstStyle>
+          <a:p>
+            <a:r>
+              <a:rPr lang="es-ES" dirty="0" err="1"/>
+              <a:t>Sebastían</a:t>
+            </a:r>
+            <a:r>
+              <a:rPr lang="es-ES" dirty="0"/>
+              <a:t> García</a:t>
+            </a:r>
+          </a:p>
+          <a:p>
+            <a:r>
+              <a:rPr lang="es-ES" dirty="0" err="1"/>
+              <a:t>Frontend</a:t>
             </a:r>
             <a:r>
               <a:rPr lang="es-ES" dirty="0"/>

--- a/Presentaciones del proyecto/Presentación de Proyecto Pitch1.pptx
+++ b/Presentaciones del proyecto/Presentación de Proyecto Pitch1.pptx
@@ -5357,6 +5357,100 @@
           </a:p>
         </p:txBody>
       </p:sp>
+      <p:pic>
+        <p:nvPicPr>
+          <p:cNvPr id="15" name="Imagen 14" descr="Hombre con la mano en la cara&#10;&#10;Descripción generada automáticamente con confianza baja">
+            <a:extLst>
+              <a:ext uri="{FF2B5EF4-FFF2-40B4-BE49-F238E27FC236}">
+                <a16:creationId xmlns:a16="http://schemas.microsoft.com/office/drawing/2014/main" id="{B5029DA0-0C63-BCB0-F5DB-BFCC7B90AEF6}"/>
+              </a:ext>
+            </a:extLst>
+          </p:cNvPr>
+          <p:cNvPicPr>
+            <a:picLocks noChangeAspect="1"/>
+          </p:cNvPicPr>
+          <p:nvPr/>
+        </p:nvPicPr>
+        <p:blipFill rotWithShape="1">
+          <a:blip r:embed="rId11"/>
+          <a:srcRect l="17936" t="7170" r="13833" b="24599"/>
+          <a:stretch/>
+        </p:blipFill>
+        <p:spPr>
+          <a:xfrm>
+            <a:off x="10052381" y="2514923"/>
+            <a:ext cx="1707354" cy="2276472"/>
+          </a:xfrm>
+          <a:prstGeom prst="rect">
+            <a:avLst/>
+          </a:prstGeom>
+        </p:spPr>
+      </p:pic>
+      <p:sp>
+        <p:nvSpPr>
+          <p:cNvPr id="16" name="CuadroTexto 15">
+            <a:extLst>
+              <a:ext uri="{FF2B5EF4-FFF2-40B4-BE49-F238E27FC236}">
+                <a16:creationId xmlns:a16="http://schemas.microsoft.com/office/drawing/2014/main" id="{3E45B119-29E5-8639-397F-A3EF655AD3E6}"/>
+              </a:ext>
+            </a:extLst>
+          </p:cNvPr>
+          <p:cNvSpPr txBox="1"/>
+          <p:nvPr/>
+        </p:nvSpPr>
+        <p:spPr>
+          <a:xfrm>
+            <a:off x="10052381" y="4956195"/>
+            <a:ext cx="1707354" cy="830997"/>
+          </a:xfrm>
+          <a:prstGeom prst="rect">
+            <a:avLst/>
+          </a:prstGeom>
+          <a:noFill/>
+        </p:spPr>
+        <p:txBody>
+          <a:bodyPr wrap="square" rtlCol="0">
+            <a:spAutoFit/>
+          </a:bodyPr>
+          <a:lstStyle>
+            <a:defPPr>
+              <a:defRPr lang="es-CO"/>
+            </a:defPPr>
+            <a:lvl1pPr algn="ctr">
+              <a:defRPr sz="1600">
+                <a:latin typeface="+mj-lt"/>
+              </a:defRPr>
+            </a:lvl1pPr>
+          </a:lstStyle>
+          <a:p>
+            <a:r>
+              <a:rPr lang="es-ES" dirty="0"/>
+              <a:t>Julio Marín /</a:t>
+            </a:r>
+          </a:p>
+          <a:p>
+            <a:r>
+              <a:rPr lang="es-ES" dirty="0"/>
+              <a:t>Documentación –</a:t>
+            </a:r>
+          </a:p>
+          <a:p>
+            <a:r>
+              <a:rPr lang="es-ES" dirty="0" err="1"/>
+              <a:t>Product</a:t>
+            </a:r>
+            <a:r>
+              <a:rPr lang="es-ES" dirty="0"/>
+              <a:t> </a:t>
+            </a:r>
+            <a:r>
+              <a:rPr lang="es-ES" dirty="0" err="1"/>
+              <a:t>Owner</a:t>
+            </a:r>
+            <a:endParaRPr lang="es-CO" dirty="0"/>
+          </a:p>
+        </p:txBody>
+      </p:sp>
     </p:spTree>
     <p:extLst>
       <p:ext uri="{BB962C8B-B14F-4D97-AF65-F5344CB8AC3E}">
@@ -7464,12 +7558,18 @@
         </p:blipFill>
         <p:spPr>
           <a:xfrm>
-            <a:off x="2044700" y="1674060"/>
+            <a:off x="1843188" y="1579381"/>
             <a:ext cx="8712200" cy="4617646"/>
           </a:xfrm>
           <a:prstGeom prst="rect">
             <a:avLst/>
           </a:prstGeom>
+          <a:ln>
+            <a:noFill/>
+          </a:ln>
+          <a:effectLst>
+            <a:softEdge rad="112500"/>
+          </a:effectLst>
         </p:spPr>
       </p:pic>
     </p:spTree>

--- a/Presentaciones del proyecto/Presentación de Proyecto Pitch1.pptx
+++ b/Presentaciones del proyecto/Presentación de Proyecto Pitch1.pptx
@@ -5,10 +5,10 @@
     <p:sldMasterId id="2147483648" r:id="rId1"/>
   </p:sldMasterIdLst>
   <p:notesMasterIdLst>
-    <p:notesMasterId r:id="rId12"/>
+    <p:notesMasterId r:id="rId11"/>
   </p:notesMasterIdLst>
   <p:handoutMasterIdLst>
-    <p:handoutMasterId r:id="rId13"/>
+    <p:handoutMasterId r:id="rId12"/>
   </p:handoutMasterIdLst>
   <p:sldIdLst>
     <p:sldId id="498" r:id="rId2"/>
@@ -20,7 +20,6 @@
     <p:sldId id="513" r:id="rId8"/>
     <p:sldId id="514" r:id="rId9"/>
     <p:sldId id="515" r:id="rId10"/>
-    <p:sldId id="509" r:id="rId11"/>
   </p:sldIdLst>
   <p:sldSz cx="12192000" cy="6858000"/>
   <p:notesSz cx="6858000" cy="9144000"/>
@@ -4591,88 +4590,47 @@
           </p:spPr>
         </p:pic>
       </p:grpSp>
+      <p:sp>
+        <p:nvSpPr>
+          <p:cNvPr id="8" name="CuadroTexto 7">
+            <a:extLst>
+              <a:ext uri="{FF2B5EF4-FFF2-40B4-BE49-F238E27FC236}">
+                <a16:creationId xmlns:a16="http://schemas.microsoft.com/office/drawing/2014/main" id="{EDF2B00B-492B-F366-C829-34D9F3A81E6B}"/>
+              </a:ext>
+            </a:extLst>
+          </p:cNvPr>
+          <p:cNvSpPr txBox="1"/>
+          <p:nvPr/>
+        </p:nvSpPr>
+        <p:spPr>
+          <a:xfrm>
+            <a:off x="5000445" y="6236898"/>
+            <a:ext cx="2191110" cy="523220"/>
+          </a:xfrm>
+          <a:prstGeom prst="rect">
+            <a:avLst/>
+          </a:prstGeom>
+          <a:noFill/>
+        </p:spPr>
+        <p:txBody>
+          <a:bodyPr wrap="square" rtlCol="0">
+            <a:spAutoFit/>
+          </a:bodyPr>
+          <a:lstStyle/>
+          <a:p>
+            <a:r>
+              <a:rPr lang="es-CO" sz="2800" b="1" dirty="0">
+                <a:latin typeface="+mj-lt"/>
+              </a:rPr>
+              <a:t>ADSI 2448515</a:t>
+            </a:r>
+          </a:p>
+        </p:txBody>
+      </p:sp>
     </p:spTree>
     <p:extLst>
       <p:ext uri="{BB962C8B-B14F-4D97-AF65-F5344CB8AC3E}">
         <p14:creationId xmlns:p14="http://schemas.microsoft.com/office/powerpoint/2010/main" val="2099732435"/>
-      </p:ext>
-    </p:extLst>
-  </p:cSld>
-  <p:clrMapOvr>
-    <a:masterClrMapping/>
-  </p:clrMapOvr>
-  <mc:AlternateContent xmlns:mc="http://schemas.openxmlformats.org/markup-compatibility/2006" xmlns:p159="http://schemas.microsoft.com/office/powerpoint/2015/09/main">
-    <mc:Choice Requires="p159">
-      <p:transition xmlns:p14="http://schemas.microsoft.com/office/powerpoint/2010/main" spd="slow" p14:dur="2000">
-        <p159:morph option="byObject"/>
-      </p:transition>
-    </mc:Choice>
-    <mc:Fallback xmlns="">
-      <p:transition spd="slow">
-        <p:fade/>
-      </p:transition>
-    </mc:Fallback>
-  </mc:AlternateContent>
-</p:sld>
-</file>
-
-<file path=ppt/slides/slide10.xml><?xml version="1.0" encoding="utf-8"?>
-<p:sld xmlns:a="http://schemas.openxmlformats.org/drawingml/2006/main" xmlns:r="http://schemas.openxmlformats.org/officeDocument/2006/relationships" xmlns:p="http://schemas.openxmlformats.org/presentationml/2006/main">
-  <p:cSld>
-    <p:spTree>
-      <p:nvGrpSpPr>
-        <p:cNvPr id="1" name=""/>
-        <p:cNvGrpSpPr/>
-        <p:nvPr/>
-      </p:nvGrpSpPr>
-      <p:grpSpPr>
-        <a:xfrm>
-          <a:off x="0" y="0"/>
-          <a:ext cx="0" cy="0"/>
-          <a:chOff x="0" y="0"/>
-          <a:chExt cx="0" cy="0"/>
-        </a:xfrm>
-      </p:grpSpPr>
-      <p:pic>
-        <p:nvPicPr>
-          <p:cNvPr id="4" name="Imagen 3" descr="Imagen que contiene Interfaz de usuario gráfica&#10;&#10;Descripción generada automáticamente">
-            <a:extLst>
-              <a:ext uri="{FF2B5EF4-FFF2-40B4-BE49-F238E27FC236}">
-                <a16:creationId xmlns:a16="http://schemas.microsoft.com/office/drawing/2014/main" id="{A01EB75E-8874-42DD-11A3-2D5CA1D238B7}"/>
-              </a:ext>
-            </a:extLst>
-          </p:cNvPr>
-          <p:cNvPicPr>
-            <a:picLocks noChangeAspect="1"/>
-          </p:cNvPicPr>
-          <p:nvPr/>
-        </p:nvPicPr>
-        <p:blipFill>
-          <a:blip r:embed="rId2" cstate="email">
-            <a:extLst>
-              <a:ext uri="{28A0092B-C50C-407E-A947-70E740481C1C}">
-                <a14:useLocalDpi xmlns:a14="http://schemas.microsoft.com/office/drawing/2010/main"/>
-              </a:ext>
-            </a:extLst>
-          </a:blip>
-          <a:stretch>
-            <a:fillRect/>
-          </a:stretch>
-        </p:blipFill>
-        <p:spPr>
-          <a:xfrm>
-            <a:off x="0" y="0"/>
-            <a:ext cx="12192000" cy="6858000"/>
-          </a:xfrm>
-          <a:prstGeom prst="rect">
-            <a:avLst/>
-          </a:prstGeom>
-        </p:spPr>
-      </p:pic>
-    </p:spTree>
-    <p:extLst>
-      <p:ext uri="{BB962C8B-B14F-4D97-AF65-F5344CB8AC3E}">
-        <p14:creationId xmlns:p14="http://schemas.microsoft.com/office/powerpoint/2010/main" val="3533667431"/>
       </p:ext>
     </p:extLst>
   </p:cSld>
@@ -7825,6 +7783,36 @@
           <a:xfrm>
             <a:off x="1276806" y="0"/>
             <a:ext cx="9262881" cy="6865634"/>
+          </a:xfrm>
+          <a:prstGeom prst="rect">
+            <a:avLst/>
+          </a:prstGeom>
+        </p:spPr>
+      </p:pic>
+      <p:pic>
+        <p:nvPicPr>
+          <p:cNvPr id="2" name="Imagen 1">
+            <a:extLst>
+              <a:ext uri="{FF2B5EF4-FFF2-40B4-BE49-F238E27FC236}">
+                <a16:creationId xmlns:a16="http://schemas.microsoft.com/office/drawing/2014/main" id="{2F9E04A7-A78C-79A5-D333-DEF554A37AFE}"/>
+              </a:ext>
+            </a:extLst>
+          </p:cNvPr>
+          <p:cNvPicPr>
+            <a:picLocks noChangeAspect="1"/>
+          </p:cNvPicPr>
+          <p:nvPr/>
+        </p:nvPicPr>
+        <p:blipFill>
+          <a:blip r:embed="rId8"/>
+          <a:stretch>
+            <a:fillRect/>
+          </a:stretch>
+        </p:blipFill>
+        <p:spPr>
+          <a:xfrm>
+            <a:off x="6013201" y="6048555"/>
+            <a:ext cx="921589" cy="921589"/>
           </a:xfrm>
           <a:prstGeom prst="rect">
             <a:avLst/>

--- a/Presentaciones del proyecto/Presentación de Proyecto Pitch1.pptx
+++ b/Presentaciones del proyecto/Presentación de Proyecto Pitch1.pptx
@@ -5,10 +5,10 @@
     <p:sldMasterId id="2147483648" r:id="rId1"/>
   </p:sldMasterIdLst>
   <p:notesMasterIdLst>
-    <p:notesMasterId r:id="rId11"/>
+    <p:notesMasterId r:id="rId12"/>
   </p:notesMasterIdLst>
   <p:handoutMasterIdLst>
-    <p:handoutMasterId r:id="rId12"/>
+    <p:handoutMasterId r:id="rId13"/>
   </p:handoutMasterIdLst>
   <p:sldIdLst>
     <p:sldId id="498" r:id="rId2"/>
@@ -17,9 +17,10 @@
     <p:sldId id="510" r:id="rId5"/>
     <p:sldId id="511" r:id="rId6"/>
     <p:sldId id="512" r:id="rId7"/>
-    <p:sldId id="513" r:id="rId8"/>
-    <p:sldId id="514" r:id="rId9"/>
-    <p:sldId id="515" r:id="rId10"/>
+    <p:sldId id="516" r:id="rId8"/>
+    <p:sldId id="513" r:id="rId9"/>
+    <p:sldId id="514" r:id="rId10"/>
+    <p:sldId id="515" r:id="rId11"/>
   </p:sldIdLst>
   <p:sldSz cx="12192000" cy="6858000"/>
   <p:notesSz cx="6858000" cy="9144000"/>
@@ -260,7 +261,7 @@
           <a:p>
             <a:fld id="{88369B9F-131C-2846-AB8F-CEE154B4CAEB}" type="datetimeFigureOut">
               <a:rPr lang="es-CO" smtClean="0"/>
-              <a:t>26/05/2023</a:t>
+              <a:t>26/06/2023</a:t>
             </a:fld>
             <a:endParaRPr lang="es-CO"/>
           </a:p>
@@ -437,7 +438,7 @@
           <a:p>
             <a:fld id="{9660CB96-A603-FF42-AE46-F5F75F80A67B}" type="datetimeFigureOut">
               <a:rPr lang="es-CO" smtClean="0"/>
-              <a:t>26/05/2023</a:t>
+              <a:t>26/06/2023</a:t>
             </a:fld>
             <a:endParaRPr lang="es-CO"/>
           </a:p>
@@ -938,7 +939,7 @@
           <a:p>
             <a:fld id="{BD986248-06F7-A441-A47A-264EBD310E11}" type="datetimeFigureOut">
               <a:rPr lang="es-CO" smtClean="0"/>
-              <a:t>26/05/2023</a:t>
+              <a:t>26/06/2023</a:t>
             </a:fld>
             <a:endParaRPr lang="es-CO"/>
           </a:p>
@@ -1138,7 +1139,7 @@
           <a:p>
             <a:fld id="{BD986248-06F7-A441-A47A-264EBD310E11}" type="datetimeFigureOut">
               <a:rPr lang="es-CO" smtClean="0"/>
-              <a:t>26/05/2023</a:t>
+              <a:t>26/06/2023</a:t>
             </a:fld>
             <a:endParaRPr lang="es-CO"/>
           </a:p>
@@ -1348,7 +1349,7 @@
           <a:p>
             <a:fld id="{BD986248-06F7-A441-A47A-264EBD310E11}" type="datetimeFigureOut">
               <a:rPr lang="es-CO" smtClean="0"/>
-              <a:t>26/05/2023</a:t>
+              <a:t>26/06/2023</a:t>
             </a:fld>
             <a:endParaRPr lang="es-CO"/>
           </a:p>
@@ -1611,7 +1612,7 @@
           <a:p>
             <a:fld id="{BD986248-06F7-A441-A47A-264EBD310E11}" type="datetimeFigureOut">
               <a:rPr lang="es-CO" smtClean="0"/>
-              <a:t>26/05/2023</a:t>
+              <a:t>26/06/2023</a:t>
             </a:fld>
             <a:endParaRPr lang="es-CO"/>
           </a:p>
@@ -1811,7 +1812,7 @@
           <a:p>
             <a:fld id="{BD986248-06F7-A441-A47A-264EBD310E11}" type="datetimeFigureOut">
               <a:rPr lang="es-CO" smtClean="0"/>
-              <a:t>26/05/2023</a:t>
+              <a:t>26/06/2023</a:t>
             </a:fld>
             <a:endParaRPr lang="es-CO"/>
           </a:p>
@@ -2087,7 +2088,7 @@
           <a:p>
             <a:fld id="{BD986248-06F7-A441-A47A-264EBD310E11}" type="datetimeFigureOut">
               <a:rPr lang="es-CO" smtClean="0"/>
-              <a:t>26/05/2023</a:t>
+              <a:t>26/06/2023</a:t>
             </a:fld>
             <a:endParaRPr lang="es-CO"/>
           </a:p>
@@ -2355,7 +2356,7 @@
           <a:p>
             <a:fld id="{BD986248-06F7-A441-A47A-264EBD310E11}" type="datetimeFigureOut">
               <a:rPr lang="es-CO" smtClean="0"/>
-              <a:t>26/05/2023</a:t>
+              <a:t>26/06/2023</a:t>
             </a:fld>
             <a:endParaRPr lang="es-CO"/>
           </a:p>
@@ -2770,7 +2771,7 @@
           <a:p>
             <a:fld id="{BD986248-06F7-A441-A47A-264EBD310E11}" type="datetimeFigureOut">
               <a:rPr lang="es-CO" smtClean="0"/>
-              <a:t>26/05/2023</a:t>
+              <a:t>26/06/2023</a:t>
             </a:fld>
             <a:endParaRPr lang="es-CO"/>
           </a:p>
@@ -2912,7 +2913,7 @@
           <a:p>
             <a:fld id="{BD986248-06F7-A441-A47A-264EBD310E11}" type="datetimeFigureOut">
               <a:rPr lang="es-CO" smtClean="0"/>
-              <a:t>26/05/2023</a:t>
+              <a:t>26/06/2023</a:t>
             </a:fld>
             <a:endParaRPr lang="es-CO"/>
           </a:p>
@@ -3025,7 +3026,7 @@
           <a:p>
             <a:fld id="{BD986248-06F7-A441-A47A-264EBD310E11}" type="datetimeFigureOut">
               <a:rPr lang="es-CO" smtClean="0"/>
-              <a:t>26/05/2023</a:t>
+              <a:t>26/06/2023</a:t>
             </a:fld>
             <a:endParaRPr lang="es-CO"/>
           </a:p>
@@ -3338,7 +3339,7 @@
           <a:p>
             <a:fld id="{BD986248-06F7-A441-A47A-264EBD310E11}" type="datetimeFigureOut">
               <a:rPr lang="es-CO" smtClean="0"/>
-              <a:t>26/05/2023</a:t>
+              <a:t>26/06/2023</a:t>
             </a:fld>
             <a:endParaRPr lang="es-CO"/>
           </a:p>
@@ -3627,7 +3628,7 @@
           <a:p>
             <a:fld id="{BD986248-06F7-A441-A47A-264EBD310E11}" type="datetimeFigureOut">
               <a:rPr lang="es-CO" smtClean="0"/>
-              <a:t>26/05/2023</a:t>
+              <a:t>26/06/2023</a:t>
             </a:fld>
             <a:endParaRPr lang="es-CO"/>
           </a:p>
@@ -3870,7 +3871,7 @@
           <a:p>
             <a:fld id="{BD986248-06F7-A441-A47A-264EBD310E11}" type="datetimeFigureOut">
               <a:rPr lang="es-CO" smtClean="0"/>
-              <a:t>26/05/2023</a:t>
+              <a:t>26/06/2023</a:t>
             </a:fld>
             <a:endParaRPr lang="es-CO"/>
           </a:p>
@@ -4652,6 +4653,578 @@
 </p:sld>
 </file>
 
+<file path=ppt/slides/slide10.xml><?xml version="1.0" encoding="utf-8"?>
+<p:sld xmlns:a="http://schemas.openxmlformats.org/drawingml/2006/main" xmlns:r="http://schemas.openxmlformats.org/officeDocument/2006/relationships" xmlns:p="http://schemas.openxmlformats.org/presentationml/2006/main">
+  <p:cSld>
+    <p:bg>
+      <p:bgPr>
+        <a:blipFill>
+          <a:blip r:embed="rId2" cstate="email">
+            <a:extLst>
+              <a:ext uri="{28A0092B-C50C-407E-A947-70E740481C1C}">
+                <a14:useLocalDpi xmlns:a14="http://schemas.microsoft.com/office/drawing/2010/main"/>
+              </a:ext>
+            </a:extLst>
+          </a:blip>
+          <a:stretch>
+            <a:fillRect/>
+          </a:stretch>
+        </a:blipFill>
+        <a:effectLst/>
+      </p:bgPr>
+    </p:bg>
+    <p:spTree>
+      <p:nvGrpSpPr>
+        <p:cNvPr id="1" name=""/>
+        <p:cNvGrpSpPr/>
+        <p:nvPr/>
+      </p:nvGrpSpPr>
+      <p:grpSpPr>
+        <a:xfrm>
+          <a:off x="0" y="0"/>
+          <a:ext cx="0" cy="0"/>
+          <a:chOff x="0" y="0"/>
+          <a:chExt cx="0" cy="0"/>
+        </a:xfrm>
+      </p:grpSpPr>
+      <p:sp>
+        <p:nvSpPr>
+          <p:cNvPr id="2" name="Título 1">
+            <a:extLst>
+              <a:ext uri="{FF2B5EF4-FFF2-40B4-BE49-F238E27FC236}">
+                <a16:creationId xmlns:a16="http://schemas.microsoft.com/office/drawing/2014/main" id="{BFF67CBC-1536-A090-A5B5-FE205F3AF4AD}"/>
+              </a:ext>
+            </a:extLst>
+          </p:cNvPr>
+          <p:cNvSpPr txBox="1">
+            <a:spLocks/>
+          </p:cNvSpPr>
+          <p:nvPr/>
+        </p:nvSpPr>
+        <p:spPr>
+          <a:xfrm>
+            <a:off x="456236" y="457723"/>
+            <a:ext cx="10515600" cy="676598"/>
+          </a:xfrm>
+          <a:prstGeom prst="rect">
+            <a:avLst/>
+          </a:prstGeom>
+        </p:spPr>
+        <p:txBody>
+          <a:bodyPr/>
+          <a:lstStyle>
+            <a:lvl1pPr algn="l" defTabSz="914400" rtl="0" eaLnBrk="1" latinLnBrk="0" hangingPunct="1">
+              <a:lnSpc>
+                <a:spcPct val="90000"/>
+              </a:lnSpc>
+              <a:spcBef>
+                <a:spcPct val="0"/>
+              </a:spcBef>
+              <a:buNone/>
+              <a:defRPr sz="4400" kern="1200">
+                <a:solidFill>
+                  <a:schemeClr val="tx1"/>
+                </a:solidFill>
+                <a:latin typeface="+mj-lt"/>
+                <a:ea typeface="+mj-ea"/>
+                <a:cs typeface="+mj-cs"/>
+              </a:defRPr>
+            </a:lvl1pPr>
+          </a:lstStyle>
+          <a:p>
+            <a:r>
+              <a:rPr lang="es-CO" dirty="0">
+                <a:solidFill>
+                  <a:schemeClr val="tx1">
+                    <a:lumMod val="95000"/>
+                    <a:lumOff val="5000"/>
+                  </a:schemeClr>
+                </a:solidFill>
+                <a:latin typeface="Work Sans Medium" pitchFamily="2" charset="77"/>
+              </a:rPr>
+              <a:t>Aspectos técnicos de despliegue</a:t>
+            </a:r>
+          </a:p>
+        </p:txBody>
+      </p:sp>
+      <p:grpSp>
+        <p:nvGrpSpPr>
+          <p:cNvPr id="5" name="Grupo 4">
+            <a:extLst>
+              <a:ext uri="{FF2B5EF4-FFF2-40B4-BE49-F238E27FC236}">
+                <a16:creationId xmlns:a16="http://schemas.microsoft.com/office/drawing/2014/main" id="{87F15CCC-BB82-59EA-4A20-23BA12652E01}"/>
+              </a:ext>
+            </a:extLst>
+          </p:cNvPr>
+          <p:cNvGrpSpPr/>
+          <p:nvPr/>
+        </p:nvGrpSpPr>
+        <p:grpSpPr>
+          <a:xfrm>
+            <a:off x="9810053" y="282242"/>
+            <a:ext cx="1161783" cy="916373"/>
+            <a:chOff x="2592360" y="1419046"/>
+            <a:chExt cx="3959280" cy="3122940"/>
+          </a:xfrm>
+        </p:grpSpPr>
+        <p:pic>
+          <p:nvPicPr>
+            <p:cNvPr id="6" name="Gráfico 5">
+              <a:extLst>
+                <a:ext uri="{FF2B5EF4-FFF2-40B4-BE49-F238E27FC236}">
+                  <a16:creationId xmlns:a16="http://schemas.microsoft.com/office/drawing/2014/main" id="{DA6F0839-692B-5F43-3B85-C194DD260823}"/>
+                </a:ext>
+              </a:extLst>
+            </p:cNvPr>
+            <p:cNvPicPr>
+              <a:picLocks noChangeAspect="1"/>
+            </p:cNvPicPr>
+            <p:nvPr/>
+          </p:nvPicPr>
+          <p:blipFill>
+            <a:blip r:embed="rId3">
+              <a:extLst>
+                <a:ext uri="{96DAC541-7B7A-43D3-8B79-37D633B846F1}">
+                  <asvg:svgBlip xmlns:asvg="http://schemas.microsoft.com/office/drawing/2016/SVG/main" r:embed="rId4"/>
+                </a:ext>
+              </a:extLst>
+            </a:blip>
+            <a:stretch>
+              <a:fillRect/>
+            </a:stretch>
+          </p:blipFill>
+          <p:spPr>
+            <a:xfrm>
+              <a:off x="4011588" y="1419046"/>
+              <a:ext cx="1120824" cy="1895654"/>
+            </a:xfrm>
+            <a:prstGeom prst="rect">
+              <a:avLst/>
+            </a:prstGeom>
+          </p:spPr>
+        </p:pic>
+        <p:pic>
+          <p:nvPicPr>
+            <p:cNvPr id="7" name="Imagen 6">
+              <a:extLst>
+                <a:ext uri="{FF2B5EF4-FFF2-40B4-BE49-F238E27FC236}">
+                  <a16:creationId xmlns:a16="http://schemas.microsoft.com/office/drawing/2014/main" id="{F276B70A-17B6-E584-6037-CA89F33ED727}"/>
+                </a:ext>
+              </a:extLst>
+            </p:cNvPr>
+            <p:cNvPicPr>
+              <a:picLocks noChangeAspect="1"/>
+            </p:cNvPicPr>
+            <p:nvPr/>
+          </p:nvPicPr>
+          <p:blipFill>
+            <a:blip r:embed="rId5">
+              <a:extLst>
+                <a:ext uri="{BEBA8EAE-BF5A-486C-A8C5-ECC9F3942E4B}">
+                  <a14:imgProps xmlns:a14="http://schemas.microsoft.com/office/drawing/2010/main">
+                    <a14:imgLayer r:embed="rId6">
+                      <a14:imgEffect>
+                        <a14:backgroundRemoval t="9582" b="89681" l="4950" r="94364">
+                          <a14:foregroundMark x1="94440" y1="36364" x2="92007" y2="38843"/>
+                          <a14:foregroundMark x1="54049" y1="69088" x2="53694" y2="70762"/>
+                          <a14:foregroundMark x1="57203" y1="54189" x2="55043" y2="64387"/>
+                          <a14:foregroundMark x1="61081" y1="35872" x2="60260" y2="39752"/>
+                          <a14:foregroundMark x1="59659" y1="78902" x2="61615" y2="81572"/>
+                          <a14:foregroundMark x1="53694" y1="70762" x2="54203" y2="71457"/>
+                          <a14:foregroundMark x1="35796" y1="36364" x2="35339" y2="77641"/>
+                          <a14:foregroundMark x1="45416" y1="71429" x2="47296" y2="70270"/>
+                          <a14:foregroundMark x1="35339" y1="77641" x2="37155" y2="76521"/>
+                          <a14:foregroundMark x1="39299" y1="38812" x2="38614" y2="36118"/>
+                          <a14:foregroundMark x1="47296" y1="70270" x2="46331" y2="66474"/>
+                          <a14:foregroundMark x1="38614" y1="36118" x2="36481" y2="34889"/>
+                          <a14:foregroundMark x1="23762" y1="35627" x2="24372" y2="34889"/>
+                          <a14:foregroundMark x1="3732" y1="84275" x2="4950" y2="39066"/>
+                          <a14:foregroundMark x1="4950" y1="39066" x2="13633" y2="77641"/>
+                          <a14:foregroundMark x1="13633" y1="77641" x2="16146" y2="30467"/>
+                          <a14:foregroundMark x1="23645" y1="22609" x2="25057" y2="21130"/>
+                          <a14:foregroundMark x1="16146" y1="30467" x2="16916" y2="29661"/>
+                          <a14:backgroundMark x1="89109" y1="42506" x2="89109" y2="42506"/>
+                          <a14:backgroundMark x1="89109" y1="42506" x2="89109" y2="42506"/>
+                          <a14:backgroundMark x1="88728" y1="41769" x2="88728" y2="41769"/>
+                          <a14:backgroundMark x1="88728" y1="41769" x2="88728" y2="41769"/>
+                          <a14:backgroundMark x1="88728" y1="41769" x2="88728" y2="41769"/>
+                          <a14:backgroundMark x1="88728" y1="41769" x2="88728" y2="41769"/>
+                          <a14:backgroundMark x1="88728" y1="41769" x2="89109" y2="41523"/>
+                          <a14:backgroundMark x1="90099" y1="41523" x2="90099" y2="41523"/>
+                          <a14:backgroundMark x1="89947" y1="41523" x2="89566" y2="41278"/>
+                          <a14:backgroundMark x1="90861" y1="41032" x2="89261" y2="41032"/>
+                          <a14:backgroundMark x1="88043" y1="43489" x2="88576" y2="43243"/>
+                          <a14:backgroundMark x1="88652" y1="42015" x2="87738" y2="42260"/>
+                          <a14:backgroundMark x1="87357" y1="43489" x2="87357" y2="43489"/>
+                          <a14:backgroundMark x1="87357" y1="43489" x2="87510" y2="44717"/>
+                          <a14:backgroundMark x1="91318" y1="41278" x2="89337" y2="42260"/>
+                          <a14:backgroundMark x1="90784" y1="40786" x2="91546" y2="41032"/>
+                          <a14:backgroundMark x1="60701" y1="48649" x2="55598" y2="44963"/>
+                          <a14:backgroundMark x1="58720" y1="51843" x2="56969" y2="51843"/>
+                          <a14:backgroundMark x1="57121" y1="43980" x2="59025" y2="43489"/>
+                          <a14:backgroundMark x1="59482" y1="42752" x2="60929" y2="43735"/>
+                          <a14:backgroundMark x1="58873" y1="43980" x2="59558" y2="42506"/>
+                          <a14:backgroundMark x1="59482" y1="43243" x2="58492" y2="49631"/>
+                          <a14:backgroundMark x1="58111" y1="52334" x2="57045" y2="53563"/>
+                          <a14:backgroundMark x1="59558" y1="42015" x2="59863" y2="41523"/>
+                          <a14:backgroundMark x1="59711" y1="42015" x2="59330" y2="42998"/>
+                          <a14:backgroundMark x1="59406" y1="43980" x2="58644" y2="44963"/>
+                          <a14:backgroundMark x1="59558" y1="43489" x2="60701" y2="42506"/>
+                          <a14:backgroundMark x1="59939" y1="43243" x2="59939" y2="43243"/>
+                          <a14:backgroundMark x1="57273" y1="52826" x2="57273" y2="52826"/>
+                          <a14:backgroundMark x1="57350" y1="53563" x2="57350" y2="53563"/>
+                          <a14:backgroundMark x1="57350" y1="54300" x2="57350" y2="54300"/>
+                          <a14:backgroundMark x1="55065" y1="64865" x2="58187" y2="76413"/>
+                          <a14:backgroundMark x1="59254" y1="77150" x2="57959" y2="78133"/>
+                          <a14:backgroundMark x1="55750" y1="74939" x2="55141" y2="66585"/>
+                          <a14:backgroundMark x1="55065" y1="64373" x2="55674" y2="73710"/>
+                          <a14:backgroundMark x1="39299" y1="44717" x2="39299" y2="66830"/>
+                          <a14:backgroundMark x1="40746" y1="42506" x2="38385" y2="76658"/>
+                          <a14:backgroundMark x1="41280" y1="43980" x2="44707" y2="59951"/>
+                          <a14:backgroundMark x1="44859" y1="59459" x2="39832" y2="42506"/>
+                          <a14:backgroundMark x1="40137" y1="42506" x2="39604" y2="42260"/>
+                          <a14:backgroundMark x1="45316" y1="63391" x2="37548" y2="75676"/>
+                          <a14:backgroundMark x1="41736" y1="76167" x2="44021" y2="72482"/>
+                          <a14:backgroundMark x1="45925" y1="61179" x2="44554" y2="63391"/>
+                          <a14:backgroundMark x1="45621" y1="62162" x2="43488" y2="73710"/>
+                          <a14:backgroundMark x1="40975" y1="71990" x2="42117" y2="74939"/>
+                          <a14:backgroundMark x1="37471" y1="75921" x2="37776" y2="77396"/>
+                          <a14:backgroundMark x1="18507" y1="33907" x2="22544" y2="23833"/>
+                          <a14:backgroundMark x1="22391" y1="23833" x2="18050" y2="28501"/>
+                          <a14:backgroundMark x1="20030" y1="28501" x2="17593" y2="30221"/>
+                          <a14:backgroundMark x1="17136" y1="28993" x2="17136" y2="28993"/>
+                          <a14:backgroundMark x1="17136" y1="28993" x2="17974" y2="30958"/>
+                          <a14:backgroundMark x1="22239" y1="23342" x2="23382" y2="23833"/>
+                        </a14:backgroundRemoval>
+                      </a14:imgEffect>
+                    </a14:imgLayer>
+                  </a14:imgProps>
+                </a:ext>
+              </a:extLst>
+            </a:blip>
+            <a:stretch>
+              <a:fillRect/>
+            </a:stretch>
+          </p:blipFill>
+          <p:spPr>
+            <a:xfrm>
+              <a:off x="2592360" y="3314700"/>
+              <a:ext cx="3959280" cy="1227286"/>
+            </a:xfrm>
+            <a:prstGeom prst="rect">
+              <a:avLst/>
+            </a:prstGeom>
+          </p:spPr>
+        </p:pic>
+      </p:grpSp>
+      <p:pic>
+        <p:nvPicPr>
+          <p:cNvPr id="3" name="Imagen 2" descr="Logotipo, nombre de la empresa&#10;&#10;Descripción generada automáticamente">
+            <a:extLst>
+              <a:ext uri="{FF2B5EF4-FFF2-40B4-BE49-F238E27FC236}">
+                <a16:creationId xmlns:a16="http://schemas.microsoft.com/office/drawing/2014/main" id="{1260D995-0971-0474-FA94-05BCE1A153DD}"/>
+              </a:ext>
+            </a:extLst>
+          </p:cNvPr>
+          <p:cNvPicPr>
+            <a:picLocks noChangeAspect="1"/>
+          </p:cNvPicPr>
+          <p:nvPr/>
+        </p:nvPicPr>
+        <p:blipFill>
+          <a:blip r:embed="rId7"/>
+          <a:stretch>
+            <a:fillRect/>
+          </a:stretch>
+        </p:blipFill>
+        <p:spPr>
+          <a:xfrm>
+            <a:off x="1600882" y="3023556"/>
+            <a:ext cx="2800854" cy="826252"/>
+          </a:xfrm>
+          <a:prstGeom prst="rect">
+            <a:avLst/>
+          </a:prstGeom>
+        </p:spPr>
+      </p:pic>
+      <p:pic>
+        <p:nvPicPr>
+          <p:cNvPr id="15" name="Imagen 14" descr="Logotipo, nombre de la empresa&#10;&#10;Descripción generada automáticamente">
+            <a:extLst>
+              <a:ext uri="{FF2B5EF4-FFF2-40B4-BE49-F238E27FC236}">
+                <a16:creationId xmlns:a16="http://schemas.microsoft.com/office/drawing/2014/main" id="{92E855F4-4C9A-98E6-EBC4-B9248FA45FD8}"/>
+              </a:ext>
+            </a:extLst>
+          </p:cNvPr>
+          <p:cNvPicPr>
+            <a:picLocks noChangeAspect="1"/>
+          </p:cNvPicPr>
+          <p:nvPr/>
+        </p:nvPicPr>
+        <p:blipFill>
+          <a:blip r:embed="rId8">
+            <a:extLst>
+              <a:ext uri="{BEBA8EAE-BF5A-486C-A8C5-ECC9F3942E4B}">
+                <a14:imgProps xmlns:a14="http://schemas.microsoft.com/office/drawing/2010/main">
+                  <a14:imgLayer r:embed="rId9">
+                    <a14:imgEffect>
+                      <a14:backgroundRemoval t="10000" b="90000" l="10000" r="93438">
+                        <a14:foregroundMark x1="10104" y1="57778" x2="14896" y2="42963"/>
+                        <a14:foregroundMark x1="31979" y1="57407" x2="31979" y2="48056"/>
+                        <a14:foregroundMark x1="40208" y1="51111" x2="40156" y2="54630"/>
+                        <a14:foregroundMark x1="40417" y1="46667" x2="40417" y2="46667"/>
+                        <a14:foregroundMark x1="43021" y1="51204" x2="43021" y2="51204"/>
+                        <a14:foregroundMark x1="46042" y1="51852" x2="46042" y2="51852"/>
+                        <a14:foregroundMark x1="50469" y1="50926" x2="50469" y2="50926"/>
+                        <a14:foregroundMark x1="54844" y1="50926" x2="54844" y2="50926"/>
+                        <a14:foregroundMark x1="58958" y1="50926" x2="58958" y2="50926"/>
+                        <a14:foregroundMark x1="64531" y1="50463" x2="64531" y2="50463"/>
+                        <a14:foregroundMark x1="72708" y1="51111" x2="72708" y2="51111"/>
+                        <a14:foregroundMark x1="82031" y1="51481" x2="82031" y2="51481"/>
+                        <a14:foregroundMark x1="87448" y1="51574" x2="87448" y2="51574"/>
+                        <a14:foregroundMark x1="90677" y1="50463" x2="90677" y2="50463"/>
+                        <a14:foregroundMark x1="93438" y1="52963" x2="93438" y2="52963"/>
+                        <a14:backgroundMark x1="73802" y1="52593" x2="73802" y2="52593"/>
+                        <a14:backgroundMark x1="90938" y1="52037" x2="90938" y2="52037"/>
+                      </a14:backgroundRemoval>
+                    </a14:imgEffect>
+                  </a14:imgLayer>
+                </a14:imgProps>
+              </a:ext>
+            </a:extLst>
+          </a:blip>
+          <a:stretch>
+            <a:fillRect/>
+          </a:stretch>
+        </p:blipFill>
+        <p:spPr>
+          <a:xfrm>
+            <a:off x="2582385" y="3849808"/>
+            <a:ext cx="3280702" cy="1845395"/>
+          </a:xfrm>
+          <a:prstGeom prst="rect">
+            <a:avLst/>
+          </a:prstGeom>
+        </p:spPr>
+      </p:pic>
+      <p:pic>
+        <p:nvPicPr>
+          <p:cNvPr id="8" name="Imagen 7" descr="Dibujo con letras blancas&#10;&#10;Descripción generada automáticamente con confianza media">
+            <a:extLst>
+              <a:ext uri="{FF2B5EF4-FFF2-40B4-BE49-F238E27FC236}">
+                <a16:creationId xmlns:a16="http://schemas.microsoft.com/office/drawing/2014/main" id="{A965642D-EEC5-2A67-E720-DB408B8015D6}"/>
+              </a:ext>
+            </a:extLst>
+          </p:cNvPr>
+          <p:cNvPicPr>
+            <a:picLocks noChangeAspect="1"/>
+          </p:cNvPicPr>
+          <p:nvPr/>
+        </p:nvPicPr>
+        <p:blipFill>
+          <a:blip r:embed="rId10">
+            <a:extLst>
+              <a:ext uri="{BEBA8EAE-BF5A-486C-A8C5-ECC9F3942E4B}">
+                <a14:imgProps xmlns:a14="http://schemas.microsoft.com/office/drawing/2010/main">
+                  <a14:imgLayer r:embed="rId11">
+                    <a14:imgEffect>
+                      <a14:backgroundRemoval t="9402" b="89744" l="9557" r="89977">
+                        <a14:foregroundMark x1="18648" y1="43590" x2="18648" y2="43590"/>
+                        <a14:foregroundMark x1="19114" y1="53846" x2="19114" y2="53846"/>
+                        <a14:foregroundMark x1="19580" y1="71795" x2="19580" y2="71795"/>
+                        <a14:foregroundMark x1="9557" y1="60684" x2="9557" y2="60684"/>
+                        <a14:foregroundMark x1="41026" y1="49573" x2="41026" y2="49573"/>
+                        <a14:foregroundMark x1="49184" y1="49573" x2="49184" y2="49573"/>
+                        <a14:foregroundMark x1="55478" y1="45299" x2="55478" y2="45299"/>
+                        <a14:foregroundMark x1="55711" y1="28205" x2="55711" y2="28205"/>
+                        <a14:foregroundMark x1="59441" y1="33333" x2="59907" y2="33333"/>
+                        <a14:foregroundMark x1="64569" y1="50427" x2="64569" y2="50427"/>
+                        <a14:foregroundMark x1="77622" y1="49573" x2="77622" y2="49573"/>
+                        <a14:foregroundMark x1="84382" y1="47863" x2="84382" y2="47863"/>
+                        <a14:backgroundMark x1="11655" y1="43590" x2="11655" y2="43590"/>
+                        <a14:backgroundMark x1="9324" y1="62393" x2="9324" y2="62393"/>
+                      </a14:backgroundRemoval>
+                    </a14:imgEffect>
+                  </a14:imgLayer>
+                </a14:imgProps>
+              </a:ext>
+            </a:extLst>
+          </a:blip>
+          <a:stretch>
+            <a:fillRect/>
+          </a:stretch>
+        </p:blipFill>
+        <p:spPr>
+          <a:xfrm>
+            <a:off x="6900471" y="2871786"/>
+            <a:ext cx="4086225" cy="1114425"/>
+          </a:xfrm>
+          <a:prstGeom prst="rect">
+            <a:avLst/>
+          </a:prstGeom>
+        </p:spPr>
+      </p:pic>
+      <p:pic>
+        <p:nvPicPr>
+          <p:cNvPr id="16" name="Imagen 15" descr="Logotipo, nombre de la empresa&#10;&#10;Descripción generada automáticamente">
+            <a:extLst>
+              <a:ext uri="{FF2B5EF4-FFF2-40B4-BE49-F238E27FC236}">
+                <a16:creationId xmlns:a16="http://schemas.microsoft.com/office/drawing/2014/main" id="{DAE15173-6B20-767A-4035-D2E0A4D80F88}"/>
+              </a:ext>
+            </a:extLst>
+          </p:cNvPr>
+          <p:cNvPicPr>
+            <a:picLocks noChangeAspect="1"/>
+          </p:cNvPicPr>
+          <p:nvPr/>
+        </p:nvPicPr>
+        <p:blipFill>
+          <a:blip r:embed="rId12">
+            <a:extLst>
+              <a:ext uri="{BEBA8EAE-BF5A-486C-A8C5-ECC9F3942E4B}">
+                <a14:imgProps xmlns:a14="http://schemas.microsoft.com/office/drawing/2010/main">
+                  <a14:imgLayer r:embed="rId13">
+                    <a14:imgEffect>
+                      <a14:backgroundRemoval t="5500" b="90000" l="10000" r="90000">
+                        <a14:foregroundMark x1="49500" y1="9500" x2="49500" y2="9500"/>
+                        <a14:foregroundMark x1="51000" y1="5500" x2="51000" y2="5500"/>
+                        <a14:foregroundMark x1="66000" y1="67500" x2="66000" y2="67500"/>
+                        <a14:foregroundMark x1="83000" y1="68500" x2="83000" y2="68500"/>
+                        <a14:foregroundMark x1="52500" y1="68000" x2="52500" y2="68000"/>
+                        <a14:foregroundMark x1="49500" y1="70500" x2="49500" y2="70500"/>
+                        <a14:foregroundMark x1="58000" y1="66500" x2="58000" y2="66500"/>
+                        <a14:foregroundMark x1="48000" y1="75000" x2="48000" y2="75000"/>
+                        <a14:foregroundMark x1="60500" y1="66500" x2="60500" y2="66500"/>
+                        <a14:foregroundMark x1="39000" y1="67000" x2="39000" y2="67000"/>
+                        <a14:foregroundMark x1="43500" y1="66500" x2="43500" y2="66500"/>
+                        <a14:foregroundMark x1="35500" y1="67500" x2="35500" y2="67500"/>
+                        <a14:foregroundMark x1="22000" y1="67000" x2="22000" y2="67000"/>
+                        <a14:foregroundMark x1="34500" y1="89000" x2="34500" y2="89000"/>
+                        <a14:foregroundMark x1="44500" y1="86000" x2="44500" y2="86000"/>
+                        <a14:foregroundMark x1="52000" y1="84500" x2="52000" y2="84500"/>
+                        <a14:foregroundMark x1="59500" y1="85000" x2="59500" y2="85000"/>
+                        <a14:foregroundMark x1="65000" y1="85000" x2="65000" y2="85000"/>
+                        <a14:backgroundMark x1="50500" y1="69000" x2="50500" y2="69000"/>
+                      </a14:backgroundRemoval>
+                    </a14:imgEffect>
+                  </a14:imgLayer>
+                </a14:imgProps>
+              </a:ext>
+            </a:extLst>
+          </a:blip>
+          <a:stretch>
+            <a:fillRect/>
+          </a:stretch>
+        </p:blipFill>
+        <p:spPr>
+          <a:xfrm>
+            <a:off x="413104" y="3986211"/>
+            <a:ext cx="1543484" cy="1543484"/>
+          </a:xfrm>
+          <a:prstGeom prst="rect">
+            <a:avLst/>
+          </a:prstGeom>
+        </p:spPr>
+      </p:pic>
+      <p:sp>
+        <p:nvSpPr>
+          <p:cNvPr id="18" name="CuadroTexto 17">
+            <a:extLst>
+              <a:ext uri="{FF2B5EF4-FFF2-40B4-BE49-F238E27FC236}">
+                <a16:creationId xmlns:a16="http://schemas.microsoft.com/office/drawing/2014/main" id="{20AEF35E-E9E2-97BC-5A1B-7EB1888F78C5}"/>
+              </a:ext>
+            </a:extLst>
+          </p:cNvPr>
+          <p:cNvSpPr txBox="1"/>
+          <p:nvPr/>
+        </p:nvSpPr>
+        <p:spPr>
+          <a:xfrm>
+            <a:off x="1500994" y="1509622"/>
+            <a:ext cx="3000627" cy="830997"/>
+          </a:xfrm>
+          <a:prstGeom prst="rect">
+            <a:avLst/>
+          </a:prstGeom>
+          <a:noFill/>
+        </p:spPr>
+        <p:txBody>
+          <a:bodyPr wrap="square" rtlCol="0">
+            <a:spAutoFit/>
+          </a:bodyPr>
+          <a:lstStyle/>
+          <a:p>
+            <a:r>
+              <a:rPr lang="es-CO" sz="4800" dirty="0">
+                <a:latin typeface="Work Sans Light" pitchFamily="2" charset="0"/>
+              </a:rPr>
+              <a:t>BACKEND</a:t>
+            </a:r>
+          </a:p>
+        </p:txBody>
+      </p:sp>
+      <p:sp>
+        <p:nvSpPr>
+          <p:cNvPr id="20" name="CuadroTexto 19">
+            <a:extLst>
+              <a:ext uri="{FF2B5EF4-FFF2-40B4-BE49-F238E27FC236}">
+                <a16:creationId xmlns:a16="http://schemas.microsoft.com/office/drawing/2014/main" id="{9D229BAB-8C06-DCE4-3B0C-EF5A0271F49F}"/>
+              </a:ext>
+            </a:extLst>
+          </p:cNvPr>
+          <p:cNvSpPr txBox="1"/>
+          <p:nvPr/>
+        </p:nvSpPr>
+        <p:spPr>
+          <a:xfrm>
+            <a:off x="7196162" y="1509622"/>
+            <a:ext cx="3494844" cy="830997"/>
+          </a:xfrm>
+          <a:prstGeom prst="rect">
+            <a:avLst/>
+          </a:prstGeom>
+          <a:noFill/>
+        </p:spPr>
+        <p:txBody>
+          <a:bodyPr wrap="square" rtlCol="0">
+            <a:spAutoFit/>
+          </a:bodyPr>
+          <a:lstStyle/>
+          <a:p>
+            <a:r>
+              <a:rPr lang="es-CO" sz="4800" dirty="0">
+                <a:latin typeface="Work Sans Light" pitchFamily="2" charset="0"/>
+              </a:rPr>
+              <a:t>FRONTEND</a:t>
+            </a:r>
+          </a:p>
+        </p:txBody>
+      </p:sp>
+    </p:spTree>
+    <p:extLst>
+      <p:ext uri="{BB962C8B-B14F-4D97-AF65-F5344CB8AC3E}">
+        <p14:creationId xmlns:p14="http://schemas.microsoft.com/office/powerpoint/2010/main" val="505962048"/>
+      </p:ext>
+    </p:extLst>
+  </p:cSld>
+  <p:clrMapOvr>
+    <a:masterClrMapping/>
+  </p:clrMapOvr>
+  <mc:AlternateContent xmlns:mc="http://schemas.openxmlformats.org/markup-compatibility/2006" xmlns:p159="http://schemas.microsoft.com/office/powerpoint/2015/09/main">
+    <mc:Choice Requires="p159">
+      <p:transition xmlns:p14="http://schemas.microsoft.com/office/powerpoint/2010/main" spd="slow" p14:dur="2000">
+        <p159:morph option="byObject"/>
+      </p:transition>
+    </mc:Choice>
+    <mc:Fallback xmlns="">
+      <p:transition spd="slow">
+        <p:fade/>
+      </p:transition>
+    </mc:Fallback>
+  </mc:AlternateContent>
+</p:sld>
+</file>
+
 <file path=ppt/slides/slide2.xml><?xml version="1.0" encoding="utf-8"?>
 <p:sld xmlns:a="http://schemas.openxmlformats.org/drawingml/2006/main" xmlns:r="http://schemas.openxmlformats.org/officeDocument/2006/relationships" xmlns:p="http://schemas.openxmlformats.org/presentationml/2006/main">
   <p:cSld>
@@ -6544,6 +7117,1144 @@
           <a:chExt cx="0" cy="0"/>
         </a:xfrm>
       </p:grpSpPr>
+      <p:grpSp>
+        <p:nvGrpSpPr>
+          <p:cNvPr id="16" name="Grupo 15">
+            <a:extLst>
+              <a:ext uri="{FF2B5EF4-FFF2-40B4-BE49-F238E27FC236}">
+                <a16:creationId xmlns:a16="http://schemas.microsoft.com/office/drawing/2014/main" id="{A503B9E4-D491-D395-1034-3C930F5E05D6}"/>
+              </a:ext>
+            </a:extLst>
+          </p:cNvPr>
+          <p:cNvGrpSpPr/>
+          <p:nvPr/>
+        </p:nvGrpSpPr>
+        <p:grpSpPr>
+          <a:xfrm>
+            <a:off x="655087" y="318176"/>
+            <a:ext cx="10585132" cy="7056755"/>
+            <a:chOff x="1795683" y="1547280"/>
+            <a:chExt cx="8014370" cy="5342913"/>
+          </a:xfrm>
+        </p:grpSpPr>
+        <p:pic>
+          <p:nvPicPr>
+            <p:cNvPr id="15" name="Imagen 14">
+              <a:extLst>
+                <a:ext uri="{FF2B5EF4-FFF2-40B4-BE49-F238E27FC236}">
+                  <a16:creationId xmlns:a16="http://schemas.microsoft.com/office/drawing/2014/main" id="{6C4B99B0-98BD-826E-EF35-7C63882A34B0}"/>
+                </a:ext>
+              </a:extLst>
+            </p:cNvPr>
+            <p:cNvPicPr>
+              <a:picLocks noChangeAspect="1"/>
+            </p:cNvPicPr>
+            <p:nvPr/>
+          </p:nvPicPr>
+          <p:blipFill>
+            <a:blip r:embed="rId3"/>
+            <a:stretch>
+              <a:fillRect/>
+            </a:stretch>
+          </p:blipFill>
+          <p:spPr>
+            <a:xfrm>
+              <a:off x="2905760" y="2279692"/>
+              <a:ext cx="5775960" cy="3228975"/>
+            </a:xfrm>
+            <a:prstGeom prst="rect">
+              <a:avLst/>
+            </a:prstGeom>
+          </p:spPr>
+        </p:pic>
+        <p:pic>
+          <p:nvPicPr>
+            <p:cNvPr id="12" name="Imagen 11" descr="Forma, Rectángulo&#10;&#10;Descripción generada automáticamente">
+              <a:extLst>
+                <a:ext uri="{FF2B5EF4-FFF2-40B4-BE49-F238E27FC236}">
+                  <a16:creationId xmlns:a16="http://schemas.microsoft.com/office/drawing/2014/main" id="{8600677A-DBC6-3C41-AEA5-69AEDD1509C5}"/>
+                </a:ext>
+              </a:extLst>
+            </p:cNvPr>
+            <p:cNvPicPr>
+              <a:picLocks noChangeAspect="1"/>
+            </p:cNvPicPr>
+            <p:nvPr/>
+          </p:nvPicPr>
+          <p:blipFill>
+            <a:blip r:embed="rId4">
+              <a:extLst>
+                <a:ext uri="{BEBA8EAE-BF5A-486C-A8C5-ECC9F3942E4B}">
+                  <a14:imgProps xmlns:a14="http://schemas.microsoft.com/office/drawing/2010/main">
+                    <a14:imgLayer r:embed="rId5">
+                      <a14:imgEffect>
+                        <a14:backgroundRemoval t="10000" b="90000" l="10000" r="90000">
+                          <a14:foregroundMark x1="41993" y1="86765" x2="41993" y2="86765"/>
+                          <a14:foregroundMark x1="40686" y1="87500" x2="40686" y2="87500"/>
+                          <a14:foregroundMark x1="40196" y1="87745" x2="40196" y2="87745"/>
+                        </a14:backgroundRemoval>
+                      </a14:imgEffect>
+                    </a14:imgLayer>
+                  </a14:imgProps>
+                </a:ext>
+              </a:extLst>
+            </a:blip>
+            <a:stretch>
+              <a:fillRect/>
+            </a:stretch>
+          </p:blipFill>
+          <p:spPr>
+            <a:xfrm>
+              <a:off x="1795683" y="1547280"/>
+              <a:ext cx="8014370" cy="5342913"/>
+            </a:xfrm>
+            <a:prstGeom prst="rect">
+              <a:avLst/>
+            </a:prstGeom>
+          </p:spPr>
+        </p:pic>
+      </p:grpSp>
+      <p:sp>
+        <p:nvSpPr>
+          <p:cNvPr id="2" name="Título 1">
+            <a:extLst>
+              <a:ext uri="{FF2B5EF4-FFF2-40B4-BE49-F238E27FC236}">
+                <a16:creationId xmlns:a16="http://schemas.microsoft.com/office/drawing/2014/main" id="{BFF67CBC-1536-A090-A5B5-FE205F3AF4AD}"/>
+              </a:ext>
+            </a:extLst>
+          </p:cNvPr>
+          <p:cNvSpPr txBox="1">
+            <a:spLocks/>
+          </p:cNvSpPr>
+          <p:nvPr/>
+        </p:nvSpPr>
+        <p:spPr>
+          <a:xfrm>
+            <a:off x="456236" y="457723"/>
+            <a:ext cx="10515600" cy="676598"/>
+          </a:xfrm>
+          <a:prstGeom prst="rect">
+            <a:avLst/>
+          </a:prstGeom>
+        </p:spPr>
+        <p:txBody>
+          <a:bodyPr/>
+          <a:lstStyle>
+            <a:lvl1pPr algn="l" defTabSz="914400" rtl="0" eaLnBrk="1" latinLnBrk="0" hangingPunct="1">
+              <a:lnSpc>
+                <a:spcPct val="90000"/>
+              </a:lnSpc>
+              <a:spcBef>
+                <a:spcPct val="0"/>
+              </a:spcBef>
+              <a:buNone/>
+              <a:defRPr sz="4400" kern="1200">
+                <a:solidFill>
+                  <a:schemeClr val="tx1"/>
+                </a:solidFill>
+                <a:latin typeface="+mj-lt"/>
+                <a:ea typeface="+mj-ea"/>
+                <a:cs typeface="+mj-cs"/>
+              </a:defRPr>
+            </a:lvl1pPr>
+          </a:lstStyle>
+          <a:p>
+            <a:r>
+              <a:rPr lang="es-CO" dirty="0">
+                <a:solidFill>
+                  <a:schemeClr val="tx1">
+                    <a:lumMod val="95000"/>
+                    <a:lumOff val="5000"/>
+                  </a:schemeClr>
+                </a:solidFill>
+                <a:latin typeface="Work Sans Medium" pitchFamily="2" charset="77"/>
+              </a:rPr>
+              <a:t>Funcionalidades - Organizador</a:t>
+            </a:r>
+          </a:p>
+        </p:txBody>
+      </p:sp>
+      <p:grpSp>
+        <p:nvGrpSpPr>
+          <p:cNvPr id="5" name="Grupo 4">
+            <a:extLst>
+              <a:ext uri="{FF2B5EF4-FFF2-40B4-BE49-F238E27FC236}">
+                <a16:creationId xmlns:a16="http://schemas.microsoft.com/office/drawing/2014/main" id="{87F15CCC-BB82-59EA-4A20-23BA12652E01}"/>
+              </a:ext>
+            </a:extLst>
+          </p:cNvPr>
+          <p:cNvGrpSpPr/>
+          <p:nvPr/>
+        </p:nvGrpSpPr>
+        <p:grpSpPr>
+          <a:xfrm>
+            <a:off x="9810053" y="282242"/>
+            <a:ext cx="1161783" cy="916373"/>
+            <a:chOff x="2592360" y="1419046"/>
+            <a:chExt cx="3959280" cy="3122940"/>
+          </a:xfrm>
+        </p:grpSpPr>
+        <p:pic>
+          <p:nvPicPr>
+            <p:cNvPr id="6" name="Gráfico 5">
+              <a:extLst>
+                <a:ext uri="{FF2B5EF4-FFF2-40B4-BE49-F238E27FC236}">
+                  <a16:creationId xmlns:a16="http://schemas.microsoft.com/office/drawing/2014/main" id="{DA6F0839-692B-5F43-3B85-C194DD260823}"/>
+                </a:ext>
+              </a:extLst>
+            </p:cNvPr>
+            <p:cNvPicPr>
+              <a:picLocks noChangeAspect="1"/>
+            </p:cNvPicPr>
+            <p:nvPr/>
+          </p:nvPicPr>
+          <p:blipFill>
+            <a:blip r:embed="rId6">
+              <a:extLst>
+                <a:ext uri="{96DAC541-7B7A-43D3-8B79-37D633B846F1}">
+                  <asvg:svgBlip xmlns:asvg="http://schemas.microsoft.com/office/drawing/2016/SVG/main" r:embed="rId7"/>
+                </a:ext>
+              </a:extLst>
+            </a:blip>
+            <a:stretch>
+              <a:fillRect/>
+            </a:stretch>
+          </p:blipFill>
+          <p:spPr>
+            <a:xfrm>
+              <a:off x="4011588" y="1419046"/>
+              <a:ext cx="1120824" cy="1895654"/>
+            </a:xfrm>
+            <a:prstGeom prst="rect">
+              <a:avLst/>
+            </a:prstGeom>
+          </p:spPr>
+        </p:pic>
+        <p:pic>
+          <p:nvPicPr>
+            <p:cNvPr id="7" name="Imagen 6">
+              <a:extLst>
+                <a:ext uri="{FF2B5EF4-FFF2-40B4-BE49-F238E27FC236}">
+                  <a16:creationId xmlns:a16="http://schemas.microsoft.com/office/drawing/2014/main" id="{F276B70A-17B6-E584-6037-CA89F33ED727}"/>
+                </a:ext>
+              </a:extLst>
+            </p:cNvPr>
+            <p:cNvPicPr>
+              <a:picLocks noChangeAspect="1"/>
+            </p:cNvPicPr>
+            <p:nvPr/>
+          </p:nvPicPr>
+          <p:blipFill>
+            <a:blip r:embed="rId8">
+              <a:extLst>
+                <a:ext uri="{BEBA8EAE-BF5A-486C-A8C5-ECC9F3942E4B}">
+                  <a14:imgProps xmlns:a14="http://schemas.microsoft.com/office/drawing/2010/main">
+                    <a14:imgLayer r:embed="rId9">
+                      <a14:imgEffect>
+                        <a14:backgroundRemoval t="9582" b="89681" l="4950" r="94364">
+                          <a14:foregroundMark x1="94440" y1="36364" x2="92007" y2="38843"/>
+                          <a14:foregroundMark x1="54049" y1="69088" x2="53694" y2="70762"/>
+                          <a14:foregroundMark x1="57203" y1="54189" x2="55043" y2="64387"/>
+                          <a14:foregroundMark x1="61081" y1="35872" x2="60260" y2="39752"/>
+                          <a14:foregroundMark x1="59659" y1="78902" x2="61615" y2="81572"/>
+                          <a14:foregroundMark x1="53694" y1="70762" x2="54203" y2="71457"/>
+                          <a14:foregroundMark x1="35796" y1="36364" x2="35339" y2="77641"/>
+                          <a14:foregroundMark x1="45416" y1="71429" x2="47296" y2="70270"/>
+                          <a14:foregroundMark x1="35339" y1="77641" x2="37155" y2="76521"/>
+                          <a14:foregroundMark x1="39299" y1="38812" x2="38614" y2="36118"/>
+                          <a14:foregroundMark x1="47296" y1="70270" x2="46331" y2="66474"/>
+                          <a14:foregroundMark x1="38614" y1="36118" x2="36481" y2="34889"/>
+                          <a14:foregroundMark x1="23762" y1="35627" x2="24372" y2="34889"/>
+                          <a14:foregroundMark x1="3732" y1="84275" x2="4950" y2="39066"/>
+                          <a14:foregroundMark x1="4950" y1="39066" x2="13633" y2="77641"/>
+                          <a14:foregroundMark x1="13633" y1="77641" x2="16146" y2="30467"/>
+                          <a14:foregroundMark x1="23645" y1="22609" x2="25057" y2="21130"/>
+                          <a14:foregroundMark x1="16146" y1="30467" x2="16916" y2="29661"/>
+                          <a14:backgroundMark x1="89109" y1="42506" x2="89109" y2="42506"/>
+                          <a14:backgroundMark x1="89109" y1="42506" x2="89109" y2="42506"/>
+                          <a14:backgroundMark x1="88728" y1="41769" x2="88728" y2="41769"/>
+                          <a14:backgroundMark x1="88728" y1="41769" x2="88728" y2="41769"/>
+                          <a14:backgroundMark x1="88728" y1="41769" x2="88728" y2="41769"/>
+                          <a14:backgroundMark x1="88728" y1="41769" x2="88728" y2="41769"/>
+                          <a14:backgroundMark x1="88728" y1="41769" x2="89109" y2="41523"/>
+                          <a14:backgroundMark x1="90099" y1="41523" x2="90099" y2="41523"/>
+                          <a14:backgroundMark x1="89947" y1="41523" x2="89566" y2="41278"/>
+                          <a14:backgroundMark x1="90861" y1="41032" x2="89261" y2="41032"/>
+                          <a14:backgroundMark x1="88043" y1="43489" x2="88576" y2="43243"/>
+                          <a14:backgroundMark x1="88652" y1="42015" x2="87738" y2="42260"/>
+                          <a14:backgroundMark x1="87357" y1="43489" x2="87357" y2="43489"/>
+                          <a14:backgroundMark x1="87357" y1="43489" x2="87510" y2="44717"/>
+                          <a14:backgroundMark x1="91318" y1="41278" x2="89337" y2="42260"/>
+                          <a14:backgroundMark x1="90784" y1="40786" x2="91546" y2="41032"/>
+                          <a14:backgroundMark x1="60701" y1="48649" x2="55598" y2="44963"/>
+                          <a14:backgroundMark x1="58720" y1="51843" x2="56969" y2="51843"/>
+                          <a14:backgroundMark x1="57121" y1="43980" x2="59025" y2="43489"/>
+                          <a14:backgroundMark x1="59482" y1="42752" x2="60929" y2="43735"/>
+                          <a14:backgroundMark x1="58873" y1="43980" x2="59558" y2="42506"/>
+                          <a14:backgroundMark x1="59482" y1="43243" x2="58492" y2="49631"/>
+                          <a14:backgroundMark x1="58111" y1="52334" x2="57045" y2="53563"/>
+                          <a14:backgroundMark x1="59558" y1="42015" x2="59863" y2="41523"/>
+                          <a14:backgroundMark x1="59711" y1="42015" x2="59330" y2="42998"/>
+                          <a14:backgroundMark x1="59406" y1="43980" x2="58644" y2="44963"/>
+                          <a14:backgroundMark x1="59558" y1="43489" x2="60701" y2="42506"/>
+                          <a14:backgroundMark x1="59939" y1="43243" x2="59939" y2="43243"/>
+                          <a14:backgroundMark x1="57273" y1="52826" x2="57273" y2="52826"/>
+                          <a14:backgroundMark x1="57350" y1="53563" x2="57350" y2="53563"/>
+                          <a14:backgroundMark x1="57350" y1="54300" x2="57350" y2="54300"/>
+                          <a14:backgroundMark x1="55065" y1="64865" x2="58187" y2="76413"/>
+                          <a14:backgroundMark x1="59254" y1="77150" x2="57959" y2="78133"/>
+                          <a14:backgroundMark x1="55750" y1="74939" x2="55141" y2="66585"/>
+                          <a14:backgroundMark x1="55065" y1="64373" x2="55674" y2="73710"/>
+                          <a14:backgroundMark x1="39299" y1="44717" x2="39299" y2="66830"/>
+                          <a14:backgroundMark x1="40746" y1="42506" x2="38385" y2="76658"/>
+                          <a14:backgroundMark x1="41280" y1="43980" x2="44707" y2="59951"/>
+                          <a14:backgroundMark x1="44859" y1="59459" x2="39832" y2="42506"/>
+                          <a14:backgroundMark x1="40137" y1="42506" x2="39604" y2="42260"/>
+                          <a14:backgroundMark x1="45316" y1="63391" x2="37548" y2="75676"/>
+                          <a14:backgroundMark x1="41736" y1="76167" x2="44021" y2="72482"/>
+                          <a14:backgroundMark x1="45925" y1="61179" x2="44554" y2="63391"/>
+                          <a14:backgroundMark x1="45621" y1="62162" x2="43488" y2="73710"/>
+                          <a14:backgroundMark x1="40975" y1="71990" x2="42117" y2="74939"/>
+                          <a14:backgroundMark x1="37471" y1="75921" x2="37776" y2="77396"/>
+                          <a14:backgroundMark x1="18507" y1="33907" x2="22544" y2="23833"/>
+                          <a14:backgroundMark x1="22391" y1="23833" x2="18050" y2="28501"/>
+                          <a14:backgroundMark x1="20030" y1="28501" x2="17593" y2="30221"/>
+                          <a14:backgroundMark x1="17136" y1="28993" x2="17136" y2="28993"/>
+                          <a14:backgroundMark x1="17136" y1="28993" x2="17974" y2="30958"/>
+                          <a14:backgroundMark x1="22239" y1="23342" x2="23382" y2="23833"/>
+                        </a14:backgroundRemoval>
+                      </a14:imgEffect>
+                    </a14:imgLayer>
+                  </a14:imgProps>
+                </a:ext>
+              </a:extLst>
+            </a:blip>
+            <a:stretch>
+              <a:fillRect/>
+            </a:stretch>
+          </p:blipFill>
+          <p:spPr>
+            <a:xfrm>
+              <a:off x="2592360" y="3314700"/>
+              <a:ext cx="3959280" cy="1227286"/>
+            </a:xfrm>
+            <a:prstGeom prst="rect">
+              <a:avLst/>
+            </a:prstGeom>
+          </p:spPr>
+        </p:pic>
+      </p:grpSp>
+      <p:sp>
+        <p:nvSpPr>
+          <p:cNvPr id="18" name="CuadroTexto 17">
+            <a:extLst>
+              <a:ext uri="{FF2B5EF4-FFF2-40B4-BE49-F238E27FC236}">
+                <a16:creationId xmlns:a16="http://schemas.microsoft.com/office/drawing/2014/main" id="{848F35A6-4E84-E23F-9E39-2CB0405C4D30}"/>
+              </a:ext>
+            </a:extLst>
+          </p:cNvPr>
+          <p:cNvSpPr txBox="1"/>
+          <p:nvPr/>
+        </p:nvSpPr>
+        <p:spPr>
+          <a:xfrm>
+            <a:off x="273154" y="2185496"/>
+            <a:ext cx="1509623" cy="646331"/>
+          </a:xfrm>
+          <a:prstGeom prst="rect">
+            <a:avLst/>
+          </a:prstGeom>
+          <a:noFill/>
+        </p:spPr>
+        <p:txBody>
+          <a:bodyPr wrap="square" rtlCol="0">
+            <a:spAutoFit/>
+          </a:bodyPr>
+          <a:lstStyle/>
+          <a:p>
+            <a:r>
+              <a:rPr lang="es-CO" dirty="0"/>
+              <a:t>Ver perfiles de músicos</a:t>
+            </a:r>
+          </a:p>
+        </p:txBody>
+      </p:sp>
+      <p:sp>
+        <p:nvSpPr>
+          <p:cNvPr id="20" name="CuadroTexto 19">
+            <a:extLst>
+              <a:ext uri="{FF2B5EF4-FFF2-40B4-BE49-F238E27FC236}">
+                <a16:creationId xmlns:a16="http://schemas.microsoft.com/office/drawing/2014/main" id="{78D3E90A-5065-7280-5EDA-626A8368637F}"/>
+              </a:ext>
+            </a:extLst>
+          </p:cNvPr>
+          <p:cNvSpPr txBox="1"/>
+          <p:nvPr/>
+        </p:nvSpPr>
+        <p:spPr>
+          <a:xfrm>
+            <a:off x="9929891" y="1420216"/>
+            <a:ext cx="1509623" cy="369332"/>
+          </a:xfrm>
+          <a:prstGeom prst="rect">
+            <a:avLst/>
+          </a:prstGeom>
+          <a:noFill/>
+        </p:spPr>
+        <p:txBody>
+          <a:bodyPr wrap="square" rtlCol="0">
+            <a:spAutoFit/>
+          </a:bodyPr>
+          <a:lstStyle/>
+          <a:p>
+            <a:r>
+              <a:rPr lang="es-CO" dirty="0"/>
+              <a:t>Crear Ofertas</a:t>
+            </a:r>
+          </a:p>
+        </p:txBody>
+      </p:sp>
+      <p:sp>
+        <p:nvSpPr>
+          <p:cNvPr id="22" name="CuadroTexto 21">
+            <a:extLst>
+              <a:ext uri="{FF2B5EF4-FFF2-40B4-BE49-F238E27FC236}">
+                <a16:creationId xmlns:a16="http://schemas.microsoft.com/office/drawing/2014/main" id="{7C5FBF95-4897-4DE7-A3E7-3019FB3F3A2E}"/>
+              </a:ext>
+            </a:extLst>
+          </p:cNvPr>
+          <p:cNvSpPr txBox="1"/>
+          <p:nvPr/>
+        </p:nvSpPr>
+        <p:spPr>
+          <a:xfrm>
+            <a:off x="260780" y="4803454"/>
+            <a:ext cx="1854679" cy="646331"/>
+          </a:xfrm>
+          <a:prstGeom prst="rect">
+            <a:avLst/>
+          </a:prstGeom>
+          <a:noFill/>
+        </p:spPr>
+        <p:txBody>
+          <a:bodyPr wrap="square" rtlCol="0">
+            <a:spAutoFit/>
+          </a:bodyPr>
+          <a:lstStyle/>
+          <a:p>
+            <a:r>
+              <a:rPr lang="es-CO" dirty="0"/>
+              <a:t>Ver postulaciones</a:t>
+            </a:r>
+          </a:p>
+          <a:p>
+            <a:r>
+              <a:rPr lang="es-CO" dirty="0"/>
+              <a:t>con sus perfiles</a:t>
+            </a:r>
+          </a:p>
+        </p:txBody>
+      </p:sp>
+      <p:sp>
+        <p:nvSpPr>
+          <p:cNvPr id="24" name="CuadroTexto 23">
+            <a:extLst>
+              <a:ext uri="{FF2B5EF4-FFF2-40B4-BE49-F238E27FC236}">
+                <a16:creationId xmlns:a16="http://schemas.microsoft.com/office/drawing/2014/main" id="{F925A169-D4A7-EF1D-5B90-6C383CE5CF24}"/>
+              </a:ext>
+            </a:extLst>
+          </p:cNvPr>
+          <p:cNvSpPr txBox="1"/>
+          <p:nvPr/>
+        </p:nvSpPr>
+        <p:spPr>
+          <a:xfrm>
+            <a:off x="9864112" y="3344288"/>
+            <a:ext cx="2121241" cy="646331"/>
+          </a:xfrm>
+          <a:prstGeom prst="rect">
+            <a:avLst/>
+          </a:prstGeom>
+          <a:noFill/>
+        </p:spPr>
+        <p:txBody>
+          <a:bodyPr wrap="square" rtlCol="0">
+            <a:spAutoFit/>
+          </a:bodyPr>
+          <a:lstStyle/>
+          <a:p>
+            <a:r>
+              <a:rPr lang="es-CO" dirty="0"/>
+              <a:t>Cambiar el estado de las postulaciones</a:t>
+            </a:r>
+          </a:p>
+        </p:txBody>
+      </p:sp>
+      <p:cxnSp>
+        <p:nvCxnSpPr>
+          <p:cNvPr id="27" name="Conector: angular 26">
+            <a:extLst>
+              <a:ext uri="{FF2B5EF4-FFF2-40B4-BE49-F238E27FC236}">
+                <a16:creationId xmlns:a16="http://schemas.microsoft.com/office/drawing/2014/main" id="{9EC4D786-6CD7-8F06-D66A-DA4F8B584DA4}"/>
+              </a:ext>
+            </a:extLst>
+          </p:cNvPr>
+          <p:cNvCxnSpPr>
+            <a:cxnSpLocks/>
+          </p:cNvCxnSpPr>
+          <p:nvPr/>
+        </p:nvCxnSpPr>
+        <p:spPr>
+          <a:xfrm rot="10800000">
+            <a:off x="406464" y="2867763"/>
+            <a:ext cx="3078608" cy="727532"/>
+          </a:xfrm>
+          <a:prstGeom prst="bentConnector3">
+            <a:avLst/>
+          </a:prstGeom>
+          <a:ln w="19050"/>
+          <a:effectLst>
+            <a:outerShdw blurRad="50800" dist="38100" dir="2700000" algn="tl" rotWithShape="0">
+              <a:prstClr val="black">
+                <a:alpha val="40000"/>
+              </a:prstClr>
+            </a:outerShdw>
+          </a:effectLst>
+        </p:spPr>
+        <p:style>
+          <a:lnRef idx="1">
+            <a:schemeClr val="accent2"/>
+          </a:lnRef>
+          <a:fillRef idx="0">
+            <a:schemeClr val="accent2"/>
+          </a:fillRef>
+          <a:effectRef idx="0">
+            <a:schemeClr val="accent2"/>
+          </a:effectRef>
+          <a:fontRef idx="minor">
+            <a:schemeClr val="tx1"/>
+          </a:fontRef>
+        </p:style>
+      </p:cxnSp>
+      <p:cxnSp>
+        <p:nvCxnSpPr>
+          <p:cNvPr id="31" name="Conector: angular 30">
+            <a:extLst>
+              <a:ext uri="{FF2B5EF4-FFF2-40B4-BE49-F238E27FC236}">
+                <a16:creationId xmlns:a16="http://schemas.microsoft.com/office/drawing/2014/main" id="{A7963CFB-DE60-2D1C-6FD1-BD1E167284CF}"/>
+              </a:ext>
+            </a:extLst>
+          </p:cNvPr>
+          <p:cNvCxnSpPr>
+            <a:cxnSpLocks/>
+          </p:cNvCxnSpPr>
+          <p:nvPr/>
+        </p:nvCxnSpPr>
+        <p:spPr>
+          <a:xfrm rot="10800000" flipV="1">
+            <a:off x="369919" y="3746498"/>
+            <a:ext cx="5504670" cy="1703286"/>
+          </a:xfrm>
+          <a:prstGeom prst="bentConnector3">
+            <a:avLst>
+              <a:gd name="adj1" fmla="val 25710"/>
+            </a:avLst>
+          </a:prstGeom>
+          <a:ln w="19050"/>
+          <a:effectLst>
+            <a:outerShdw blurRad="50800" dist="38100" dir="2700000" algn="tl" rotWithShape="0">
+              <a:prstClr val="black">
+                <a:alpha val="40000"/>
+              </a:prstClr>
+            </a:outerShdw>
+          </a:effectLst>
+        </p:spPr>
+        <p:style>
+          <a:lnRef idx="1">
+            <a:schemeClr val="accent2"/>
+          </a:lnRef>
+          <a:fillRef idx="0">
+            <a:schemeClr val="accent2"/>
+          </a:fillRef>
+          <a:effectRef idx="0">
+            <a:schemeClr val="accent2"/>
+          </a:effectRef>
+          <a:fontRef idx="minor">
+            <a:schemeClr val="tx1"/>
+          </a:fontRef>
+        </p:style>
+      </p:cxnSp>
+      <p:cxnSp>
+        <p:nvCxnSpPr>
+          <p:cNvPr id="40" name="Conector: angular 39">
+            <a:extLst>
+              <a:ext uri="{FF2B5EF4-FFF2-40B4-BE49-F238E27FC236}">
+                <a16:creationId xmlns:a16="http://schemas.microsoft.com/office/drawing/2014/main" id="{CCF821BD-5A79-6DED-2793-7B6FD58D13A2}"/>
+              </a:ext>
+            </a:extLst>
+          </p:cNvPr>
+          <p:cNvCxnSpPr>
+            <a:cxnSpLocks/>
+          </p:cNvCxnSpPr>
+          <p:nvPr/>
+        </p:nvCxnSpPr>
+        <p:spPr>
+          <a:xfrm rot="10800000">
+            <a:off x="7970810" y="3297544"/>
+            <a:ext cx="3851272" cy="765498"/>
+          </a:xfrm>
+          <a:prstGeom prst="bentConnector3">
+            <a:avLst>
+              <a:gd name="adj1" fmla="val 62319"/>
+            </a:avLst>
+          </a:prstGeom>
+          <a:ln w="19050"/>
+          <a:effectLst>
+            <a:outerShdw blurRad="50800" dist="38100" dir="2700000" algn="tl" rotWithShape="0">
+              <a:prstClr val="black">
+                <a:alpha val="40000"/>
+              </a:prstClr>
+            </a:outerShdw>
+          </a:effectLst>
+        </p:spPr>
+        <p:style>
+          <a:lnRef idx="1">
+            <a:schemeClr val="accent2"/>
+          </a:lnRef>
+          <a:fillRef idx="0">
+            <a:schemeClr val="accent2"/>
+          </a:fillRef>
+          <a:effectRef idx="0">
+            <a:schemeClr val="accent2"/>
+          </a:effectRef>
+          <a:fontRef idx="minor">
+            <a:schemeClr val="tx1"/>
+          </a:fontRef>
+        </p:style>
+      </p:cxnSp>
+      <p:cxnSp>
+        <p:nvCxnSpPr>
+          <p:cNvPr id="44" name="Conector: angular 43">
+            <a:extLst>
+              <a:ext uri="{FF2B5EF4-FFF2-40B4-BE49-F238E27FC236}">
+                <a16:creationId xmlns:a16="http://schemas.microsoft.com/office/drawing/2014/main" id="{7C75C0F3-3D5B-DC31-9485-E15BADE73E66}"/>
+              </a:ext>
+            </a:extLst>
+          </p:cNvPr>
+          <p:cNvCxnSpPr>
+            <a:cxnSpLocks/>
+          </p:cNvCxnSpPr>
+          <p:nvPr/>
+        </p:nvCxnSpPr>
+        <p:spPr>
+          <a:xfrm rot="10800000" flipV="1">
+            <a:off x="7366958" y="1814862"/>
+            <a:ext cx="3963232" cy="96058"/>
+          </a:xfrm>
+          <a:prstGeom prst="bentConnector3">
+            <a:avLst>
+              <a:gd name="adj1" fmla="val 50000"/>
+            </a:avLst>
+          </a:prstGeom>
+          <a:ln w="19050"/>
+          <a:effectLst>
+            <a:outerShdw blurRad="50800" dist="38100" dir="2700000" algn="tl" rotWithShape="0">
+              <a:prstClr val="black">
+                <a:alpha val="40000"/>
+              </a:prstClr>
+            </a:outerShdw>
+          </a:effectLst>
+        </p:spPr>
+        <p:style>
+          <a:lnRef idx="1">
+            <a:schemeClr val="accent2"/>
+          </a:lnRef>
+          <a:fillRef idx="0">
+            <a:schemeClr val="accent2"/>
+          </a:fillRef>
+          <a:effectRef idx="0">
+            <a:schemeClr val="accent2"/>
+          </a:effectRef>
+          <a:fontRef idx="minor">
+            <a:schemeClr val="tx1"/>
+          </a:fontRef>
+        </p:style>
+      </p:cxnSp>
+      <p:sp>
+        <p:nvSpPr>
+          <p:cNvPr id="50" name="Elipse 49">
+            <a:extLst>
+              <a:ext uri="{FF2B5EF4-FFF2-40B4-BE49-F238E27FC236}">
+                <a16:creationId xmlns:a16="http://schemas.microsoft.com/office/drawing/2014/main" id="{D11D5121-5B6E-BAA0-E125-EF77720557B3}"/>
+              </a:ext>
+            </a:extLst>
+          </p:cNvPr>
+          <p:cNvSpPr/>
+          <p:nvPr/>
+        </p:nvSpPr>
+        <p:spPr>
+          <a:xfrm>
+            <a:off x="5821680" y="3704588"/>
+            <a:ext cx="83820" cy="83820"/>
+          </a:xfrm>
+          <a:prstGeom prst="ellipse">
+            <a:avLst/>
+          </a:prstGeom>
+          <a:solidFill>
+            <a:schemeClr val="accent2"/>
+          </a:solidFill>
+          <a:ln>
+            <a:noFill/>
+          </a:ln>
+        </p:spPr>
+        <p:style>
+          <a:lnRef idx="2">
+            <a:schemeClr val="accent1">
+              <a:shade val="15000"/>
+            </a:schemeClr>
+          </a:lnRef>
+          <a:fillRef idx="1">
+            <a:schemeClr val="accent1"/>
+          </a:fillRef>
+          <a:effectRef idx="0">
+            <a:schemeClr val="accent1"/>
+          </a:effectRef>
+          <a:fontRef idx="minor">
+            <a:schemeClr val="lt1"/>
+          </a:fontRef>
+        </p:style>
+        <p:txBody>
+          <a:bodyPr rtlCol="0" anchor="ctr"/>
+          <a:lstStyle/>
+          <a:p>
+            <a:pPr algn="ctr"/>
+            <a:endParaRPr lang="es-CO"/>
+          </a:p>
+        </p:txBody>
+      </p:sp>
+      <p:sp>
+        <p:nvSpPr>
+          <p:cNvPr id="51" name="Elipse 50">
+            <a:extLst>
+              <a:ext uri="{FF2B5EF4-FFF2-40B4-BE49-F238E27FC236}">
+                <a16:creationId xmlns:a16="http://schemas.microsoft.com/office/drawing/2014/main" id="{22B50049-BC1F-DC24-34DD-46FDFD09992C}"/>
+              </a:ext>
+            </a:extLst>
+          </p:cNvPr>
+          <p:cNvSpPr/>
+          <p:nvPr/>
+        </p:nvSpPr>
+        <p:spPr>
+          <a:xfrm>
+            <a:off x="322644" y="5407875"/>
+            <a:ext cx="83820" cy="83820"/>
+          </a:xfrm>
+          <a:prstGeom prst="ellipse">
+            <a:avLst/>
+          </a:prstGeom>
+          <a:solidFill>
+            <a:schemeClr val="accent2"/>
+          </a:solidFill>
+          <a:ln>
+            <a:noFill/>
+          </a:ln>
+        </p:spPr>
+        <p:style>
+          <a:lnRef idx="2">
+            <a:schemeClr val="accent1">
+              <a:shade val="15000"/>
+            </a:schemeClr>
+          </a:lnRef>
+          <a:fillRef idx="1">
+            <a:schemeClr val="accent1"/>
+          </a:fillRef>
+          <a:effectRef idx="0">
+            <a:schemeClr val="accent1"/>
+          </a:effectRef>
+          <a:fontRef idx="minor">
+            <a:schemeClr val="lt1"/>
+          </a:fontRef>
+        </p:style>
+        <p:txBody>
+          <a:bodyPr rtlCol="0" anchor="ctr"/>
+          <a:lstStyle/>
+          <a:p>
+            <a:pPr algn="ctr"/>
+            <a:endParaRPr lang="es-CO"/>
+          </a:p>
+        </p:txBody>
+      </p:sp>
+      <p:sp>
+        <p:nvSpPr>
+          <p:cNvPr id="52" name="Elipse 51">
+            <a:extLst>
+              <a:ext uri="{FF2B5EF4-FFF2-40B4-BE49-F238E27FC236}">
+                <a16:creationId xmlns:a16="http://schemas.microsoft.com/office/drawing/2014/main" id="{E86DB5B0-F349-3ECC-B46A-95A4E63309B9}"/>
+              </a:ext>
+            </a:extLst>
+          </p:cNvPr>
+          <p:cNvSpPr/>
+          <p:nvPr/>
+        </p:nvSpPr>
+        <p:spPr>
+          <a:xfrm>
+            <a:off x="380301" y="2831827"/>
+            <a:ext cx="83820" cy="83820"/>
+          </a:xfrm>
+          <a:prstGeom prst="ellipse">
+            <a:avLst/>
+          </a:prstGeom>
+          <a:solidFill>
+            <a:schemeClr val="accent2"/>
+          </a:solidFill>
+          <a:ln>
+            <a:noFill/>
+          </a:ln>
+        </p:spPr>
+        <p:style>
+          <a:lnRef idx="2">
+            <a:schemeClr val="accent1">
+              <a:shade val="15000"/>
+            </a:schemeClr>
+          </a:lnRef>
+          <a:fillRef idx="1">
+            <a:schemeClr val="accent1"/>
+          </a:fillRef>
+          <a:effectRef idx="0">
+            <a:schemeClr val="accent1"/>
+          </a:effectRef>
+          <a:fontRef idx="minor">
+            <a:schemeClr val="lt1"/>
+          </a:fontRef>
+        </p:style>
+        <p:txBody>
+          <a:bodyPr rtlCol="0" anchor="ctr"/>
+          <a:lstStyle/>
+          <a:p>
+            <a:pPr algn="ctr"/>
+            <a:endParaRPr lang="es-CO"/>
+          </a:p>
+        </p:txBody>
+      </p:sp>
+      <p:sp>
+        <p:nvSpPr>
+          <p:cNvPr id="54" name="Elipse 53">
+            <a:extLst>
+              <a:ext uri="{FF2B5EF4-FFF2-40B4-BE49-F238E27FC236}">
+                <a16:creationId xmlns:a16="http://schemas.microsoft.com/office/drawing/2014/main" id="{C6104204-90E6-652C-93A9-9D7A5C879D94}"/>
+              </a:ext>
+            </a:extLst>
+          </p:cNvPr>
+          <p:cNvSpPr/>
+          <p:nvPr/>
+        </p:nvSpPr>
+        <p:spPr>
+          <a:xfrm>
+            <a:off x="3436199" y="3553386"/>
+            <a:ext cx="83820" cy="83820"/>
+          </a:xfrm>
+          <a:prstGeom prst="ellipse">
+            <a:avLst/>
+          </a:prstGeom>
+          <a:solidFill>
+            <a:schemeClr val="accent2"/>
+          </a:solidFill>
+          <a:ln>
+            <a:noFill/>
+          </a:ln>
+        </p:spPr>
+        <p:style>
+          <a:lnRef idx="2">
+            <a:schemeClr val="accent1">
+              <a:shade val="15000"/>
+            </a:schemeClr>
+          </a:lnRef>
+          <a:fillRef idx="1">
+            <a:schemeClr val="accent1"/>
+          </a:fillRef>
+          <a:effectRef idx="0">
+            <a:schemeClr val="accent1"/>
+          </a:effectRef>
+          <a:fontRef idx="minor">
+            <a:schemeClr val="lt1"/>
+          </a:fontRef>
+        </p:style>
+        <p:txBody>
+          <a:bodyPr rtlCol="0" anchor="ctr"/>
+          <a:lstStyle/>
+          <a:p>
+            <a:pPr algn="ctr"/>
+            <a:endParaRPr lang="es-CO"/>
+          </a:p>
+        </p:txBody>
+      </p:sp>
+      <p:sp>
+        <p:nvSpPr>
+          <p:cNvPr id="55" name="Elipse 54">
+            <a:extLst>
+              <a:ext uri="{FF2B5EF4-FFF2-40B4-BE49-F238E27FC236}">
+                <a16:creationId xmlns:a16="http://schemas.microsoft.com/office/drawing/2014/main" id="{513B1A6E-5485-D5EE-12BF-3B80C3BF404D}"/>
+              </a:ext>
+            </a:extLst>
+          </p:cNvPr>
+          <p:cNvSpPr/>
+          <p:nvPr/>
+        </p:nvSpPr>
+        <p:spPr>
+          <a:xfrm>
+            <a:off x="7935863" y="3255633"/>
+            <a:ext cx="83820" cy="83820"/>
+          </a:xfrm>
+          <a:prstGeom prst="ellipse">
+            <a:avLst/>
+          </a:prstGeom>
+          <a:solidFill>
+            <a:schemeClr val="accent2"/>
+          </a:solidFill>
+          <a:ln>
+            <a:noFill/>
+          </a:ln>
+        </p:spPr>
+        <p:style>
+          <a:lnRef idx="2">
+            <a:schemeClr val="accent1">
+              <a:shade val="15000"/>
+            </a:schemeClr>
+          </a:lnRef>
+          <a:fillRef idx="1">
+            <a:schemeClr val="accent1"/>
+          </a:fillRef>
+          <a:effectRef idx="0">
+            <a:schemeClr val="accent1"/>
+          </a:effectRef>
+          <a:fontRef idx="minor">
+            <a:schemeClr val="lt1"/>
+          </a:fontRef>
+        </p:style>
+        <p:txBody>
+          <a:bodyPr rtlCol="0" anchor="ctr"/>
+          <a:lstStyle/>
+          <a:p>
+            <a:pPr algn="ctr"/>
+            <a:endParaRPr lang="es-CO"/>
+          </a:p>
+        </p:txBody>
+      </p:sp>
+      <p:sp>
+        <p:nvSpPr>
+          <p:cNvPr id="56" name="Elipse 55">
+            <a:extLst>
+              <a:ext uri="{FF2B5EF4-FFF2-40B4-BE49-F238E27FC236}">
+                <a16:creationId xmlns:a16="http://schemas.microsoft.com/office/drawing/2014/main" id="{BCBB0056-4027-FC3B-91A7-50AABC1992D2}"/>
+              </a:ext>
+            </a:extLst>
+          </p:cNvPr>
+          <p:cNvSpPr/>
+          <p:nvPr/>
+        </p:nvSpPr>
+        <p:spPr>
+          <a:xfrm>
+            <a:off x="7325048" y="1875312"/>
+            <a:ext cx="83820" cy="83820"/>
+          </a:xfrm>
+          <a:prstGeom prst="ellipse">
+            <a:avLst/>
+          </a:prstGeom>
+          <a:solidFill>
+            <a:schemeClr val="accent2"/>
+          </a:solidFill>
+          <a:ln>
+            <a:noFill/>
+          </a:ln>
+        </p:spPr>
+        <p:style>
+          <a:lnRef idx="2">
+            <a:schemeClr val="accent1">
+              <a:shade val="15000"/>
+            </a:schemeClr>
+          </a:lnRef>
+          <a:fillRef idx="1">
+            <a:schemeClr val="accent1"/>
+          </a:fillRef>
+          <a:effectRef idx="0">
+            <a:schemeClr val="accent1"/>
+          </a:effectRef>
+          <a:fontRef idx="minor">
+            <a:schemeClr val="lt1"/>
+          </a:fontRef>
+        </p:style>
+        <p:txBody>
+          <a:bodyPr rtlCol="0" anchor="ctr"/>
+          <a:lstStyle/>
+          <a:p>
+            <a:pPr algn="ctr"/>
+            <a:endParaRPr lang="es-CO"/>
+          </a:p>
+        </p:txBody>
+      </p:sp>
+      <p:sp>
+        <p:nvSpPr>
+          <p:cNvPr id="57" name="Elipse 56">
+            <a:extLst>
+              <a:ext uri="{FF2B5EF4-FFF2-40B4-BE49-F238E27FC236}">
+                <a16:creationId xmlns:a16="http://schemas.microsoft.com/office/drawing/2014/main" id="{9AF6C956-78B7-612F-0290-90D44746ABB2}"/>
+              </a:ext>
+            </a:extLst>
+          </p:cNvPr>
+          <p:cNvSpPr/>
+          <p:nvPr/>
+        </p:nvSpPr>
+        <p:spPr>
+          <a:xfrm>
+            <a:off x="11240219" y="1768683"/>
+            <a:ext cx="83820" cy="83820"/>
+          </a:xfrm>
+          <a:prstGeom prst="ellipse">
+            <a:avLst/>
+          </a:prstGeom>
+          <a:solidFill>
+            <a:schemeClr val="accent2"/>
+          </a:solidFill>
+          <a:ln>
+            <a:noFill/>
+          </a:ln>
+        </p:spPr>
+        <p:style>
+          <a:lnRef idx="2">
+            <a:schemeClr val="accent1">
+              <a:shade val="15000"/>
+            </a:schemeClr>
+          </a:lnRef>
+          <a:fillRef idx="1">
+            <a:schemeClr val="accent1"/>
+          </a:fillRef>
+          <a:effectRef idx="0">
+            <a:schemeClr val="accent1"/>
+          </a:effectRef>
+          <a:fontRef idx="minor">
+            <a:schemeClr val="lt1"/>
+          </a:fontRef>
+        </p:style>
+        <p:txBody>
+          <a:bodyPr rtlCol="0" anchor="ctr"/>
+          <a:lstStyle/>
+          <a:p>
+            <a:pPr algn="ctr"/>
+            <a:endParaRPr lang="es-CO"/>
+          </a:p>
+        </p:txBody>
+      </p:sp>
+      <p:sp>
+        <p:nvSpPr>
+          <p:cNvPr id="58" name="Elipse 57">
+            <a:extLst>
+              <a:ext uri="{FF2B5EF4-FFF2-40B4-BE49-F238E27FC236}">
+                <a16:creationId xmlns:a16="http://schemas.microsoft.com/office/drawing/2014/main" id="{C4F7B62A-F9F7-2BCF-BECD-0F1DDD8E6D6F}"/>
+              </a:ext>
+            </a:extLst>
+          </p:cNvPr>
+          <p:cNvSpPr/>
+          <p:nvPr/>
+        </p:nvSpPr>
+        <p:spPr>
+          <a:xfrm>
+            <a:off x="11780172" y="4015434"/>
+            <a:ext cx="83820" cy="83820"/>
+          </a:xfrm>
+          <a:prstGeom prst="ellipse">
+            <a:avLst/>
+          </a:prstGeom>
+          <a:solidFill>
+            <a:schemeClr val="accent2"/>
+          </a:solidFill>
+          <a:ln>
+            <a:noFill/>
+          </a:ln>
+        </p:spPr>
+        <p:style>
+          <a:lnRef idx="2">
+            <a:schemeClr val="accent1">
+              <a:shade val="15000"/>
+            </a:schemeClr>
+          </a:lnRef>
+          <a:fillRef idx="1">
+            <a:schemeClr val="accent1"/>
+          </a:fillRef>
+          <a:effectRef idx="0">
+            <a:schemeClr val="accent1"/>
+          </a:effectRef>
+          <a:fontRef idx="minor">
+            <a:schemeClr val="lt1"/>
+          </a:fontRef>
+        </p:style>
+        <p:txBody>
+          <a:bodyPr rtlCol="0" anchor="ctr"/>
+          <a:lstStyle/>
+          <a:p>
+            <a:pPr algn="ctr"/>
+            <a:endParaRPr lang="es-CO"/>
+          </a:p>
+        </p:txBody>
+      </p:sp>
+    </p:spTree>
+    <p:extLst>
+      <p:ext uri="{BB962C8B-B14F-4D97-AF65-F5344CB8AC3E}">
+        <p14:creationId xmlns:p14="http://schemas.microsoft.com/office/powerpoint/2010/main" val="2484711086"/>
+      </p:ext>
+    </p:extLst>
+  </p:cSld>
+  <p:clrMapOvr>
+    <a:masterClrMapping/>
+  </p:clrMapOvr>
+  <mc:AlternateContent xmlns:mc="http://schemas.openxmlformats.org/markup-compatibility/2006" xmlns:p159="http://schemas.microsoft.com/office/powerpoint/2015/09/main">
+    <mc:Choice Requires="p159">
+      <p:transition xmlns:p14="http://schemas.microsoft.com/office/powerpoint/2010/main" spd="slow" p14:dur="2000">
+        <p159:morph option="byObject"/>
+      </p:transition>
+    </mc:Choice>
+    <mc:Fallback xmlns="">
+      <p:transition spd="slow">
+        <p:fade/>
+      </p:transition>
+    </mc:Fallback>
+  </mc:AlternateContent>
+</p:sld>
+</file>
+
+<file path=ppt/slides/slide7.xml><?xml version="1.0" encoding="utf-8"?>
+<p:sld xmlns:a="http://schemas.openxmlformats.org/drawingml/2006/main" xmlns:r="http://schemas.openxmlformats.org/officeDocument/2006/relationships" xmlns:p="http://schemas.openxmlformats.org/presentationml/2006/main">
+  <p:cSld>
+    <p:bg>
+      <p:bgPr>
+        <a:blipFill>
+          <a:blip r:embed="rId2" cstate="email">
+            <a:extLst>
+              <a:ext uri="{28A0092B-C50C-407E-A947-70E740481C1C}">
+                <a14:useLocalDpi xmlns:a14="http://schemas.microsoft.com/office/drawing/2010/main"/>
+              </a:ext>
+            </a:extLst>
+          </a:blip>
+          <a:stretch>
+            <a:fillRect/>
+          </a:stretch>
+        </a:blipFill>
+        <a:effectLst/>
+      </p:bgPr>
+    </p:bg>
+    <p:spTree>
+      <p:nvGrpSpPr>
+        <p:cNvPr id="1" name=""/>
+        <p:cNvGrpSpPr/>
+        <p:nvPr/>
+      </p:nvGrpSpPr>
+      <p:grpSpPr>
+        <a:xfrm>
+          <a:off x="0" y="0"/>
+          <a:ext cx="0" cy="0"/>
+          <a:chOff x="0" y="0"/>
+          <a:chExt cx="0" cy="0"/>
+        </a:xfrm>
+      </p:grpSpPr>
       <p:sp>
         <p:nvSpPr>
           <p:cNvPr id="2" name="Título 1">
@@ -7208,20 +8919,20 @@
     </p:spTree>
     <p:extLst>
       <p:ext uri="{BB962C8B-B14F-4D97-AF65-F5344CB8AC3E}">
-        <p14:creationId xmlns:p14="http://schemas.microsoft.com/office/powerpoint/2010/main" val="2484711086"/>
+        <p14:creationId xmlns:p14="http://schemas.microsoft.com/office/powerpoint/2010/main" val="3740961733"/>
       </p:ext>
     </p:extLst>
   </p:cSld>
   <p:clrMapOvr>
     <a:masterClrMapping/>
   </p:clrMapOvr>
-  <mc:AlternateContent xmlns:mc="http://schemas.openxmlformats.org/markup-compatibility/2006" xmlns:p159="http://schemas.microsoft.com/office/powerpoint/2015/09/main">
-    <mc:Choice Requires="p159">
+  <mc:AlternateContent xmlns:mc="http://schemas.openxmlformats.org/markup-compatibility/2006">
+    <mc:Choice xmlns:p159="http://schemas.microsoft.com/office/powerpoint/2015/09/main" Requires="p159">
       <p:transition xmlns:p14="http://schemas.microsoft.com/office/powerpoint/2010/main" spd="slow" p14:dur="2000">
         <p159:morph option="byObject"/>
       </p:transition>
     </mc:Choice>
-    <mc:Fallback xmlns="">
+    <mc:Fallback>
       <p:transition spd="slow">
         <p:fade/>
       </p:transition>
@@ -7230,7 +8941,7 @@
 </p:sld>
 </file>
 
-<file path=ppt/slides/slide7.xml><?xml version="1.0" encoding="utf-8"?>
+<file path=ppt/slides/slide8.xml><?xml version="1.0" encoding="utf-8"?>
 <p:sld xmlns:a="http://schemas.openxmlformats.org/drawingml/2006/main" xmlns:r="http://schemas.openxmlformats.org/officeDocument/2006/relationships" xmlns:p="http://schemas.openxmlformats.org/presentationml/2006/main">
   <p:cSld>
     <p:bg>
@@ -7319,7 +9030,7 @@
                 </a:solidFill>
                 <a:latin typeface="Work Sans Medium" pitchFamily="2" charset="77"/>
               </a:rPr>
-              <a:t>Metodologías de trabajo</a:t>
+              <a:t>Herramientas de trabajo</a:t>
             </a:r>
           </a:p>
         </p:txBody>
@@ -7555,7 +9266,7 @@
 </p:sld>
 </file>
 
-<file path=ppt/slides/slide8.xml><?xml version="1.0" encoding="utf-8"?>
+<file path=ppt/slides/slide9.xml><?xml version="1.0" encoding="utf-8"?>
 <p:sld xmlns:a="http://schemas.openxmlformats.org/drawingml/2006/main" xmlns:r="http://schemas.openxmlformats.org/officeDocument/2006/relationships" xmlns:p="http://schemas.openxmlformats.org/presentationml/2006/main">
   <p:cSld>
     <p:bg>
@@ -7823,495 +9534,6 @@
     <p:extLst>
       <p:ext uri="{BB962C8B-B14F-4D97-AF65-F5344CB8AC3E}">
         <p14:creationId xmlns:p14="http://schemas.microsoft.com/office/powerpoint/2010/main" val="2765547452"/>
-      </p:ext>
-    </p:extLst>
-  </p:cSld>
-  <p:clrMapOvr>
-    <a:masterClrMapping/>
-  </p:clrMapOvr>
-  <mc:AlternateContent xmlns:mc="http://schemas.openxmlformats.org/markup-compatibility/2006" xmlns:p159="http://schemas.microsoft.com/office/powerpoint/2015/09/main">
-    <mc:Choice Requires="p159">
-      <p:transition xmlns:p14="http://schemas.microsoft.com/office/powerpoint/2010/main" spd="slow" p14:dur="2000">
-        <p159:morph option="byObject"/>
-      </p:transition>
-    </mc:Choice>
-    <mc:Fallback xmlns="">
-      <p:transition spd="slow">
-        <p:fade/>
-      </p:transition>
-    </mc:Fallback>
-  </mc:AlternateContent>
-</p:sld>
-</file>
-
-<file path=ppt/slides/slide9.xml><?xml version="1.0" encoding="utf-8"?>
-<p:sld xmlns:a="http://schemas.openxmlformats.org/drawingml/2006/main" xmlns:r="http://schemas.openxmlformats.org/officeDocument/2006/relationships" xmlns:p="http://schemas.openxmlformats.org/presentationml/2006/main">
-  <p:cSld>
-    <p:bg>
-      <p:bgPr>
-        <a:blipFill>
-          <a:blip r:embed="rId2" cstate="email">
-            <a:extLst>
-              <a:ext uri="{28A0092B-C50C-407E-A947-70E740481C1C}">
-                <a14:useLocalDpi xmlns:a14="http://schemas.microsoft.com/office/drawing/2010/main"/>
-              </a:ext>
-            </a:extLst>
-          </a:blip>
-          <a:stretch>
-            <a:fillRect/>
-          </a:stretch>
-        </a:blipFill>
-        <a:effectLst/>
-      </p:bgPr>
-    </p:bg>
-    <p:spTree>
-      <p:nvGrpSpPr>
-        <p:cNvPr id="1" name=""/>
-        <p:cNvGrpSpPr/>
-        <p:nvPr/>
-      </p:nvGrpSpPr>
-      <p:grpSpPr>
-        <a:xfrm>
-          <a:off x="0" y="0"/>
-          <a:ext cx="0" cy="0"/>
-          <a:chOff x="0" y="0"/>
-          <a:chExt cx="0" cy="0"/>
-        </a:xfrm>
-      </p:grpSpPr>
-      <p:sp>
-        <p:nvSpPr>
-          <p:cNvPr id="2" name="Título 1">
-            <a:extLst>
-              <a:ext uri="{FF2B5EF4-FFF2-40B4-BE49-F238E27FC236}">
-                <a16:creationId xmlns:a16="http://schemas.microsoft.com/office/drawing/2014/main" id="{BFF67CBC-1536-A090-A5B5-FE205F3AF4AD}"/>
-              </a:ext>
-            </a:extLst>
-          </p:cNvPr>
-          <p:cNvSpPr txBox="1">
-            <a:spLocks/>
-          </p:cNvSpPr>
-          <p:nvPr/>
-        </p:nvSpPr>
-        <p:spPr>
-          <a:xfrm>
-            <a:off x="456236" y="457723"/>
-            <a:ext cx="10515600" cy="676598"/>
-          </a:xfrm>
-          <a:prstGeom prst="rect">
-            <a:avLst/>
-          </a:prstGeom>
-        </p:spPr>
-        <p:txBody>
-          <a:bodyPr/>
-          <a:lstStyle>
-            <a:lvl1pPr algn="l" defTabSz="914400" rtl="0" eaLnBrk="1" latinLnBrk="0" hangingPunct="1">
-              <a:lnSpc>
-                <a:spcPct val="90000"/>
-              </a:lnSpc>
-              <a:spcBef>
-                <a:spcPct val="0"/>
-              </a:spcBef>
-              <a:buNone/>
-              <a:defRPr sz="4400" kern="1200">
-                <a:solidFill>
-                  <a:schemeClr val="tx1"/>
-                </a:solidFill>
-                <a:latin typeface="+mj-lt"/>
-                <a:ea typeface="+mj-ea"/>
-                <a:cs typeface="+mj-cs"/>
-              </a:defRPr>
-            </a:lvl1pPr>
-          </a:lstStyle>
-          <a:p>
-            <a:r>
-              <a:rPr lang="es-CO" dirty="0">
-                <a:solidFill>
-                  <a:schemeClr val="tx1">
-                    <a:lumMod val="95000"/>
-                    <a:lumOff val="5000"/>
-                  </a:schemeClr>
-                </a:solidFill>
-                <a:latin typeface="Work Sans Medium" pitchFamily="2" charset="77"/>
-              </a:rPr>
-              <a:t>Aspectos técnicos de despliegue</a:t>
-            </a:r>
-          </a:p>
-        </p:txBody>
-      </p:sp>
-      <p:grpSp>
-        <p:nvGrpSpPr>
-          <p:cNvPr id="5" name="Grupo 4">
-            <a:extLst>
-              <a:ext uri="{FF2B5EF4-FFF2-40B4-BE49-F238E27FC236}">
-                <a16:creationId xmlns:a16="http://schemas.microsoft.com/office/drawing/2014/main" id="{87F15CCC-BB82-59EA-4A20-23BA12652E01}"/>
-              </a:ext>
-            </a:extLst>
-          </p:cNvPr>
-          <p:cNvGrpSpPr/>
-          <p:nvPr/>
-        </p:nvGrpSpPr>
-        <p:grpSpPr>
-          <a:xfrm>
-            <a:off x="9810053" y="282242"/>
-            <a:ext cx="1161783" cy="916373"/>
-            <a:chOff x="2592360" y="1419046"/>
-            <a:chExt cx="3959280" cy="3122940"/>
-          </a:xfrm>
-        </p:grpSpPr>
-        <p:pic>
-          <p:nvPicPr>
-            <p:cNvPr id="6" name="Gráfico 5">
-              <a:extLst>
-                <a:ext uri="{FF2B5EF4-FFF2-40B4-BE49-F238E27FC236}">
-                  <a16:creationId xmlns:a16="http://schemas.microsoft.com/office/drawing/2014/main" id="{DA6F0839-692B-5F43-3B85-C194DD260823}"/>
-                </a:ext>
-              </a:extLst>
-            </p:cNvPr>
-            <p:cNvPicPr>
-              <a:picLocks noChangeAspect="1"/>
-            </p:cNvPicPr>
-            <p:nvPr/>
-          </p:nvPicPr>
-          <p:blipFill>
-            <a:blip r:embed="rId3">
-              <a:extLst>
-                <a:ext uri="{96DAC541-7B7A-43D3-8B79-37D633B846F1}">
-                  <asvg:svgBlip xmlns:asvg="http://schemas.microsoft.com/office/drawing/2016/SVG/main" r:embed="rId4"/>
-                </a:ext>
-              </a:extLst>
-            </a:blip>
-            <a:stretch>
-              <a:fillRect/>
-            </a:stretch>
-          </p:blipFill>
-          <p:spPr>
-            <a:xfrm>
-              <a:off x="4011588" y="1419046"/>
-              <a:ext cx="1120824" cy="1895654"/>
-            </a:xfrm>
-            <a:prstGeom prst="rect">
-              <a:avLst/>
-            </a:prstGeom>
-          </p:spPr>
-        </p:pic>
-        <p:pic>
-          <p:nvPicPr>
-            <p:cNvPr id="7" name="Imagen 6">
-              <a:extLst>
-                <a:ext uri="{FF2B5EF4-FFF2-40B4-BE49-F238E27FC236}">
-                  <a16:creationId xmlns:a16="http://schemas.microsoft.com/office/drawing/2014/main" id="{F276B70A-17B6-E584-6037-CA89F33ED727}"/>
-                </a:ext>
-              </a:extLst>
-            </p:cNvPr>
-            <p:cNvPicPr>
-              <a:picLocks noChangeAspect="1"/>
-            </p:cNvPicPr>
-            <p:nvPr/>
-          </p:nvPicPr>
-          <p:blipFill>
-            <a:blip r:embed="rId5">
-              <a:extLst>
-                <a:ext uri="{BEBA8EAE-BF5A-486C-A8C5-ECC9F3942E4B}">
-                  <a14:imgProps xmlns:a14="http://schemas.microsoft.com/office/drawing/2010/main">
-                    <a14:imgLayer r:embed="rId6">
-                      <a14:imgEffect>
-                        <a14:backgroundRemoval t="9582" b="89681" l="4950" r="94364">
-                          <a14:foregroundMark x1="94440" y1="36364" x2="92007" y2="38843"/>
-                          <a14:foregroundMark x1="54049" y1="69088" x2="53694" y2="70762"/>
-                          <a14:foregroundMark x1="57203" y1="54189" x2="55043" y2="64387"/>
-                          <a14:foregroundMark x1="61081" y1="35872" x2="60260" y2="39752"/>
-                          <a14:foregroundMark x1="59659" y1="78902" x2="61615" y2="81572"/>
-                          <a14:foregroundMark x1="53694" y1="70762" x2="54203" y2="71457"/>
-                          <a14:foregroundMark x1="35796" y1="36364" x2="35339" y2="77641"/>
-                          <a14:foregroundMark x1="45416" y1="71429" x2="47296" y2="70270"/>
-                          <a14:foregroundMark x1="35339" y1="77641" x2="37155" y2="76521"/>
-                          <a14:foregroundMark x1="39299" y1="38812" x2="38614" y2="36118"/>
-                          <a14:foregroundMark x1="47296" y1="70270" x2="46331" y2="66474"/>
-                          <a14:foregroundMark x1="38614" y1="36118" x2="36481" y2="34889"/>
-                          <a14:foregroundMark x1="23762" y1="35627" x2="24372" y2="34889"/>
-                          <a14:foregroundMark x1="3732" y1="84275" x2="4950" y2="39066"/>
-                          <a14:foregroundMark x1="4950" y1="39066" x2="13633" y2="77641"/>
-                          <a14:foregroundMark x1="13633" y1="77641" x2="16146" y2="30467"/>
-                          <a14:foregroundMark x1="23645" y1="22609" x2="25057" y2="21130"/>
-                          <a14:foregroundMark x1="16146" y1="30467" x2="16916" y2="29661"/>
-                          <a14:backgroundMark x1="89109" y1="42506" x2="89109" y2="42506"/>
-                          <a14:backgroundMark x1="89109" y1="42506" x2="89109" y2="42506"/>
-                          <a14:backgroundMark x1="88728" y1="41769" x2="88728" y2="41769"/>
-                          <a14:backgroundMark x1="88728" y1="41769" x2="88728" y2="41769"/>
-                          <a14:backgroundMark x1="88728" y1="41769" x2="88728" y2="41769"/>
-                          <a14:backgroundMark x1="88728" y1="41769" x2="88728" y2="41769"/>
-                          <a14:backgroundMark x1="88728" y1="41769" x2="89109" y2="41523"/>
-                          <a14:backgroundMark x1="90099" y1="41523" x2="90099" y2="41523"/>
-                          <a14:backgroundMark x1="89947" y1="41523" x2="89566" y2="41278"/>
-                          <a14:backgroundMark x1="90861" y1="41032" x2="89261" y2="41032"/>
-                          <a14:backgroundMark x1="88043" y1="43489" x2="88576" y2="43243"/>
-                          <a14:backgroundMark x1="88652" y1="42015" x2="87738" y2="42260"/>
-                          <a14:backgroundMark x1="87357" y1="43489" x2="87357" y2="43489"/>
-                          <a14:backgroundMark x1="87357" y1="43489" x2="87510" y2="44717"/>
-                          <a14:backgroundMark x1="91318" y1="41278" x2="89337" y2="42260"/>
-                          <a14:backgroundMark x1="90784" y1="40786" x2="91546" y2="41032"/>
-                          <a14:backgroundMark x1="60701" y1="48649" x2="55598" y2="44963"/>
-                          <a14:backgroundMark x1="58720" y1="51843" x2="56969" y2="51843"/>
-                          <a14:backgroundMark x1="57121" y1="43980" x2="59025" y2="43489"/>
-                          <a14:backgroundMark x1="59482" y1="42752" x2="60929" y2="43735"/>
-                          <a14:backgroundMark x1="58873" y1="43980" x2="59558" y2="42506"/>
-                          <a14:backgroundMark x1="59482" y1="43243" x2="58492" y2="49631"/>
-                          <a14:backgroundMark x1="58111" y1="52334" x2="57045" y2="53563"/>
-                          <a14:backgroundMark x1="59558" y1="42015" x2="59863" y2="41523"/>
-                          <a14:backgroundMark x1="59711" y1="42015" x2="59330" y2="42998"/>
-                          <a14:backgroundMark x1="59406" y1="43980" x2="58644" y2="44963"/>
-                          <a14:backgroundMark x1="59558" y1="43489" x2="60701" y2="42506"/>
-                          <a14:backgroundMark x1="59939" y1="43243" x2="59939" y2="43243"/>
-                          <a14:backgroundMark x1="57273" y1="52826" x2="57273" y2="52826"/>
-                          <a14:backgroundMark x1="57350" y1="53563" x2="57350" y2="53563"/>
-                          <a14:backgroundMark x1="57350" y1="54300" x2="57350" y2="54300"/>
-                          <a14:backgroundMark x1="55065" y1="64865" x2="58187" y2="76413"/>
-                          <a14:backgroundMark x1="59254" y1="77150" x2="57959" y2="78133"/>
-                          <a14:backgroundMark x1="55750" y1="74939" x2="55141" y2="66585"/>
-                          <a14:backgroundMark x1="55065" y1="64373" x2="55674" y2="73710"/>
-                          <a14:backgroundMark x1="39299" y1="44717" x2="39299" y2="66830"/>
-                          <a14:backgroundMark x1="40746" y1="42506" x2="38385" y2="76658"/>
-                          <a14:backgroundMark x1="41280" y1="43980" x2="44707" y2="59951"/>
-                          <a14:backgroundMark x1="44859" y1="59459" x2="39832" y2="42506"/>
-                          <a14:backgroundMark x1="40137" y1="42506" x2="39604" y2="42260"/>
-                          <a14:backgroundMark x1="45316" y1="63391" x2="37548" y2="75676"/>
-                          <a14:backgroundMark x1="41736" y1="76167" x2="44021" y2="72482"/>
-                          <a14:backgroundMark x1="45925" y1="61179" x2="44554" y2="63391"/>
-                          <a14:backgroundMark x1="45621" y1="62162" x2="43488" y2="73710"/>
-                          <a14:backgroundMark x1="40975" y1="71990" x2="42117" y2="74939"/>
-                          <a14:backgroundMark x1="37471" y1="75921" x2="37776" y2="77396"/>
-                          <a14:backgroundMark x1="18507" y1="33907" x2="22544" y2="23833"/>
-                          <a14:backgroundMark x1="22391" y1="23833" x2="18050" y2="28501"/>
-                          <a14:backgroundMark x1="20030" y1="28501" x2="17593" y2="30221"/>
-                          <a14:backgroundMark x1="17136" y1="28993" x2="17136" y2="28993"/>
-                          <a14:backgroundMark x1="17136" y1="28993" x2="17974" y2="30958"/>
-                          <a14:backgroundMark x1="22239" y1="23342" x2="23382" y2="23833"/>
-                        </a14:backgroundRemoval>
-                      </a14:imgEffect>
-                    </a14:imgLayer>
-                  </a14:imgProps>
-                </a:ext>
-              </a:extLst>
-            </a:blip>
-            <a:stretch>
-              <a:fillRect/>
-            </a:stretch>
-          </p:blipFill>
-          <p:spPr>
-            <a:xfrm>
-              <a:off x="2592360" y="3314700"/>
-              <a:ext cx="3959280" cy="1227286"/>
-            </a:xfrm>
-            <a:prstGeom prst="rect">
-              <a:avLst/>
-            </a:prstGeom>
-          </p:spPr>
-        </p:pic>
-      </p:grpSp>
-      <p:pic>
-        <p:nvPicPr>
-          <p:cNvPr id="3" name="Imagen 2" descr="Logotipo, nombre de la empresa&#10;&#10;Descripción generada automáticamente">
-            <a:extLst>
-              <a:ext uri="{FF2B5EF4-FFF2-40B4-BE49-F238E27FC236}">
-                <a16:creationId xmlns:a16="http://schemas.microsoft.com/office/drawing/2014/main" id="{1260D995-0971-0474-FA94-05BCE1A153DD}"/>
-              </a:ext>
-            </a:extLst>
-          </p:cNvPr>
-          <p:cNvPicPr>
-            <a:picLocks noChangeAspect="1"/>
-          </p:cNvPicPr>
-          <p:nvPr/>
-        </p:nvPicPr>
-        <p:blipFill>
-          <a:blip r:embed="rId7"/>
-          <a:stretch>
-            <a:fillRect/>
-          </a:stretch>
-        </p:blipFill>
-        <p:spPr>
-          <a:xfrm>
-            <a:off x="1105254" y="1914557"/>
-            <a:ext cx="2800854" cy="826252"/>
-          </a:xfrm>
-          <a:prstGeom prst="rect">
-            <a:avLst/>
-          </a:prstGeom>
-        </p:spPr>
-      </p:pic>
-      <p:grpSp>
-        <p:nvGrpSpPr>
-          <p:cNvPr id="13" name="Grupo 12">
-            <a:extLst>
-              <a:ext uri="{FF2B5EF4-FFF2-40B4-BE49-F238E27FC236}">
-                <a16:creationId xmlns:a16="http://schemas.microsoft.com/office/drawing/2014/main" id="{8F359A60-8788-FA21-9173-6CAF4161DA95}"/>
-              </a:ext>
-            </a:extLst>
-          </p:cNvPr>
-          <p:cNvGrpSpPr/>
-          <p:nvPr/>
-        </p:nvGrpSpPr>
-        <p:grpSpPr>
-          <a:xfrm>
-            <a:off x="8285893" y="1649709"/>
-            <a:ext cx="2382107" cy="1355949"/>
-            <a:chOff x="5412467" y="2719387"/>
-            <a:chExt cx="3179990" cy="1810122"/>
-          </a:xfrm>
-        </p:grpSpPr>
-        <p:pic>
-          <p:nvPicPr>
-            <p:cNvPr id="10" name="Imagen 9" descr="Imagen que contiene dibujo&#10;&#10;Descripción generada automáticamente">
-              <a:extLst>
-                <a:ext uri="{FF2B5EF4-FFF2-40B4-BE49-F238E27FC236}">
-                  <a16:creationId xmlns:a16="http://schemas.microsoft.com/office/drawing/2014/main" id="{212A181C-9670-0D53-A753-A1F4474556F9}"/>
-                </a:ext>
-              </a:extLst>
-            </p:cNvPr>
-            <p:cNvPicPr>
-              <a:picLocks noChangeAspect="1"/>
-            </p:cNvPicPr>
-            <p:nvPr/>
-          </p:nvPicPr>
-          <p:blipFill rotWithShape="1">
-            <a:blip r:embed="rId8"/>
-            <a:srcRect l="48393"/>
-            <a:stretch/>
-          </p:blipFill>
-          <p:spPr>
-            <a:xfrm>
-              <a:off x="6473371" y="2719387"/>
-              <a:ext cx="2119086" cy="1810122"/>
-            </a:xfrm>
-            <a:prstGeom prst="rect">
-              <a:avLst/>
-            </a:prstGeom>
-          </p:spPr>
-        </p:pic>
-        <p:pic>
-          <p:nvPicPr>
-            <p:cNvPr id="12" name="Imagen 11" descr="Icono&#10;&#10;Descripción generada automáticamente">
-              <a:extLst>
-                <a:ext uri="{FF2B5EF4-FFF2-40B4-BE49-F238E27FC236}">
-                  <a16:creationId xmlns:a16="http://schemas.microsoft.com/office/drawing/2014/main" id="{A55F33FA-5135-2C0C-4E54-9BC90A115B4F}"/>
-                </a:ext>
-              </a:extLst>
-            </p:cNvPr>
-            <p:cNvPicPr>
-              <a:picLocks noChangeAspect="1"/>
-            </p:cNvPicPr>
-            <p:nvPr/>
-          </p:nvPicPr>
-          <p:blipFill>
-            <a:blip r:embed="rId9"/>
-            <a:stretch>
-              <a:fillRect/>
-            </a:stretch>
-          </p:blipFill>
-          <p:spPr>
-            <a:xfrm>
-              <a:off x="5412467" y="3057710"/>
-              <a:ext cx="1133475" cy="1133475"/>
-            </a:xfrm>
-            <a:prstGeom prst="rect">
-              <a:avLst/>
-            </a:prstGeom>
-          </p:spPr>
-        </p:pic>
-      </p:grpSp>
-      <p:pic>
-        <p:nvPicPr>
-          <p:cNvPr id="15" name="Imagen 14" descr="Logotipo, nombre de la empresa&#10;&#10;Descripción generada automáticamente">
-            <a:extLst>
-              <a:ext uri="{FF2B5EF4-FFF2-40B4-BE49-F238E27FC236}">
-                <a16:creationId xmlns:a16="http://schemas.microsoft.com/office/drawing/2014/main" id="{92E855F4-4C9A-98E6-EBC4-B9248FA45FD8}"/>
-              </a:ext>
-            </a:extLst>
-          </p:cNvPr>
-          <p:cNvPicPr>
-            <a:picLocks noChangeAspect="1"/>
-          </p:cNvPicPr>
-          <p:nvPr/>
-        </p:nvPicPr>
-        <p:blipFill>
-          <a:blip r:embed="rId10"/>
-          <a:stretch>
-            <a:fillRect/>
-          </a:stretch>
-        </p:blipFill>
-        <p:spPr>
-          <a:xfrm>
-            <a:off x="3984937" y="2740809"/>
-            <a:ext cx="4222126" cy="2374946"/>
-          </a:xfrm>
-          <a:prstGeom prst="rect">
-            <a:avLst/>
-          </a:prstGeom>
-        </p:spPr>
-      </p:pic>
-      <p:pic>
-        <p:nvPicPr>
-          <p:cNvPr id="17" name="Imagen 16" descr="Icono&#10;&#10;Descripción generada automáticamente">
-            <a:extLst>
-              <a:ext uri="{FF2B5EF4-FFF2-40B4-BE49-F238E27FC236}">
-                <a16:creationId xmlns:a16="http://schemas.microsoft.com/office/drawing/2014/main" id="{D49BB2F0-783A-517E-3DAB-4C6EBBE6FA84}"/>
-              </a:ext>
-            </a:extLst>
-          </p:cNvPr>
-          <p:cNvPicPr>
-            <a:picLocks noChangeAspect="1"/>
-          </p:cNvPicPr>
-          <p:nvPr/>
-        </p:nvPicPr>
-        <p:blipFill>
-          <a:blip r:embed="rId11"/>
-          <a:stretch>
-            <a:fillRect/>
-          </a:stretch>
-        </p:blipFill>
-        <p:spPr>
-          <a:xfrm>
-            <a:off x="4652097" y="4956374"/>
-            <a:ext cx="1443903" cy="1443903"/>
-          </a:xfrm>
-          <a:prstGeom prst="rect">
-            <a:avLst/>
-          </a:prstGeom>
-        </p:spPr>
-      </p:pic>
-      <p:pic>
-        <p:nvPicPr>
-          <p:cNvPr id="19" name="Imagen 18" descr="Icono&#10;&#10;Descripción generada automáticamente">
-            <a:extLst>
-              <a:ext uri="{FF2B5EF4-FFF2-40B4-BE49-F238E27FC236}">
-                <a16:creationId xmlns:a16="http://schemas.microsoft.com/office/drawing/2014/main" id="{02C0CE80-98AD-5312-EAC9-8225DC0B4171}"/>
-              </a:ext>
-            </a:extLst>
-          </p:cNvPr>
-          <p:cNvPicPr>
-            <a:picLocks noChangeAspect="1"/>
-          </p:cNvPicPr>
-          <p:nvPr/>
-        </p:nvPicPr>
-        <p:blipFill>
-          <a:blip r:embed="rId12"/>
-          <a:stretch>
-            <a:fillRect/>
-          </a:stretch>
-        </p:blipFill>
-        <p:spPr>
-          <a:xfrm>
-            <a:off x="6477966" y="4947433"/>
-            <a:ext cx="1443903" cy="1443903"/>
-          </a:xfrm>
-          <a:prstGeom prst="rect">
-            <a:avLst/>
-          </a:prstGeom>
-        </p:spPr>
-      </p:pic>
-    </p:spTree>
-    <p:extLst>
-      <p:ext uri="{BB962C8B-B14F-4D97-AF65-F5344CB8AC3E}">
-        <p14:creationId xmlns:p14="http://schemas.microsoft.com/office/powerpoint/2010/main" val="505962048"/>
       </p:ext>
     </p:extLst>
   </p:cSld>

--- a/Presentaciones del proyecto/Presentación de Proyecto Pitch1.pptx
+++ b/Presentaciones del proyecto/Presentación de Proyecto Pitch1.pptx
@@ -5,10 +5,10 @@
     <p:sldMasterId id="2147483648" r:id="rId1"/>
   </p:sldMasterIdLst>
   <p:notesMasterIdLst>
-    <p:notesMasterId r:id="rId12"/>
+    <p:notesMasterId r:id="rId15"/>
   </p:notesMasterIdLst>
   <p:handoutMasterIdLst>
-    <p:handoutMasterId r:id="rId13"/>
+    <p:handoutMasterId r:id="rId16"/>
   </p:handoutMasterIdLst>
   <p:sldIdLst>
     <p:sldId id="498" r:id="rId2"/>
@@ -17,10 +17,13 @@
     <p:sldId id="510" r:id="rId5"/>
     <p:sldId id="511" r:id="rId6"/>
     <p:sldId id="512" r:id="rId7"/>
-    <p:sldId id="516" r:id="rId8"/>
-    <p:sldId id="513" r:id="rId9"/>
-    <p:sldId id="514" r:id="rId10"/>
-    <p:sldId id="515" r:id="rId11"/>
+    <p:sldId id="517" r:id="rId8"/>
+    <p:sldId id="518" r:id="rId9"/>
+    <p:sldId id="513" r:id="rId10"/>
+    <p:sldId id="519" r:id="rId11"/>
+    <p:sldId id="520" r:id="rId12"/>
+    <p:sldId id="514" r:id="rId13"/>
+    <p:sldId id="515" r:id="rId14"/>
   </p:sldIdLst>
   <p:sldSz cx="12192000" cy="6858000"/>
   <p:notesSz cx="6858000" cy="9144000"/>
@@ -261,7 +264,7 @@
           <a:p>
             <a:fld id="{88369B9F-131C-2846-AB8F-CEE154B4CAEB}" type="datetimeFigureOut">
               <a:rPr lang="es-CO" smtClean="0"/>
-              <a:t>26/06/2023</a:t>
+              <a:t>27/06/2023</a:t>
             </a:fld>
             <a:endParaRPr lang="es-CO"/>
           </a:p>
@@ -438,7 +441,7 @@
           <a:p>
             <a:fld id="{9660CB96-A603-FF42-AE46-F5F75F80A67B}" type="datetimeFigureOut">
               <a:rPr lang="es-CO" smtClean="0"/>
-              <a:t>26/06/2023</a:t>
+              <a:t>27/06/2023</a:t>
             </a:fld>
             <a:endParaRPr lang="es-CO"/>
           </a:p>
@@ -939,7 +942,7 @@
           <a:p>
             <a:fld id="{BD986248-06F7-A441-A47A-264EBD310E11}" type="datetimeFigureOut">
               <a:rPr lang="es-CO" smtClean="0"/>
-              <a:t>26/06/2023</a:t>
+              <a:t>27/06/2023</a:t>
             </a:fld>
             <a:endParaRPr lang="es-CO"/>
           </a:p>
@@ -1139,7 +1142,7 @@
           <a:p>
             <a:fld id="{BD986248-06F7-A441-A47A-264EBD310E11}" type="datetimeFigureOut">
               <a:rPr lang="es-CO" smtClean="0"/>
-              <a:t>26/06/2023</a:t>
+              <a:t>27/06/2023</a:t>
             </a:fld>
             <a:endParaRPr lang="es-CO"/>
           </a:p>
@@ -1349,7 +1352,7 @@
           <a:p>
             <a:fld id="{BD986248-06F7-A441-A47A-264EBD310E11}" type="datetimeFigureOut">
               <a:rPr lang="es-CO" smtClean="0"/>
-              <a:t>26/06/2023</a:t>
+              <a:t>27/06/2023</a:t>
             </a:fld>
             <a:endParaRPr lang="es-CO"/>
           </a:p>
@@ -1612,7 +1615,7 @@
           <a:p>
             <a:fld id="{BD986248-06F7-A441-A47A-264EBD310E11}" type="datetimeFigureOut">
               <a:rPr lang="es-CO" smtClean="0"/>
-              <a:t>26/06/2023</a:t>
+              <a:t>27/06/2023</a:t>
             </a:fld>
             <a:endParaRPr lang="es-CO"/>
           </a:p>
@@ -1812,7 +1815,7 @@
           <a:p>
             <a:fld id="{BD986248-06F7-A441-A47A-264EBD310E11}" type="datetimeFigureOut">
               <a:rPr lang="es-CO" smtClean="0"/>
-              <a:t>26/06/2023</a:t>
+              <a:t>27/06/2023</a:t>
             </a:fld>
             <a:endParaRPr lang="es-CO"/>
           </a:p>
@@ -2088,7 +2091,7 @@
           <a:p>
             <a:fld id="{BD986248-06F7-A441-A47A-264EBD310E11}" type="datetimeFigureOut">
               <a:rPr lang="es-CO" smtClean="0"/>
-              <a:t>26/06/2023</a:t>
+              <a:t>27/06/2023</a:t>
             </a:fld>
             <a:endParaRPr lang="es-CO"/>
           </a:p>
@@ -2356,7 +2359,7 @@
           <a:p>
             <a:fld id="{BD986248-06F7-A441-A47A-264EBD310E11}" type="datetimeFigureOut">
               <a:rPr lang="es-CO" smtClean="0"/>
-              <a:t>26/06/2023</a:t>
+              <a:t>27/06/2023</a:t>
             </a:fld>
             <a:endParaRPr lang="es-CO"/>
           </a:p>
@@ -2771,7 +2774,7 @@
           <a:p>
             <a:fld id="{BD986248-06F7-A441-A47A-264EBD310E11}" type="datetimeFigureOut">
               <a:rPr lang="es-CO" smtClean="0"/>
-              <a:t>26/06/2023</a:t>
+              <a:t>27/06/2023</a:t>
             </a:fld>
             <a:endParaRPr lang="es-CO"/>
           </a:p>
@@ -2913,7 +2916,7 @@
           <a:p>
             <a:fld id="{BD986248-06F7-A441-A47A-264EBD310E11}" type="datetimeFigureOut">
               <a:rPr lang="es-CO" smtClean="0"/>
-              <a:t>26/06/2023</a:t>
+              <a:t>27/06/2023</a:t>
             </a:fld>
             <a:endParaRPr lang="es-CO"/>
           </a:p>
@@ -3026,7 +3029,7 @@
           <a:p>
             <a:fld id="{BD986248-06F7-A441-A47A-264EBD310E11}" type="datetimeFigureOut">
               <a:rPr lang="es-CO" smtClean="0"/>
-              <a:t>26/06/2023</a:t>
+              <a:t>27/06/2023</a:t>
             </a:fld>
             <a:endParaRPr lang="es-CO"/>
           </a:p>
@@ -3339,7 +3342,7 @@
           <a:p>
             <a:fld id="{BD986248-06F7-A441-A47A-264EBD310E11}" type="datetimeFigureOut">
               <a:rPr lang="es-CO" smtClean="0"/>
-              <a:t>26/06/2023</a:t>
+              <a:t>27/06/2023</a:t>
             </a:fld>
             <a:endParaRPr lang="es-CO"/>
           </a:p>
@@ -3628,7 +3631,7 @@
           <a:p>
             <a:fld id="{BD986248-06F7-A441-A47A-264EBD310E11}" type="datetimeFigureOut">
               <a:rPr lang="es-CO" smtClean="0"/>
-              <a:t>26/06/2023</a:t>
+              <a:t>27/06/2023</a:t>
             </a:fld>
             <a:endParaRPr lang="es-CO"/>
           </a:p>
@@ -3871,7 +3874,7 @@
           <a:p>
             <a:fld id="{BD986248-06F7-A441-A47A-264EBD310E11}" type="datetimeFigureOut">
               <a:rPr lang="es-CO" smtClean="0"/>
-              <a:t>26/06/2023</a:t>
+              <a:t>27/06/2023</a:t>
             </a:fld>
             <a:endParaRPr lang="es-CO"/>
           </a:p>
@@ -4638,13 +4641,13 @@
   <p:clrMapOvr>
     <a:masterClrMapping/>
   </p:clrMapOvr>
-  <mc:AlternateContent xmlns:mc="http://schemas.openxmlformats.org/markup-compatibility/2006" xmlns:p159="http://schemas.microsoft.com/office/powerpoint/2015/09/main">
-    <mc:Choice Requires="p159">
-      <p:transition xmlns:p14="http://schemas.microsoft.com/office/powerpoint/2010/main" spd="slow" p14:dur="2000">
+  <mc:AlternateContent xmlns:mc="http://schemas.openxmlformats.org/markup-compatibility/2006">
+    <mc:Choice xmlns:p159="http://schemas.microsoft.com/office/powerpoint/2015/09/main" Requires="p159">
+      <p:transition xmlns:p14="http://schemas.microsoft.com/office/powerpoint/2010/main" spd="slow" p14:dur="1500">
         <p159:morph option="byObject"/>
       </p:transition>
     </mc:Choice>
-    <mc:Fallback xmlns="">
+    <mc:Fallback>
       <p:transition spd="slow">
         <p:fade/>
       </p:transition>
@@ -4741,6 +4744,1490 @@
                   </a:schemeClr>
                 </a:solidFill>
                 <a:latin typeface="Work Sans Medium" pitchFamily="2" charset="77"/>
+              </a:rPr>
+              <a:t>Tecnologías - </a:t>
+            </a:r>
+            <a:r>
+              <a:rPr lang="es-CO" dirty="0" err="1">
+                <a:solidFill>
+                  <a:schemeClr val="tx1">
+                    <a:lumMod val="95000"/>
+                    <a:lumOff val="5000"/>
+                  </a:schemeClr>
+                </a:solidFill>
+                <a:latin typeface="Work Sans Medium" pitchFamily="2" charset="77"/>
+              </a:rPr>
+              <a:t>Backend</a:t>
+            </a:r>
+            <a:endParaRPr lang="es-CO" dirty="0">
+              <a:solidFill>
+                <a:schemeClr val="tx1">
+                  <a:lumMod val="95000"/>
+                  <a:lumOff val="5000"/>
+                </a:schemeClr>
+              </a:solidFill>
+              <a:latin typeface="Work Sans Medium" pitchFamily="2" charset="77"/>
+            </a:endParaRPr>
+          </a:p>
+        </p:txBody>
+      </p:sp>
+      <p:grpSp>
+        <p:nvGrpSpPr>
+          <p:cNvPr id="5" name="Grupo 4">
+            <a:extLst>
+              <a:ext uri="{FF2B5EF4-FFF2-40B4-BE49-F238E27FC236}">
+                <a16:creationId xmlns:a16="http://schemas.microsoft.com/office/drawing/2014/main" id="{87F15CCC-BB82-59EA-4A20-23BA12652E01}"/>
+              </a:ext>
+            </a:extLst>
+          </p:cNvPr>
+          <p:cNvGrpSpPr/>
+          <p:nvPr/>
+        </p:nvGrpSpPr>
+        <p:grpSpPr>
+          <a:xfrm>
+            <a:off x="9810053" y="282242"/>
+            <a:ext cx="1161783" cy="916373"/>
+            <a:chOff x="2592360" y="1419046"/>
+            <a:chExt cx="3959280" cy="3122940"/>
+          </a:xfrm>
+        </p:grpSpPr>
+        <p:pic>
+          <p:nvPicPr>
+            <p:cNvPr id="6" name="Gráfico 5">
+              <a:extLst>
+                <a:ext uri="{FF2B5EF4-FFF2-40B4-BE49-F238E27FC236}">
+                  <a16:creationId xmlns:a16="http://schemas.microsoft.com/office/drawing/2014/main" id="{DA6F0839-692B-5F43-3B85-C194DD260823}"/>
+                </a:ext>
+              </a:extLst>
+            </p:cNvPr>
+            <p:cNvPicPr>
+              <a:picLocks noChangeAspect="1"/>
+            </p:cNvPicPr>
+            <p:nvPr/>
+          </p:nvPicPr>
+          <p:blipFill>
+            <a:blip r:embed="rId3">
+              <a:extLst>
+                <a:ext uri="{96DAC541-7B7A-43D3-8B79-37D633B846F1}">
+                  <asvg:svgBlip xmlns:asvg="http://schemas.microsoft.com/office/drawing/2016/SVG/main" r:embed="rId4"/>
+                </a:ext>
+              </a:extLst>
+            </a:blip>
+            <a:stretch>
+              <a:fillRect/>
+            </a:stretch>
+          </p:blipFill>
+          <p:spPr>
+            <a:xfrm>
+              <a:off x="4011588" y="1419046"/>
+              <a:ext cx="1120824" cy="1895654"/>
+            </a:xfrm>
+            <a:prstGeom prst="rect">
+              <a:avLst/>
+            </a:prstGeom>
+          </p:spPr>
+        </p:pic>
+        <p:pic>
+          <p:nvPicPr>
+            <p:cNvPr id="7" name="Imagen 6">
+              <a:extLst>
+                <a:ext uri="{FF2B5EF4-FFF2-40B4-BE49-F238E27FC236}">
+                  <a16:creationId xmlns:a16="http://schemas.microsoft.com/office/drawing/2014/main" id="{F276B70A-17B6-E584-6037-CA89F33ED727}"/>
+                </a:ext>
+              </a:extLst>
+            </p:cNvPr>
+            <p:cNvPicPr>
+              <a:picLocks noChangeAspect="1"/>
+            </p:cNvPicPr>
+            <p:nvPr/>
+          </p:nvPicPr>
+          <p:blipFill>
+            <a:blip r:embed="rId5">
+              <a:extLst>
+                <a:ext uri="{BEBA8EAE-BF5A-486C-A8C5-ECC9F3942E4B}">
+                  <a14:imgProps xmlns:a14="http://schemas.microsoft.com/office/drawing/2010/main">
+                    <a14:imgLayer r:embed="rId6">
+                      <a14:imgEffect>
+                        <a14:backgroundRemoval t="9582" b="89681" l="4950" r="94364">
+                          <a14:foregroundMark x1="94440" y1="36364" x2="92007" y2="38843"/>
+                          <a14:foregroundMark x1="54049" y1="69088" x2="53694" y2="70762"/>
+                          <a14:foregroundMark x1="57203" y1="54189" x2="55043" y2="64387"/>
+                          <a14:foregroundMark x1="61081" y1="35872" x2="60260" y2="39752"/>
+                          <a14:foregroundMark x1="59659" y1="78902" x2="61615" y2="81572"/>
+                          <a14:foregroundMark x1="53694" y1="70762" x2="54203" y2="71457"/>
+                          <a14:foregroundMark x1="35796" y1="36364" x2="35339" y2="77641"/>
+                          <a14:foregroundMark x1="45416" y1="71429" x2="47296" y2="70270"/>
+                          <a14:foregroundMark x1="35339" y1="77641" x2="37155" y2="76521"/>
+                          <a14:foregroundMark x1="39299" y1="38812" x2="38614" y2="36118"/>
+                          <a14:foregroundMark x1="47296" y1="70270" x2="46331" y2="66474"/>
+                          <a14:foregroundMark x1="38614" y1="36118" x2="36481" y2="34889"/>
+                          <a14:foregroundMark x1="23762" y1="35627" x2="24372" y2="34889"/>
+                          <a14:foregroundMark x1="3732" y1="84275" x2="4950" y2="39066"/>
+                          <a14:foregroundMark x1="4950" y1="39066" x2="13633" y2="77641"/>
+                          <a14:foregroundMark x1="13633" y1="77641" x2="16146" y2="30467"/>
+                          <a14:foregroundMark x1="23645" y1="22609" x2="25057" y2="21130"/>
+                          <a14:foregroundMark x1="16146" y1="30467" x2="16916" y2="29661"/>
+                          <a14:backgroundMark x1="89109" y1="42506" x2="89109" y2="42506"/>
+                          <a14:backgroundMark x1="89109" y1="42506" x2="89109" y2="42506"/>
+                          <a14:backgroundMark x1="88728" y1="41769" x2="88728" y2="41769"/>
+                          <a14:backgroundMark x1="88728" y1="41769" x2="88728" y2="41769"/>
+                          <a14:backgroundMark x1="88728" y1="41769" x2="88728" y2="41769"/>
+                          <a14:backgroundMark x1="88728" y1="41769" x2="88728" y2="41769"/>
+                          <a14:backgroundMark x1="88728" y1="41769" x2="89109" y2="41523"/>
+                          <a14:backgroundMark x1="90099" y1="41523" x2="90099" y2="41523"/>
+                          <a14:backgroundMark x1="89947" y1="41523" x2="89566" y2="41278"/>
+                          <a14:backgroundMark x1="90861" y1="41032" x2="89261" y2="41032"/>
+                          <a14:backgroundMark x1="88043" y1="43489" x2="88576" y2="43243"/>
+                          <a14:backgroundMark x1="88652" y1="42015" x2="87738" y2="42260"/>
+                          <a14:backgroundMark x1="87357" y1="43489" x2="87357" y2="43489"/>
+                          <a14:backgroundMark x1="87357" y1="43489" x2="87510" y2="44717"/>
+                          <a14:backgroundMark x1="91318" y1="41278" x2="89337" y2="42260"/>
+                          <a14:backgroundMark x1="90784" y1="40786" x2="91546" y2="41032"/>
+                          <a14:backgroundMark x1="60701" y1="48649" x2="55598" y2="44963"/>
+                          <a14:backgroundMark x1="58720" y1="51843" x2="56969" y2="51843"/>
+                          <a14:backgroundMark x1="57121" y1="43980" x2="59025" y2="43489"/>
+                          <a14:backgroundMark x1="59482" y1="42752" x2="60929" y2="43735"/>
+                          <a14:backgroundMark x1="58873" y1="43980" x2="59558" y2="42506"/>
+                          <a14:backgroundMark x1="59482" y1="43243" x2="58492" y2="49631"/>
+                          <a14:backgroundMark x1="58111" y1="52334" x2="57045" y2="53563"/>
+                          <a14:backgroundMark x1="59558" y1="42015" x2="59863" y2="41523"/>
+                          <a14:backgroundMark x1="59711" y1="42015" x2="59330" y2="42998"/>
+                          <a14:backgroundMark x1="59406" y1="43980" x2="58644" y2="44963"/>
+                          <a14:backgroundMark x1="59558" y1="43489" x2="60701" y2="42506"/>
+                          <a14:backgroundMark x1="59939" y1="43243" x2="59939" y2="43243"/>
+                          <a14:backgroundMark x1="57273" y1="52826" x2="57273" y2="52826"/>
+                          <a14:backgroundMark x1="57350" y1="53563" x2="57350" y2="53563"/>
+                          <a14:backgroundMark x1="57350" y1="54300" x2="57350" y2="54300"/>
+                          <a14:backgroundMark x1="55065" y1="64865" x2="58187" y2="76413"/>
+                          <a14:backgroundMark x1="59254" y1="77150" x2="57959" y2="78133"/>
+                          <a14:backgroundMark x1="55750" y1="74939" x2="55141" y2="66585"/>
+                          <a14:backgroundMark x1="55065" y1="64373" x2="55674" y2="73710"/>
+                          <a14:backgroundMark x1="39299" y1="44717" x2="39299" y2="66830"/>
+                          <a14:backgroundMark x1="40746" y1="42506" x2="38385" y2="76658"/>
+                          <a14:backgroundMark x1="41280" y1="43980" x2="44707" y2="59951"/>
+                          <a14:backgroundMark x1="44859" y1="59459" x2="39832" y2="42506"/>
+                          <a14:backgroundMark x1="40137" y1="42506" x2="39604" y2="42260"/>
+                          <a14:backgroundMark x1="45316" y1="63391" x2="37548" y2="75676"/>
+                          <a14:backgroundMark x1="41736" y1="76167" x2="44021" y2="72482"/>
+                          <a14:backgroundMark x1="45925" y1="61179" x2="44554" y2="63391"/>
+                          <a14:backgroundMark x1="45621" y1="62162" x2="43488" y2="73710"/>
+                          <a14:backgroundMark x1="40975" y1="71990" x2="42117" y2="74939"/>
+                          <a14:backgroundMark x1="37471" y1="75921" x2="37776" y2="77396"/>
+                          <a14:backgroundMark x1="18507" y1="33907" x2="22544" y2="23833"/>
+                          <a14:backgroundMark x1="22391" y1="23833" x2="18050" y2="28501"/>
+                          <a14:backgroundMark x1="20030" y1="28501" x2="17593" y2="30221"/>
+                          <a14:backgroundMark x1="17136" y1="28993" x2="17136" y2="28993"/>
+                          <a14:backgroundMark x1="17136" y1="28993" x2="17974" y2="30958"/>
+                          <a14:backgroundMark x1="22239" y1="23342" x2="23382" y2="23833"/>
+                        </a14:backgroundRemoval>
+                      </a14:imgEffect>
+                    </a14:imgLayer>
+                  </a14:imgProps>
+                </a:ext>
+              </a:extLst>
+            </a:blip>
+            <a:stretch>
+              <a:fillRect/>
+            </a:stretch>
+          </p:blipFill>
+          <p:spPr>
+            <a:xfrm>
+              <a:off x="2592360" y="3314700"/>
+              <a:ext cx="3959280" cy="1227286"/>
+            </a:xfrm>
+            <a:prstGeom prst="rect">
+              <a:avLst/>
+            </a:prstGeom>
+          </p:spPr>
+        </p:pic>
+      </p:grpSp>
+      <p:pic>
+        <p:nvPicPr>
+          <p:cNvPr id="9" name="Imagen 8" descr="Logotipo, nombre de la empresa&#10;&#10;Descripción generada automáticamente">
+            <a:extLst>
+              <a:ext uri="{FF2B5EF4-FFF2-40B4-BE49-F238E27FC236}">
+                <a16:creationId xmlns:a16="http://schemas.microsoft.com/office/drawing/2014/main" id="{B166E1E3-3FD2-F08A-D836-10EF9E32F2AA}"/>
+              </a:ext>
+            </a:extLst>
+          </p:cNvPr>
+          <p:cNvPicPr>
+            <a:picLocks noChangeAspect="1"/>
+          </p:cNvPicPr>
+          <p:nvPr/>
+        </p:nvPicPr>
+        <p:blipFill>
+          <a:blip r:embed="rId7"/>
+          <a:stretch>
+            <a:fillRect/>
+          </a:stretch>
+        </p:blipFill>
+        <p:spPr>
+          <a:xfrm>
+            <a:off x="4332938" y="1554906"/>
+            <a:ext cx="1569973" cy="1173185"/>
+          </a:xfrm>
+          <a:prstGeom prst="rect">
+            <a:avLst/>
+          </a:prstGeom>
+        </p:spPr>
+      </p:pic>
+      <p:pic>
+        <p:nvPicPr>
+          <p:cNvPr id="11" name="Imagen 10" descr="Logotipo, nombre de la empresa&#10;&#10;Descripción generada automáticamente">
+            <a:extLst>
+              <a:ext uri="{FF2B5EF4-FFF2-40B4-BE49-F238E27FC236}">
+                <a16:creationId xmlns:a16="http://schemas.microsoft.com/office/drawing/2014/main" id="{BA9DF6F4-5945-5C00-A2B6-34F297CE63E4}"/>
+              </a:ext>
+            </a:extLst>
+          </p:cNvPr>
+          <p:cNvPicPr>
+            <a:picLocks noChangeAspect="1"/>
+          </p:cNvPicPr>
+          <p:nvPr/>
+        </p:nvPicPr>
+        <p:blipFill>
+          <a:blip r:embed="rId8"/>
+          <a:stretch>
+            <a:fillRect/>
+          </a:stretch>
+        </p:blipFill>
+        <p:spPr>
+          <a:xfrm>
+            <a:off x="6217920" y="1678450"/>
+            <a:ext cx="1874359" cy="1049641"/>
+          </a:xfrm>
+          <a:prstGeom prst="rect">
+            <a:avLst/>
+          </a:prstGeom>
+        </p:spPr>
+      </p:pic>
+      <p:pic>
+        <p:nvPicPr>
+          <p:cNvPr id="13" name="Gráfico 12">
+            <a:extLst>
+              <a:ext uri="{FF2B5EF4-FFF2-40B4-BE49-F238E27FC236}">
+                <a16:creationId xmlns:a16="http://schemas.microsoft.com/office/drawing/2014/main" id="{3C75D79F-84D2-B120-E756-0DF6D38F8FBC}"/>
+              </a:ext>
+            </a:extLst>
+          </p:cNvPr>
+          <p:cNvPicPr>
+            <a:picLocks noChangeAspect="1"/>
+          </p:cNvPicPr>
+          <p:nvPr/>
+        </p:nvPicPr>
+        <p:blipFill>
+          <a:blip r:embed="rId9">
+            <a:extLst>
+              <a:ext uri="{96DAC541-7B7A-43D3-8B79-37D633B846F1}">
+                <asvg:svgBlip xmlns:asvg="http://schemas.microsoft.com/office/drawing/2016/SVG/main" r:embed="rId10"/>
+              </a:ext>
+            </a:extLst>
+          </a:blip>
+          <a:stretch>
+            <a:fillRect/>
+          </a:stretch>
+        </p:blipFill>
+        <p:spPr>
+          <a:xfrm>
+            <a:off x="1055682" y="2350924"/>
+            <a:ext cx="720960" cy="811161"/>
+          </a:xfrm>
+          <a:prstGeom prst="rect">
+            <a:avLst/>
+          </a:prstGeom>
+        </p:spPr>
+      </p:pic>
+      <p:pic>
+        <p:nvPicPr>
+          <p:cNvPr id="15" name="Imagen 14" descr="Icono&#10;&#10;Descripción generada automáticamente">
+            <a:extLst>
+              <a:ext uri="{FF2B5EF4-FFF2-40B4-BE49-F238E27FC236}">
+                <a16:creationId xmlns:a16="http://schemas.microsoft.com/office/drawing/2014/main" id="{EF44359B-1BF9-E3B7-9F60-7023A298722A}"/>
+              </a:ext>
+            </a:extLst>
+          </p:cNvPr>
+          <p:cNvPicPr>
+            <a:picLocks noChangeAspect="1"/>
+          </p:cNvPicPr>
+          <p:nvPr/>
+        </p:nvPicPr>
+        <p:blipFill rotWithShape="1">
+          <a:blip r:embed="rId11"/>
+          <a:srcRect l="17902" r="20976" b="13637"/>
+          <a:stretch/>
+        </p:blipFill>
+        <p:spPr>
+          <a:xfrm>
+            <a:off x="1776642" y="3357616"/>
+            <a:ext cx="1004788" cy="946480"/>
+          </a:xfrm>
+          <a:prstGeom prst="rect">
+            <a:avLst/>
+          </a:prstGeom>
+        </p:spPr>
+      </p:pic>
+      <p:pic>
+        <p:nvPicPr>
+          <p:cNvPr id="17" name="Imagen 16" descr="Logotipo&#10;&#10;Descripción generada automáticamente">
+            <a:extLst>
+              <a:ext uri="{FF2B5EF4-FFF2-40B4-BE49-F238E27FC236}">
+                <a16:creationId xmlns:a16="http://schemas.microsoft.com/office/drawing/2014/main" id="{96849DA7-1B70-E305-6F5F-B8DFBEEE71C1}"/>
+              </a:ext>
+            </a:extLst>
+          </p:cNvPr>
+          <p:cNvPicPr>
+            <a:picLocks noChangeAspect="1"/>
+          </p:cNvPicPr>
+          <p:nvPr/>
+        </p:nvPicPr>
+        <p:blipFill>
+          <a:blip r:embed="rId12"/>
+          <a:stretch>
+            <a:fillRect/>
+          </a:stretch>
+        </p:blipFill>
+        <p:spPr>
+          <a:xfrm>
+            <a:off x="2601118" y="4638981"/>
+            <a:ext cx="824619" cy="824619"/>
+          </a:xfrm>
+          <a:prstGeom prst="rect">
+            <a:avLst/>
+          </a:prstGeom>
+        </p:spPr>
+      </p:pic>
+      <p:pic>
+        <p:nvPicPr>
+          <p:cNvPr id="19" name="Imagen 18" descr="Forma&#10;&#10;Descripción generada automáticamente con confianza baja">
+            <a:extLst>
+              <a:ext uri="{FF2B5EF4-FFF2-40B4-BE49-F238E27FC236}">
+                <a16:creationId xmlns:a16="http://schemas.microsoft.com/office/drawing/2014/main" id="{7B3EB88B-B39D-F86D-E86E-DFBC015A8543}"/>
+              </a:ext>
+            </a:extLst>
+          </p:cNvPr>
+          <p:cNvPicPr>
+            <a:picLocks noChangeAspect="1"/>
+          </p:cNvPicPr>
+          <p:nvPr/>
+        </p:nvPicPr>
+        <p:blipFill>
+          <a:blip r:embed="rId13"/>
+          <a:stretch>
+            <a:fillRect/>
+          </a:stretch>
+        </p:blipFill>
+        <p:spPr>
+          <a:xfrm>
+            <a:off x="3951916" y="5126600"/>
+            <a:ext cx="975239" cy="975239"/>
+          </a:xfrm>
+          <a:prstGeom prst="rect">
+            <a:avLst/>
+          </a:prstGeom>
+        </p:spPr>
+      </p:pic>
+      <p:pic>
+        <p:nvPicPr>
+          <p:cNvPr id="21" name="Imagen 20" descr="Icono&#10;&#10;Descripción generada automáticamente">
+            <a:extLst>
+              <a:ext uri="{FF2B5EF4-FFF2-40B4-BE49-F238E27FC236}">
+                <a16:creationId xmlns:a16="http://schemas.microsoft.com/office/drawing/2014/main" id="{00B98918-6F8F-D1F9-E2BF-CEC0CC1166C4}"/>
+              </a:ext>
+            </a:extLst>
+          </p:cNvPr>
+          <p:cNvPicPr>
+            <a:picLocks noChangeAspect="1"/>
+          </p:cNvPicPr>
+          <p:nvPr/>
+        </p:nvPicPr>
+        <p:blipFill>
+          <a:blip r:embed="rId14"/>
+          <a:stretch>
+            <a:fillRect/>
+          </a:stretch>
+        </p:blipFill>
+        <p:spPr>
+          <a:xfrm>
+            <a:off x="1029336" y="3357616"/>
+            <a:ext cx="676599" cy="676599"/>
+          </a:xfrm>
+          <a:prstGeom prst="rect">
+            <a:avLst/>
+          </a:prstGeom>
+        </p:spPr>
+      </p:pic>
+      <p:pic>
+        <p:nvPicPr>
+          <p:cNvPr id="23" name="Imagen 22" descr="Icono&#10;&#10;Descripción generada automáticamente">
+            <a:extLst>
+              <a:ext uri="{FF2B5EF4-FFF2-40B4-BE49-F238E27FC236}">
+                <a16:creationId xmlns:a16="http://schemas.microsoft.com/office/drawing/2014/main" id="{3A7867AE-DDBC-B6F2-9216-06A600C53B0E}"/>
+              </a:ext>
+            </a:extLst>
+          </p:cNvPr>
+          <p:cNvPicPr>
+            <a:picLocks noChangeAspect="1"/>
+          </p:cNvPicPr>
+          <p:nvPr/>
+        </p:nvPicPr>
+        <p:blipFill>
+          <a:blip r:embed="rId15"/>
+          <a:stretch>
+            <a:fillRect/>
+          </a:stretch>
+        </p:blipFill>
+        <p:spPr>
+          <a:xfrm>
+            <a:off x="7670628" y="5341343"/>
+            <a:ext cx="765655" cy="765655"/>
+          </a:xfrm>
+          <a:prstGeom prst="rect">
+            <a:avLst/>
+          </a:prstGeom>
+        </p:spPr>
+      </p:pic>
+      <p:pic>
+        <p:nvPicPr>
+          <p:cNvPr id="26" name="Imagen 25" descr="Imagen que contiene dibujo&#10;&#10;Descripción generada automáticamente">
+            <a:extLst>
+              <a:ext uri="{FF2B5EF4-FFF2-40B4-BE49-F238E27FC236}">
+                <a16:creationId xmlns:a16="http://schemas.microsoft.com/office/drawing/2014/main" id="{C0F91DCE-7C56-438A-3B97-81366B93111E}"/>
+              </a:ext>
+            </a:extLst>
+          </p:cNvPr>
+          <p:cNvPicPr>
+            <a:picLocks noChangeAspect="1"/>
+          </p:cNvPicPr>
+          <p:nvPr/>
+        </p:nvPicPr>
+        <p:blipFill>
+          <a:blip r:embed="rId16"/>
+          <a:stretch>
+            <a:fillRect/>
+          </a:stretch>
+        </p:blipFill>
+        <p:spPr>
+          <a:xfrm>
+            <a:off x="7139488" y="5083081"/>
+            <a:ext cx="531139" cy="531139"/>
+          </a:xfrm>
+          <a:prstGeom prst="rect">
+            <a:avLst/>
+          </a:prstGeom>
+        </p:spPr>
+      </p:pic>
+      <p:pic>
+        <p:nvPicPr>
+          <p:cNvPr id="28" name="Imagen 27" descr="Forma&#10;&#10;Descripción generada automáticamente con confianza baja">
+            <a:extLst>
+              <a:ext uri="{FF2B5EF4-FFF2-40B4-BE49-F238E27FC236}">
+                <a16:creationId xmlns:a16="http://schemas.microsoft.com/office/drawing/2014/main" id="{BB60D0E3-39BC-7527-7B67-CA84744924D8}"/>
+              </a:ext>
+            </a:extLst>
+          </p:cNvPr>
+          <p:cNvPicPr>
+            <a:picLocks noChangeAspect="1"/>
+          </p:cNvPicPr>
+          <p:nvPr/>
+        </p:nvPicPr>
+        <p:blipFill>
+          <a:blip r:embed="rId17"/>
+          <a:stretch>
+            <a:fillRect/>
+          </a:stretch>
+        </p:blipFill>
+        <p:spPr>
+          <a:xfrm>
+            <a:off x="8303119" y="4638981"/>
+            <a:ext cx="718166" cy="718166"/>
+          </a:xfrm>
+          <a:prstGeom prst="rect">
+            <a:avLst/>
+          </a:prstGeom>
+        </p:spPr>
+      </p:pic>
+      <p:pic>
+        <p:nvPicPr>
+          <p:cNvPr id="30" name="Imagen 29" descr="Logotipo&#10;&#10;Descripción generada automáticamente con confianza baja">
+            <a:extLst>
+              <a:ext uri="{FF2B5EF4-FFF2-40B4-BE49-F238E27FC236}">
+                <a16:creationId xmlns:a16="http://schemas.microsoft.com/office/drawing/2014/main" id="{8B5DC4ED-1FA0-C78C-E063-BA731016AC99}"/>
+              </a:ext>
+            </a:extLst>
+          </p:cNvPr>
+          <p:cNvPicPr>
+            <a:picLocks noChangeAspect="1"/>
+          </p:cNvPicPr>
+          <p:nvPr/>
+        </p:nvPicPr>
+        <p:blipFill>
+          <a:blip r:embed="rId18"/>
+          <a:stretch>
+            <a:fillRect/>
+          </a:stretch>
+        </p:blipFill>
+        <p:spPr>
+          <a:xfrm>
+            <a:off x="9620431" y="3069832"/>
+            <a:ext cx="975239" cy="975239"/>
+          </a:xfrm>
+          <a:prstGeom prst="rect">
+            <a:avLst/>
+          </a:prstGeom>
+        </p:spPr>
+      </p:pic>
+      <p:pic>
+        <p:nvPicPr>
+          <p:cNvPr id="32" name="Imagen 31" descr="Interfaz de usuario gráfica, Aplicación, nombre de la empresa&#10;&#10;Descripción generada automáticamente">
+            <a:extLst>
+              <a:ext uri="{FF2B5EF4-FFF2-40B4-BE49-F238E27FC236}">
+                <a16:creationId xmlns:a16="http://schemas.microsoft.com/office/drawing/2014/main" id="{B9A624C9-DD44-F334-8C80-8633F02B7873}"/>
+              </a:ext>
+            </a:extLst>
+          </p:cNvPr>
+          <p:cNvPicPr>
+            <a:picLocks noChangeAspect="1"/>
+          </p:cNvPicPr>
+          <p:nvPr/>
+        </p:nvPicPr>
+        <p:blipFill>
+          <a:blip r:embed="rId19"/>
+          <a:stretch>
+            <a:fillRect/>
+          </a:stretch>
+        </p:blipFill>
+        <p:spPr>
+          <a:xfrm>
+            <a:off x="9855341" y="2000302"/>
+            <a:ext cx="1161783" cy="1161783"/>
+          </a:xfrm>
+          <a:prstGeom prst="rect">
+            <a:avLst/>
+          </a:prstGeom>
+        </p:spPr>
+      </p:pic>
+    </p:spTree>
+    <p:extLst>
+      <p:ext uri="{BB962C8B-B14F-4D97-AF65-F5344CB8AC3E}">
+        <p14:creationId xmlns:p14="http://schemas.microsoft.com/office/powerpoint/2010/main" val="2563955885"/>
+      </p:ext>
+    </p:extLst>
+  </p:cSld>
+  <p:clrMapOvr>
+    <a:masterClrMapping/>
+  </p:clrMapOvr>
+  <mc:AlternateContent xmlns:mc="http://schemas.openxmlformats.org/markup-compatibility/2006">
+    <mc:Choice xmlns:p159="http://schemas.microsoft.com/office/powerpoint/2015/09/main" Requires="p159">
+      <p:transition xmlns:p14="http://schemas.microsoft.com/office/powerpoint/2010/main" spd="slow" p14:dur="1500">
+        <p159:morph option="byObject"/>
+      </p:transition>
+    </mc:Choice>
+    <mc:Fallback>
+      <p:transition spd="slow">
+        <p:fade/>
+      </p:transition>
+    </mc:Fallback>
+  </mc:AlternateContent>
+</p:sld>
+</file>
+
+<file path=ppt/slides/slide11.xml><?xml version="1.0" encoding="utf-8"?>
+<p:sld xmlns:a="http://schemas.openxmlformats.org/drawingml/2006/main" xmlns:r="http://schemas.openxmlformats.org/officeDocument/2006/relationships" xmlns:p="http://schemas.openxmlformats.org/presentationml/2006/main">
+  <p:cSld>
+    <p:bg>
+      <p:bgPr>
+        <a:blipFill>
+          <a:blip r:embed="rId2" cstate="email">
+            <a:extLst>
+              <a:ext uri="{28A0092B-C50C-407E-A947-70E740481C1C}">
+                <a14:useLocalDpi xmlns:a14="http://schemas.microsoft.com/office/drawing/2010/main"/>
+              </a:ext>
+            </a:extLst>
+          </a:blip>
+          <a:stretch>
+            <a:fillRect/>
+          </a:stretch>
+        </a:blipFill>
+        <a:effectLst/>
+      </p:bgPr>
+    </p:bg>
+    <p:spTree>
+      <p:nvGrpSpPr>
+        <p:cNvPr id="1" name=""/>
+        <p:cNvGrpSpPr/>
+        <p:nvPr/>
+      </p:nvGrpSpPr>
+      <p:grpSpPr>
+        <a:xfrm>
+          <a:off x="0" y="0"/>
+          <a:ext cx="0" cy="0"/>
+          <a:chOff x="0" y="0"/>
+          <a:chExt cx="0" cy="0"/>
+        </a:xfrm>
+      </p:grpSpPr>
+      <p:sp>
+        <p:nvSpPr>
+          <p:cNvPr id="2" name="Título 1">
+            <a:extLst>
+              <a:ext uri="{FF2B5EF4-FFF2-40B4-BE49-F238E27FC236}">
+                <a16:creationId xmlns:a16="http://schemas.microsoft.com/office/drawing/2014/main" id="{BFF67CBC-1536-A090-A5B5-FE205F3AF4AD}"/>
+              </a:ext>
+            </a:extLst>
+          </p:cNvPr>
+          <p:cNvSpPr txBox="1">
+            <a:spLocks/>
+          </p:cNvSpPr>
+          <p:nvPr/>
+        </p:nvSpPr>
+        <p:spPr>
+          <a:xfrm>
+            <a:off x="456236" y="457723"/>
+            <a:ext cx="10515600" cy="676598"/>
+          </a:xfrm>
+          <a:prstGeom prst="rect">
+            <a:avLst/>
+          </a:prstGeom>
+        </p:spPr>
+        <p:txBody>
+          <a:bodyPr/>
+          <a:lstStyle>
+            <a:lvl1pPr algn="l" defTabSz="914400" rtl="0" eaLnBrk="1" latinLnBrk="0" hangingPunct="1">
+              <a:lnSpc>
+                <a:spcPct val="90000"/>
+              </a:lnSpc>
+              <a:spcBef>
+                <a:spcPct val="0"/>
+              </a:spcBef>
+              <a:buNone/>
+              <a:defRPr sz="4400" kern="1200">
+                <a:solidFill>
+                  <a:schemeClr val="tx1"/>
+                </a:solidFill>
+                <a:latin typeface="+mj-lt"/>
+                <a:ea typeface="+mj-ea"/>
+                <a:cs typeface="+mj-cs"/>
+              </a:defRPr>
+            </a:lvl1pPr>
+          </a:lstStyle>
+          <a:p>
+            <a:r>
+              <a:rPr lang="es-CO" dirty="0">
+                <a:solidFill>
+                  <a:schemeClr val="tx1">
+                    <a:lumMod val="95000"/>
+                    <a:lumOff val="5000"/>
+                  </a:schemeClr>
+                </a:solidFill>
+                <a:latin typeface="Work Sans Light" pitchFamily="2" charset="0"/>
+              </a:rPr>
+              <a:t>Tecnologías - </a:t>
+            </a:r>
+            <a:r>
+              <a:rPr lang="es-CO" dirty="0" err="1">
+                <a:solidFill>
+                  <a:schemeClr val="tx1">
+                    <a:lumMod val="95000"/>
+                    <a:lumOff val="5000"/>
+                  </a:schemeClr>
+                </a:solidFill>
+                <a:latin typeface="Work Sans Light" pitchFamily="2" charset="0"/>
+              </a:rPr>
+              <a:t>Frontend</a:t>
+            </a:r>
+            <a:endParaRPr lang="es-CO" dirty="0">
+              <a:solidFill>
+                <a:schemeClr val="tx1">
+                  <a:lumMod val="95000"/>
+                  <a:lumOff val="5000"/>
+                </a:schemeClr>
+              </a:solidFill>
+              <a:latin typeface="Work Sans Light" pitchFamily="2" charset="0"/>
+            </a:endParaRPr>
+          </a:p>
+        </p:txBody>
+      </p:sp>
+      <p:grpSp>
+        <p:nvGrpSpPr>
+          <p:cNvPr id="5" name="Grupo 4">
+            <a:extLst>
+              <a:ext uri="{FF2B5EF4-FFF2-40B4-BE49-F238E27FC236}">
+                <a16:creationId xmlns:a16="http://schemas.microsoft.com/office/drawing/2014/main" id="{87F15CCC-BB82-59EA-4A20-23BA12652E01}"/>
+              </a:ext>
+            </a:extLst>
+          </p:cNvPr>
+          <p:cNvGrpSpPr/>
+          <p:nvPr/>
+        </p:nvGrpSpPr>
+        <p:grpSpPr>
+          <a:xfrm>
+            <a:off x="9810053" y="282242"/>
+            <a:ext cx="1161783" cy="916373"/>
+            <a:chOff x="2592360" y="1419046"/>
+            <a:chExt cx="3959280" cy="3122940"/>
+          </a:xfrm>
+        </p:grpSpPr>
+        <p:pic>
+          <p:nvPicPr>
+            <p:cNvPr id="6" name="Gráfico 5">
+              <a:extLst>
+                <a:ext uri="{FF2B5EF4-FFF2-40B4-BE49-F238E27FC236}">
+                  <a16:creationId xmlns:a16="http://schemas.microsoft.com/office/drawing/2014/main" id="{DA6F0839-692B-5F43-3B85-C194DD260823}"/>
+                </a:ext>
+              </a:extLst>
+            </p:cNvPr>
+            <p:cNvPicPr>
+              <a:picLocks noChangeAspect="1"/>
+            </p:cNvPicPr>
+            <p:nvPr/>
+          </p:nvPicPr>
+          <p:blipFill>
+            <a:blip r:embed="rId3">
+              <a:extLst>
+                <a:ext uri="{96DAC541-7B7A-43D3-8B79-37D633B846F1}">
+                  <asvg:svgBlip xmlns:asvg="http://schemas.microsoft.com/office/drawing/2016/SVG/main" r:embed="rId4"/>
+                </a:ext>
+              </a:extLst>
+            </a:blip>
+            <a:stretch>
+              <a:fillRect/>
+            </a:stretch>
+          </p:blipFill>
+          <p:spPr>
+            <a:xfrm>
+              <a:off x="4011588" y="1419046"/>
+              <a:ext cx="1120824" cy="1895654"/>
+            </a:xfrm>
+            <a:prstGeom prst="rect">
+              <a:avLst/>
+            </a:prstGeom>
+          </p:spPr>
+        </p:pic>
+        <p:pic>
+          <p:nvPicPr>
+            <p:cNvPr id="7" name="Imagen 6">
+              <a:extLst>
+                <a:ext uri="{FF2B5EF4-FFF2-40B4-BE49-F238E27FC236}">
+                  <a16:creationId xmlns:a16="http://schemas.microsoft.com/office/drawing/2014/main" id="{F276B70A-17B6-E584-6037-CA89F33ED727}"/>
+                </a:ext>
+              </a:extLst>
+            </p:cNvPr>
+            <p:cNvPicPr>
+              <a:picLocks noChangeAspect="1"/>
+            </p:cNvPicPr>
+            <p:nvPr/>
+          </p:nvPicPr>
+          <p:blipFill>
+            <a:blip r:embed="rId5">
+              <a:extLst>
+                <a:ext uri="{BEBA8EAE-BF5A-486C-A8C5-ECC9F3942E4B}">
+                  <a14:imgProps xmlns:a14="http://schemas.microsoft.com/office/drawing/2010/main">
+                    <a14:imgLayer r:embed="rId6">
+                      <a14:imgEffect>
+                        <a14:backgroundRemoval t="9582" b="89681" l="4950" r="94364">
+                          <a14:foregroundMark x1="94440" y1="36364" x2="92007" y2="38843"/>
+                          <a14:foregroundMark x1="54049" y1="69088" x2="53694" y2="70762"/>
+                          <a14:foregroundMark x1="57203" y1="54189" x2="55043" y2="64387"/>
+                          <a14:foregroundMark x1="61081" y1="35872" x2="60260" y2="39752"/>
+                          <a14:foregroundMark x1="59659" y1="78902" x2="61615" y2="81572"/>
+                          <a14:foregroundMark x1="53694" y1="70762" x2="54203" y2="71457"/>
+                          <a14:foregroundMark x1="35796" y1="36364" x2="35339" y2="77641"/>
+                          <a14:foregroundMark x1="45416" y1="71429" x2="47296" y2="70270"/>
+                          <a14:foregroundMark x1="35339" y1="77641" x2="37155" y2="76521"/>
+                          <a14:foregroundMark x1="39299" y1="38812" x2="38614" y2="36118"/>
+                          <a14:foregroundMark x1="47296" y1="70270" x2="46331" y2="66474"/>
+                          <a14:foregroundMark x1="38614" y1="36118" x2="36481" y2="34889"/>
+                          <a14:foregroundMark x1="23762" y1="35627" x2="24372" y2="34889"/>
+                          <a14:foregroundMark x1="3732" y1="84275" x2="4950" y2="39066"/>
+                          <a14:foregroundMark x1="4950" y1="39066" x2="13633" y2="77641"/>
+                          <a14:foregroundMark x1="13633" y1="77641" x2="16146" y2="30467"/>
+                          <a14:foregroundMark x1="23645" y1="22609" x2="25057" y2="21130"/>
+                          <a14:foregroundMark x1="16146" y1="30467" x2="16916" y2="29661"/>
+                          <a14:backgroundMark x1="89109" y1="42506" x2="89109" y2="42506"/>
+                          <a14:backgroundMark x1="89109" y1="42506" x2="89109" y2="42506"/>
+                          <a14:backgroundMark x1="88728" y1="41769" x2="88728" y2="41769"/>
+                          <a14:backgroundMark x1="88728" y1="41769" x2="88728" y2="41769"/>
+                          <a14:backgroundMark x1="88728" y1="41769" x2="88728" y2="41769"/>
+                          <a14:backgroundMark x1="88728" y1="41769" x2="88728" y2="41769"/>
+                          <a14:backgroundMark x1="88728" y1="41769" x2="89109" y2="41523"/>
+                          <a14:backgroundMark x1="90099" y1="41523" x2="90099" y2="41523"/>
+                          <a14:backgroundMark x1="89947" y1="41523" x2="89566" y2="41278"/>
+                          <a14:backgroundMark x1="90861" y1="41032" x2="89261" y2="41032"/>
+                          <a14:backgroundMark x1="88043" y1="43489" x2="88576" y2="43243"/>
+                          <a14:backgroundMark x1="88652" y1="42015" x2="87738" y2="42260"/>
+                          <a14:backgroundMark x1="87357" y1="43489" x2="87357" y2="43489"/>
+                          <a14:backgroundMark x1="87357" y1="43489" x2="87510" y2="44717"/>
+                          <a14:backgroundMark x1="91318" y1="41278" x2="89337" y2="42260"/>
+                          <a14:backgroundMark x1="90784" y1="40786" x2="91546" y2="41032"/>
+                          <a14:backgroundMark x1="60701" y1="48649" x2="55598" y2="44963"/>
+                          <a14:backgroundMark x1="58720" y1="51843" x2="56969" y2="51843"/>
+                          <a14:backgroundMark x1="57121" y1="43980" x2="59025" y2="43489"/>
+                          <a14:backgroundMark x1="59482" y1="42752" x2="60929" y2="43735"/>
+                          <a14:backgroundMark x1="58873" y1="43980" x2="59558" y2="42506"/>
+                          <a14:backgroundMark x1="59482" y1="43243" x2="58492" y2="49631"/>
+                          <a14:backgroundMark x1="58111" y1="52334" x2="57045" y2="53563"/>
+                          <a14:backgroundMark x1="59558" y1="42015" x2="59863" y2="41523"/>
+                          <a14:backgroundMark x1="59711" y1="42015" x2="59330" y2="42998"/>
+                          <a14:backgroundMark x1="59406" y1="43980" x2="58644" y2="44963"/>
+                          <a14:backgroundMark x1="59558" y1="43489" x2="60701" y2="42506"/>
+                          <a14:backgroundMark x1="59939" y1="43243" x2="59939" y2="43243"/>
+                          <a14:backgroundMark x1="57273" y1="52826" x2="57273" y2="52826"/>
+                          <a14:backgroundMark x1="57350" y1="53563" x2="57350" y2="53563"/>
+                          <a14:backgroundMark x1="57350" y1="54300" x2="57350" y2="54300"/>
+                          <a14:backgroundMark x1="55065" y1="64865" x2="58187" y2="76413"/>
+                          <a14:backgroundMark x1="59254" y1="77150" x2="57959" y2="78133"/>
+                          <a14:backgroundMark x1="55750" y1="74939" x2="55141" y2="66585"/>
+                          <a14:backgroundMark x1="55065" y1="64373" x2="55674" y2="73710"/>
+                          <a14:backgroundMark x1="39299" y1="44717" x2="39299" y2="66830"/>
+                          <a14:backgroundMark x1="40746" y1="42506" x2="38385" y2="76658"/>
+                          <a14:backgroundMark x1="41280" y1="43980" x2="44707" y2="59951"/>
+                          <a14:backgroundMark x1="44859" y1="59459" x2="39832" y2="42506"/>
+                          <a14:backgroundMark x1="40137" y1="42506" x2="39604" y2="42260"/>
+                          <a14:backgroundMark x1="45316" y1="63391" x2="37548" y2="75676"/>
+                          <a14:backgroundMark x1="41736" y1="76167" x2="44021" y2="72482"/>
+                          <a14:backgroundMark x1="45925" y1="61179" x2="44554" y2="63391"/>
+                          <a14:backgroundMark x1="45621" y1="62162" x2="43488" y2="73710"/>
+                          <a14:backgroundMark x1="40975" y1="71990" x2="42117" y2="74939"/>
+                          <a14:backgroundMark x1="37471" y1="75921" x2="37776" y2="77396"/>
+                          <a14:backgroundMark x1="18507" y1="33907" x2="22544" y2="23833"/>
+                          <a14:backgroundMark x1="22391" y1="23833" x2="18050" y2="28501"/>
+                          <a14:backgroundMark x1="20030" y1="28501" x2="17593" y2="30221"/>
+                          <a14:backgroundMark x1="17136" y1="28993" x2="17136" y2="28993"/>
+                          <a14:backgroundMark x1="17136" y1="28993" x2="17974" y2="30958"/>
+                          <a14:backgroundMark x1="22239" y1="23342" x2="23382" y2="23833"/>
+                        </a14:backgroundRemoval>
+                      </a14:imgEffect>
+                    </a14:imgLayer>
+                  </a14:imgProps>
+                </a:ext>
+              </a:extLst>
+            </a:blip>
+            <a:stretch>
+              <a:fillRect/>
+            </a:stretch>
+          </p:blipFill>
+          <p:spPr>
+            <a:xfrm>
+              <a:off x="2592360" y="3314700"/>
+              <a:ext cx="3959280" cy="1227286"/>
+            </a:xfrm>
+            <a:prstGeom prst="rect">
+              <a:avLst/>
+            </a:prstGeom>
+          </p:spPr>
+        </p:pic>
+      </p:grpSp>
+      <p:pic>
+        <p:nvPicPr>
+          <p:cNvPr id="4" name="Imagen 3" descr="Logotipo, nombre de la empresa&#10;&#10;Descripción generada automáticamente">
+            <a:extLst>
+              <a:ext uri="{FF2B5EF4-FFF2-40B4-BE49-F238E27FC236}">
+                <a16:creationId xmlns:a16="http://schemas.microsoft.com/office/drawing/2014/main" id="{BBACEE6F-3F4B-C852-264A-B868484426CB}"/>
+              </a:ext>
+            </a:extLst>
+          </p:cNvPr>
+          <p:cNvPicPr>
+            <a:picLocks noChangeAspect="1"/>
+          </p:cNvPicPr>
+          <p:nvPr/>
+        </p:nvPicPr>
+        <p:blipFill>
+          <a:blip r:embed="rId7"/>
+          <a:stretch>
+            <a:fillRect/>
+          </a:stretch>
+        </p:blipFill>
+        <p:spPr>
+          <a:xfrm>
+            <a:off x="5388950" y="1397075"/>
+            <a:ext cx="2876550" cy="1590675"/>
+          </a:xfrm>
+          <a:prstGeom prst="rect">
+            <a:avLst/>
+          </a:prstGeom>
+        </p:spPr>
+      </p:pic>
+      <p:pic>
+        <p:nvPicPr>
+          <p:cNvPr id="8" name="Imagen 7" descr="Imagen que contiene dibujo&#10;&#10;Descripción generada automáticamente">
+            <a:extLst>
+              <a:ext uri="{FF2B5EF4-FFF2-40B4-BE49-F238E27FC236}">
+                <a16:creationId xmlns:a16="http://schemas.microsoft.com/office/drawing/2014/main" id="{03DA63A9-4538-3E85-A83C-2BD49046F80A}"/>
+              </a:ext>
+            </a:extLst>
+          </p:cNvPr>
+          <p:cNvPicPr>
+            <a:picLocks noChangeAspect="1"/>
+          </p:cNvPicPr>
+          <p:nvPr/>
+        </p:nvPicPr>
+        <p:blipFill>
+          <a:blip r:embed="rId8"/>
+          <a:stretch>
+            <a:fillRect/>
+          </a:stretch>
+        </p:blipFill>
+        <p:spPr>
+          <a:xfrm>
+            <a:off x="4193130" y="1666222"/>
+            <a:ext cx="1052380" cy="1052380"/>
+          </a:xfrm>
+          <a:prstGeom prst="rect">
+            <a:avLst/>
+          </a:prstGeom>
+        </p:spPr>
+      </p:pic>
+      <p:pic>
+        <p:nvPicPr>
+          <p:cNvPr id="12" name="Imagen 11" descr="Logotipo, nombre de la empresa&#10;&#10;Descripción generada automáticamente">
+            <a:extLst>
+              <a:ext uri="{FF2B5EF4-FFF2-40B4-BE49-F238E27FC236}">
+                <a16:creationId xmlns:a16="http://schemas.microsoft.com/office/drawing/2014/main" id="{B1690FB8-B0CD-1320-9D02-E8ED8416EBDE}"/>
+              </a:ext>
+            </a:extLst>
+          </p:cNvPr>
+          <p:cNvPicPr>
+            <a:picLocks noChangeAspect="1"/>
+          </p:cNvPicPr>
+          <p:nvPr/>
+        </p:nvPicPr>
+        <p:blipFill>
+          <a:blip r:embed="rId9"/>
+          <a:stretch>
+            <a:fillRect/>
+          </a:stretch>
+        </p:blipFill>
+        <p:spPr>
+          <a:xfrm>
+            <a:off x="4516120" y="4626104"/>
+            <a:ext cx="3159760" cy="1579880"/>
+          </a:xfrm>
+          <a:prstGeom prst="rect">
+            <a:avLst/>
+          </a:prstGeom>
+        </p:spPr>
+      </p:pic>
+      <p:pic>
+        <p:nvPicPr>
+          <p:cNvPr id="24" name="Imagen 23" descr="Logotipo&#10;&#10;Descripción generada automáticamente">
+            <a:extLst>
+              <a:ext uri="{FF2B5EF4-FFF2-40B4-BE49-F238E27FC236}">
+                <a16:creationId xmlns:a16="http://schemas.microsoft.com/office/drawing/2014/main" id="{2145431E-780E-1265-7C22-E91E91828FB0}"/>
+              </a:ext>
+            </a:extLst>
+          </p:cNvPr>
+          <p:cNvPicPr>
+            <a:picLocks noChangeAspect="1"/>
+          </p:cNvPicPr>
+          <p:nvPr/>
+        </p:nvPicPr>
+        <p:blipFill>
+          <a:blip r:embed="rId10"/>
+          <a:stretch>
+            <a:fillRect/>
+          </a:stretch>
+        </p:blipFill>
+        <p:spPr>
+          <a:xfrm>
+            <a:off x="500893" y="2537472"/>
+            <a:ext cx="2134191" cy="900555"/>
+          </a:xfrm>
+          <a:prstGeom prst="rect">
+            <a:avLst/>
+          </a:prstGeom>
+        </p:spPr>
+      </p:pic>
+      <p:pic>
+        <p:nvPicPr>
+          <p:cNvPr id="27" name="Imagen 26">
+            <a:extLst>
+              <a:ext uri="{FF2B5EF4-FFF2-40B4-BE49-F238E27FC236}">
+                <a16:creationId xmlns:a16="http://schemas.microsoft.com/office/drawing/2014/main" id="{04C371CE-5750-FBF5-C9F7-8B71A4AFBEF2}"/>
+              </a:ext>
+            </a:extLst>
+          </p:cNvPr>
+          <p:cNvPicPr>
+            <a:picLocks noChangeAspect="1"/>
+          </p:cNvPicPr>
+          <p:nvPr/>
+        </p:nvPicPr>
+        <p:blipFill>
+          <a:blip r:embed="rId11"/>
+          <a:stretch>
+            <a:fillRect/>
+          </a:stretch>
+        </p:blipFill>
+        <p:spPr>
+          <a:xfrm>
+            <a:off x="8384437" y="4526106"/>
+            <a:ext cx="1829315" cy="1143322"/>
+          </a:xfrm>
+          <a:prstGeom prst="rect">
+            <a:avLst/>
+          </a:prstGeom>
+        </p:spPr>
+      </p:pic>
+      <p:pic>
+        <p:nvPicPr>
+          <p:cNvPr id="34" name="Imagen 33" descr="Logotipo, nombre de la empresa&#10;&#10;Descripción generada automáticamente">
+            <a:extLst>
+              <a:ext uri="{FF2B5EF4-FFF2-40B4-BE49-F238E27FC236}">
+                <a16:creationId xmlns:a16="http://schemas.microsoft.com/office/drawing/2014/main" id="{6B52DB92-2604-644B-CD63-8F4BA76681C7}"/>
+              </a:ext>
+            </a:extLst>
+          </p:cNvPr>
+          <p:cNvPicPr>
+            <a:picLocks noChangeAspect="1"/>
+          </p:cNvPicPr>
+          <p:nvPr/>
+        </p:nvPicPr>
+        <p:blipFill>
+          <a:blip r:embed="rId12"/>
+          <a:stretch>
+            <a:fillRect/>
+          </a:stretch>
+        </p:blipFill>
+        <p:spPr>
+          <a:xfrm>
+            <a:off x="8374226" y="2346960"/>
+            <a:ext cx="3328694" cy="1664347"/>
+          </a:xfrm>
+          <a:prstGeom prst="rect">
+            <a:avLst/>
+          </a:prstGeom>
+        </p:spPr>
+      </p:pic>
+      <p:pic>
+        <p:nvPicPr>
+          <p:cNvPr id="38" name="Imagen 37" descr="Logotipo, nombre de la empresa&#10;&#10;Descripción generada automáticamente">
+            <a:extLst>
+              <a:ext uri="{FF2B5EF4-FFF2-40B4-BE49-F238E27FC236}">
+                <a16:creationId xmlns:a16="http://schemas.microsoft.com/office/drawing/2014/main" id="{004B67D5-3CF8-CD44-2A2E-76F0D6EA8612}"/>
+              </a:ext>
+            </a:extLst>
+          </p:cNvPr>
+          <p:cNvPicPr>
+            <a:picLocks noChangeAspect="1"/>
+          </p:cNvPicPr>
+          <p:nvPr/>
+        </p:nvPicPr>
+        <p:blipFill>
+          <a:blip r:embed="rId13"/>
+          <a:stretch>
+            <a:fillRect/>
+          </a:stretch>
+        </p:blipFill>
+        <p:spPr>
+          <a:xfrm>
+            <a:off x="1854200" y="4277657"/>
+            <a:ext cx="2254084" cy="1127042"/>
+          </a:xfrm>
+          <a:prstGeom prst="rect">
+            <a:avLst/>
+          </a:prstGeom>
+        </p:spPr>
+      </p:pic>
+    </p:spTree>
+    <p:extLst>
+      <p:ext uri="{BB962C8B-B14F-4D97-AF65-F5344CB8AC3E}">
+        <p14:creationId xmlns:p14="http://schemas.microsoft.com/office/powerpoint/2010/main" val="2433945833"/>
+      </p:ext>
+    </p:extLst>
+  </p:cSld>
+  <p:clrMapOvr>
+    <a:masterClrMapping/>
+  </p:clrMapOvr>
+  <mc:AlternateContent xmlns:mc="http://schemas.openxmlformats.org/markup-compatibility/2006">
+    <mc:Choice xmlns:p159="http://schemas.microsoft.com/office/powerpoint/2015/09/main" Requires="p159">
+      <p:transition xmlns:p14="http://schemas.microsoft.com/office/powerpoint/2010/main" spd="slow" p14:dur="1500">
+        <p159:morph option="byObject"/>
+      </p:transition>
+    </mc:Choice>
+    <mc:Fallback>
+      <p:transition spd="slow">
+        <p:fade/>
+      </p:transition>
+    </mc:Fallback>
+  </mc:AlternateContent>
+</p:sld>
+</file>
+
+<file path=ppt/slides/slide12.xml><?xml version="1.0" encoding="utf-8"?>
+<p:sld xmlns:a="http://schemas.openxmlformats.org/drawingml/2006/main" xmlns:r="http://schemas.openxmlformats.org/officeDocument/2006/relationships" xmlns:p="http://schemas.openxmlformats.org/presentationml/2006/main">
+  <p:cSld>
+    <p:bg>
+      <p:bgPr>
+        <a:blipFill>
+          <a:blip r:embed="rId2" cstate="email">
+            <a:extLst>
+              <a:ext uri="{28A0092B-C50C-407E-A947-70E740481C1C}">
+                <a14:useLocalDpi xmlns:a14="http://schemas.microsoft.com/office/drawing/2010/main"/>
+              </a:ext>
+            </a:extLst>
+          </a:blip>
+          <a:stretch>
+            <a:fillRect/>
+          </a:stretch>
+        </a:blipFill>
+        <a:effectLst/>
+      </p:bgPr>
+    </p:bg>
+    <p:spTree>
+      <p:nvGrpSpPr>
+        <p:cNvPr id="1" name=""/>
+        <p:cNvGrpSpPr/>
+        <p:nvPr/>
+      </p:nvGrpSpPr>
+      <p:grpSpPr>
+        <a:xfrm>
+          <a:off x="0" y="0"/>
+          <a:ext cx="0" cy="0"/>
+          <a:chOff x="0" y="0"/>
+          <a:chExt cx="0" cy="0"/>
+        </a:xfrm>
+      </p:grpSpPr>
+      <p:grpSp>
+        <p:nvGrpSpPr>
+          <p:cNvPr id="5" name="Grupo 4">
+            <a:extLst>
+              <a:ext uri="{FF2B5EF4-FFF2-40B4-BE49-F238E27FC236}">
+                <a16:creationId xmlns:a16="http://schemas.microsoft.com/office/drawing/2014/main" id="{87F15CCC-BB82-59EA-4A20-23BA12652E01}"/>
+              </a:ext>
+            </a:extLst>
+          </p:cNvPr>
+          <p:cNvGrpSpPr/>
+          <p:nvPr/>
+        </p:nvGrpSpPr>
+        <p:grpSpPr>
+          <a:xfrm>
+            <a:off x="10915194" y="1412542"/>
+            <a:ext cx="1161783" cy="916373"/>
+            <a:chOff x="2592360" y="1419046"/>
+            <a:chExt cx="3959280" cy="3122940"/>
+          </a:xfrm>
+        </p:grpSpPr>
+        <p:pic>
+          <p:nvPicPr>
+            <p:cNvPr id="6" name="Gráfico 5">
+              <a:extLst>
+                <a:ext uri="{FF2B5EF4-FFF2-40B4-BE49-F238E27FC236}">
+                  <a16:creationId xmlns:a16="http://schemas.microsoft.com/office/drawing/2014/main" id="{DA6F0839-692B-5F43-3B85-C194DD260823}"/>
+                </a:ext>
+              </a:extLst>
+            </p:cNvPr>
+            <p:cNvPicPr>
+              <a:picLocks noChangeAspect="1"/>
+            </p:cNvPicPr>
+            <p:nvPr/>
+          </p:nvPicPr>
+          <p:blipFill>
+            <a:blip r:embed="rId3">
+              <a:extLst>
+                <a:ext uri="{96DAC541-7B7A-43D3-8B79-37D633B846F1}">
+                  <asvg:svgBlip xmlns:asvg="http://schemas.microsoft.com/office/drawing/2016/SVG/main" r:embed="rId4"/>
+                </a:ext>
+              </a:extLst>
+            </a:blip>
+            <a:stretch>
+              <a:fillRect/>
+            </a:stretch>
+          </p:blipFill>
+          <p:spPr>
+            <a:xfrm>
+              <a:off x="4011588" y="1419046"/>
+              <a:ext cx="1120824" cy="1895654"/>
+            </a:xfrm>
+            <a:prstGeom prst="rect">
+              <a:avLst/>
+            </a:prstGeom>
+          </p:spPr>
+        </p:pic>
+        <p:pic>
+          <p:nvPicPr>
+            <p:cNvPr id="7" name="Imagen 6">
+              <a:extLst>
+                <a:ext uri="{FF2B5EF4-FFF2-40B4-BE49-F238E27FC236}">
+                  <a16:creationId xmlns:a16="http://schemas.microsoft.com/office/drawing/2014/main" id="{F276B70A-17B6-E584-6037-CA89F33ED727}"/>
+                </a:ext>
+              </a:extLst>
+            </p:cNvPr>
+            <p:cNvPicPr>
+              <a:picLocks noChangeAspect="1"/>
+            </p:cNvPicPr>
+            <p:nvPr/>
+          </p:nvPicPr>
+          <p:blipFill>
+            <a:blip r:embed="rId5">
+              <a:extLst>
+                <a:ext uri="{BEBA8EAE-BF5A-486C-A8C5-ECC9F3942E4B}">
+                  <a14:imgProps xmlns:a14="http://schemas.microsoft.com/office/drawing/2010/main">
+                    <a14:imgLayer r:embed="rId6">
+                      <a14:imgEffect>
+                        <a14:backgroundRemoval t="9582" b="89681" l="4950" r="94364">
+                          <a14:foregroundMark x1="94440" y1="36364" x2="92007" y2="38843"/>
+                          <a14:foregroundMark x1="54049" y1="69088" x2="53694" y2="70762"/>
+                          <a14:foregroundMark x1="57203" y1="54189" x2="55043" y2="64387"/>
+                          <a14:foregroundMark x1="61081" y1="35872" x2="60260" y2="39752"/>
+                          <a14:foregroundMark x1="59659" y1="78902" x2="61615" y2="81572"/>
+                          <a14:foregroundMark x1="53694" y1="70762" x2="54203" y2="71457"/>
+                          <a14:foregroundMark x1="35796" y1="36364" x2="35339" y2="77641"/>
+                          <a14:foregroundMark x1="45416" y1="71429" x2="47296" y2="70270"/>
+                          <a14:foregroundMark x1="35339" y1="77641" x2="37155" y2="76521"/>
+                          <a14:foregroundMark x1="39299" y1="38812" x2="38614" y2="36118"/>
+                          <a14:foregroundMark x1="47296" y1="70270" x2="46331" y2="66474"/>
+                          <a14:foregroundMark x1="38614" y1="36118" x2="36481" y2="34889"/>
+                          <a14:foregroundMark x1="23762" y1="35627" x2="24372" y2="34889"/>
+                          <a14:foregroundMark x1="3732" y1="84275" x2="4950" y2="39066"/>
+                          <a14:foregroundMark x1="4950" y1="39066" x2="13633" y2="77641"/>
+                          <a14:foregroundMark x1="13633" y1="77641" x2="16146" y2="30467"/>
+                          <a14:foregroundMark x1="23645" y1="22609" x2="25057" y2="21130"/>
+                          <a14:foregroundMark x1="16146" y1="30467" x2="16916" y2="29661"/>
+                          <a14:backgroundMark x1="89109" y1="42506" x2="89109" y2="42506"/>
+                          <a14:backgroundMark x1="89109" y1="42506" x2="89109" y2="42506"/>
+                          <a14:backgroundMark x1="88728" y1="41769" x2="88728" y2="41769"/>
+                          <a14:backgroundMark x1="88728" y1="41769" x2="88728" y2="41769"/>
+                          <a14:backgroundMark x1="88728" y1="41769" x2="88728" y2="41769"/>
+                          <a14:backgroundMark x1="88728" y1="41769" x2="88728" y2="41769"/>
+                          <a14:backgroundMark x1="88728" y1="41769" x2="89109" y2="41523"/>
+                          <a14:backgroundMark x1="90099" y1="41523" x2="90099" y2="41523"/>
+                          <a14:backgroundMark x1="89947" y1="41523" x2="89566" y2="41278"/>
+                          <a14:backgroundMark x1="90861" y1="41032" x2="89261" y2="41032"/>
+                          <a14:backgroundMark x1="88043" y1="43489" x2="88576" y2="43243"/>
+                          <a14:backgroundMark x1="88652" y1="42015" x2="87738" y2="42260"/>
+                          <a14:backgroundMark x1="87357" y1="43489" x2="87357" y2="43489"/>
+                          <a14:backgroundMark x1="87357" y1="43489" x2="87510" y2="44717"/>
+                          <a14:backgroundMark x1="91318" y1="41278" x2="89337" y2="42260"/>
+                          <a14:backgroundMark x1="90784" y1="40786" x2="91546" y2="41032"/>
+                          <a14:backgroundMark x1="60701" y1="48649" x2="55598" y2="44963"/>
+                          <a14:backgroundMark x1="58720" y1="51843" x2="56969" y2="51843"/>
+                          <a14:backgroundMark x1="57121" y1="43980" x2="59025" y2="43489"/>
+                          <a14:backgroundMark x1="59482" y1="42752" x2="60929" y2="43735"/>
+                          <a14:backgroundMark x1="58873" y1="43980" x2="59558" y2="42506"/>
+                          <a14:backgroundMark x1="59482" y1="43243" x2="58492" y2="49631"/>
+                          <a14:backgroundMark x1="58111" y1="52334" x2="57045" y2="53563"/>
+                          <a14:backgroundMark x1="59558" y1="42015" x2="59863" y2="41523"/>
+                          <a14:backgroundMark x1="59711" y1="42015" x2="59330" y2="42998"/>
+                          <a14:backgroundMark x1="59406" y1="43980" x2="58644" y2="44963"/>
+                          <a14:backgroundMark x1="59558" y1="43489" x2="60701" y2="42506"/>
+                          <a14:backgroundMark x1="59939" y1="43243" x2="59939" y2="43243"/>
+                          <a14:backgroundMark x1="57273" y1="52826" x2="57273" y2="52826"/>
+                          <a14:backgroundMark x1="57350" y1="53563" x2="57350" y2="53563"/>
+                          <a14:backgroundMark x1="57350" y1="54300" x2="57350" y2="54300"/>
+                          <a14:backgroundMark x1="55065" y1="64865" x2="58187" y2="76413"/>
+                          <a14:backgroundMark x1="59254" y1="77150" x2="57959" y2="78133"/>
+                          <a14:backgroundMark x1="55750" y1="74939" x2="55141" y2="66585"/>
+                          <a14:backgroundMark x1="55065" y1="64373" x2="55674" y2="73710"/>
+                          <a14:backgroundMark x1="39299" y1="44717" x2="39299" y2="66830"/>
+                          <a14:backgroundMark x1="40746" y1="42506" x2="38385" y2="76658"/>
+                          <a14:backgroundMark x1="41280" y1="43980" x2="44707" y2="59951"/>
+                          <a14:backgroundMark x1="44859" y1="59459" x2="39832" y2="42506"/>
+                          <a14:backgroundMark x1="40137" y1="42506" x2="39604" y2="42260"/>
+                          <a14:backgroundMark x1="45316" y1="63391" x2="37548" y2="75676"/>
+                          <a14:backgroundMark x1="41736" y1="76167" x2="44021" y2="72482"/>
+                          <a14:backgroundMark x1="45925" y1="61179" x2="44554" y2="63391"/>
+                          <a14:backgroundMark x1="45621" y1="62162" x2="43488" y2="73710"/>
+                          <a14:backgroundMark x1="40975" y1="71990" x2="42117" y2="74939"/>
+                          <a14:backgroundMark x1="37471" y1="75921" x2="37776" y2="77396"/>
+                          <a14:backgroundMark x1="18507" y1="33907" x2="22544" y2="23833"/>
+                          <a14:backgroundMark x1="22391" y1="23833" x2="18050" y2="28501"/>
+                          <a14:backgroundMark x1="20030" y1="28501" x2="17593" y2="30221"/>
+                          <a14:backgroundMark x1="17136" y1="28993" x2="17136" y2="28993"/>
+                          <a14:backgroundMark x1="17136" y1="28993" x2="17974" y2="30958"/>
+                          <a14:backgroundMark x1="22239" y1="23342" x2="23382" y2="23833"/>
+                        </a14:backgroundRemoval>
+                      </a14:imgEffect>
+                    </a14:imgLayer>
+                  </a14:imgProps>
+                </a:ext>
+              </a:extLst>
+            </a:blip>
+            <a:stretch>
+              <a:fillRect/>
+            </a:stretch>
+          </p:blipFill>
+          <p:spPr>
+            <a:xfrm>
+              <a:off x="2592360" y="3314700"/>
+              <a:ext cx="3959280" cy="1227286"/>
+            </a:xfrm>
+            <a:prstGeom prst="rect">
+              <a:avLst/>
+            </a:prstGeom>
+          </p:spPr>
+        </p:pic>
+      </p:grpSp>
+      <p:pic>
+        <p:nvPicPr>
+          <p:cNvPr id="4" name="Imagen 3" descr="Diagrama, Esquemático&#10;&#10;Descripción generada automáticamente">
+            <a:extLst>
+              <a:ext uri="{FF2B5EF4-FFF2-40B4-BE49-F238E27FC236}">
+                <a16:creationId xmlns:a16="http://schemas.microsoft.com/office/drawing/2014/main" id="{270887E7-4984-8D71-5B13-D4D0AEEC0C0F}"/>
+              </a:ext>
+            </a:extLst>
+          </p:cNvPr>
+          <p:cNvPicPr>
+            <a:picLocks noChangeAspect="1"/>
+          </p:cNvPicPr>
+          <p:nvPr/>
+        </p:nvPicPr>
+        <p:blipFill>
+          <a:blip r:embed="rId7"/>
+          <a:stretch>
+            <a:fillRect/>
+          </a:stretch>
+        </p:blipFill>
+        <p:spPr>
+          <a:xfrm>
+            <a:off x="1276806" y="0"/>
+            <a:ext cx="9262881" cy="6865634"/>
+          </a:xfrm>
+          <a:prstGeom prst="rect">
+            <a:avLst/>
+          </a:prstGeom>
+        </p:spPr>
+      </p:pic>
+      <p:pic>
+        <p:nvPicPr>
+          <p:cNvPr id="2" name="Imagen 1">
+            <a:extLst>
+              <a:ext uri="{FF2B5EF4-FFF2-40B4-BE49-F238E27FC236}">
+                <a16:creationId xmlns:a16="http://schemas.microsoft.com/office/drawing/2014/main" id="{2F9E04A7-A78C-79A5-D333-DEF554A37AFE}"/>
+              </a:ext>
+            </a:extLst>
+          </p:cNvPr>
+          <p:cNvPicPr>
+            <a:picLocks noChangeAspect="1"/>
+          </p:cNvPicPr>
+          <p:nvPr/>
+        </p:nvPicPr>
+        <p:blipFill>
+          <a:blip r:embed="rId8"/>
+          <a:stretch>
+            <a:fillRect/>
+          </a:stretch>
+        </p:blipFill>
+        <p:spPr>
+          <a:xfrm>
+            <a:off x="6013201" y="6048555"/>
+            <a:ext cx="921589" cy="921589"/>
+          </a:xfrm>
+          <a:prstGeom prst="rect">
+            <a:avLst/>
+          </a:prstGeom>
+        </p:spPr>
+      </p:pic>
+    </p:spTree>
+    <p:extLst>
+      <p:ext uri="{BB962C8B-B14F-4D97-AF65-F5344CB8AC3E}">
+        <p14:creationId xmlns:p14="http://schemas.microsoft.com/office/powerpoint/2010/main" val="2765547452"/>
+      </p:ext>
+    </p:extLst>
+  </p:cSld>
+  <p:clrMapOvr>
+    <a:masterClrMapping/>
+  </p:clrMapOvr>
+  <mc:AlternateContent xmlns:mc="http://schemas.openxmlformats.org/markup-compatibility/2006">
+    <mc:Choice xmlns:p159="http://schemas.microsoft.com/office/powerpoint/2015/09/main" Requires="p159">
+      <p:transition xmlns:p14="http://schemas.microsoft.com/office/powerpoint/2010/main" spd="slow" p14:dur="1500">
+        <p159:morph option="byObject"/>
+      </p:transition>
+    </mc:Choice>
+    <mc:Fallback>
+      <p:transition spd="slow">
+        <p:fade/>
+      </p:transition>
+    </mc:Fallback>
+  </mc:AlternateContent>
+</p:sld>
+</file>
+
+<file path=ppt/slides/slide13.xml><?xml version="1.0" encoding="utf-8"?>
+<p:sld xmlns:a="http://schemas.openxmlformats.org/drawingml/2006/main" xmlns:r="http://schemas.openxmlformats.org/officeDocument/2006/relationships" xmlns:p="http://schemas.openxmlformats.org/presentationml/2006/main">
+  <p:cSld>
+    <p:bg>
+      <p:bgPr>
+        <a:blipFill>
+          <a:blip r:embed="rId2" cstate="email">
+            <a:extLst>
+              <a:ext uri="{28A0092B-C50C-407E-A947-70E740481C1C}">
+                <a14:useLocalDpi xmlns:a14="http://schemas.microsoft.com/office/drawing/2010/main"/>
+              </a:ext>
+            </a:extLst>
+          </a:blip>
+          <a:stretch>
+            <a:fillRect/>
+          </a:stretch>
+        </a:blipFill>
+        <a:effectLst/>
+      </p:bgPr>
+    </p:bg>
+    <p:spTree>
+      <p:nvGrpSpPr>
+        <p:cNvPr id="1" name=""/>
+        <p:cNvGrpSpPr/>
+        <p:nvPr/>
+      </p:nvGrpSpPr>
+      <p:grpSpPr>
+        <a:xfrm>
+          <a:off x="0" y="0"/>
+          <a:ext cx="0" cy="0"/>
+          <a:chOff x="0" y="0"/>
+          <a:chExt cx="0" cy="0"/>
+        </a:xfrm>
+      </p:grpSpPr>
+      <p:sp>
+        <p:nvSpPr>
+          <p:cNvPr id="2" name="Título 1">
+            <a:extLst>
+              <a:ext uri="{FF2B5EF4-FFF2-40B4-BE49-F238E27FC236}">
+                <a16:creationId xmlns:a16="http://schemas.microsoft.com/office/drawing/2014/main" id="{BFF67CBC-1536-A090-A5B5-FE205F3AF4AD}"/>
+              </a:ext>
+            </a:extLst>
+          </p:cNvPr>
+          <p:cNvSpPr txBox="1">
+            <a:spLocks/>
+          </p:cNvSpPr>
+          <p:nvPr/>
+        </p:nvSpPr>
+        <p:spPr>
+          <a:xfrm>
+            <a:off x="456236" y="457723"/>
+            <a:ext cx="10515600" cy="676598"/>
+          </a:xfrm>
+          <a:prstGeom prst="rect">
+            <a:avLst/>
+          </a:prstGeom>
+        </p:spPr>
+        <p:txBody>
+          <a:bodyPr/>
+          <a:lstStyle>
+            <a:lvl1pPr algn="l" defTabSz="914400" rtl="0" eaLnBrk="1" latinLnBrk="0" hangingPunct="1">
+              <a:lnSpc>
+                <a:spcPct val="90000"/>
+              </a:lnSpc>
+              <a:spcBef>
+                <a:spcPct val="0"/>
+              </a:spcBef>
+              <a:buNone/>
+              <a:defRPr sz="4400" kern="1200">
+                <a:solidFill>
+                  <a:schemeClr val="tx1"/>
+                </a:solidFill>
+                <a:latin typeface="+mj-lt"/>
+                <a:ea typeface="+mj-ea"/>
+                <a:cs typeface="+mj-cs"/>
+              </a:defRPr>
+            </a:lvl1pPr>
+          </a:lstStyle>
+          <a:p>
+            <a:r>
+              <a:rPr lang="es-CO" dirty="0">
+                <a:solidFill>
+                  <a:schemeClr val="tx1">
+                    <a:lumMod val="95000"/>
+                    <a:lumOff val="5000"/>
+                  </a:schemeClr>
+                </a:solidFill>
+                <a:latin typeface="Work Sans Light" pitchFamily="2" charset="0"/>
               </a:rPr>
               <a:t>Aspectos técnicos de despliegue</a:t>
             </a:r>
@@ -5210,13 +6697,13 @@
   <p:clrMapOvr>
     <a:masterClrMapping/>
   </p:clrMapOvr>
-  <mc:AlternateContent xmlns:mc="http://schemas.openxmlformats.org/markup-compatibility/2006" xmlns:p159="http://schemas.microsoft.com/office/powerpoint/2015/09/main">
-    <mc:Choice Requires="p159">
-      <p:transition xmlns:p14="http://schemas.microsoft.com/office/powerpoint/2010/main" spd="slow" p14:dur="2000">
+  <mc:AlternateContent xmlns:mc="http://schemas.openxmlformats.org/markup-compatibility/2006">
+    <mc:Choice xmlns:p159="http://schemas.microsoft.com/office/powerpoint/2015/09/main" Requires="p159">
+      <p:transition xmlns:p14="http://schemas.microsoft.com/office/powerpoint/2010/main" spd="slow" p14:dur="1500">
         <p159:morph option="byObject"/>
       </p:transition>
     </mc:Choice>
-    <mc:Fallback xmlns="">
+    <mc:Fallback>
       <p:transition spd="slow">
         <p:fade/>
       </p:transition>
@@ -5275,7 +6762,7 @@
         </p:nvSpPr>
         <p:spPr>
           <a:xfrm>
-            <a:off x="947557" y="1502075"/>
+            <a:off x="448957" y="508919"/>
             <a:ext cx="5090932" cy="676598"/>
           </a:xfrm>
           <a:prstGeom prst="rect">
@@ -5992,13 +7479,13 @@
   <p:clrMapOvr>
     <a:masterClrMapping/>
   </p:clrMapOvr>
-  <mc:AlternateContent xmlns:mc="http://schemas.openxmlformats.org/markup-compatibility/2006" xmlns:p159="http://schemas.microsoft.com/office/powerpoint/2015/09/main">
-    <mc:Choice Requires="p159">
-      <p:transition xmlns:p14="http://schemas.microsoft.com/office/powerpoint/2010/main" spd="slow" p14:dur="2000">
+  <mc:AlternateContent xmlns:mc="http://schemas.openxmlformats.org/markup-compatibility/2006">
+    <mc:Choice xmlns:p159="http://schemas.microsoft.com/office/powerpoint/2015/09/main" Requires="p159">
+      <p:transition xmlns:p14="http://schemas.microsoft.com/office/powerpoint/2010/main" spd="slow" p14:dur="1500">
         <p159:morph option="byObject"/>
       </p:transition>
     </mc:Choice>
-    <mc:Fallback xmlns="">
+    <mc:Fallback>
       <p:transition spd="slow">
         <p:fade/>
       </p:transition>
@@ -6087,26 +7574,17 @@
           </a:lstStyle>
           <a:p>
             <a:r>
-              <a:rPr lang="es-CO">
+              <a:rPr lang="es-CO" dirty="0">
                 <a:solidFill>
                   <a:schemeClr val="tx1">
                     <a:lumMod val="95000"/>
                     <a:lumOff val="5000"/>
                   </a:schemeClr>
                 </a:solidFill>
-                <a:latin typeface="Work Sans Medium" pitchFamily="2" charset="77"/>
+                <a:latin typeface="Work Sans Light" pitchFamily="2" charset="0"/>
               </a:rPr>
               <a:t>Problemática identificada</a:t>
             </a:r>
-            <a:endParaRPr lang="es-CO" dirty="0">
-              <a:solidFill>
-                <a:schemeClr val="tx1">
-                  <a:lumMod val="95000"/>
-                  <a:lumOff val="5000"/>
-                </a:schemeClr>
-              </a:solidFill>
-              <a:latin typeface="Work Sans Medium" pitchFamily="2" charset="77"/>
-            </a:endParaRPr>
           </a:p>
         </p:txBody>
       </p:sp>
@@ -6384,13 +7862,13 @@
   <p:clrMapOvr>
     <a:masterClrMapping/>
   </p:clrMapOvr>
-  <mc:AlternateContent xmlns:mc="http://schemas.openxmlformats.org/markup-compatibility/2006" xmlns:p159="http://schemas.microsoft.com/office/powerpoint/2015/09/main">
-    <mc:Choice Requires="p159">
-      <p:transition xmlns:p14="http://schemas.microsoft.com/office/powerpoint/2010/main" spd="slow" p14:dur="2000">
+  <mc:AlternateContent xmlns:mc="http://schemas.openxmlformats.org/markup-compatibility/2006">
+    <mc:Choice xmlns:p159="http://schemas.microsoft.com/office/powerpoint/2015/09/main" Requires="p159">
+      <p:transition xmlns:p14="http://schemas.microsoft.com/office/powerpoint/2010/main" spd="slow" p14:dur="1500">
         <p159:morph option="byObject"/>
       </p:transition>
     </mc:Choice>
-    <mc:Fallback xmlns="">
+    <mc:Fallback>
       <p:transition spd="slow">
         <p:fade/>
       </p:transition>
@@ -6486,7 +7964,7 @@
                     <a:lumOff val="5000"/>
                   </a:schemeClr>
                 </a:solidFill>
-                <a:latin typeface="Work Sans Medium" pitchFamily="2" charset="77"/>
+                <a:latin typeface="Work Sans Light" pitchFamily="2" charset="0"/>
               </a:rPr>
               <a:t>¿Quiénes Somos?</a:t>
             </a:r>
@@ -6711,13 +8189,13 @@
   <p:clrMapOvr>
     <a:masterClrMapping/>
   </p:clrMapOvr>
-  <mc:AlternateContent xmlns:mc="http://schemas.openxmlformats.org/markup-compatibility/2006" xmlns:p159="http://schemas.microsoft.com/office/powerpoint/2015/09/main">
-    <mc:Choice Requires="p159">
-      <p:transition xmlns:p14="http://schemas.microsoft.com/office/powerpoint/2010/main" spd="slow" p14:dur="2000">
+  <mc:AlternateContent xmlns:mc="http://schemas.openxmlformats.org/markup-compatibility/2006">
+    <mc:Choice xmlns:p159="http://schemas.microsoft.com/office/powerpoint/2015/09/main" Requires="p159">
+      <p:transition xmlns:p14="http://schemas.microsoft.com/office/powerpoint/2010/main" spd="slow" p14:dur="1500">
         <p159:morph option="byObject"/>
       </p:transition>
     </mc:Choice>
-    <mc:Fallback xmlns="">
+    <mc:Fallback>
       <p:transition spd="slow">
         <p:fade/>
       </p:transition>
@@ -6813,7 +8291,7 @@
                     <a:lumOff val="5000"/>
                   </a:schemeClr>
                 </a:solidFill>
-                <a:latin typeface="Work Sans Medium" pitchFamily="2" charset="77"/>
+                <a:latin typeface="Work Sans Light" pitchFamily="2" charset="0"/>
               </a:rPr>
               <a:t>Alcance</a:t>
             </a:r>
@@ -7068,13 +8546,13 @@
   <p:clrMapOvr>
     <a:masterClrMapping/>
   </p:clrMapOvr>
-  <mc:AlternateContent xmlns:mc="http://schemas.openxmlformats.org/markup-compatibility/2006" xmlns:p159="http://schemas.microsoft.com/office/powerpoint/2015/09/main">
-    <mc:Choice Requires="p159">
-      <p:transition xmlns:p14="http://schemas.microsoft.com/office/powerpoint/2010/main" spd="slow" p14:dur="2000">
+  <mc:AlternateContent xmlns:mc="http://schemas.openxmlformats.org/markup-compatibility/2006">
+    <mc:Choice xmlns:p159="http://schemas.microsoft.com/office/powerpoint/2015/09/main" Requires="p159">
+      <p:transition xmlns:p14="http://schemas.microsoft.com/office/powerpoint/2010/main" spd="slow" p14:dur="1500">
         <p159:morph option="byObject"/>
       </p:transition>
     </mc:Choice>
-    <mc:Fallback xmlns="">
+    <mc:Fallback>
       <p:transition spd="slow">
         <p:fade/>
       </p:transition>
@@ -7230,7 +8708,7 @@
         </p:nvSpPr>
         <p:spPr>
           <a:xfrm>
-            <a:off x="456236" y="457723"/>
+            <a:off x="409132" y="397086"/>
             <a:ext cx="10515600" cy="676598"/>
           </a:xfrm>
           <a:prstGeom prst="rect">
@@ -7267,7 +8745,7 @@
                     <a:lumOff val="5000"/>
                   </a:schemeClr>
                 </a:solidFill>
-                <a:latin typeface="Work Sans Medium" pitchFamily="2" charset="77"/>
+                <a:latin typeface="Work Sans Light" pitchFamily="2" charset="0"/>
               </a:rPr>
               <a:t>Funcionalidades - Organizador</a:t>
             </a:r>
@@ -7493,7 +8971,7 @@
         </p:nvSpPr>
         <p:spPr>
           <a:xfrm>
-            <a:off x="9929891" y="1420216"/>
+            <a:off x="10312459" y="1334717"/>
             <a:ext cx="1509623" cy="369332"/>
           </a:xfrm>
           <a:prstGeom prst="rect">
@@ -7647,17 +9125,19 @@
           </p:cNvPr>
           <p:cNvCxnSpPr>
             <a:cxnSpLocks/>
+            <a:stCxn id="50" idx="2"/>
+            <a:endCxn id="51" idx="6"/>
           </p:cNvCxnSpPr>
           <p:nvPr/>
         </p:nvCxnSpPr>
         <p:spPr>
           <a:xfrm rot="10800000" flipV="1">
-            <a:off x="369919" y="3746498"/>
-            <a:ext cx="5504670" cy="1703286"/>
+            <a:off x="469118" y="3807135"/>
+            <a:ext cx="6183143" cy="1636067"/>
           </a:xfrm>
           <a:prstGeom prst="bentConnector3">
             <a:avLst>
-              <a:gd name="adj1" fmla="val 25710"/>
+              <a:gd name="adj1" fmla="val 50000"/>
             </a:avLst>
           </a:prstGeom>
           <a:ln w="19050"/>
@@ -7748,12 +9228,12 @@
         </p:nvCxnSpPr>
         <p:spPr>
           <a:xfrm rot="10800000" flipV="1">
-            <a:off x="7366958" y="1814862"/>
-            <a:ext cx="3963232" cy="96058"/>
+            <a:off x="7366958" y="1724110"/>
+            <a:ext cx="4255194" cy="186810"/>
           </a:xfrm>
           <a:prstGeom prst="bentConnector3">
             <a:avLst>
-              <a:gd name="adj1" fmla="val 50000"/>
+              <a:gd name="adj1" fmla="val 39864"/>
             </a:avLst>
           </a:prstGeom>
           <a:ln w="19050"/>
@@ -7794,7 +9274,7 @@
         </p:nvSpPr>
         <p:spPr>
           <a:xfrm>
-            <a:off x="5821680" y="3704588"/>
+            <a:off x="6652260" y="3765226"/>
             <a:ext cx="83820" cy="83820"/>
           </a:xfrm>
           <a:prstGeom prst="ellipse">
@@ -7846,7 +9326,7 @@
         </p:nvSpPr>
         <p:spPr>
           <a:xfrm>
-            <a:off x="322644" y="5407875"/>
+            <a:off x="385297" y="5401293"/>
             <a:ext cx="83820" cy="83820"/>
           </a:xfrm>
           <a:prstGeom prst="ellipse">
@@ -8106,7 +9586,7 @@
         </p:nvSpPr>
         <p:spPr>
           <a:xfrm>
-            <a:off x="11240219" y="1768683"/>
+            <a:off x="11596273" y="1682200"/>
             <a:ext cx="83820" cy="83820"/>
           </a:xfrm>
           <a:prstGeom prst="ellipse">
@@ -8206,13 +9686,13 @@
   <p:clrMapOvr>
     <a:masterClrMapping/>
   </p:clrMapOvr>
-  <mc:AlternateContent xmlns:mc="http://schemas.openxmlformats.org/markup-compatibility/2006" xmlns:p159="http://schemas.microsoft.com/office/powerpoint/2015/09/main">
-    <mc:Choice Requires="p159">
-      <p:transition xmlns:p14="http://schemas.microsoft.com/office/powerpoint/2010/main" spd="slow" p14:dur="2000">
+  <mc:AlternateContent xmlns:mc="http://schemas.openxmlformats.org/markup-compatibility/2006">
+    <mc:Choice xmlns:p159="http://schemas.microsoft.com/office/powerpoint/2015/09/main" Requires="p159">
+      <p:transition xmlns:p14="http://schemas.microsoft.com/office/powerpoint/2010/main" spd="slow" p14:dur="1500">
         <p159:morph option="byObject"/>
       </p:transition>
     </mc:Choice>
-    <mc:Fallback xmlns="">
+    <mc:Fallback>
       <p:transition spd="slow">
         <p:fade/>
       </p:transition>
@@ -8255,6 +9735,82 @@
           <a:chExt cx="0" cy="0"/>
         </a:xfrm>
       </p:grpSpPr>
+      <p:pic>
+        <p:nvPicPr>
+          <p:cNvPr id="9" name="Imagen 8">
+            <a:extLst>
+              <a:ext uri="{FF2B5EF4-FFF2-40B4-BE49-F238E27FC236}">
+                <a16:creationId xmlns:a16="http://schemas.microsoft.com/office/drawing/2014/main" id="{CCC8022F-4A90-6080-FA9A-EB88B520F5BA}"/>
+              </a:ext>
+            </a:extLst>
+          </p:cNvPr>
+          <p:cNvPicPr>
+            <a:picLocks noChangeAspect="1"/>
+          </p:cNvPicPr>
+          <p:nvPr/>
+        </p:nvPicPr>
+        <p:blipFill>
+          <a:blip r:embed="rId3"/>
+          <a:stretch>
+            <a:fillRect/>
+          </a:stretch>
+        </p:blipFill>
+        <p:spPr>
+          <a:xfrm>
+            <a:off x="2145914" y="1285523"/>
+            <a:ext cx="7606248" cy="4278515"/>
+          </a:xfrm>
+          <a:prstGeom prst="rect">
+            <a:avLst/>
+          </a:prstGeom>
+        </p:spPr>
+      </p:pic>
+      <p:pic>
+        <p:nvPicPr>
+          <p:cNvPr id="12" name="Imagen 11" descr="Forma, Rectángulo&#10;&#10;Descripción generada automáticamente">
+            <a:extLst>
+              <a:ext uri="{FF2B5EF4-FFF2-40B4-BE49-F238E27FC236}">
+                <a16:creationId xmlns:a16="http://schemas.microsoft.com/office/drawing/2014/main" id="{8600677A-DBC6-3C41-AEA5-69AEDD1509C5}"/>
+              </a:ext>
+            </a:extLst>
+          </p:cNvPr>
+          <p:cNvPicPr>
+            <a:picLocks noChangeAspect="1"/>
+          </p:cNvPicPr>
+          <p:nvPr/>
+        </p:nvPicPr>
+        <p:blipFill>
+          <a:blip r:embed="rId4">
+            <a:extLst>
+              <a:ext uri="{BEBA8EAE-BF5A-486C-A8C5-ECC9F3942E4B}">
+                <a14:imgProps xmlns:a14="http://schemas.microsoft.com/office/drawing/2010/main">
+                  <a14:imgLayer r:embed="rId5">
+                    <a14:imgEffect>
+                      <a14:backgroundRemoval t="10000" b="90000" l="10000" r="90000">
+                        <a14:foregroundMark x1="41993" y1="86765" x2="41993" y2="86765"/>
+                        <a14:foregroundMark x1="40686" y1="87500" x2="40686" y2="87500"/>
+                        <a14:foregroundMark x1="40196" y1="87745" x2="40196" y2="87745"/>
+                      </a14:backgroundRemoval>
+                    </a14:imgEffect>
+                  </a14:imgLayer>
+                </a14:imgProps>
+              </a:ext>
+            </a:extLst>
+          </a:blip>
+          <a:stretch>
+            <a:fillRect/>
+          </a:stretch>
+        </p:blipFill>
+        <p:spPr>
+          <a:xfrm>
+            <a:off x="655087" y="318176"/>
+            <a:ext cx="10585132" cy="7056755"/>
+          </a:xfrm>
+          <a:prstGeom prst="rect">
+            <a:avLst/>
+          </a:prstGeom>
+        </p:spPr>
+      </p:pic>
       <p:sp>
         <p:nvSpPr>
           <p:cNvPr id="2" name="Título 1">
@@ -8310,7 +9866,7 @@
                 </a:solidFill>
                 <a:latin typeface="Work Sans Medium" pitchFamily="2" charset="77"/>
               </a:rPr>
-              <a:t>Funcionalidades principales</a:t>
+              <a:t>Funcionalidades - Músico</a:t>
             </a:r>
           </a:p>
         </p:txBody>
@@ -8350,10 +9906,10 @@
             <p:nvPr/>
           </p:nvPicPr>
           <p:blipFill>
-            <a:blip r:embed="rId3">
+            <a:blip r:embed="rId6">
               <a:extLst>
                 <a:ext uri="{96DAC541-7B7A-43D3-8B79-37D633B846F1}">
-                  <asvg:svgBlip xmlns:asvg="http://schemas.microsoft.com/office/drawing/2016/SVG/main" r:embed="rId4"/>
+                  <asvg:svgBlip xmlns:asvg="http://schemas.microsoft.com/office/drawing/2016/SVG/main" r:embed="rId7"/>
                 </a:ext>
               </a:extLst>
             </a:blip>
@@ -8386,11 +9942,1211 @@
             <p:nvPr/>
           </p:nvPicPr>
           <p:blipFill>
-            <a:blip r:embed="rId5">
+            <a:blip r:embed="rId8">
               <a:extLst>
                 <a:ext uri="{BEBA8EAE-BF5A-486C-A8C5-ECC9F3942E4B}">
                   <a14:imgProps xmlns:a14="http://schemas.microsoft.com/office/drawing/2010/main">
-                    <a14:imgLayer r:embed="rId6">
+                    <a14:imgLayer r:embed="rId9">
+                      <a14:imgEffect>
+                        <a14:backgroundRemoval t="9582" b="89681" l="4950" r="94364">
+                          <a14:foregroundMark x1="94440" y1="36364" x2="92007" y2="38843"/>
+                          <a14:foregroundMark x1="54049" y1="69088" x2="53694" y2="70762"/>
+                          <a14:foregroundMark x1="57203" y1="54189" x2="55043" y2="64387"/>
+                          <a14:foregroundMark x1="61081" y1="35872" x2="60260" y2="39752"/>
+                          <a14:foregroundMark x1="59659" y1="78902" x2="61615" y2="81572"/>
+                          <a14:foregroundMark x1="53694" y1="70762" x2="54203" y2="71457"/>
+                          <a14:foregroundMark x1="35796" y1="36364" x2="35339" y2="77641"/>
+                          <a14:foregroundMark x1="45416" y1="71429" x2="47296" y2="70270"/>
+                          <a14:foregroundMark x1="35339" y1="77641" x2="37155" y2="76521"/>
+                          <a14:foregroundMark x1="39299" y1="38812" x2="38614" y2="36118"/>
+                          <a14:foregroundMark x1="47296" y1="70270" x2="46331" y2="66474"/>
+                          <a14:foregroundMark x1="38614" y1="36118" x2="36481" y2="34889"/>
+                          <a14:foregroundMark x1="23762" y1="35627" x2="24372" y2="34889"/>
+                          <a14:foregroundMark x1="3732" y1="84275" x2="4950" y2="39066"/>
+                          <a14:foregroundMark x1="4950" y1="39066" x2="13633" y2="77641"/>
+                          <a14:foregroundMark x1="13633" y1="77641" x2="16146" y2="30467"/>
+                          <a14:foregroundMark x1="23645" y1="22609" x2="25057" y2="21130"/>
+                          <a14:foregroundMark x1="16146" y1="30467" x2="16916" y2="29661"/>
+                          <a14:backgroundMark x1="89109" y1="42506" x2="89109" y2="42506"/>
+                          <a14:backgroundMark x1="89109" y1="42506" x2="89109" y2="42506"/>
+                          <a14:backgroundMark x1="88728" y1="41769" x2="88728" y2="41769"/>
+                          <a14:backgroundMark x1="88728" y1="41769" x2="88728" y2="41769"/>
+                          <a14:backgroundMark x1="88728" y1="41769" x2="88728" y2="41769"/>
+                          <a14:backgroundMark x1="88728" y1="41769" x2="88728" y2="41769"/>
+                          <a14:backgroundMark x1="88728" y1="41769" x2="89109" y2="41523"/>
+                          <a14:backgroundMark x1="90099" y1="41523" x2="90099" y2="41523"/>
+                          <a14:backgroundMark x1="89947" y1="41523" x2="89566" y2="41278"/>
+                          <a14:backgroundMark x1="90861" y1="41032" x2="89261" y2="41032"/>
+                          <a14:backgroundMark x1="88043" y1="43489" x2="88576" y2="43243"/>
+                          <a14:backgroundMark x1="88652" y1="42015" x2="87738" y2="42260"/>
+                          <a14:backgroundMark x1="87357" y1="43489" x2="87357" y2="43489"/>
+                          <a14:backgroundMark x1="87357" y1="43489" x2="87510" y2="44717"/>
+                          <a14:backgroundMark x1="91318" y1="41278" x2="89337" y2="42260"/>
+                          <a14:backgroundMark x1="90784" y1="40786" x2="91546" y2="41032"/>
+                          <a14:backgroundMark x1="60701" y1="48649" x2="55598" y2="44963"/>
+                          <a14:backgroundMark x1="58720" y1="51843" x2="56969" y2="51843"/>
+                          <a14:backgroundMark x1="57121" y1="43980" x2="59025" y2="43489"/>
+                          <a14:backgroundMark x1="59482" y1="42752" x2="60929" y2="43735"/>
+                          <a14:backgroundMark x1="58873" y1="43980" x2="59558" y2="42506"/>
+                          <a14:backgroundMark x1="59482" y1="43243" x2="58492" y2="49631"/>
+                          <a14:backgroundMark x1="58111" y1="52334" x2="57045" y2="53563"/>
+                          <a14:backgroundMark x1="59558" y1="42015" x2="59863" y2="41523"/>
+                          <a14:backgroundMark x1="59711" y1="42015" x2="59330" y2="42998"/>
+                          <a14:backgroundMark x1="59406" y1="43980" x2="58644" y2="44963"/>
+                          <a14:backgroundMark x1="59558" y1="43489" x2="60701" y2="42506"/>
+                          <a14:backgroundMark x1="59939" y1="43243" x2="59939" y2="43243"/>
+                          <a14:backgroundMark x1="57273" y1="52826" x2="57273" y2="52826"/>
+                          <a14:backgroundMark x1="57350" y1="53563" x2="57350" y2="53563"/>
+                          <a14:backgroundMark x1="57350" y1="54300" x2="57350" y2="54300"/>
+                          <a14:backgroundMark x1="55065" y1="64865" x2="58187" y2="76413"/>
+                          <a14:backgroundMark x1="59254" y1="77150" x2="57959" y2="78133"/>
+                          <a14:backgroundMark x1="55750" y1="74939" x2="55141" y2="66585"/>
+                          <a14:backgroundMark x1="55065" y1="64373" x2="55674" y2="73710"/>
+                          <a14:backgroundMark x1="39299" y1="44717" x2="39299" y2="66830"/>
+                          <a14:backgroundMark x1="40746" y1="42506" x2="38385" y2="76658"/>
+                          <a14:backgroundMark x1="41280" y1="43980" x2="44707" y2="59951"/>
+                          <a14:backgroundMark x1="44859" y1="59459" x2="39832" y2="42506"/>
+                          <a14:backgroundMark x1="40137" y1="42506" x2="39604" y2="42260"/>
+                          <a14:backgroundMark x1="45316" y1="63391" x2="37548" y2="75676"/>
+                          <a14:backgroundMark x1="41736" y1="76167" x2="44021" y2="72482"/>
+                          <a14:backgroundMark x1="45925" y1="61179" x2="44554" y2="63391"/>
+                          <a14:backgroundMark x1="45621" y1="62162" x2="43488" y2="73710"/>
+                          <a14:backgroundMark x1="40975" y1="71990" x2="42117" y2="74939"/>
+                          <a14:backgroundMark x1="37471" y1="75921" x2="37776" y2="77396"/>
+                          <a14:backgroundMark x1="18507" y1="33907" x2="22544" y2="23833"/>
+                          <a14:backgroundMark x1="22391" y1="23833" x2="18050" y2="28501"/>
+                          <a14:backgroundMark x1="20030" y1="28501" x2="17593" y2="30221"/>
+                          <a14:backgroundMark x1="17136" y1="28993" x2="17136" y2="28993"/>
+                          <a14:backgroundMark x1="17136" y1="28993" x2="17974" y2="30958"/>
+                          <a14:backgroundMark x1="22239" y1="23342" x2="23382" y2="23833"/>
+                        </a14:backgroundRemoval>
+                      </a14:imgEffect>
+                    </a14:imgLayer>
+                  </a14:imgProps>
+                </a:ext>
+              </a:extLst>
+            </a:blip>
+            <a:stretch>
+              <a:fillRect/>
+            </a:stretch>
+          </p:blipFill>
+          <p:spPr>
+            <a:xfrm>
+              <a:off x="2592360" y="3314700"/>
+              <a:ext cx="3959280" cy="1227286"/>
+            </a:xfrm>
+            <a:prstGeom prst="rect">
+              <a:avLst/>
+            </a:prstGeom>
+          </p:spPr>
+        </p:pic>
+      </p:grpSp>
+      <p:sp>
+        <p:nvSpPr>
+          <p:cNvPr id="18" name="CuadroTexto 17">
+            <a:extLst>
+              <a:ext uri="{FF2B5EF4-FFF2-40B4-BE49-F238E27FC236}">
+                <a16:creationId xmlns:a16="http://schemas.microsoft.com/office/drawing/2014/main" id="{848F35A6-4E84-E23F-9E39-2CB0405C4D30}"/>
+              </a:ext>
+            </a:extLst>
+          </p:cNvPr>
+          <p:cNvSpPr txBox="1"/>
+          <p:nvPr/>
+        </p:nvSpPr>
+        <p:spPr>
+          <a:xfrm>
+            <a:off x="338391" y="2439974"/>
+            <a:ext cx="1509623" cy="369332"/>
+          </a:xfrm>
+          <a:prstGeom prst="rect">
+            <a:avLst/>
+          </a:prstGeom>
+          <a:noFill/>
+        </p:spPr>
+        <p:txBody>
+          <a:bodyPr wrap="square" rtlCol="0">
+            <a:spAutoFit/>
+          </a:bodyPr>
+          <a:lstStyle/>
+          <a:p>
+            <a:r>
+              <a:rPr lang="es-CO" dirty="0"/>
+              <a:t>Ver Ofertas</a:t>
+            </a:r>
+          </a:p>
+        </p:txBody>
+      </p:sp>
+      <p:sp>
+        <p:nvSpPr>
+          <p:cNvPr id="20" name="CuadroTexto 19">
+            <a:extLst>
+              <a:ext uri="{FF2B5EF4-FFF2-40B4-BE49-F238E27FC236}">
+                <a16:creationId xmlns:a16="http://schemas.microsoft.com/office/drawing/2014/main" id="{78D3E90A-5065-7280-5EDA-626A8368637F}"/>
+              </a:ext>
+            </a:extLst>
+          </p:cNvPr>
+          <p:cNvSpPr txBox="1"/>
+          <p:nvPr/>
+        </p:nvSpPr>
+        <p:spPr>
+          <a:xfrm>
+            <a:off x="10312459" y="1312801"/>
+            <a:ext cx="1509623" cy="646331"/>
+          </a:xfrm>
+          <a:prstGeom prst="rect">
+            <a:avLst/>
+          </a:prstGeom>
+          <a:noFill/>
+        </p:spPr>
+        <p:txBody>
+          <a:bodyPr wrap="square" rtlCol="0">
+            <a:spAutoFit/>
+          </a:bodyPr>
+          <a:lstStyle/>
+          <a:p>
+            <a:r>
+              <a:rPr lang="es-CO" dirty="0"/>
+              <a:t>Ver ofertas postuladas</a:t>
+            </a:r>
+          </a:p>
+        </p:txBody>
+      </p:sp>
+      <p:sp>
+        <p:nvSpPr>
+          <p:cNvPr id="22" name="CuadroTexto 21">
+            <a:extLst>
+              <a:ext uri="{FF2B5EF4-FFF2-40B4-BE49-F238E27FC236}">
+                <a16:creationId xmlns:a16="http://schemas.microsoft.com/office/drawing/2014/main" id="{7C5FBF95-4897-4DE7-A3E7-3019FB3F3A2E}"/>
+              </a:ext>
+            </a:extLst>
+          </p:cNvPr>
+          <p:cNvSpPr txBox="1"/>
+          <p:nvPr/>
+        </p:nvSpPr>
+        <p:spPr>
+          <a:xfrm>
+            <a:off x="201775" y="5028008"/>
+            <a:ext cx="2179058" cy="369332"/>
+          </a:xfrm>
+          <a:prstGeom prst="rect">
+            <a:avLst/>
+          </a:prstGeom>
+          <a:noFill/>
+        </p:spPr>
+        <p:txBody>
+          <a:bodyPr wrap="square" rtlCol="0">
+            <a:spAutoFit/>
+          </a:bodyPr>
+          <a:lstStyle/>
+          <a:p>
+            <a:r>
+              <a:rPr lang="es-CO" dirty="0"/>
+              <a:t>Aplicarse a ofertas</a:t>
+            </a:r>
+          </a:p>
+        </p:txBody>
+      </p:sp>
+      <p:sp>
+        <p:nvSpPr>
+          <p:cNvPr id="24" name="CuadroTexto 23">
+            <a:extLst>
+              <a:ext uri="{FF2B5EF4-FFF2-40B4-BE49-F238E27FC236}">
+                <a16:creationId xmlns:a16="http://schemas.microsoft.com/office/drawing/2014/main" id="{F925A169-D4A7-EF1D-5B90-6C383CE5CF24}"/>
+              </a:ext>
+            </a:extLst>
+          </p:cNvPr>
+          <p:cNvSpPr txBox="1"/>
+          <p:nvPr/>
+        </p:nvSpPr>
+        <p:spPr>
+          <a:xfrm>
+            <a:off x="9864112" y="3344288"/>
+            <a:ext cx="2121241" cy="369332"/>
+          </a:xfrm>
+          <a:prstGeom prst="rect">
+            <a:avLst/>
+          </a:prstGeom>
+          <a:noFill/>
+        </p:spPr>
+        <p:txBody>
+          <a:bodyPr wrap="square" rtlCol="0">
+            <a:spAutoFit/>
+          </a:bodyPr>
+          <a:lstStyle/>
+          <a:p>
+            <a:r>
+              <a:rPr lang="es-CO" dirty="0"/>
+              <a:t>Guardar Ofertas</a:t>
+            </a:r>
+          </a:p>
+        </p:txBody>
+      </p:sp>
+      <p:cxnSp>
+        <p:nvCxnSpPr>
+          <p:cNvPr id="27" name="Conector: angular 26">
+            <a:extLst>
+              <a:ext uri="{FF2B5EF4-FFF2-40B4-BE49-F238E27FC236}">
+                <a16:creationId xmlns:a16="http://schemas.microsoft.com/office/drawing/2014/main" id="{9EC4D786-6CD7-8F06-D66A-DA4F8B584DA4}"/>
+              </a:ext>
+            </a:extLst>
+          </p:cNvPr>
+          <p:cNvCxnSpPr>
+            <a:cxnSpLocks/>
+          </p:cNvCxnSpPr>
+          <p:nvPr/>
+        </p:nvCxnSpPr>
+        <p:spPr>
+          <a:xfrm rot="10800000">
+            <a:off x="406464" y="2867763"/>
+            <a:ext cx="3078608" cy="727532"/>
+          </a:xfrm>
+          <a:prstGeom prst="bentConnector3">
+            <a:avLst>
+              <a:gd name="adj1" fmla="val 29825"/>
+            </a:avLst>
+          </a:prstGeom>
+          <a:ln w="19050"/>
+          <a:effectLst>
+            <a:outerShdw blurRad="50800" dist="38100" dir="2700000" algn="tl" rotWithShape="0">
+              <a:prstClr val="black">
+                <a:alpha val="40000"/>
+              </a:prstClr>
+            </a:outerShdw>
+          </a:effectLst>
+        </p:spPr>
+        <p:style>
+          <a:lnRef idx="1">
+            <a:schemeClr val="accent2"/>
+          </a:lnRef>
+          <a:fillRef idx="0">
+            <a:schemeClr val="accent2"/>
+          </a:fillRef>
+          <a:effectRef idx="0">
+            <a:schemeClr val="accent2"/>
+          </a:effectRef>
+          <a:fontRef idx="minor">
+            <a:schemeClr val="tx1"/>
+          </a:fontRef>
+        </p:style>
+      </p:cxnSp>
+      <p:cxnSp>
+        <p:nvCxnSpPr>
+          <p:cNvPr id="31" name="Conector: angular 30">
+            <a:extLst>
+              <a:ext uri="{FF2B5EF4-FFF2-40B4-BE49-F238E27FC236}">
+                <a16:creationId xmlns:a16="http://schemas.microsoft.com/office/drawing/2014/main" id="{A7963CFB-DE60-2D1C-6FD1-BD1E167284CF}"/>
+              </a:ext>
+            </a:extLst>
+          </p:cNvPr>
+          <p:cNvCxnSpPr>
+            <a:cxnSpLocks/>
+            <a:stCxn id="50" idx="2"/>
+            <a:endCxn id="51" idx="6"/>
+          </p:cNvCxnSpPr>
+          <p:nvPr/>
+        </p:nvCxnSpPr>
+        <p:spPr>
+          <a:xfrm rot="10800000" flipV="1">
+            <a:off x="380301" y="3189619"/>
+            <a:ext cx="5305730" cy="2266178"/>
+          </a:xfrm>
+          <a:prstGeom prst="bentConnector3">
+            <a:avLst>
+              <a:gd name="adj1" fmla="val 50000"/>
+            </a:avLst>
+          </a:prstGeom>
+          <a:ln w="19050"/>
+          <a:effectLst>
+            <a:outerShdw blurRad="50800" dist="38100" dir="2700000" algn="tl" rotWithShape="0">
+              <a:prstClr val="black">
+                <a:alpha val="40000"/>
+              </a:prstClr>
+            </a:outerShdw>
+          </a:effectLst>
+        </p:spPr>
+        <p:style>
+          <a:lnRef idx="1">
+            <a:schemeClr val="accent2"/>
+          </a:lnRef>
+          <a:fillRef idx="0">
+            <a:schemeClr val="accent2"/>
+          </a:fillRef>
+          <a:effectRef idx="0">
+            <a:schemeClr val="accent2"/>
+          </a:effectRef>
+          <a:fontRef idx="minor">
+            <a:schemeClr val="tx1"/>
+          </a:fontRef>
+        </p:style>
+      </p:cxnSp>
+      <p:cxnSp>
+        <p:nvCxnSpPr>
+          <p:cNvPr id="40" name="Conector: angular 39">
+            <a:extLst>
+              <a:ext uri="{FF2B5EF4-FFF2-40B4-BE49-F238E27FC236}">
+                <a16:creationId xmlns:a16="http://schemas.microsoft.com/office/drawing/2014/main" id="{CCF821BD-5A79-6DED-2793-7B6FD58D13A2}"/>
+              </a:ext>
+            </a:extLst>
+          </p:cNvPr>
+          <p:cNvCxnSpPr>
+            <a:cxnSpLocks/>
+            <a:stCxn id="58" idx="2"/>
+            <a:endCxn id="55" idx="6"/>
+          </p:cNvCxnSpPr>
+          <p:nvPr/>
+        </p:nvCxnSpPr>
+        <p:spPr>
+          <a:xfrm rot="10800000">
+            <a:off x="6482348" y="3105800"/>
+            <a:ext cx="4954192" cy="577651"/>
+          </a:xfrm>
+          <a:prstGeom prst="bentConnector3">
+            <a:avLst>
+              <a:gd name="adj1" fmla="val 50000"/>
+            </a:avLst>
+          </a:prstGeom>
+          <a:ln w="19050"/>
+          <a:effectLst>
+            <a:outerShdw blurRad="50800" dist="38100" dir="2700000" algn="tl" rotWithShape="0">
+              <a:prstClr val="black">
+                <a:alpha val="40000"/>
+              </a:prstClr>
+            </a:outerShdw>
+          </a:effectLst>
+        </p:spPr>
+        <p:style>
+          <a:lnRef idx="1">
+            <a:schemeClr val="accent2"/>
+          </a:lnRef>
+          <a:fillRef idx="0">
+            <a:schemeClr val="accent2"/>
+          </a:fillRef>
+          <a:effectRef idx="0">
+            <a:schemeClr val="accent2"/>
+          </a:effectRef>
+          <a:fontRef idx="minor">
+            <a:schemeClr val="tx1"/>
+          </a:fontRef>
+        </p:style>
+      </p:cxnSp>
+      <p:cxnSp>
+        <p:nvCxnSpPr>
+          <p:cNvPr id="44" name="Conector: angular 43">
+            <a:extLst>
+              <a:ext uri="{FF2B5EF4-FFF2-40B4-BE49-F238E27FC236}">
+                <a16:creationId xmlns:a16="http://schemas.microsoft.com/office/drawing/2014/main" id="{7C75C0F3-3D5B-DC31-9485-E15BADE73E66}"/>
+              </a:ext>
+            </a:extLst>
+          </p:cNvPr>
+          <p:cNvCxnSpPr>
+            <a:cxnSpLocks/>
+            <a:stCxn id="57" idx="2"/>
+            <a:endCxn id="56" idx="6"/>
+          </p:cNvCxnSpPr>
+          <p:nvPr/>
+        </p:nvCxnSpPr>
+        <p:spPr>
+          <a:xfrm rot="10800000">
+            <a:off x="7045461" y="1802862"/>
+            <a:ext cx="4562242" cy="83820"/>
+          </a:xfrm>
+          <a:prstGeom prst="bentConnector3">
+            <a:avLst>
+              <a:gd name="adj1" fmla="val 50000"/>
+            </a:avLst>
+          </a:prstGeom>
+          <a:ln w="19050"/>
+          <a:effectLst>
+            <a:outerShdw blurRad="50800" dist="38100" dir="2700000" algn="tl" rotWithShape="0">
+              <a:prstClr val="black">
+                <a:alpha val="40000"/>
+              </a:prstClr>
+            </a:outerShdw>
+          </a:effectLst>
+        </p:spPr>
+        <p:style>
+          <a:lnRef idx="1">
+            <a:schemeClr val="accent2"/>
+          </a:lnRef>
+          <a:fillRef idx="0">
+            <a:schemeClr val="accent2"/>
+          </a:fillRef>
+          <a:effectRef idx="0">
+            <a:schemeClr val="accent2"/>
+          </a:effectRef>
+          <a:fontRef idx="minor">
+            <a:schemeClr val="tx1"/>
+          </a:fontRef>
+        </p:style>
+      </p:cxnSp>
+      <p:sp>
+        <p:nvSpPr>
+          <p:cNvPr id="50" name="Elipse 49">
+            <a:extLst>
+              <a:ext uri="{FF2B5EF4-FFF2-40B4-BE49-F238E27FC236}">
+                <a16:creationId xmlns:a16="http://schemas.microsoft.com/office/drawing/2014/main" id="{D11D5121-5B6E-BAA0-E125-EF77720557B3}"/>
+              </a:ext>
+            </a:extLst>
+          </p:cNvPr>
+          <p:cNvSpPr/>
+          <p:nvPr/>
+        </p:nvSpPr>
+        <p:spPr>
+          <a:xfrm>
+            <a:off x="5686031" y="3147709"/>
+            <a:ext cx="83820" cy="83820"/>
+          </a:xfrm>
+          <a:prstGeom prst="ellipse">
+            <a:avLst/>
+          </a:prstGeom>
+          <a:solidFill>
+            <a:schemeClr val="accent2"/>
+          </a:solidFill>
+          <a:ln>
+            <a:noFill/>
+          </a:ln>
+        </p:spPr>
+        <p:style>
+          <a:lnRef idx="2">
+            <a:schemeClr val="accent1">
+              <a:shade val="15000"/>
+            </a:schemeClr>
+          </a:lnRef>
+          <a:fillRef idx="1">
+            <a:schemeClr val="accent1"/>
+          </a:fillRef>
+          <a:effectRef idx="0">
+            <a:schemeClr val="accent1"/>
+          </a:effectRef>
+          <a:fontRef idx="minor">
+            <a:schemeClr val="lt1"/>
+          </a:fontRef>
+        </p:style>
+        <p:txBody>
+          <a:bodyPr rtlCol="0" anchor="ctr"/>
+          <a:lstStyle/>
+          <a:p>
+            <a:pPr algn="ctr"/>
+            <a:endParaRPr lang="es-CO"/>
+          </a:p>
+        </p:txBody>
+      </p:sp>
+      <p:sp>
+        <p:nvSpPr>
+          <p:cNvPr id="51" name="Elipse 50">
+            <a:extLst>
+              <a:ext uri="{FF2B5EF4-FFF2-40B4-BE49-F238E27FC236}">
+                <a16:creationId xmlns:a16="http://schemas.microsoft.com/office/drawing/2014/main" id="{22B50049-BC1F-DC24-34DD-46FDFD09992C}"/>
+              </a:ext>
+            </a:extLst>
+          </p:cNvPr>
+          <p:cNvSpPr/>
+          <p:nvPr/>
+        </p:nvSpPr>
+        <p:spPr>
+          <a:xfrm>
+            <a:off x="296481" y="5413887"/>
+            <a:ext cx="83820" cy="83820"/>
+          </a:xfrm>
+          <a:prstGeom prst="ellipse">
+            <a:avLst/>
+          </a:prstGeom>
+          <a:solidFill>
+            <a:schemeClr val="accent2"/>
+          </a:solidFill>
+          <a:ln>
+            <a:noFill/>
+          </a:ln>
+        </p:spPr>
+        <p:style>
+          <a:lnRef idx="2">
+            <a:schemeClr val="accent1">
+              <a:shade val="15000"/>
+            </a:schemeClr>
+          </a:lnRef>
+          <a:fillRef idx="1">
+            <a:schemeClr val="accent1"/>
+          </a:fillRef>
+          <a:effectRef idx="0">
+            <a:schemeClr val="accent1"/>
+          </a:effectRef>
+          <a:fontRef idx="minor">
+            <a:schemeClr val="lt1"/>
+          </a:fontRef>
+        </p:style>
+        <p:txBody>
+          <a:bodyPr rtlCol="0" anchor="ctr"/>
+          <a:lstStyle/>
+          <a:p>
+            <a:pPr algn="ctr"/>
+            <a:endParaRPr lang="es-CO"/>
+          </a:p>
+        </p:txBody>
+      </p:sp>
+      <p:sp>
+        <p:nvSpPr>
+          <p:cNvPr id="52" name="Elipse 51">
+            <a:extLst>
+              <a:ext uri="{FF2B5EF4-FFF2-40B4-BE49-F238E27FC236}">
+                <a16:creationId xmlns:a16="http://schemas.microsoft.com/office/drawing/2014/main" id="{E86DB5B0-F349-3ECC-B46A-95A4E63309B9}"/>
+              </a:ext>
+            </a:extLst>
+          </p:cNvPr>
+          <p:cNvSpPr/>
+          <p:nvPr/>
+        </p:nvSpPr>
+        <p:spPr>
+          <a:xfrm>
+            <a:off x="380301" y="2831827"/>
+            <a:ext cx="83820" cy="83820"/>
+          </a:xfrm>
+          <a:prstGeom prst="ellipse">
+            <a:avLst/>
+          </a:prstGeom>
+          <a:solidFill>
+            <a:schemeClr val="accent2"/>
+          </a:solidFill>
+          <a:ln>
+            <a:noFill/>
+          </a:ln>
+        </p:spPr>
+        <p:style>
+          <a:lnRef idx="2">
+            <a:schemeClr val="accent1">
+              <a:shade val="15000"/>
+            </a:schemeClr>
+          </a:lnRef>
+          <a:fillRef idx="1">
+            <a:schemeClr val="accent1"/>
+          </a:fillRef>
+          <a:effectRef idx="0">
+            <a:schemeClr val="accent1"/>
+          </a:effectRef>
+          <a:fontRef idx="minor">
+            <a:schemeClr val="lt1"/>
+          </a:fontRef>
+        </p:style>
+        <p:txBody>
+          <a:bodyPr rtlCol="0" anchor="ctr"/>
+          <a:lstStyle/>
+          <a:p>
+            <a:pPr algn="ctr"/>
+            <a:endParaRPr lang="es-CO"/>
+          </a:p>
+        </p:txBody>
+      </p:sp>
+      <p:sp>
+        <p:nvSpPr>
+          <p:cNvPr id="54" name="Elipse 53">
+            <a:extLst>
+              <a:ext uri="{FF2B5EF4-FFF2-40B4-BE49-F238E27FC236}">
+                <a16:creationId xmlns:a16="http://schemas.microsoft.com/office/drawing/2014/main" id="{C6104204-90E6-652C-93A9-9D7A5C879D94}"/>
+              </a:ext>
+            </a:extLst>
+          </p:cNvPr>
+          <p:cNvSpPr/>
+          <p:nvPr/>
+        </p:nvSpPr>
+        <p:spPr>
+          <a:xfrm>
+            <a:off x="3436199" y="3553386"/>
+            <a:ext cx="83820" cy="83820"/>
+          </a:xfrm>
+          <a:prstGeom prst="ellipse">
+            <a:avLst/>
+          </a:prstGeom>
+          <a:solidFill>
+            <a:schemeClr val="accent2"/>
+          </a:solidFill>
+          <a:ln>
+            <a:noFill/>
+          </a:ln>
+        </p:spPr>
+        <p:style>
+          <a:lnRef idx="2">
+            <a:schemeClr val="accent1">
+              <a:shade val="15000"/>
+            </a:schemeClr>
+          </a:lnRef>
+          <a:fillRef idx="1">
+            <a:schemeClr val="accent1"/>
+          </a:fillRef>
+          <a:effectRef idx="0">
+            <a:schemeClr val="accent1"/>
+          </a:effectRef>
+          <a:fontRef idx="minor">
+            <a:schemeClr val="lt1"/>
+          </a:fontRef>
+        </p:style>
+        <p:txBody>
+          <a:bodyPr rtlCol="0" anchor="ctr"/>
+          <a:lstStyle/>
+          <a:p>
+            <a:pPr algn="ctr"/>
+            <a:endParaRPr lang="es-CO"/>
+          </a:p>
+        </p:txBody>
+      </p:sp>
+      <p:sp>
+        <p:nvSpPr>
+          <p:cNvPr id="55" name="Elipse 54">
+            <a:extLst>
+              <a:ext uri="{FF2B5EF4-FFF2-40B4-BE49-F238E27FC236}">
+                <a16:creationId xmlns:a16="http://schemas.microsoft.com/office/drawing/2014/main" id="{513B1A6E-5485-D5EE-12BF-3B80C3BF404D}"/>
+              </a:ext>
+            </a:extLst>
+          </p:cNvPr>
+          <p:cNvSpPr/>
+          <p:nvPr/>
+        </p:nvSpPr>
+        <p:spPr>
+          <a:xfrm>
+            <a:off x="6398528" y="3063889"/>
+            <a:ext cx="83820" cy="83820"/>
+          </a:xfrm>
+          <a:prstGeom prst="ellipse">
+            <a:avLst/>
+          </a:prstGeom>
+          <a:solidFill>
+            <a:schemeClr val="accent2"/>
+          </a:solidFill>
+          <a:ln>
+            <a:noFill/>
+          </a:ln>
+        </p:spPr>
+        <p:style>
+          <a:lnRef idx="2">
+            <a:schemeClr val="accent1">
+              <a:shade val="15000"/>
+            </a:schemeClr>
+          </a:lnRef>
+          <a:fillRef idx="1">
+            <a:schemeClr val="accent1"/>
+          </a:fillRef>
+          <a:effectRef idx="0">
+            <a:schemeClr val="accent1"/>
+          </a:effectRef>
+          <a:fontRef idx="minor">
+            <a:schemeClr val="lt1"/>
+          </a:fontRef>
+        </p:style>
+        <p:txBody>
+          <a:bodyPr rtlCol="0" anchor="ctr"/>
+          <a:lstStyle/>
+          <a:p>
+            <a:pPr algn="ctr"/>
+            <a:endParaRPr lang="es-CO"/>
+          </a:p>
+        </p:txBody>
+      </p:sp>
+      <p:sp>
+        <p:nvSpPr>
+          <p:cNvPr id="56" name="Elipse 55">
+            <a:extLst>
+              <a:ext uri="{FF2B5EF4-FFF2-40B4-BE49-F238E27FC236}">
+                <a16:creationId xmlns:a16="http://schemas.microsoft.com/office/drawing/2014/main" id="{BCBB0056-4027-FC3B-91A7-50AABC1992D2}"/>
+              </a:ext>
+            </a:extLst>
+          </p:cNvPr>
+          <p:cNvSpPr/>
+          <p:nvPr/>
+        </p:nvSpPr>
+        <p:spPr>
+          <a:xfrm>
+            <a:off x="6961641" y="1760952"/>
+            <a:ext cx="83820" cy="83820"/>
+          </a:xfrm>
+          <a:prstGeom prst="ellipse">
+            <a:avLst/>
+          </a:prstGeom>
+          <a:solidFill>
+            <a:schemeClr val="accent2"/>
+          </a:solidFill>
+          <a:ln>
+            <a:noFill/>
+          </a:ln>
+        </p:spPr>
+        <p:style>
+          <a:lnRef idx="2">
+            <a:schemeClr val="accent1">
+              <a:shade val="15000"/>
+            </a:schemeClr>
+          </a:lnRef>
+          <a:fillRef idx="1">
+            <a:schemeClr val="accent1"/>
+          </a:fillRef>
+          <a:effectRef idx="0">
+            <a:schemeClr val="accent1"/>
+          </a:effectRef>
+          <a:fontRef idx="minor">
+            <a:schemeClr val="lt1"/>
+          </a:fontRef>
+        </p:style>
+        <p:txBody>
+          <a:bodyPr rtlCol="0" anchor="ctr"/>
+          <a:lstStyle/>
+          <a:p>
+            <a:pPr algn="ctr"/>
+            <a:endParaRPr lang="es-CO"/>
+          </a:p>
+        </p:txBody>
+      </p:sp>
+      <p:sp>
+        <p:nvSpPr>
+          <p:cNvPr id="57" name="Elipse 56">
+            <a:extLst>
+              <a:ext uri="{FF2B5EF4-FFF2-40B4-BE49-F238E27FC236}">
+                <a16:creationId xmlns:a16="http://schemas.microsoft.com/office/drawing/2014/main" id="{9AF6C956-78B7-612F-0290-90D44746ABB2}"/>
+              </a:ext>
+            </a:extLst>
+          </p:cNvPr>
+          <p:cNvSpPr/>
+          <p:nvPr/>
+        </p:nvSpPr>
+        <p:spPr>
+          <a:xfrm>
+            <a:off x="11607703" y="1844772"/>
+            <a:ext cx="83820" cy="83820"/>
+          </a:xfrm>
+          <a:prstGeom prst="ellipse">
+            <a:avLst/>
+          </a:prstGeom>
+          <a:solidFill>
+            <a:schemeClr val="accent2"/>
+          </a:solidFill>
+          <a:ln>
+            <a:noFill/>
+          </a:ln>
+        </p:spPr>
+        <p:style>
+          <a:lnRef idx="2">
+            <a:schemeClr val="accent1">
+              <a:shade val="15000"/>
+            </a:schemeClr>
+          </a:lnRef>
+          <a:fillRef idx="1">
+            <a:schemeClr val="accent1"/>
+          </a:fillRef>
+          <a:effectRef idx="0">
+            <a:schemeClr val="accent1"/>
+          </a:effectRef>
+          <a:fontRef idx="minor">
+            <a:schemeClr val="lt1"/>
+          </a:fontRef>
+        </p:style>
+        <p:txBody>
+          <a:bodyPr rtlCol="0" anchor="ctr"/>
+          <a:lstStyle/>
+          <a:p>
+            <a:pPr algn="ctr"/>
+            <a:endParaRPr lang="es-CO"/>
+          </a:p>
+        </p:txBody>
+      </p:sp>
+      <p:sp>
+        <p:nvSpPr>
+          <p:cNvPr id="58" name="Elipse 57">
+            <a:extLst>
+              <a:ext uri="{FF2B5EF4-FFF2-40B4-BE49-F238E27FC236}">
+                <a16:creationId xmlns:a16="http://schemas.microsoft.com/office/drawing/2014/main" id="{C4F7B62A-F9F7-2BCF-BECD-0F1DDD8E6D6F}"/>
+              </a:ext>
+            </a:extLst>
+          </p:cNvPr>
+          <p:cNvSpPr/>
+          <p:nvPr/>
+        </p:nvSpPr>
+        <p:spPr>
+          <a:xfrm>
+            <a:off x="11436540" y="3641540"/>
+            <a:ext cx="83820" cy="83820"/>
+          </a:xfrm>
+          <a:prstGeom prst="ellipse">
+            <a:avLst/>
+          </a:prstGeom>
+          <a:solidFill>
+            <a:schemeClr val="accent2"/>
+          </a:solidFill>
+          <a:ln>
+            <a:noFill/>
+          </a:ln>
+        </p:spPr>
+        <p:style>
+          <a:lnRef idx="2">
+            <a:schemeClr val="accent1">
+              <a:shade val="15000"/>
+            </a:schemeClr>
+          </a:lnRef>
+          <a:fillRef idx="1">
+            <a:schemeClr val="accent1"/>
+          </a:fillRef>
+          <a:effectRef idx="0">
+            <a:schemeClr val="accent1"/>
+          </a:effectRef>
+          <a:fontRef idx="minor">
+            <a:schemeClr val="lt1"/>
+          </a:fontRef>
+        </p:style>
+        <p:txBody>
+          <a:bodyPr rtlCol="0" anchor="ctr"/>
+          <a:lstStyle/>
+          <a:p>
+            <a:pPr algn="ctr"/>
+            <a:endParaRPr lang="es-CO"/>
+          </a:p>
+        </p:txBody>
+      </p:sp>
+    </p:spTree>
+    <p:extLst>
+      <p:ext uri="{BB962C8B-B14F-4D97-AF65-F5344CB8AC3E}">
+        <p14:creationId xmlns:p14="http://schemas.microsoft.com/office/powerpoint/2010/main" val="1901973431"/>
+      </p:ext>
+    </p:extLst>
+  </p:cSld>
+  <p:clrMapOvr>
+    <a:masterClrMapping/>
+  </p:clrMapOvr>
+  <mc:AlternateContent xmlns:mc="http://schemas.openxmlformats.org/markup-compatibility/2006">
+    <mc:Choice xmlns:p159="http://schemas.microsoft.com/office/powerpoint/2015/09/main" Requires="p159">
+      <p:transition xmlns:p14="http://schemas.microsoft.com/office/powerpoint/2010/main" spd="slow" p14:dur="1500">
+        <p159:morph option="byObject"/>
+      </p:transition>
+    </mc:Choice>
+    <mc:Fallback>
+      <p:transition spd="slow">
+        <p:fade/>
+      </p:transition>
+    </mc:Fallback>
+  </mc:AlternateContent>
+</p:sld>
+</file>
+
+<file path=ppt/slides/slide8.xml><?xml version="1.0" encoding="utf-8"?>
+<p:sld xmlns:a="http://schemas.openxmlformats.org/drawingml/2006/main" xmlns:r="http://schemas.openxmlformats.org/officeDocument/2006/relationships" xmlns:p="http://schemas.openxmlformats.org/presentationml/2006/main">
+  <p:cSld>
+    <p:bg>
+      <p:bgPr>
+        <a:solidFill>
+          <a:schemeClr val="bg1"/>
+        </a:solidFill>
+        <a:effectLst/>
+      </p:bgPr>
+    </p:bg>
+    <p:spTree>
+      <p:nvGrpSpPr>
+        <p:cNvPr id="1" name=""/>
+        <p:cNvGrpSpPr/>
+        <p:nvPr/>
+      </p:nvGrpSpPr>
+      <p:grpSpPr>
+        <a:xfrm>
+          <a:off x="0" y="0"/>
+          <a:ext cx="0" cy="0"/>
+          <a:chOff x="0" y="0"/>
+          <a:chExt cx="0" cy="0"/>
+        </a:xfrm>
+      </p:grpSpPr>
+      <p:sp useBgFill="1">
+        <p:nvSpPr>
+          <p:cNvPr id="18" name="Rectangle 17">
+            <a:extLst>
+              <a:ext uri="{FF2B5EF4-FFF2-40B4-BE49-F238E27FC236}">
+                <a16:creationId xmlns:a16="http://schemas.microsoft.com/office/drawing/2014/main" id="{70155189-D96C-4527-B0EC-654B946BE615}"/>
+              </a:ext>
+              <a:ext uri="{C183D7F6-B498-43B3-948B-1728B52AA6E4}">
+                <adec:decorative xmlns:adec="http://schemas.microsoft.com/office/drawing/2017/decorative" val="1"/>
+              </a:ext>
+            </a:extLst>
+          </p:cNvPr>
+          <p:cNvSpPr>
+            <a:spLocks noGrp="1" noRot="1" noChangeAspect="1" noMove="1" noResize="1" noEditPoints="1" noAdjustHandles="1" noChangeArrowheads="1" noChangeShapeType="1" noTextEdit="1"/>
+          </p:cNvSpPr>
+          <p:nvPr>
+            <p:extLst>
+              <p:ext uri="{386F3935-93C4-4BCD-93E2-E3B085C9AB24}">
+                <p16:designElem xmlns:p16="http://schemas.microsoft.com/office/powerpoint/2015/main" val="1"/>
+              </p:ext>
+            </p:extLst>
+          </p:nvPr>
+        </p:nvSpPr>
+        <p:spPr>
+          <a:xfrm>
+            <a:off x="-1" y="0"/>
+            <a:ext cx="12188952" cy="6858000"/>
+          </a:xfrm>
+          <a:prstGeom prst="rect">
+            <a:avLst/>
+          </a:prstGeom>
+          <a:ln>
+            <a:noFill/>
+          </a:ln>
+        </p:spPr>
+        <p:style>
+          <a:lnRef idx="2">
+            <a:schemeClr val="accent1">
+              <a:shade val="50000"/>
+            </a:schemeClr>
+          </a:lnRef>
+          <a:fillRef idx="1">
+            <a:schemeClr val="accent1"/>
+          </a:fillRef>
+          <a:effectRef idx="0">
+            <a:schemeClr val="accent1"/>
+          </a:effectRef>
+          <a:fontRef idx="minor">
+            <a:schemeClr val="lt1"/>
+          </a:fontRef>
+        </p:style>
+        <p:txBody>
+          <a:bodyPr rtlCol="0" anchor="ctr"/>
+          <a:lstStyle/>
+          <a:p>
+            <a:pPr algn="ctr"/>
+            <a:endParaRPr lang="en-US"/>
+          </a:p>
+        </p:txBody>
+      </p:sp>
+      <p:sp>
+        <p:nvSpPr>
+          <p:cNvPr id="2" name="Título 1">
+            <a:extLst>
+              <a:ext uri="{FF2B5EF4-FFF2-40B4-BE49-F238E27FC236}">
+                <a16:creationId xmlns:a16="http://schemas.microsoft.com/office/drawing/2014/main" id="{BFF67CBC-1536-A090-A5B5-FE205F3AF4AD}"/>
+              </a:ext>
+            </a:extLst>
+          </p:cNvPr>
+          <p:cNvSpPr txBox="1">
+            <a:spLocks/>
+          </p:cNvSpPr>
+          <p:nvPr/>
+        </p:nvSpPr>
+        <p:spPr>
+          <a:xfrm>
+            <a:off x="-168227" y="93758"/>
+            <a:ext cx="9795637" cy="1104857"/>
+          </a:xfrm>
+          <a:prstGeom prst="rect">
+            <a:avLst/>
+          </a:prstGeom>
+        </p:spPr>
+        <p:txBody>
+          <a:bodyPr vert="horz" lIns="91440" tIns="45720" rIns="91440" bIns="45720" rtlCol="0" anchor="b">
+            <a:normAutofit/>
+          </a:bodyPr>
+          <a:lstStyle>
+            <a:lvl1pPr algn="l" defTabSz="914400" rtl="0" eaLnBrk="1" latinLnBrk="0" hangingPunct="1">
+              <a:lnSpc>
+                <a:spcPct val="90000"/>
+              </a:lnSpc>
+              <a:spcBef>
+                <a:spcPct val="0"/>
+              </a:spcBef>
+              <a:buNone/>
+              <a:defRPr sz="4400" kern="1200">
+                <a:solidFill>
+                  <a:schemeClr val="tx1"/>
+                </a:solidFill>
+                <a:latin typeface="+mj-lt"/>
+                <a:ea typeface="+mj-ea"/>
+                <a:cs typeface="+mj-cs"/>
+              </a:defRPr>
+            </a:lvl1pPr>
+          </a:lstStyle>
+          <a:p>
+            <a:pPr algn="ctr">
+              <a:spcAft>
+                <a:spcPts val="600"/>
+              </a:spcAft>
+            </a:pPr>
+            <a:r>
+              <a:rPr lang="en-US" sz="5200" dirty="0" err="1">
+                <a:latin typeface="Work Sans Light" pitchFamily="2" charset="0"/>
+              </a:rPr>
+              <a:t>Funcionalidades</a:t>
+            </a:r>
+            <a:r>
+              <a:rPr lang="en-US" sz="5200" dirty="0">
+                <a:latin typeface="Work Sans Light" pitchFamily="2" charset="0"/>
+              </a:rPr>
+              <a:t> </a:t>
+            </a:r>
+            <a:r>
+              <a:rPr lang="en-US" sz="5200" dirty="0" err="1">
+                <a:latin typeface="Work Sans Light" pitchFamily="2" charset="0"/>
+              </a:rPr>
+              <a:t>Generales</a:t>
+            </a:r>
+            <a:endParaRPr lang="en-US" sz="5200" dirty="0">
+              <a:latin typeface="Work Sans Light" pitchFamily="2" charset="0"/>
+            </a:endParaRPr>
+          </a:p>
+        </p:txBody>
+      </p:sp>
+      <p:pic>
+        <p:nvPicPr>
+          <p:cNvPr id="13" name="Imagen 12" descr="Interfaz de usuario gráfica, Sitio web&#10;&#10;Descripción generada automáticamente">
+            <a:extLst>
+              <a:ext uri="{FF2B5EF4-FFF2-40B4-BE49-F238E27FC236}">
+                <a16:creationId xmlns:a16="http://schemas.microsoft.com/office/drawing/2014/main" id="{B68A6CBF-8F68-D73E-583A-13BA57780EA8}"/>
+              </a:ext>
+            </a:extLst>
+          </p:cNvPr>
+          <p:cNvPicPr>
+            <a:picLocks noChangeAspect="1"/>
+          </p:cNvPicPr>
+          <p:nvPr/>
+        </p:nvPicPr>
+        <p:blipFill>
+          <a:blip r:embed="rId2"/>
+          <a:stretch>
+            <a:fillRect/>
+          </a:stretch>
+        </p:blipFill>
+        <p:spPr>
+          <a:xfrm>
+            <a:off x="194099" y="2962653"/>
+            <a:ext cx="3797536" cy="3161448"/>
+          </a:xfrm>
+          <a:prstGeom prst="rect">
+            <a:avLst/>
+          </a:prstGeom>
+        </p:spPr>
+      </p:pic>
+      <p:pic>
+        <p:nvPicPr>
+          <p:cNvPr id="4" name="Imagen 3" descr="Interfaz de usuario gráfica, Aplicación&#10;&#10;Descripción generada automáticamente">
+            <a:extLst>
+              <a:ext uri="{FF2B5EF4-FFF2-40B4-BE49-F238E27FC236}">
+                <a16:creationId xmlns:a16="http://schemas.microsoft.com/office/drawing/2014/main" id="{E7C56827-3FF4-FC53-1BDE-E5BE5A69408A}"/>
+              </a:ext>
+            </a:extLst>
+          </p:cNvPr>
+          <p:cNvPicPr>
+            <a:picLocks noChangeAspect="1"/>
+          </p:cNvPicPr>
+          <p:nvPr/>
+        </p:nvPicPr>
+        <p:blipFill>
+          <a:blip r:embed="rId3"/>
+          <a:stretch>
+            <a:fillRect/>
+          </a:stretch>
+        </p:blipFill>
+        <p:spPr>
+          <a:xfrm>
+            <a:off x="4193386" y="3275950"/>
+            <a:ext cx="3797536" cy="2534855"/>
+          </a:xfrm>
+          <a:prstGeom prst="rect">
+            <a:avLst/>
+          </a:prstGeom>
+        </p:spPr>
+      </p:pic>
+      <p:pic>
+        <p:nvPicPr>
+          <p:cNvPr id="10" name="Imagen 9" descr="Diagrama&#10;&#10;Descripción generada automáticamente">
+            <a:extLst>
+              <a:ext uri="{FF2B5EF4-FFF2-40B4-BE49-F238E27FC236}">
+                <a16:creationId xmlns:a16="http://schemas.microsoft.com/office/drawing/2014/main" id="{99DAB4D7-A48D-A566-3ADD-A8AC2828557C}"/>
+              </a:ext>
+            </a:extLst>
+          </p:cNvPr>
+          <p:cNvPicPr>
+            <a:picLocks noChangeAspect="1"/>
+          </p:cNvPicPr>
+          <p:nvPr/>
+        </p:nvPicPr>
+        <p:blipFill>
+          <a:blip r:embed="rId4"/>
+          <a:stretch>
+            <a:fillRect/>
+          </a:stretch>
+        </p:blipFill>
+        <p:spPr>
+          <a:xfrm>
+            <a:off x="8192673" y="3280697"/>
+            <a:ext cx="3797536" cy="2525361"/>
+          </a:xfrm>
+          <a:prstGeom prst="rect">
+            <a:avLst/>
+          </a:prstGeom>
+        </p:spPr>
+      </p:pic>
+      <p:grpSp>
+        <p:nvGrpSpPr>
+          <p:cNvPr id="5" name="Grupo 4">
+            <a:extLst>
+              <a:ext uri="{FF2B5EF4-FFF2-40B4-BE49-F238E27FC236}">
+                <a16:creationId xmlns:a16="http://schemas.microsoft.com/office/drawing/2014/main" id="{87F15CCC-BB82-59EA-4A20-23BA12652E01}"/>
+              </a:ext>
+            </a:extLst>
+          </p:cNvPr>
+          <p:cNvGrpSpPr/>
+          <p:nvPr/>
+        </p:nvGrpSpPr>
+        <p:grpSpPr>
+          <a:xfrm>
+            <a:off x="9810053" y="282242"/>
+            <a:ext cx="1161783" cy="916373"/>
+            <a:chOff x="2592360" y="1419046"/>
+            <a:chExt cx="3959280" cy="3122940"/>
+          </a:xfrm>
+        </p:grpSpPr>
+        <p:pic>
+          <p:nvPicPr>
+            <p:cNvPr id="6" name="Gráfico 5">
+              <a:extLst>
+                <a:ext uri="{FF2B5EF4-FFF2-40B4-BE49-F238E27FC236}">
+                  <a16:creationId xmlns:a16="http://schemas.microsoft.com/office/drawing/2014/main" id="{DA6F0839-692B-5F43-3B85-C194DD260823}"/>
+                </a:ext>
+              </a:extLst>
+            </p:cNvPr>
+            <p:cNvPicPr>
+              <a:picLocks noChangeAspect="1"/>
+            </p:cNvPicPr>
+            <p:nvPr/>
+          </p:nvPicPr>
+          <p:blipFill>
+            <a:blip r:embed="rId5">
+              <a:extLst>
+                <a:ext uri="{96DAC541-7B7A-43D3-8B79-37D633B846F1}">
+                  <asvg:svgBlip xmlns:asvg="http://schemas.microsoft.com/office/drawing/2016/SVG/main" r:embed="rId6"/>
+                </a:ext>
+              </a:extLst>
+            </a:blip>
+            <a:stretch>
+              <a:fillRect/>
+            </a:stretch>
+          </p:blipFill>
+          <p:spPr>
+            <a:xfrm>
+              <a:off x="4011588" y="1419046"/>
+              <a:ext cx="1120824" cy="1895654"/>
+            </a:xfrm>
+            <a:prstGeom prst="rect">
+              <a:avLst/>
+            </a:prstGeom>
+          </p:spPr>
+        </p:pic>
+        <p:pic>
+          <p:nvPicPr>
+            <p:cNvPr id="7" name="Imagen 6">
+              <a:extLst>
+                <a:ext uri="{FF2B5EF4-FFF2-40B4-BE49-F238E27FC236}">
+                  <a16:creationId xmlns:a16="http://schemas.microsoft.com/office/drawing/2014/main" id="{F276B70A-17B6-E584-6037-CA89F33ED727}"/>
+                </a:ext>
+              </a:extLst>
+            </p:cNvPr>
+            <p:cNvPicPr>
+              <a:picLocks noChangeAspect="1"/>
+            </p:cNvPicPr>
+            <p:nvPr/>
+          </p:nvPicPr>
+          <p:blipFill>
+            <a:blip r:embed="rId7">
+              <a:extLst>
+                <a:ext uri="{BEBA8EAE-BF5A-486C-A8C5-ECC9F3942E4B}">
+                  <a14:imgProps xmlns:a14="http://schemas.microsoft.com/office/drawing/2010/main">
+                    <a14:imgLayer r:embed="rId8">
                       <a14:imgEffect>
                         <a14:backgroundRemoval t="9582" b="89681" l="4950" r="94364">
                           <a14:foregroundMark x1="94440" y1="36364" x2="92007" y2="38843"/>
@@ -8487,10 +11243,10 @@
       </p:grpSp>
       <p:pic>
         <p:nvPicPr>
-          <p:cNvPr id="8" name="Imagen 7">
-            <a:extLst>
-              <a:ext uri="{FF2B5EF4-FFF2-40B4-BE49-F238E27FC236}">
-                <a16:creationId xmlns:a16="http://schemas.microsoft.com/office/drawing/2014/main" id="{3F5F1C24-A7E5-B692-E71E-7C795B5C90A5}"/>
+          <p:cNvPr id="15" name="Imagen 14">
+            <a:extLst>
+              <a:ext uri="{FF2B5EF4-FFF2-40B4-BE49-F238E27FC236}">
+                <a16:creationId xmlns:a16="http://schemas.microsoft.com/office/drawing/2014/main" id="{10AC7D15-0587-E85C-3958-484D47F42315}"/>
               </a:ext>
             </a:extLst>
           </p:cNvPr>
@@ -8500,426 +11256,25 @@
           <p:nvPr/>
         </p:nvPicPr>
         <p:blipFill>
-          <a:blip r:embed="rId7"/>
+          <a:blip r:embed="rId9"/>
           <a:stretch>
             <a:fillRect/>
           </a:stretch>
         </p:blipFill>
         <p:spPr>
           <a:xfrm>
-            <a:off x="4086225" y="2162174"/>
-            <a:ext cx="4243388" cy="2828925"/>
+            <a:off x="10993818" y="203724"/>
+            <a:ext cx="946122" cy="994891"/>
           </a:xfrm>
           <a:prstGeom prst="rect">
             <a:avLst/>
           </a:prstGeom>
-          <a:ln>
-            <a:noFill/>
-          </a:ln>
-          <a:effectLst>
-            <a:outerShdw blurRad="292100" dist="139700" dir="2700000" algn="tl" rotWithShape="0">
-              <a:srgbClr val="333333">
-                <a:alpha val="65000"/>
-              </a:srgbClr>
-            </a:outerShdw>
-          </a:effectLst>
-        </p:spPr>
-      </p:pic>
-      <p:pic>
-        <p:nvPicPr>
-          <p:cNvPr id="11" name="Imagen 10" descr="Icono&#10;&#10;Descripción generada automáticamente">
-            <a:extLst>
-              <a:ext uri="{FF2B5EF4-FFF2-40B4-BE49-F238E27FC236}">
-                <a16:creationId xmlns:a16="http://schemas.microsoft.com/office/drawing/2014/main" id="{EF2F722B-F320-28E7-D046-AED1C2499F81}"/>
-              </a:ext>
-            </a:extLst>
-          </p:cNvPr>
-          <p:cNvPicPr>
-            <a:picLocks noChangeAspect="1"/>
-          </p:cNvPicPr>
-          <p:nvPr/>
-        </p:nvPicPr>
-        <p:blipFill>
-          <a:blip r:embed="rId8">
-            <a:extLst>
-              <a:ext uri="{BEBA8EAE-BF5A-486C-A8C5-ECC9F3942E4B}">
-                <a14:imgProps xmlns:a14="http://schemas.microsoft.com/office/drawing/2010/main">
-                  <a14:imgLayer r:embed="rId9">
-                    <a14:imgEffect>
-                      <a14:backgroundRemoval t="10000" b="90000" l="10000" r="90000"/>
-                    </a14:imgEffect>
-                  </a14:imgLayer>
-                </a14:imgProps>
-              </a:ext>
-            </a:extLst>
-          </a:blip>
-          <a:stretch>
-            <a:fillRect/>
-          </a:stretch>
-        </p:blipFill>
-        <p:spPr>
-          <a:xfrm>
-            <a:off x="9002812" y="1757040"/>
-            <a:ext cx="1552576" cy="1552576"/>
-          </a:xfrm>
-          <a:prstGeom prst="rect">
-            <a:avLst/>
-          </a:prstGeom>
-          <a:ln>
-            <a:noFill/>
-          </a:ln>
-          <a:effectLst>
-            <a:outerShdw blurRad="292100" dist="139700" dir="2700000" algn="tl" rotWithShape="0">
-              <a:srgbClr val="333333">
-                <a:alpha val="65000"/>
-              </a:srgbClr>
-            </a:outerShdw>
-          </a:effectLst>
-        </p:spPr>
-      </p:pic>
-      <p:pic>
-        <p:nvPicPr>
-          <p:cNvPr id="13" name="Imagen 12" descr="Icono&#10;&#10;Descripción generada automáticamente">
-            <a:extLst>
-              <a:ext uri="{FF2B5EF4-FFF2-40B4-BE49-F238E27FC236}">
-                <a16:creationId xmlns:a16="http://schemas.microsoft.com/office/drawing/2014/main" id="{65C63DDB-74EE-0D67-08E0-27B55A31F879}"/>
-              </a:ext>
-            </a:extLst>
-          </p:cNvPr>
-          <p:cNvPicPr>
-            <a:picLocks noChangeAspect="1"/>
-          </p:cNvPicPr>
-          <p:nvPr/>
-        </p:nvPicPr>
-        <p:blipFill>
-          <a:blip r:embed="rId10">
-            <a:extLst>
-              <a:ext uri="{BEBA8EAE-BF5A-486C-A8C5-ECC9F3942E4B}">
-                <a14:imgProps xmlns:a14="http://schemas.microsoft.com/office/drawing/2010/main">
-                  <a14:imgLayer r:embed="rId11">
-                    <a14:imgEffect>
-                      <a14:backgroundRemoval t="9778" b="89778" l="7556" r="91111">
-                        <a14:foregroundMark x1="8000" y1="14667" x2="7556" y2="71556"/>
-                        <a14:foregroundMark x1="91111" y1="13778" x2="90222" y2="68889"/>
-                        <a14:backgroundMark x1="7111" y1="72889" x2="7111" y2="72889"/>
-                        <a14:backgroundMark x1="7556" y1="72889" x2="8000" y2="72444"/>
-                        <a14:backgroundMark x1="7556" y1="72889" x2="6667" y2="72889"/>
-                        <a14:backgroundMark x1="7556" y1="72444" x2="6667" y2="72444"/>
-                      </a14:backgroundRemoval>
-                    </a14:imgEffect>
-                  </a14:imgLayer>
-                </a14:imgProps>
-              </a:ext>
-            </a:extLst>
-          </a:blip>
-          <a:stretch>
-            <a:fillRect/>
-          </a:stretch>
-        </p:blipFill>
-        <p:spPr>
-          <a:xfrm>
-            <a:off x="2082741" y="1386061"/>
-            <a:ext cx="1411388" cy="1411388"/>
-          </a:xfrm>
-          <a:prstGeom prst="rect">
-            <a:avLst/>
-          </a:prstGeom>
-          <a:ln>
-            <a:noFill/>
-          </a:ln>
-          <a:effectLst>
-            <a:outerShdw blurRad="292100" dist="139700" dir="2700000" algn="tl" rotWithShape="0">
-              <a:srgbClr val="333333">
-                <a:alpha val="65000"/>
-              </a:srgbClr>
-            </a:outerShdw>
-          </a:effectLst>
-        </p:spPr>
-      </p:pic>
-      <p:pic>
-        <p:nvPicPr>
-          <p:cNvPr id="17" name="Imagen 16" descr="Icono&#10;&#10;Descripción generada automáticamente">
-            <a:extLst>
-              <a:ext uri="{FF2B5EF4-FFF2-40B4-BE49-F238E27FC236}">
-                <a16:creationId xmlns:a16="http://schemas.microsoft.com/office/drawing/2014/main" id="{DB96041C-3B28-F95C-2425-DF3816DE44CF}"/>
-              </a:ext>
-            </a:extLst>
-          </p:cNvPr>
-          <p:cNvPicPr>
-            <a:picLocks noChangeAspect="1"/>
-          </p:cNvPicPr>
-          <p:nvPr/>
-        </p:nvPicPr>
-        <p:blipFill>
-          <a:blip r:embed="rId12">
-            <a:extLst>
-              <a:ext uri="{BEBA8EAE-BF5A-486C-A8C5-ECC9F3942E4B}">
-                <a14:imgProps xmlns:a14="http://schemas.microsoft.com/office/drawing/2010/main">
-                  <a14:imgLayer r:embed="rId13">
-                    <a14:imgEffect>
-                      <a14:backgroundRemoval t="920" b="89962" l="2000" r="97308">
-                        <a14:foregroundMark x1="2261" y1="38055" x2="2000" y2="35709"/>
-                        <a14:foregroundMark x1="4706" y1="60051" x2="4080" y2="54426"/>
-                        <a14:foregroundMark x1="7000" y1="80690" x2="6220" y2="73677"/>
-                        <a14:foregroundMark x1="13593" y1="26997" x2="15154" y2="25824"/>
-                        <a14:foregroundMark x1="2000" y1="35709" x2="2954" y2="34992"/>
-                        <a14:foregroundMark x1="33026" y1="1822" x2="49538" y2="536"/>
-                        <a14:foregroundMark x1="16077" y1="3142" x2="17469" y2="3033"/>
-                        <a14:foregroundMark x1="49538" y1="536" x2="75231" y2="996"/>
-                        <a14:foregroundMark x1="82652" y1="16905" x2="83846" y2="19464"/>
-                        <a14:foregroundMark x1="75231" y1="996" x2="75689" y2="1977"/>
-                        <a14:foregroundMark x1="83846" y1="19464" x2="83538" y2="29119"/>
-                        <a14:foregroundMark x1="97212" y1="51002" x2="97308" y2="51494"/>
-                        <a14:foregroundMark x1="92769" y1="28352" x2="93419" y2="31665"/>
-                        <a14:foregroundMark x1="42627" y1="20714" x2="42435" y2="18259"/>
-                        <a14:foregroundMark x1="43385" y1="30421" x2="43109" y2="26884"/>
-                        <a14:foregroundMark x1="51752" y1="31716" x2="50769" y2="33640"/>
-                        <a14:foregroundMark x1="59615" y1="16322" x2="57921" y2="19639"/>
-                        <a14:foregroundMark x1="50769" y1="33640" x2="44000" y2="30192"/>
-                        <a14:foregroundMark x1="72060" y1="68911" x2="73000" y2="68889"/>
-                        <a14:foregroundMark x1="27154" y1="69962" x2="38813" y2="69689"/>
-                        <a14:foregroundMark x1="63923" y1="76245" x2="51606" y2="76506"/>
-                        <a14:foregroundMark x1="36769" y1="81609" x2="62000" y2="80843"/>
-                        <a14:foregroundMark x1="62000" y1="80843" x2="63385" y2="80843"/>
-                        <a14:foregroundMark x1="65231" y1="89349" x2="74077" y2="88046"/>
-                        <a14:foregroundMark x1="20692" y1="17165" x2="21362" y2="16506"/>
-                        <a14:backgroundMark x1="56923" y1="12720" x2="44692" y2="11264"/>
-                        <a14:backgroundMark x1="45231" y1="13640" x2="42692" y2="15479"/>
-                        <a14:backgroundMark x1="58000" y1="16552" x2="50077" y2="14023"/>
-                        <a14:backgroundMark x1="57846" y1="15862" x2="58000" y2="17165"/>
-                        <a14:backgroundMark x1="58385" y1="17701" x2="58385" y2="18391"/>
-                        <a14:backgroundMark x1="42846" y1="11418" x2="41923" y2="16782"/>
-                        <a14:backgroundMark x1="47308" y1="12720" x2="49923" y2="13257"/>
-                        <a14:backgroundMark x1="49000" y1="11801" x2="41538" y2="11264"/>
-                        <a14:backgroundMark x1="43615" y1="11264" x2="41769" y2="18084"/>
-                        <a14:backgroundMark x1="58769" y1="17471" x2="58615" y2="17471"/>
-                        <a14:backgroundMark x1="75385" y1="5134" x2="80769" y2="15249"/>
-                        <a14:backgroundMark x1="80231" y1="10651" x2="76154" y2="4751"/>
-                        <a14:backgroundMark x1="75385" y1="2912" x2="78154" y2="7586"/>
-                        <a14:backgroundMark x1="81538" y1="9579" x2="81308" y2="18238"/>
-                        <a14:backgroundMark x1="73769" y1="3525" x2="75769" y2="2912"/>
-                        <a14:backgroundMark x1="18846" y1="2912" x2="32692" y2="2912"/>
-                        <a14:backgroundMark x1="30846" y1="2605" x2="18308" y2="2759"/>
-                        <a14:backgroundMark x1="25462" y1="2912" x2="31385" y2="2375"/>
-                        <a14:backgroundMark x1="34000" y1="3142" x2="32154" y2="2375"/>
-                        <a14:backgroundMark x1="19385" y1="2759" x2="17923" y2="3525"/>
-                        <a14:backgroundMark x1="22154" y1="16935" x2="33769" y2="6820"/>
-                        <a14:backgroundMark x1="32846" y1="6667" x2="26077" y2="10115"/>
-                        <a14:backgroundMark x1="25077" y1="11418" x2="22154" y2="15632"/>
-                        <a14:backgroundMark x1="23615" y1="15249" x2="32154" y2="5747"/>
-                        <a14:backgroundMark x1="25077" y1="12720" x2="21769" y2="16782"/>
-                        <a14:backgroundMark x1="11077" y1="28736" x2="2923" y2="47969"/>
-                        <a14:backgroundMark x1="2923" y1="47969" x2="3846" y2="54483"/>
-                        <a14:backgroundMark x1="9000" y1="28736" x2="4385" y2="36322"/>
-                        <a14:backgroundMark x1="6846" y1="31648" x2="3077" y2="46820"/>
-                        <a14:backgroundMark x1="6462" y1="36475" x2="11769" y2="27433"/>
-                        <a14:backgroundMark x1="13308" y1="28352" x2="12154" y2="27969"/>
-                        <a14:backgroundMark x1="13308" y1="27433" x2="11769" y2="27816"/>
-                        <a14:backgroundMark x1="13308" y1="27433" x2="11462" y2="27969"/>
-                        <a14:backgroundMark x1="13846" y1="27280" x2="11615" y2="28352"/>
-                        <a14:backgroundMark x1="13615" y1="27280" x2="11615" y2="28199"/>
-                        <a14:backgroundMark x1="14231" y1="27280" x2="2077" y2="41456"/>
-                        <a14:backgroundMark x1="2077" y1="41456" x2="3308" y2="52644"/>
-                        <a14:backgroundMark x1="4000" y1="55249" x2="3692" y2="51954"/>
-                        <a14:backgroundMark x1="4615" y1="53257" x2="4385" y2="54483"/>
-                        <a14:backgroundMark x1="4000" y1="50498" x2="3308" y2="35172"/>
-                        <a14:backgroundMark x1="4923" y1="35172" x2="3692" y2="35709"/>
-                        <a14:backgroundMark x1="4231" y1="38314" x2="2538" y2="39387"/>
-                        <a14:backgroundMark x1="2385" y1="38697" x2="2385" y2="37548"/>
-                        <a14:backgroundMark x1="13615" y1="27663" x2="13308" y2="27433"/>
-                        <a14:backgroundMark x1="3462" y1="52107" x2="4769" y2="54176"/>
-                        <a14:backgroundMark x1="3692" y1="61303" x2="6231" y2="72031"/>
-                        <a14:backgroundMark x1="4615" y1="61686" x2="3846" y2="59157"/>
-                        <a14:backgroundMark x1="5538" y1="67969" x2="5308" y2="73640"/>
-                        <a14:backgroundMark x1="3462" y1="59847" x2="3846" y2="60230"/>
-                        <a14:backgroundMark x1="4000" y1="61686" x2="4615" y2="60613"/>
-                        <a14:backgroundMark x1="41923" y1="24138" x2="43077" y2="26897"/>
-                        <a14:backgroundMark x1="58000" y1="22835" x2="58615" y2="23602"/>
-                        <a14:backgroundMark x1="55615" y1="22989" x2="55231" y2="26743"/>
-                        <a14:backgroundMark x1="92385" y1="32031" x2="96769" y2="51954"/>
-                        <a14:backgroundMark x1="96769" y1="51954" x2="92231" y2="57854"/>
-                        <a14:backgroundMark x1="92769" y1="31877" x2="95769" y2="40690"/>
-                        <a14:backgroundMark x1="95769" y1="40690" x2="93000" y2="31111"/>
-                        <a14:backgroundMark x1="95923" y1="40307" x2="96308" y2="51034"/>
-                        <a14:backgroundMark x1="91846" y1="59157" x2="92385" y2="58927"/>
-                        <a14:backgroundMark x1="92077" y1="29655" x2="93923" y2="31648"/>
-                        <a14:backgroundMark x1="91846" y1="30038" x2="93923" y2="31494"/>
-                        <a14:backgroundMark x1="54308" y1="27969" x2="52308" y2="30192"/>
-                        <a14:backgroundMark x1="54154" y1="30038" x2="51154" y2="30958"/>
-                        <a14:backgroundMark x1="54308" y1="27280" x2="57308" y2="21533"/>
-                        <a14:backgroundMark x1="40615" y1="23218" x2="42308" y2="22989"/>
-                        <a14:backgroundMark x1="56538" y1="21762" x2="42692" y2="22069"/>
-                        <a14:backgroundMark x1="58769" y1="17854" x2="58923" y2="18391"/>
-                        <a14:backgroundMark x1="56000" y1="22069" x2="56538" y2="21916"/>
-                        <a14:backgroundMark x1="43385" y1="22299" x2="42462" y2="21762"/>
-                        <a14:backgroundMark x1="42462" y1="22835" x2="42692" y2="24138"/>
-                        <a14:backgroundMark x1="42846" y1="20230" x2="43231" y2="20996"/>
-                        <a14:backgroundMark x1="42692" y1="20843" x2="43077" y2="20996"/>
-                        <a14:backgroundMark x1="42308" y1="20613" x2="42462" y2="20613"/>
-                        <a14:backgroundMark x1="42462" y1="20613" x2="42462" y2="20613"/>
-                        <a14:backgroundMark x1="42462" y1="20613" x2="42462" y2="20613"/>
-                        <a14:backgroundMark x1="42462" y1="20613" x2="42462" y2="20613"/>
-                        <a14:backgroundMark x1="42462" y1="20613" x2="43615" y2="20613"/>
-                        <a14:backgroundMark x1="42846" y1="20613" x2="42846" y2="20613"/>
-                        <a14:backgroundMark x1="43538" y1="27739" x2="43308" y2="27510"/>
-                        <a14:backgroundMark x1="57000" y1="21456" x2="57308" y2="21303"/>
-                        <a14:backgroundMark x1="72385" y1="69425" x2="47846" y2="68889"/>
-                        <a14:backgroundMark x1="48692" y1="69502" x2="38231" y2="68736"/>
-                        <a14:backgroundMark x1="51923" y1="77011" x2="35308" y2="76552"/>
-                      </a14:backgroundRemoval>
-                    </a14:imgEffect>
-                  </a14:imgLayer>
-                </a14:imgProps>
-              </a:ext>
-            </a:extLst>
-          </a:blip>
-          <a:stretch>
-            <a:fillRect/>
-          </a:stretch>
-        </p:blipFill>
-        <p:spPr>
-          <a:xfrm>
-            <a:off x="10333097" y="2874168"/>
-            <a:ext cx="1552576" cy="1558547"/>
-          </a:xfrm>
-          <a:prstGeom prst="rect">
-            <a:avLst/>
-          </a:prstGeom>
-          <a:ln>
-            <a:noFill/>
-          </a:ln>
-          <a:effectLst>
-            <a:outerShdw blurRad="292100" dist="139700" dir="2700000" algn="tl" rotWithShape="0">
-              <a:srgbClr val="333333">
-                <a:alpha val="65000"/>
-              </a:srgbClr>
-            </a:outerShdw>
-          </a:effectLst>
-        </p:spPr>
-      </p:pic>
-      <p:pic>
-        <p:nvPicPr>
-          <p:cNvPr id="19" name="Imagen 18" descr="Una caricatura de una persona&#10;&#10;Descripción generada automáticamente con confianza baja">
-            <a:extLst>
-              <a:ext uri="{FF2B5EF4-FFF2-40B4-BE49-F238E27FC236}">
-                <a16:creationId xmlns:a16="http://schemas.microsoft.com/office/drawing/2014/main" id="{A13F6053-6AFE-98B8-6EF6-7A9252A0B0A9}"/>
-              </a:ext>
-            </a:extLst>
-          </p:cNvPr>
-          <p:cNvPicPr>
-            <a:picLocks noChangeAspect="1"/>
-          </p:cNvPicPr>
-          <p:nvPr/>
-        </p:nvPicPr>
-        <p:blipFill>
-          <a:blip r:embed="rId14"/>
-          <a:stretch>
-            <a:fillRect/>
-          </a:stretch>
-        </p:blipFill>
-        <p:spPr>
-          <a:xfrm>
-            <a:off x="456236" y="3279452"/>
-            <a:ext cx="2941866" cy="1029653"/>
-          </a:xfrm>
-          <a:prstGeom prst="rect">
-            <a:avLst/>
-          </a:prstGeom>
-          <a:ln>
-            <a:noFill/>
-          </a:ln>
-          <a:effectLst>
-            <a:outerShdw blurRad="292100" dist="139700" dir="2700000" algn="tl" rotWithShape="0">
-              <a:srgbClr val="333333">
-                <a:alpha val="65000"/>
-              </a:srgbClr>
-            </a:outerShdw>
-          </a:effectLst>
-        </p:spPr>
-      </p:pic>
-      <p:pic>
-        <p:nvPicPr>
-          <p:cNvPr id="21" name="Imagen 20" descr="Un dibujo de un perro&#10;&#10;Descripción generada automáticamente con confianza media">
-            <a:extLst>
-              <a:ext uri="{FF2B5EF4-FFF2-40B4-BE49-F238E27FC236}">
-                <a16:creationId xmlns:a16="http://schemas.microsoft.com/office/drawing/2014/main" id="{5AD31830-AB41-05A4-19B3-21B7F3E63D02}"/>
-              </a:ext>
-            </a:extLst>
-          </p:cNvPr>
-          <p:cNvPicPr>
-            <a:picLocks noChangeAspect="1"/>
-          </p:cNvPicPr>
-          <p:nvPr/>
-        </p:nvPicPr>
-        <p:blipFill rotWithShape="1">
-          <a:blip r:embed="rId15"/>
-          <a:srcRect l="4158" r="41182"/>
-          <a:stretch/>
-        </p:blipFill>
-        <p:spPr>
-          <a:xfrm>
-            <a:off x="8808735" y="4460577"/>
-            <a:ext cx="2029268" cy="1939699"/>
-          </a:xfrm>
-          <a:prstGeom prst="rect">
-            <a:avLst/>
-          </a:prstGeom>
-          <a:ln>
-            <a:noFill/>
-          </a:ln>
-          <a:effectLst>
-            <a:outerShdw blurRad="292100" dist="139700" dir="2700000" algn="tl" rotWithShape="0">
-              <a:srgbClr val="333333">
-                <a:alpha val="65000"/>
-              </a:srgbClr>
-            </a:outerShdw>
-          </a:effectLst>
-        </p:spPr>
-      </p:pic>
-      <p:pic>
-        <p:nvPicPr>
-          <p:cNvPr id="23" name="Imagen 22">
-            <a:extLst>
-              <a:ext uri="{FF2B5EF4-FFF2-40B4-BE49-F238E27FC236}">
-                <a16:creationId xmlns:a16="http://schemas.microsoft.com/office/drawing/2014/main" id="{0F712998-7E05-A7BE-1805-7DC8BBA3A2D3}"/>
-              </a:ext>
-            </a:extLst>
-          </p:cNvPr>
-          <p:cNvPicPr>
-            <a:picLocks noChangeAspect="1"/>
-          </p:cNvPicPr>
-          <p:nvPr/>
-        </p:nvPicPr>
-        <p:blipFill>
-          <a:blip r:embed="rId16"/>
-          <a:stretch>
-            <a:fillRect/>
-          </a:stretch>
-        </p:blipFill>
-        <p:spPr>
-          <a:xfrm>
-            <a:off x="1221636" y="4747769"/>
-            <a:ext cx="2176466" cy="1448339"/>
-          </a:xfrm>
-          <a:prstGeom prst="rect">
-            <a:avLst/>
-          </a:prstGeom>
-          <a:ln>
-            <a:noFill/>
-          </a:ln>
-          <a:effectLst>
-            <a:outerShdw blurRad="292100" dist="139700" dir="2700000" algn="tl" rotWithShape="0">
-              <a:srgbClr val="333333">
-                <a:alpha val="65000"/>
-              </a:srgbClr>
-            </a:outerShdw>
-          </a:effectLst>
         </p:spPr>
       </p:pic>
     </p:spTree>
     <p:extLst>
       <p:ext uri="{BB962C8B-B14F-4D97-AF65-F5344CB8AC3E}">
-        <p14:creationId xmlns:p14="http://schemas.microsoft.com/office/powerpoint/2010/main" val="3740961733"/>
+        <p14:creationId xmlns:p14="http://schemas.microsoft.com/office/powerpoint/2010/main" val="3002877777"/>
       </p:ext>
     </p:extLst>
   </p:cSld>
@@ -8928,7 +11283,7 @@
   </p:clrMapOvr>
   <mc:AlternateContent xmlns:mc="http://schemas.openxmlformats.org/markup-compatibility/2006">
     <mc:Choice xmlns:p159="http://schemas.microsoft.com/office/powerpoint/2015/09/main" Requires="p159">
-      <p:transition xmlns:p14="http://schemas.microsoft.com/office/powerpoint/2010/main" spd="slow" p14:dur="2000">
+      <p:transition xmlns:p14="http://schemas.microsoft.com/office/powerpoint/2010/main" spd="slow" p14:dur="1500">
         <p159:morph option="byObject"/>
       </p:transition>
     </mc:Choice>
@@ -8941,7 +11296,7 @@
 </p:sld>
 </file>
 
-<file path=ppt/slides/slide8.xml><?xml version="1.0" encoding="utf-8"?>
+<file path=ppt/slides/slide9.xml><?xml version="1.0" encoding="utf-8"?>
 <p:sld xmlns:a="http://schemas.openxmlformats.org/drawingml/2006/main" xmlns:r="http://schemas.openxmlformats.org/officeDocument/2006/relationships" xmlns:p="http://schemas.openxmlformats.org/presentationml/2006/main">
   <p:cSld>
     <p:bg>
@@ -9028,7 +11383,7 @@
                     <a:lumOff val="5000"/>
                   </a:schemeClr>
                 </a:solidFill>
-                <a:latin typeface="Work Sans Medium" pitchFamily="2" charset="77"/>
+                <a:latin typeface="Work Sans Light" pitchFamily="2" charset="0"/>
               </a:rPr>
               <a:t>Herramientas de trabajo</a:t>
             </a:r>
@@ -9251,302 +11606,13 @@
   <p:clrMapOvr>
     <a:masterClrMapping/>
   </p:clrMapOvr>
-  <mc:AlternateContent xmlns:mc="http://schemas.openxmlformats.org/markup-compatibility/2006" xmlns:p159="http://schemas.microsoft.com/office/powerpoint/2015/09/main">
-    <mc:Choice Requires="p159">
-      <p:transition xmlns:p14="http://schemas.microsoft.com/office/powerpoint/2010/main" spd="slow" p14:dur="2000">
+  <mc:AlternateContent xmlns:mc="http://schemas.openxmlformats.org/markup-compatibility/2006">
+    <mc:Choice xmlns:p159="http://schemas.microsoft.com/office/powerpoint/2015/09/main" Requires="p159">
+      <p:transition xmlns:p14="http://schemas.microsoft.com/office/powerpoint/2010/main" spd="slow" p14:dur="1500">
         <p159:morph option="byObject"/>
       </p:transition>
     </mc:Choice>
-    <mc:Fallback xmlns="">
-      <p:transition spd="slow">
-        <p:fade/>
-      </p:transition>
-    </mc:Fallback>
-  </mc:AlternateContent>
-</p:sld>
-</file>
-
-<file path=ppt/slides/slide9.xml><?xml version="1.0" encoding="utf-8"?>
-<p:sld xmlns:a="http://schemas.openxmlformats.org/drawingml/2006/main" xmlns:r="http://schemas.openxmlformats.org/officeDocument/2006/relationships" xmlns:p="http://schemas.openxmlformats.org/presentationml/2006/main">
-  <p:cSld>
-    <p:bg>
-      <p:bgPr>
-        <a:blipFill>
-          <a:blip r:embed="rId2" cstate="email">
-            <a:extLst>
-              <a:ext uri="{28A0092B-C50C-407E-A947-70E740481C1C}">
-                <a14:useLocalDpi xmlns:a14="http://schemas.microsoft.com/office/drawing/2010/main"/>
-              </a:ext>
-            </a:extLst>
-          </a:blip>
-          <a:stretch>
-            <a:fillRect/>
-          </a:stretch>
-        </a:blipFill>
-        <a:effectLst/>
-      </p:bgPr>
-    </p:bg>
-    <p:spTree>
-      <p:nvGrpSpPr>
-        <p:cNvPr id="1" name=""/>
-        <p:cNvGrpSpPr/>
-        <p:nvPr/>
-      </p:nvGrpSpPr>
-      <p:grpSpPr>
-        <a:xfrm>
-          <a:off x="0" y="0"/>
-          <a:ext cx="0" cy="0"/>
-          <a:chOff x="0" y="0"/>
-          <a:chExt cx="0" cy="0"/>
-        </a:xfrm>
-      </p:grpSpPr>
-      <p:grpSp>
-        <p:nvGrpSpPr>
-          <p:cNvPr id="5" name="Grupo 4">
-            <a:extLst>
-              <a:ext uri="{FF2B5EF4-FFF2-40B4-BE49-F238E27FC236}">
-                <a16:creationId xmlns:a16="http://schemas.microsoft.com/office/drawing/2014/main" id="{87F15CCC-BB82-59EA-4A20-23BA12652E01}"/>
-              </a:ext>
-            </a:extLst>
-          </p:cNvPr>
-          <p:cNvGrpSpPr/>
-          <p:nvPr/>
-        </p:nvGrpSpPr>
-        <p:grpSpPr>
-          <a:xfrm>
-            <a:off x="10915194" y="1412542"/>
-            <a:ext cx="1161783" cy="916373"/>
-            <a:chOff x="2592360" y="1419046"/>
-            <a:chExt cx="3959280" cy="3122940"/>
-          </a:xfrm>
-        </p:grpSpPr>
-        <p:pic>
-          <p:nvPicPr>
-            <p:cNvPr id="6" name="Gráfico 5">
-              <a:extLst>
-                <a:ext uri="{FF2B5EF4-FFF2-40B4-BE49-F238E27FC236}">
-                  <a16:creationId xmlns:a16="http://schemas.microsoft.com/office/drawing/2014/main" id="{DA6F0839-692B-5F43-3B85-C194DD260823}"/>
-                </a:ext>
-              </a:extLst>
-            </p:cNvPr>
-            <p:cNvPicPr>
-              <a:picLocks noChangeAspect="1"/>
-            </p:cNvPicPr>
-            <p:nvPr/>
-          </p:nvPicPr>
-          <p:blipFill>
-            <a:blip r:embed="rId3">
-              <a:extLst>
-                <a:ext uri="{96DAC541-7B7A-43D3-8B79-37D633B846F1}">
-                  <asvg:svgBlip xmlns:asvg="http://schemas.microsoft.com/office/drawing/2016/SVG/main" r:embed="rId4"/>
-                </a:ext>
-              </a:extLst>
-            </a:blip>
-            <a:stretch>
-              <a:fillRect/>
-            </a:stretch>
-          </p:blipFill>
-          <p:spPr>
-            <a:xfrm>
-              <a:off x="4011588" y="1419046"/>
-              <a:ext cx="1120824" cy="1895654"/>
-            </a:xfrm>
-            <a:prstGeom prst="rect">
-              <a:avLst/>
-            </a:prstGeom>
-          </p:spPr>
-        </p:pic>
-        <p:pic>
-          <p:nvPicPr>
-            <p:cNvPr id="7" name="Imagen 6">
-              <a:extLst>
-                <a:ext uri="{FF2B5EF4-FFF2-40B4-BE49-F238E27FC236}">
-                  <a16:creationId xmlns:a16="http://schemas.microsoft.com/office/drawing/2014/main" id="{F276B70A-17B6-E584-6037-CA89F33ED727}"/>
-                </a:ext>
-              </a:extLst>
-            </p:cNvPr>
-            <p:cNvPicPr>
-              <a:picLocks noChangeAspect="1"/>
-            </p:cNvPicPr>
-            <p:nvPr/>
-          </p:nvPicPr>
-          <p:blipFill>
-            <a:blip r:embed="rId5">
-              <a:extLst>
-                <a:ext uri="{BEBA8EAE-BF5A-486C-A8C5-ECC9F3942E4B}">
-                  <a14:imgProps xmlns:a14="http://schemas.microsoft.com/office/drawing/2010/main">
-                    <a14:imgLayer r:embed="rId6">
-                      <a14:imgEffect>
-                        <a14:backgroundRemoval t="9582" b="89681" l="4950" r="94364">
-                          <a14:foregroundMark x1="94440" y1="36364" x2="92007" y2="38843"/>
-                          <a14:foregroundMark x1="54049" y1="69088" x2="53694" y2="70762"/>
-                          <a14:foregroundMark x1="57203" y1="54189" x2="55043" y2="64387"/>
-                          <a14:foregroundMark x1="61081" y1="35872" x2="60260" y2="39752"/>
-                          <a14:foregroundMark x1="59659" y1="78902" x2="61615" y2="81572"/>
-                          <a14:foregroundMark x1="53694" y1="70762" x2="54203" y2="71457"/>
-                          <a14:foregroundMark x1="35796" y1="36364" x2="35339" y2="77641"/>
-                          <a14:foregroundMark x1="45416" y1="71429" x2="47296" y2="70270"/>
-                          <a14:foregroundMark x1="35339" y1="77641" x2="37155" y2="76521"/>
-                          <a14:foregroundMark x1="39299" y1="38812" x2="38614" y2="36118"/>
-                          <a14:foregroundMark x1="47296" y1="70270" x2="46331" y2="66474"/>
-                          <a14:foregroundMark x1="38614" y1="36118" x2="36481" y2="34889"/>
-                          <a14:foregroundMark x1="23762" y1="35627" x2="24372" y2="34889"/>
-                          <a14:foregroundMark x1="3732" y1="84275" x2="4950" y2="39066"/>
-                          <a14:foregroundMark x1="4950" y1="39066" x2="13633" y2="77641"/>
-                          <a14:foregroundMark x1="13633" y1="77641" x2="16146" y2="30467"/>
-                          <a14:foregroundMark x1="23645" y1="22609" x2="25057" y2="21130"/>
-                          <a14:foregroundMark x1="16146" y1="30467" x2="16916" y2="29661"/>
-                          <a14:backgroundMark x1="89109" y1="42506" x2="89109" y2="42506"/>
-                          <a14:backgroundMark x1="89109" y1="42506" x2="89109" y2="42506"/>
-                          <a14:backgroundMark x1="88728" y1="41769" x2="88728" y2="41769"/>
-                          <a14:backgroundMark x1="88728" y1="41769" x2="88728" y2="41769"/>
-                          <a14:backgroundMark x1="88728" y1="41769" x2="88728" y2="41769"/>
-                          <a14:backgroundMark x1="88728" y1="41769" x2="88728" y2="41769"/>
-                          <a14:backgroundMark x1="88728" y1="41769" x2="89109" y2="41523"/>
-                          <a14:backgroundMark x1="90099" y1="41523" x2="90099" y2="41523"/>
-                          <a14:backgroundMark x1="89947" y1="41523" x2="89566" y2="41278"/>
-                          <a14:backgroundMark x1="90861" y1="41032" x2="89261" y2="41032"/>
-                          <a14:backgroundMark x1="88043" y1="43489" x2="88576" y2="43243"/>
-                          <a14:backgroundMark x1="88652" y1="42015" x2="87738" y2="42260"/>
-                          <a14:backgroundMark x1="87357" y1="43489" x2="87357" y2="43489"/>
-                          <a14:backgroundMark x1="87357" y1="43489" x2="87510" y2="44717"/>
-                          <a14:backgroundMark x1="91318" y1="41278" x2="89337" y2="42260"/>
-                          <a14:backgroundMark x1="90784" y1="40786" x2="91546" y2="41032"/>
-                          <a14:backgroundMark x1="60701" y1="48649" x2="55598" y2="44963"/>
-                          <a14:backgroundMark x1="58720" y1="51843" x2="56969" y2="51843"/>
-                          <a14:backgroundMark x1="57121" y1="43980" x2="59025" y2="43489"/>
-                          <a14:backgroundMark x1="59482" y1="42752" x2="60929" y2="43735"/>
-                          <a14:backgroundMark x1="58873" y1="43980" x2="59558" y2="42506"/>
-                          <a14:backgroundMark x1="59482" y1="43243" x2="58492" y2="49631"/>
-                          <a14:backgroundMark x1="58111" y1="52334" x2="57045" y2="53563"/>
-                          <a14:backgroundMark x1="59558" y1="42015" x2="59863" y2="41523"/>
-                          <a14:backgroundMark x1="59711" y1="42015" x2="59330" y2="42998"/>
-                          <a14:backgroundMark x1="59406" y1="43980" x2="58644" y2="44963"/>
-                          <a14:backgroundMark x1="59558" y1="43489" x2="60701" y2="42506"/>
-                          <a14:backgroundMark x1="59939" y1="43243" x2="59939" y2="43243"/>
-                          <a14:backgroundMark x1="57273" y1="52826" x2="57273" y2="52826"/>
-                          <a14:backgroundMark x1="57350" y1="53563" x2="57350" y2="53563"/>
-                          <a14:backgroundMark x1="57350" y1="54300" x2="57350" y2="54300"/>
-                          <a14:backgroundMark x1="55065" y1="64865" x2="58187" y2="76413"/>
-                          <a14:backgroundMark x1="59254" y1="77150" x2="57959" y2="78133"/>
-                          <a14:backgroundMark x1="55750" y1="74939" x2="55141" y2="66585"/>
-                          <a14:backgroundMark x1="55065" y1="64373" x2="55674" y2="73710"/>
-                          <a14:backgroundMark x1="39299" y1="44717" x2="39299" y2="66830"/>
-                          <a14:backgroundMark x1="40746" y1="42506" x2="38385" y2="76658"/>
-                          <a14:backgroundMark x1="41280" y1="43980" x2="44707" y2="59951"/>
-                          <a14:backgroundMark x1="44859" y1="59459" x2="39832" y2="42506"/>
-                          <a14:backgroundMark x1="40137" y1="42506" x2="39604" y2="42260"/>
-                          <a14:backgroundMark x1="45316" y1="63391" x2="37548" y2="75676"/>
-                          <a14:backgroundMark x1="41736" y1="76167" x2="44021" y2="72482"/>
-                          <a14:backgroundMark x1="45925" y1="61179" x2="44554" y2="63391"/>
-                          <a14:backgroundMark x1="45621" y1="62162" x2="43488" y2="73710"/>
-                          <a14:backgroundMark x1="40975" y1="71990" x2="42117" y2="74939"/>
-                          <a14:backgroundMark x1="37471" y1="75921" x2="37776" y2="77396"/>
-                          <a14:backgroundMark x1="18507" y1="33907" x2="22544" y2="23833"/>
-                          <a14:backgroundMark x1="22391" y1="23833" x2="18050" y2="28501"/>
-                          <a14:backgroundMark x1="20030" y1="28501" x2="17593" y2="30221"/>
-                          <a14:backgroundMark x1="17136" y1="28993" x2="17136" y2="28993"/>
-                          <a14:backgroundMark x1="17136" y1="28993" x2="17974" y2="30958"/>
-                          <a14:backgroundMark x1="22239" y1="23342" x2="23382" y2="23833"/>
-                        </a14:backgroundRemoval>
-                      </a14:imgEffect>
-                    </a14:imgLayer>
-                  </a14:imgProps>
-                </a:ext>
-              </a:extLst>
-            </a:blip>
-            <a:stretch>
-              <a:fillRect/>
-            </a:stretch>
-          </p:blipFill>
-          <p:spPr>
-            <a:xfrm>
-              <a:off x="2592360" y="3314700"/>
-              <a:ext cx="3959280" cy="1227286"/>
-            </a:xfrm>
-            <a:prstGeom prst="rect">
-              <a:avLst/>
-            </a:prstGeom>
-          </p:spPr>
-        </p:pic>
-      </p:grpSp>
-      <p:pic>
-        <p:nvPicPr>
-          <p:cNvPr id="4" name="Imagen 3" descr="Diagrama, Esquemático&#10;&#10;Descripción generada automáticamente">
-            <a:extLst>
-              <a:ext uri="{FF2B5EF4-FFF2-40B4-BE49-F238E27FC236}">
-                <a16:creationId xmlns:a16="http://schemas.microsoft.com/office/drawing/2014/main" id="{270887E7-4984-8D71-5B13-D4D0AEEC0C0F}"/>
-              </a:ext>
-            </a:extLst>
-          </p:cNvPr>
-          <p:cNvPicPr>
-            <a:picLocks noChangeAspect="1"/>
-          </p:cNvPicPr>
-          <p:nvPr/>
-        </p:nvPicPr>
-        <p:blipFill>
-          <a:blip r:embed="rId7"/>
-          <a:stretch>
-            <a:fillRect/>
-          </a:stretch>
-        </p:blipFill>
-        <p:spPr>
-          <a:xfrm>
-            <a:off x="1276806" y="0"/>
-            <a:ext cx="9262881" cy="6865634"/>
-          </a:xfrm>
-          <a:prstGeom prst="rect">
-            <a:avLst/>
-          </a:prstGeom>
-        </p:spPr>
-      </p:pic>
-      <p:pic>
-        <p:nvPicPr>
-          <p:cNvPr id="2" name="Imagen 1">
-            <a:extLst>
-              <a:ext uri="{FF2B5EF4-FFF2-40B4-BE49-F238E27FC236}">
-                <a16:creationId xmlns:a16="http://schemas.microsoft.com/office/drawing/2014/main" id="{2F9E04A7-A78C-79A5-D333-DEF554A37AFE}"/>
-              </a:ext>
-            </a:extLst>
-          </p:cNvPr>
-          <p:cNvPicPr>
-            <a:picLocks noChangeAspect="1"/>
-          </p:cNvPicPr>
-          <p:nvPr/>
-        </p:nvPicPr>
-        <p:blipFill>
-          <a:blip r:embed="rId8"/>
-          <a:stretch>
-            <a:fillRect/>
-          </a:stretch>
-        </p:blipFill>
-        <p:spPr>
-          <a:xfrm>
-            <a:off x="6013201" y="6048555"/>
-            <a:ext cx="921589" cy="921589"/>
-          </a:xfrm>
-          <a:prstGeom prst="rect">
-            <a:avLst/>
-          </a:prstGeom>
-        </p:spPr>
-      </p:pic>
-    </p:spTree>
-    <p:extLst>
-      <p:ext uri="{BB962C8B-B14F-4D97-AF65-F5344CB8AC3E}">
-        <p14:creationId xmlns:p14="http://schemas.microsoft.com/office/powerpoint/2010/main" val="2765547452"/>
-      </p:ext>
-    </p:extLst>
-  </p:cSld>
-  <p:clrMapOvr>
-    <a:masterClrMapping/>
-  </p:clrMapOvr>
-  <mc:AlternateContent xmlns:mc="http://schemas.openxmlformats.org/markup-compatibility/2006" xmlns:p159="http://schemas.microsoft.com/office/powerpoint/2015/09/main">
-    <mc:Choice Requires="p159">
-      <p:transition xmlns:p14="http://schemas.microsoft.com/office/powerpoint/2010/main" spd="slow" p14:dur="2000">
-        <p159:morph option="byObject"/>
-      </p:transition>
-    </mc:Choice>
-    <mc:Fallback xmlns="">
+    <mc:Fallback>
       <p:transition spd="slow">
         <p:fade/>
       </p:transition>

--- a/Presentaciones del proyecto/Presentación de Proyecto Pitch1.pptx
+++ b/Presentaciones del proyecto/Presentación de Proyecto Pitch1.pptx
@@ -5,10 +5,10 @@
     <p:sldMasterId id="2147483648" r:id="rId1"/>
   </p:sldMasterIdLst>
   <p:notesMasterIdLst>
-    <p:notesMasterId r:id="rId15"/>
+    <p:notesMasterId r:id="rId14"/>
   </p:notesMasterIdLst>
   <p:handoutMasterIdLst>
-    <p:handoutMasterId r:id="rId16"/>
+    <p:handoutMasterId r:id="rId15"/>
   </p:handoutMasterIdLst>
   <p:sldIdLst>
     <p:sldId id="498" r:id="rId2"/>
@@ -16,14 +16,13 @@
     <p:sldId id="501" r:id="rId4"/>
     <p:sldId id="510" r:id="rId5"/>
     <p:sldId id="511" r:id="rId6"/>
-    <p:sldId id="512" r:id="rId7"/>
-    <p:sldId id="517" r:id="rId8"/>
-    <p:sldId id="518" r:id="rId9"/>
-    <p:sldId id="513" r:id="rId10"/>
-    <p:sldId id="519" r:id="rId11"/>
-    <p:sldId id="520" r:id="rId12"/>
-    <p:sldId id="514" r:id="rId13"/>
-    <p:sldId id="515" r:id="rId14"/>
+    <p:sldId id="521" r:id="rId7"/>
+    <p:sldId id="518" r:id="rId8"/>
+    <p:sldId id="513" r:id="rId9"/>
+    <p:sldId id="519" r:id="rId10"/>
+    <p:sldId id="520" r:id="rId11"/>
+    <p:sldId id="514" r:id="rId12"/>
+    <p:sldId id="515" r:id="rId13"/>
   </p:sldIdLst>
   <p:sldSz cx="12192000" cy="6858000"/>
   <p:notesSz cx="6858000" cy="9144000"/>
@@ -4397,8 +4396,8 @@
         </p:nvSpPr>
         <p:spPr>
           <a:xfrm>
-            <a:off x="4168816" y="3463724"/>
-            <a:ext cx="3854368" cy="461665"/>
+            <a:off x="3444096" y="3536066"/>
+            <a:ext cx="5303808" cy="830997"/>
           </a:xfrm>
           <a:prstGeom prst="rect">
             <a:avLst/>
@@ -4413,12 +4412,12 @@
           <a:p>
             <a:pPr algn="ctr"/>
             <a:r>
-              <a:rPr lang="es-ES" sz="1200" dirty="0">
+              <a:rPr lang="es-ES" sz="2400" dirty="0">
                 <a:latin typeface="+mj-lt"/>
               </a:rPr>
               <a:t>"Encuentra tu ritmo laboral con Nodens: Tu puerta al éxito musical"</a:t>
             </a:r>
-            <a:endParaRPr lang="es-CO" sz="1200" dirty="0">
+            <a:endParaRPr lang="es-CO" sz="2400" dirty="0">
               <a:latin typeface="+mj-lt"/>
             </a:endParaRPr>
           </a:p>
@@ -4641,13 +4640,13 @@
   <p:clrMapOvr>
     <a:masterClrMapping/>
   </p:clrMapOvr>
-  <mc:AlternateContent xmlns:mc="http://schemas.openxmlformats.org/markup-compatibility/2006">
-    <mc:Choice xmlns:p159="http://schemas.microsoft.com/office/powerpoint/2015/09/main" Requires="p159">
+  <mc:AlternateContent xmlns:mc="http://schemas.openxmlformats.org/markup-compatibility/2006" xmlns:p159="http://schemas.microsoft.com/office/powerpoint/2015/09/main">
+    <mc:Choice Requires="p159">
       <p:transition xmlns:p14="http://schemas.microsoft.com/office/powerpoint/2010/main" spd="slow" p14:dur="1500">
         <p159:morph option="byObject"/>
       </p:transition>
     </mc:Choice>
-    <mc:Fallback>
+    <mc:Fallback xmlns="">
       <p:transition spd="slow">
         <p:fade/>
       </p:transition>
@@ -4657,681 +4656,6 @@
 </file>
 
 <file path=ppt/slides/slide10.xml><?xml version="1.0" encoding="utf-8"?>
-<p:sld xmlns:a="http://schemas.openxmlformats.org/drawingml/2006/main" xmlns:r="http://schemas.openxmlformats.org/officeDocument/2006/relationships" xmlns:p="http://schemas.openxmlformats.org/presentationml/2006/main">
-  <p:cSld>
-    <p:bg>
-      <p:bgPr>
-        <a:blipFill>
-          <a:blip r:embed="rId2" cstate="email">
-            <a:extLst>
-              <a:ext uri="{28A0092B-C50C-407E-A947-70E740481C1C}">
-                <a14:useLocalDpi xmlns:a14="http://schemas.microsoft.com/office/drawing/2010/main"/>
-              </a:ext>
-            </a:extLst>
-          </a:blip>
-          <a:stretch>
-            <a:fillRect/>
-          </a:stretch>
-        </a:blipFill>
-        <a:effectLst/>
-      </p:bgPr>
-    </p:bg>
-    <p:spTree>
-      <p:nvGrpSpPr>
-        <p:cNvPr id="1" name=""/>
-        <p:cNvGrpSpPr/>
-        <p:nvPr/>
-      </p:nvGrpSpPr>
-      <p:grpSpPr>
-        <a:xfrm>
-          <a:off x="0" y="0"/>
-          <a:ext cx="0" cy="0"/>
-          <a:chOff x="0" y="0"/>
-          <a:chExt cx="0" cy="0"/>
-        </a:xfrm>
-      </p:grpSpPr>
-      <p:sp>
-        <p:nvSpPr>
-          <p:cNvPr id="2" name="Título 1">
-            <a:extLst>
-              <a:ext uri="{FF2B5EF4-FFF2-40B4-BE49-F238E27FC236}">
-                <a16:creationId xmlns:a16="http://schemas.microsoft.com/office/drawing/2014/main" id="{BFF67CBC-1536-A090-A5B5-FE205F3AF4AD}"/>
-              </a:ext>
-            </a:extLst>
-          </p:cNvPr>
-          <p:cNvSpPr txBox="1">
-            <a:spLocks/>
-          </p:cNvSpPr>
-          <p:nvPr/>
-        </p:nvSpPr>
-        <p:spPr>
-          <a:xfrm>
-            <a:off x="456236" y="457723"/>
-            <a:ext cx="10515600" cy="676598"/>
-          </a:xfrm>
-          <a:prstGeom prst="rect">
-            <a:avLst/>
-          </a:prstGeom>
-        </p:spPr>
-        <p:txBody>
-          <a:bodyPr/>
-          <a:lstStyle>
-            <a:lvl1pPr algn="l" defTabSz="914400" rtl="0" eaLnBrk="1" latinLnBrk="0" hangingPunct="1">
-              <a:lnSpc>
-                <a:spcPct val="90000"/>
-              </a:lnSpc>
-              <a:spcBef>
-                <a:spcPct val="0"/>
-              </a:spcBef>
-              <a:buNone/>
-              <a:defRPr sz="4400" kern="1200">
-                <a:solidFill>
-                  <a:schemeClr val="tx1"/>
-                </a:solidFill>
-                <a:latin typeface="+mj-lt"/>
-                <a:ea typeface="+mj-ea"/>
-                <a:cs typeface="+mj-cs"/>
-              </a:defRPr>
-            </a:lvl1pPr>
-          </a:lstStyle>
-          <a:p>
-            <a:r>
-              <a:rPr lang="es-CO" dirty="0">
-                <a:solidFill>
-                  <a:schemeClr val="tx1">
-                    <a:lumMod val="95000"/>
-                    <a:lumOff val="5000"/>
-                  </a:schemeClr>
-                </a:solidFill>
-                <a:latin typeface="Work Sans Medium" pitchFamily="2" charset="77"/>
-              </a:rPr>
-              <a:t>Tecnologías - </a:t>
-            </a:r>
-            <a:r>
-              <a:rPr lang="es-CO" dirty="0" err="1">
-                <a:solidFill>
-                  <a:schemeClr val="tx1">
-                    <a:lumMod val="95000"/>
-                    <a:lumOff val="5000"/>
-                  </a:schemeClr>
-                </a:solidFill>
-                <a:latin typeface="Work Sans Medium" pitchFamily="2" charset="77"/>
-              </a:rPr>
-              <a:t>Backend</a:t>
-            </a:r>
-            <a:endParaRPr lang="es-CO" dirty="0">
-              <a:solidFill>
-                <a:schemeClr val="tx1">
-                  <a:lumMod val="95000"/>
-                  <a:lumOff val="5000"/>
-                </a:schemeClr>
-              </a:solidFill>
-              <a:latin typeface="Work Sans Medium" pitchFamily="2" charset="77"/>
-            </a:endParaRPr>
-          </a:p>
-        </p:txBody>
-      </p:sp>
-      <p:grpSp>
-        <p:nvGrpSpPr>
-          <p:cNvPr id="5" name="Grupo 4">
-            <a:extLst>
-              <a:ext uri="{FF2B5EF4-FFF2-40B4-BE49-F238E27FC236}">
-                <a16:creationId xmlns:a16="http://schemas.microsoft.com/office/drawing/2014/main" id="{87F15CCC-BB82-59EA-4A20-23BA12652E01}"/>
-              </a:ext>
-            </a:extLst>
-          </p:cNvPr>
-          <p:cNvGrpSpPr/>
-          <p:nvPr/>
-        </p:nvGrpSpPr>
-        <p:grpSpPr>
-          <a:xfrm>
-            <a:off x="9810053" y="282242"/>
-            <a:ext cx="1161783" cy="916373"/>
-            <a:chOff x="2592360" y="1419046"/>
-            <a:chExt cx="3959280" cy="3122940"/>
-          </a:xfrm>
-        </p:grpSpPr>
-        <p:pic>
-          <p:nvPicPr>
-            <p:cNvPr id="6" name="Gráfico 5">
-              <a:extLst>
-                <a:ext uri="{FF2B5EF4-FFF2-40B4-BE49-F238E27FC236}">
-                  <a16:creationId xmlns:a16="http://schemas.microsoft.com/office/drawing/2014/main" id="{DA6F0839-692B-5F43-3B85-C194DD260823}"/>
-                </a:ext>
-              </a:extLst>
-            </p:cNvPr>
-            <p:cNvPicPr>
-              <a:picLocks noChangeAspect="1"/>
-            </p:cNvPicPr>
-            <p:nvPr/>
-          </p:nvPicPr>
-          <p:blipFill>
-            <a:blip r:embed="rId3">
-              <a:extLst>
-                <a:ext uri="{96DAC541-7B7A-43D3-8B79-37D633B846F1}">
-                  <asvg:svgBlip xmlns:asvg="http://schemas.microsoft.com/office/drawing/2016/SVG/main" r:embed="rId4"/>
-                </a:ext>
-              </a:extLst>
-            </a:blip>
-            <a:stretch>
-              <a:fillRect/>
-            </a:stretch>
-          </p:blipFill>
-          <p:spPr>
-            <a:xfrm>
-              <a:off x="4011588" y="1419046"/>
-              <a:ext cx="1120824" cy="1895654"/>
-            </a:xfrm>
-            <a:prstGeom prst="rect">
-              <a:avLst/>
-            </a:prstGeom>
-          </p:spPr>
-        </p:pic>
-        <p:pic>
-          <p:nvPicPr>
-            <p:cNvPr id="7" name="Imagen 6">
-              <a:extLst>
-                <a:ext uri="{FF2B5EF4-FFF2-40B4-BE49-F238E27FC236}">
-                  <a16:creationId xmlns:a16="http://schemas.microsoft.com/office/drawing/2014/main" id="{F276B70A-17B6-E584-6037-CA89F33ED727}"/>
-                </a:ext>
-              </a:extLst>
-            </p:cNvPr>
-            <p:cNvPicPr>
-              <a:picLocks noChangeAspect="1"/>
-            </p:cNvPicPr>
-            <p:nvPr/>
-          </p:nvPicPr>
-          <p:blipFill>
-            <a:blip r:embed="rId5">
-              <a:extLst>
-                <a:ext uri="{BEBA8EAE-BF5A-486C-A8C5-ECC9F3942E4B}">
-                  <a14:imgProps xmlns:a14="http://schemas.microsoft.com/office/drawing/2010/main">
-                    <a14:imgLayer r:embed="rId6">
-                      <a14:imgEffect>
-                        <a14:backgroundRemoval t="9582" b="89681" l="4950" r="94364">
-                          <a14:foregroundMark x1="94440" y1="36364" x2="92007" y2="38843"/>
-                          <a14:foregroundMark x1="54049" y1="69088" x2="53694" y2="70762"/>
-                          <a14:foregroundMark x1="57203" y1="54189" x2="55043" y2="64387"/>
-                          <a14:foregroundMark x1="61081" y1="35872" x2="60260" y2="39752"/>
-                          <a14:foregroundMark x1="59659" y1="78902" x2="61615" y2="81572"/>
-                          <a14:foregroundMark x1="53694" y1="70762" x2="54203" y2="71457"/>
-                          <a14:foregroundMark x1="35796" y1="36364" x2="35339" y2="77641"/>
-                          <a14:foregroundMark x1="45416" y1="71429" x2="47296" y2="70270"/>
-                          <a14:foregroundMark x1="35339" y1="77641" x2="37155" y2="76521"/>
-                          <a14:foregroundMark x1="39299" y1="38812" x2="38614" y2="36118"/>
-                          <a14:foregroundMark x1="47296" y1="70270" x2="46331" y2="66474"/>
-                          <a14:foregroundMark x1="38614" y1="36118" x2="36481" y2="34889"/>
-                          <a14:foregroundMark x1="23762" y1="35627" x2="24372" y2="34889"/>
-                          <a14:foregroundMark x1="3732" y1="84275" x2="4950" y2="39066"/>
-                          <a14:foregroundMark x1="4950" y1="39066" x2="13633" y2="77641"/>
-                          <a14:foregroundMark x1="13633" y1="77641" x2="16146" y2="30467"/>
-                          <a14:foregroundMark x1="23645" y1="22609" x2="25057" y2="21130"/>
-                          <a14:foregroundMark x1="16146" y1="30467" x2="16916" y2="29661"/>
-                          <a14:backgroundMark x1="89109" y1="42506" x2="89109" y2="42506"/>
-                          <a14:backgroundMark x1="89109" y1="42506" x2="89109" y2="42506"/>
-                          <a14:backgroundMark x1="88728" y1="41769" x2="88728" y2="41769"/>
-                          <a14:backgroundMark x1="88728" y1="41769" x2="88728" y2="41769"/>
-                          <a14:backgroundMark x1="88728" y1="41769" x2="88728" y2="41769"/>
-                          <a14:backgroundMark x1="88728" y1="41769" x2="88728" y2="41769"/>
-                          <a14:backgroundMark x1="88728" y1="41769" x2="89109" y2="41523"/>
-                          <a14:backgroundMark x1="90099" y1="41523" x2="90099" y2="41523"/>
-                          <a14:backgroundMark x1="89947" y1="41523" x2="89566" y2="41278"/>
-                          <a14:backgroundMark x1="90861" y1="41032" x2="89261" y2="41032"/>
-                          <a14:backgroundMark x1="88043" y1="43489" x2="88576" y2="43243"/>
-                          <a14:backgroundMark x1="88652" y1="42015" x2="87738" y2="42260"/>
-                          <a14:backgroundMark x1="87357" y1="43489" x2="87357" y2="43489"/>
-                          <a14:backgroundMark x1="87357" y1="43489" x2="87510" y2="44717"/>
-                          <a14:backgroundMark x1="91318" y1="41278" x2="89337" y2="42260"/>
-                          <a14:backgroundMark x1="90784" y1="40786" x2="91546" y2="41032"/>
-                          <a14:backgroundMark x1="60701" y1="48649" x2="55598" y2="44963"/>
-                          <a14:backgroundMark x1="58720" y1="51843" x2="56969" y2="51843"/>
-                          <a14:backgroundMark x1="57121" y1="43980" x2="59025" y2="43489"/>
-                          <a14:backgroundMark x1="59482" y1="42752" x2="60929" y2="43735"/>
-                          <a14:backgroundMark x1="58873" y1="43980" x2="59558" y2="42506"/>
-                          <a14:backgroundMark x1="59482" y1="43243" x2="58492" y2="49631"/>
-                          <a14:backgroundMark x1="58111" y1="52334" x2="57045" y2="53563"/>
-                          <a14:backgroundMark x1="59558" y1="42015" x2="59863" y2="41523"/>
-                          <a14:backgroundMark x1="59711" y1="42015" x2="59330" y2="42998"/>
-                          <a14:backgroundMark x1="59406" y1="43980" x2="58644" y2="44963"/>
-                          <a14:backgroundMark x1="59558" y1="43489" x2="60701" y2="42506"/>
-                          <a14:backgroundMark x1="59939" y1="43243" x2="59939" y2="43243"/>
-                          <a14:backgroundMark x1="57273" y1="52826" x2="57273" y2="52826"/>
-                          <a14:backgroundMark x1="57350" y1="53563" x2="57350" y2="53563"/>
-                          <a14:backgroundMark x1="57350" y1="54300" x2="57350" y2="54300"/>
-                          <a14:backgroundMark x1="55065" y1="64865" x2="58187" y2="76413"/>
-                          <a14:backgroundMark x1="59254" y1="77150" x2="57959" y2="78133"/>
-                          <a14:backgroundMark x1="55750" y1="74939" x2="55141" y2="66585"/>
-                          <a14:backgroundMark x1="55065" y1="64373" x2="55674" y2="73710"/>
-                          <a14:backgroundMark x1="39299" y1="44717" x2="39299" y2="66830"/>
-                          <a14:backgroundMark x1="40746" y1="42506" x2="38385" y2="76658"/>
-                          <a14:backgroundMark x1="41280" y1="43980" x2="44707" y2="59951"/>
-                          <a14:backgroundMark x1="44859" y1="59459" x2="39832" y2="42506"/>
-                          <a14:backgroundMark x1="40137" y1="42506" x2="39604" y2="42260"/>
-                          <a14:backgroundMark x1="45316" y1="63391" x2="37548" y2="75676"/>
-                          <a14:backgroundMark x1="41736" y1="76167" x2="44021" y2="72482"/>
-                          <a14:backgroundMark x1="45925" y1="61179" x2="44554" y2="63391"/>
-                          <a14:backgroundMark x1="45621" y1="62162" x2="43488" y2="73710"/>
-                          <a14:backgroundMark x1="40975" y1="71990" x2="42117" y2="74939"/>
-                          <a14:backgroundMark x1="37471" y1="75921" x2="37776" y2="77396"/>
-                          <a14:backgroundMark x1="18507" y1="33907" x2="22544" y2="23833"/>
-                          <a14:backgroundMark x1="22391" y1="23833" x2="18050" y2="28501"/>
-                          <a14:backgroundMark x1="20030" y1="28501" x2="17593" y2="30221"/>
-                          <a14:backgroundMark x1="17136" y1="28993" x2="17136" y2="28993"/>
-                          <a14:backgroundMark x1="17136" y1="28993" x2="17974" y2="30958"/>
-                          <a14:backgroundMark x1="22239" y1="23342" x2="23382" y2="23833"/>
-                        </a14:backgroundRemoval>
-                      </a14:imgEffect>
-                    </a14:imgLayer>
-                  </a14:imgProps>
-                </a:ext>
-              </a:extLst>
-            </a:blip>
-            <a:stretch>
-              <a:fillRect/>
-            </a:stretch>
-          </p:blipFill>
-          <p:spPr>
-            <a:xfrm>
-              <a:off x="2592360" y="3314700"/>
-              <a:ext cx="3959280" cy="1227286"/>
-            </a:xfrm>
-            <a:prstGeom prst="rect">
-              <a:avLst/>
-            </a:prstGeom>
-          </p:spPr>
-        </p:pic>
-      </p:grpSp>
-      <p:pic>
-        <p:nvPicPr>
-          <p:cNvPr id="9" name="Imagen 8" descr="Logotipo, nombre de la empresa&#10;&#10;Descripción generada automáticamente">
-            <a:extLst>
-              <a:ext uri="{FF2B5EF4-FFF2-40B4-BE49-F238E27FC236}">
-                <a16:creationId xmlns:a16="http://schemas.microsoft.com/office/drawing/2014/main" id="{B166E1E3-3FD2-F08A-D836-10EF9E32F2AA}"/>
-              </a:ext>
-            </a:extLst>
-          </p:cNvPr>
-          <p:cNvPicPr>
-            <a:picLocks noChangeAspect="1"/>
-          </p:cNvPicPr>
-          <p:nvPr/>
-        </p:nvPicPr>
-        <p:blipFill>
-          <a:blip r:embed="rId7"/>
-          <a:stretch>
-            <a:fillRect/>
-          </a:stretch>
-        </p:blipFill>
-        <p:spPr>
-          <a:xfrm>
-            <a:off x="4332938" y="1554906"/>
-            <a:ext cx="1569973" cy="1173185"/>
-          </a:xfrm>
-          <a:prstGeom prst="rect">
-            <a:avLst/>
-          </a:prstGeom>
-        </p:spPr>
-      </p:pic>
-      <p:pic>
-        <p:nvPicPr>
-          <p:cNvPr id="11" name="Imagen 10" descr="Logotipo, nombre de la empresa&#10;&#10;Descripción generada automáticamente">
-            <a:extLst>
-              <a:ext uri="{FF2B5EF4-FFF2-40B4-BE49-F238E27FC236}">
-                <a16:creationId xmlns:a16="http://schemas.microsoft.com/office/drawing/2014/main" id="{BA9DF6F4-5945-5C00-A2B6-34F297CE63E4}"/>
-              </a:ext>
-            </a:extLst>
-          </p:cNvPr>
-          <p:cNvPicPr>
-            <a:picLocks noChangeAspect="1"/>
-          </p:cNvPicPr>
-          <p:nvPr/>
-        </p:nvPicPr>
-        <p:blipFill>
-          <a:blip r:embed="rId8"/>
-          <a:stretch>
-            <a:fillRect/>
-          </a:stretch>
-        </p:blipFill>
-        <p:spPr>
-          <a:xfrm>
-            <a:off x="6217920" y="1678450"/>
-            <a:ext cx="1874359" cy="1049641"/>
-          </a:xfrm>
-          <a:prstGeom prst="rect">
-            <a:avLst/>
-          </a:prstGeom>
-        </p:spPr>
-      </p:pic>
-      <p:pic>
-        <p:nvPicPr>
-          <p:cNvPr id="13" name="Gráfico 12">
-            <a:extLst>
-              <a:ext uri="{FF2B5EF4-FFF2-40B4-BE49-F238E27FC236}">
-                <a16:creationId xmlns:a16="http://schemas.microsoft.com/office/drawing/2014/main" id="{3C75D79F-84D2-B120-E756-0DF6D38F8FBC}"/>
-              </a:ext>
-            </a:extLst>
-          </p:cNvPr>
-          <p:cNvPicPr>
-            <a:picLocks noChangeAspect="1"/>
-          </p:cNvPicPr>
-          <p:nvPr/>
-        </p:nvPicPr>
-        <p:blipFill>
-          <a:blip r:embed="rId9">
-            <a:extLst>
-              <a:ext uri="{96DAC541-7B7A-43D3-8B79-37D633B846F1}">
-                <asvg:svgBlip xmlns:asvg="http://schemas.microsoft.com/office/drawing/2016/SVG/main" r:embed="rId10"/>
-              </a:ext>
-            </a:extLst>
-          </a:blip>
-          <a:stretch>
-            <a:fillRect/>
-          </a:stretch>
-        </p:blipFill>
-        <p:spPr>
-          <a:xfrm>
-            <a:off x="1055682" y="2350924"/>
-            <a:ext cx="720960" cy="811161"/>
-          </a:xfrm>
-          <a:prstGeom prst="rect">
-            <a:avLst/>
-          </a:prstGeom>
-        </p:spPr>
-      </p:pic>
-      <p:pic>
-        <p:nvPicPr>
-          <p:cNvPr id="15" name="Imagen 14" descr="Icono&#10;&#10;Descripción generada automáticamente">
-            <a:extLst>
-              <a:ext uri="{FF2B5EF4-FFF2-40B4-BE49-F238E27FC236}">
-                <a16:creationId xmlns:a16="http://schemas.microsoft.com/office/drawing/2014/main" id="{EF44359B-1BF9-E3B7-9F60-7023A298722A}"/>
-              </a:ext>
-            </a:extLst>
-          </p:cNvPr>
-          <p:cNvPicPr>
-            <a:picLocks noChangeAspect="1"/>
-          </p:cNvPicPr>
-          <p:nvPr/>
-        </p:nvPicPr>
-        <p:blipFill rotWithShape="1">
-          <a:blip r:embed="rId11"/>
-          <a:srcRect l="17902" r="20976" b="13637"/>
-          <a:stretch/>
-        </p:blipFill>
-        <p:spPr>
-          <a:xfrm>
-            <a:off x="1776642" y="3357616"/>
-            <a:ext cx="1004788" cy="946480"/>
-          </a:xfrm>
-          <a:prstGeom prst="rect">
-            <a:avLst/>
-          </a:prstGeom>
-        </p:spPr>
-      </p:pic>
-      <p:pic>
-        <p:nvPicPr>
-          <p:cNvPr id="17" name="Imagen 16" descr="Logotipo&#10;&#10;Descripción generada automáticamente">
-            <a:extLst>
-              <a:ext uri="{FF2B5EF4-FFF2-40B4-BE49-F238E27FC236}">
-                <a16:creationId xmlns:a16="http://schemas.microsoft.com/office/drawing/2014/main" id="{96849DA7-1B70-E305-6F5F-B8DFBEEE71C1}"/>
-              </a:ext>
-            </a:extLst>
-          </p:cNvPr>
-          <p:cNvPicPr>
-            <a:picLocks noChangeAspect="1"/>
-          </p:cNvPicPr>
-          <p:nvPr/>
-        </p:nvPicPr>
-        <p:blipFill>
-          <a:blip r:embed="rId12"/>
-          <a:stretch>
-            <a:fillRect/>
-          </a:stretch>
-        </p:blipFill>
-        <p:spPr>
-          <a:xfrm>
-            <a:off x="2601118" y="4638981"/>
-            <a:ext cx="824619" cy="824619"/>
-          </a:xfrm>
-          <a:prstGeom prst="rect">
-            <a:avLst/>
-          </a:prstGeom>
-        </p:spPr>
-      </p:pic>
-      <p:pic>
-        <p:nvPicPr>
-          <p:cNvPr id="19" name="Imagen 18" descr="Forma&#10;&#10;Descripción generada automáticamente con confianza baja">
-            <a:extLst>
-              <a:ext uri="{FF2B5EF4-FFF2-40B4-BE49-F238E27FC236}">
-                <a16:creationId xmlns:a16="http://schemas.microsoft.com/office/drawing/2014/main" id="{7B3EB88B-B39D-F86D-E86E-DFBC015A8543}"/>
-              </a:ext>
-            </a:extLst>
-          </p:cNvPr>
-          <p:cNvPicPr>
-            <a:picLocks noChangeAspect="1"/>
-          </p:cNvPicPr>
-          <p:nvPr/>
-        </p:nvPicPr>
-        <p:blipFill>
-          <a:blip r:embed="rId13"/>
-          <a:stretch>
-            <a:fillRect/>
-          </a:stretch>
-        </p:blipFill>
-        <p:spPr>
-          <a:xfrm>
-            <a:off x="3951916" y="5126600"/>
-            <a:ext cx="975239" cy="975239"/>
-          </a:xfrm>
-          <a:prstGeom prst="rect">
-            <a:avLst/>
-          </a:prstGeom>
-        </p:spPr>
-      </p:pic>
-      <p:pic>
-        <p:nvPicPr>
-          <p:cNvPr id="21" name="Imagen 20" descr="Icono&#10;&#10;Descripción generada automáticamente">
-            <a:extLst>
-              <a:ext uri="{FF2B5EF4-FFF2-40B4-BE49-F238E27FC236}">
-                <a16:creationId xmlns:a16="http://schemas.microsoft.com/office/drawing/2014/main" id="{00B98918-6F8F-D1F9-E2BF-CEC0CC1166C4}"/>
-              </a:ext>
-            </a:extLst>
-          </p:cNvPr>
-          <p:cNvPicPr>
-            <a:picLocks noChangeAspect="1"/>
-          </p:cNvPicPr>
-          <p:nvPr/>
-        </p:nvPicPr>
-        <p:blipFill>
-          <a:blip r:embed="rId14"/>
-          <a:stretch>
-            <a:fillRect/>
-          </a:stretch>
-        </p:blipFill>
-        <p:spPr>
-          <a:xfrm>
-            <a:off x="1029336" y="3357616"/>
-            <a:ext cx="676599" cy="676599"/>
-          </a:xfrm>
-          <a:prstGeom prst="rect">
-            <a:avLst/>
-          </a:prstGeom>
-        </p:spPr>
-      </p:pic>
-      <p:pic>
-        <p:nvPicPr>
-          <p:cNvPr id="23" name="Imagen 22" descr="Icono&#10;&#10;Descripción generada automáticamente">
-            <a:extLst>
-              <a:ext uri="{FF2B5EF4-FFF2-40B4-BE49-F238E27FC236}">
-                <a16:creationId xmlns:a16="http://schemas.microsoft.com/office/drawing/2014/main" id="{3A7867AE-DDBC-B6F2-9216-06A600C53B0E}"/>
-              </a:ext>
-            </a:extLst>
-          </p:cNvPr>
-          <p:cNvPicPr>
-            <a:picLocks noChangeAspect="1"/>
-          </p:cNvPicPr>
-          <p:nvPr/>
-        </p:nvPicPr>
-        <p:blipFill>
-          <a:blip r:embed="rId15"/>
-          <a:stretch>
-            <a:fillRect/>
-          </a:stretch>
-        </p:blipFill>
-        <p:spPr>
-          <a:xfrm>
-            <a:off x="7670628" y="5341343"/>
-            <a:ext cx="765655" cy="765655"/>
-          </a:xfrm>
-          <a:prstGeom prst="rect">
-            <a:avLst/>
-          </a:prstGeom>
-        </p:spPr>
-      </p:pic>
-      <p:pic>
-        <p:nvPicPr>
-          <p:cNvPr id="26" name="Imagen 25" descr="Imagen que contiene dibujo&#10;&#10;Descripción generada automáticamente">
-            <a:extLst>
-              <a:ext uri="{FF2B5EF4-FFF2-40B4-BE49-F238E27FC236}">
-                <a16:creationId xmlns:a16="http://schemas.microsoft.com/office/drawing/2014/main" id="{C0F91DCE-7C56-438A-3B97-81366B93111E}"/>
-              </a:ext>
-            </a:extLst>
-          </p:cNvPr>
-          <p:cNvPicPr>
-            <a:picLocks noChangeAspect="1"/>
-          </p:cNvPicPr>
-          <p:nvPr/>
-        </p:nvPicPr>
-        <p:blipFill>
-          <a:blip r:embed="rId16"/>
-          <a:stretch>
-            <a:fillRect/>
-          </a:stretch>
-        </p:blipFill>
-        <p:spPr>
-          <a:xfrm>
-            <a:off x="7139488" y="5083081"/>
-            <a:ext cx="531139" cy="531139"/>
-          </a:xfrm>
-          <a:prstGeom prst="rect">
-            <a:avLst/>
-          </a:prstGeom>
-        </p:spPr>
-      </p:pic>
-      <p:pic>
-        <p:nvPicPr>
-          <p:cNvPr id="28" name="Imagen 27" descr="Forma&#10;&#10;Descripción generada automáticamente con confianza baja">
-            <a:extLst>
-              <a:ext uri="{FF2B5EF4-FFF2-40B4-BE49-F238E27FC236}">
-                <a16:creationId xmlns:a16="http://schemas.microsoft.com/office/drawing/2014/main" id="{BB60D0E3-39BC-7527-7B67-CA84744924D8}"/>
-              </a:ext>
-            </a:extLst>
-          </p:cNvPr>
-          <p:cNvPicPr>
-            <a:picLocks noChangeAspect="1"/>
-          </p:cNvPicPr>
-          <p:nvPr/>
-        </p:nvPicPr>
-        <p:blipFill>
-          <a:blip r:embed="rId17"/>
-          <a:stretch>
-            <a:fillRect/>
-          </a:stretch>
-        </p:blipFill>
-        <p:spPr>
-          <a:xfrm>
-            <a:off x="8303119" y="4638981"/>
-            <a:ext cx="718166" cy="718166"/>
-          </a:xfrm>
-          <a:prstGeom prst="rect">
-            <a:avLst/>
-          </a:prstGeom>
-        </p:spPr>
-      </p:pic>
-      <p:pic>
-        <p:nvPicPr>
-          <p:cNvPr id="30" name="Imagen 29" descr="Logotipo&#10;&#10;Descripción generada automáticamente con confianza baja">
-            <a:extLst>
-              <a:ext uri="{FF2B5EF4-FFF2-40B4-BE49-F238E27FC236}">
-                <a16:creationId xmlns:a16="http://schemas.microsoft.com/office/drawing/2014/main" id="{8B5DC4ED-1FA0-C78C-E063-BA731016AC99}"/>
-              </a:ext>
-            </a:extLst>
-          </p:cNvPr>
-          <p:cNvPicPr>
-            <a:picLocks noChangeAspect="1"/>
-          </p:cNvPicPr>
-          <p:nvPr/>
-        </p:nvPicPr>
-        <p:blipFill>
-          <a:blip r:embed="rId18"/>
-          <a:stretch>
-            <a:fillRect/>
-          </a:stretch>
-        </p:blipFill>
-        <p:spPr>
-          <a:xfrm>
-            <a:off x="9620431" y="3069832"/>
-            <a:ext cx="975239" cy="975239"/>
-          </a:xfrm>
-          <a:prstGeom prst="rect">
-            <a:avLst/>
-          </a:prstGeom>
-        </p:spPr>
-      </p:pic>
-      <p:pic>
-        <p:nvPicPr>
-          <p:cNvPr id="32" name="Imagen 31" descr="Interfaz de usuario gráfica, Aplicación, nombre de la empresa&#10;&#10;Descripción generada automáticamente">
-            <a:extLst>
-              <a:ext uri="{FF2B5EF4-FFF2-40B4-BE49-F238E27FC236}">
-                <a16:creationId xmlns:a16="http://schemas.microsoft.com/office/drawing/2014/main" id="{B9A624C9-DD44-F334-8C80-8633F02B7873}"/>
-              </a:ext>
-            </a:extLst>
-          </p:cNvPr>
-          <p:cNvPicPr>
-            <a:picLocks noChangeAspect="1"/>
-          </p:cNvPicPr>
-          <p:nvPr/>
-        </p:nvPicPr>
-        <p:blipFill>
-          <a:blip r:embed="rId19"/>
-          <a:stretch>
-            <a:fillRect/>
-          </a:stretch>
-        </p:blipFill>
-        <p:spPr>
-          <a:xfrm>
-            <a:off x="9855341" y="2000302"/>
-            <a:ext cx="1161783" cy="1161783"/>
-          </a:xfrm>
-          <a:prstGeom prst="rect">
-            <a:avLst/>
-          </a:prstGeom>
-        </p:spPr>
-      </p:pic>
-    </p:spTree>
-    <p:extLst>
-      <p:ext uri="{BB962C8B-B14F-4D97-AF65-F5344CB8AC3E}">
-        <p14:creationId xmlns:p14="http://schemas.microsoft.com/office/powerpoint/2010/main" val="2563955885"/>
-      </p:ext>
-    </p:extLst>
-  </p:cSld>
-  <p:clrMapOvr>
-    <a:masterClrMapping/>
-  </p:clrMapOvr>
-  <mc:AlternateContent xmlns:mc="http://schemas.openxmlformats.org/markup-compatibility/2006">
-    <mc:Choice xmlns:p159="http://schemas.microsoft.com/office/powerpoint/2015/09/main" Requires="p159">
-      <p:transition xmlns:p14="http://schemas.microsoft.com/office/powerpoint/2010/main" spd="slow" p14:dur="1500">
-        <p159:morph option="byObject"/>
-      </p:transition>
-    </mc:Choice>
-    <mc:Fallback>
-      <p:transition spd="slow">
-        <p:fade/>
-      </p:transition>
-    </mc:Fallback>
-  </mc:AlternateContent>
-</p:sld>
-</file>
-
-<file path=ppt/slides/slide11.xml><?xml version="1.0" encoding="utf-8"?>
 <p:sld xmlns:a="http://schemas.openxmlformats.org/drawingml/2006/main" xmlns:r="http://schemas.openxmlformats.org/officeDocument/2006/relationships" xmlns:p="http://schemas.openxmlformats.org/presentationml/2006/main">
   <p:cSld>
     <p:bg>
@@ -5836,13 +5160,13 @@
   <p:clrMapOvr>
     <a:masterClrMapping/>
   </p:clrMapOvr>
-  <mc:AlternateContent xmlns:mc="http://schemas.openxmlformats.org/markup-compatibility/2006">
-    <mc:Choice xmlns:p159="http://schemas.microsoft.com/office/powerpoint/2015/09/main" Requires="p159">
+  <mc:AlternateContent xmlns:mc="http://schemas.openxmlformats.org/markup-compatibility/2006" xmlns:p159="http://schemas.microsoft.com/office/powerpoint/2015/09/main">
+    <mc:Choice Requires="p159">
       <p:transition xmlns:p14="http://schemas.microsoft.com/office/powerpoint/2010/main" spd="slow" p14:dur="1500">
         <p159:morph option="byObject"/>
       </p:transition>
     </mc:Choice>
-    <mc:Fallback>
+    <mc:Fallback xmlns="">
       <p:transition spd="slow">
         <p:fade/>
       </p:transition>
@@ -5851,7 +5175,7 @@
 </p:sld>
 </file>
 
-<file path=ppt/slides/slide12.xml><?xml version="1.0" encoding="utf-8"?>
+<file path=ppt/slides/slide11.xml><?xml version="1.0" encoding="utf-8"?>
 <p:sld xmlns:a="http://schemas.openxmlformats.org/drawingml/2006/main" xmlns:r="http://schemas.openxmlformats.org/officeDocument/2006/relationships" xmlns:p="http://schemas.openxmlformats.org/presentationml/2006/main">
   <p:cSld>
     <p:bg>
@@ -6125,13 +5449,13 @@
   <p:clrMapOvr>
     <a:masterClrMapping/>
   </p:clrMapOvr>
-  <mc:AlternateContent xmlns:mc="http://schemas.openxmlformats.org/markup-compatibility/2006">
-    <mc:Choice xmlns:p159="http://schemas.microsoft.com/office/powerpoint/2015/09/main" Requires="p159">
+  <mc:AlternateContent xmlns:mc="http://schemas.openxmlformats.org/markup-compatibility/2006" xmlns:p159="http://schemas.microsoft.com/office/powerpoint/2015/09/main">
+    <mc:Choice Requires="p159">
       <p:transition xmlns:p14="http://schemas.microsoft.com/office/powerpoint/2010/main" spd="slow" p14:dur="1500">
         <p159:morph option="byObject"/>
       </p:transition>
     </mc:Choice>
-    <mc:Fallback>
+    <mc:Fallback xmlns="">
       <p:transition spd="slow">
         <p:fade/>
       </p:transition>
@@ -6140,7 +5464,7 @@
 </p:sld>
 </file>
 
-<file path=ppt/slides/slide13.xml><?xml version="1.0" encoding="utf-8"?>
+<file path=ppt/slides/slide12.xml><?xml version="1.0" encoding="utf-8"?>
 <p:sld xmlns:a="http://schemas.openxmlformats.org/drawingml/2006/main" xmlns:r="http://schemas.openxmlformats.org/officeDocument/2006/relationships" xmlns:p="http://schemas.openxmlformats.org/presentationml/2006/main">
   <p:cSld>
     <p:bg>
@@ -6697,13 +6021,13 @@
   <p:clrMapOvr>
     <a:masterClrMapping/>
   </p:clrMapOvr>
-  <mc:AlternateContent xmlns:mc="http://schemas.openxmlformats.org/markup-compatibility/2006">
-    <mc:Choice xmlns:p159="http://schemas.microsoft.com/office/powerpoint/2015/09/main" Requires="p159">
+  <mc:AlternateContent xmlns:mc="http://schemas.openxmlformats.org/markup-compatibility/2006" xmlns:p159="http://schemas.microsoft.com/office/powerpoint/2015/09/main">
+    <mc:Choice Requires="p159">
       <p:transition xmlns:p14="http://schemas.microsoft.com/office/powerpoint/2010/main" spd="slow" p14:dur="1500">
         <p159:morph option="byObject"/>
       </p:transition>
     </mc:Choice>
-    <mc:Fallback>
+    <mc:Fallback xmlns="">
       <p:transition spd="slow">
         <p:fade/>
       </p:transition>
@@ -7094,8 +6418,8 @@
         </p:nvSpPr>
         <p:spPr>
           <a:xfrm>
-            <a:off x="675088" y="4956195"/>
-            <a:ext cx="1707354" cy="738664"/>
+            <a:off x="519813" y="4956195"/>
+            <a:ext cx="1981848" cy="584775"/>
           </a:xfrm>
           <a:prstGeom prst="rect">
             <a:avLst/>
@@ -7161,8 +6485,8 @@
         </p:nvSpPr>
         <p:spPr>
           <a:xfrm>
-            <a:off x="2994423" y="4956195"/>
-            <a:ext cx="1707354" cy="1077218"/>
+            <a:off x="2739370" y="4934948"/>
+            <a:ext cx="2134553" cy="830997"/>
           </a:xfrm>
           <a:prstGeom prst="rect">
             <a:avLst/>
@@ -7228,8 +6552,8 @@
         </p:nvSpPr>
         <p:spPr>
           <a:xfrm>
-            <a:off x="5270895" y="4956195"/>
-            <a:ext cx="1707354" cy="523220"/>
+            <a:off x="5057296" y="4956195"/>
+            <a:ext cx="2134552" cy="584775"/>
           </a:xfrm>
           <a:prstGeom prst="rect">
             <a:avLst/>
@@ -7326,8 +6650,8 @@
         </p:nvSpPr>
         <p:spPr>
           <a:xfrm>
-            <a:off x="7745276" y="4956195"/>
-            <a:ext cx="1707354" cy="830997"/>
+            <a:off x="7608499" y="4956195"/>
+            <a:ext cx="1939022" cy="584775"/>
           </a:xfrm>
           <a:prstGeom prst="rect">
             <a:avLst/>
@@ -7375,35 +6699,6 @@
           </a:p>
         </p:txBody>
       </p:sp>
-      <p:pic>
-        <p:nvPicPr>
-          <p:cNvPr id="15" name="Imagen 14" descr="Hombre con la mano en la cara&#10;&#10;Descripción generada automáticamente con confianza baja">
-            <a:extLst>
-              <a:ext uri="{FF2B5EF4-FFF2-40B4-BE49-F238E27FC236}">
-                <a16:creationId xmlns:a16="http://schemas.microsoft.com/office/drawing/2014/main" id="{B5029DA0-0C63-BCB0-F5DB-BFCC7B90AEF6}"/>
-              </a:ext>
-            </a:extLst>
-          </p:cNvPr>
-          <p:cNvPicPr>
-            <a:picLocks noChangeAspect="1"/>
-          </p:cNvPicPr>
-          <p:nvPr/>
-        </p:nvPicPr>
-        <p:blipFill rotWithShape="1">
-          <a:blip r:embed="rId11"/>
-          <a:srcRect l="17936" t="7170" r="13833" b="24599"/>
-          <a:stretch/>
-        </p:blipFill>
-        <p:spPr>
-          <a:xfrm>
-            <a:off x="10052381" y="2514923"/>
-            <a:ext cx="1707354" cy="2276472"/>
-          </a:xfrm>
-          <a:prstGeom prst="rect">
-            <a:avLst/>
-          </a:prstGeom>
-        </p:spPr>
-      </p:pic>
       <p:sp>
         <p:nvSpPr>
           <p:cNvPr id="16" name="CuadroTexto 15">
@@ -7418,8 +6713,8 @@
         </p:nvSpPr>
         <p:spPr>
           <a:xfrm>
-            <a:off x="10052381" y="4956195"/>
-            <a:ext cx="1707354" cy="830997"/>
+            <a:off x="9964172" y="4956195"/>
+            <a:ext cx="1795563" cy="830997"/>
           </a:xfrm>
           <a:prstGeom prst="rect">
             <a:avLst/>
@@ -7469,6 +6764,45 @@
           </a:p>
         </p:txBody>
       </p:sp>
+      <p:pic>
+        <p:nvPicPr>
+          <p:cNvPr id="3" name="Imagen 2">
+            <a:extLst>
+              <a:ext uri="{FF2B5EF4-FFF2-40B4-BE49-F238E27FC236}">
+                <a16:creationId xmlns:a16="http://schemas.microsoft.com/office/drawing/2014/main" id="{2E79E457-A95B-B005-876F-28A657561685}"/>
+              </a:ext>
+            </a:extLst>
+          </p:cNvPr>
+          <p:cNvPicPr>
+            <a:picLocks noChangeAspect="1"/>
+          </p:cNvPicPr>
+          <p:nvPr/>
+        </p:nvPicPr>
+        <p:blipFill rotWithShape="1">
+          <a:blip r:embed="rId11"/>
+          <a:srcRect l="11414" r="11414"/>
+          <a:stretch/>
+        </p:blipFill>
+        <p:spPr>
+          <a:xfrm>
+            <a:off x="9985773" y="2514923"/>
+            <a:ext cx="1707354" cy="2276472"/>
+          </a:xfrm>
+          <a:prstGeom prst="rect">
+            <a:avLst/>
+          </a:prstGeom>
+          <a:ln>
+            <a:noFill/>
+          </a:ln>
+          <a:effectLst>
+            <a:outerShdw blurRad="190500" algn="tl" rotWithShape="0">
+              <a:srgbClr val="000000">
+                <a:alpha val="70000"/>
+              </a:srgbClr>
+            </a:outerShdw>
+          </a:effectLst>
+        </p:spPr>
+      </p:pic>
     </p:spTree>
     <p:extLst>
       <p:ext uri="{BB962C8B-B14F-4D97-AF65-F5344CB8AC3E}">
@@ -7479,13 +6813,13 @@
   <p:clrMapOvr>
     <a:masterClrMapping/>
   </p:clrMapOvr>
-  <mc:AlternateContent xmlns:mc="http://schemas.openxmlformats.org/markup-compatibility/2006">
-    <mc:Choice xmlns:p159="http://schemas.microsoft.com/office/powerpoint/2015/09/main" Requires="p159">
+  <mc:AlternateContent xmlns:mc="http://schemas.openxmlformats.org/markup-compatibility/2006" xmlns:p159="http://schemas.microsoft.com/office/powerpoint/2015/09/main">
+    <mc:Choice Requires="p159">
       <p:transition xmlns:p14="http://schemas.microsoft.com/office/powerpoint/2010/main" spd="slow" p14:dur="1500">
         <p159:morph option="byObject"/>
       </p:transition>
     </mc:Choice>
-    <mc:Fallback>
+    <mc:Fallback xmlns="">
       <p:transition spd="slow">
         <p:fade/>
       </p:transition>
@@ -7544,8 +6878,8 @@
         </p:nvSpPr>
         <p:spPr>
           <a:xfrm>
-            <a:off x="456236" y="457723"/>
-            <a:ext cx="10515600" cy="676598"/>
+            <a:off x="137059" y="443528"/>
+            <a:ext cx="6884843" cy="676598"/>
           </a:xfrm>
           <a:prstGeom prst="rect">
             <a:avLst/>
@@ -7602,8 +6936,8 @@
         </p:nvSpPr>
         <p:spPr>
           <a:xfrm>
-            <a:off x="1535818" y="2318789"/>
-            <a:ext cx="3854368" cy="2800767"/>
+            <a:off x="897147" y="1356033"/>
+            <a:ext cx="4813540" cy="4893647"/>
           </a:xfrm>
           <a:prstGeom prst="rect">
             <a:avLst/>
@@ -7618,10 +6952,16 @@
           <a:p>
             <a:pPr algn="ctr"/>
             <a:r>
-              <a:rPr lang="es-ES" sz="1600" dirty="0">
+              <a:rPr lang="es-ES" sz="2400" dirty="0">
                 <a:latin typeface="+mj-lt"/>
               </a:rPr>
-              <a:t>En la actualidad, la industria musical es altamente competitiva y encontrar trabajo como músico puede ser un desafío. Los músicos enfrentan dificultades para conectarse con oportunidades de trabajo adecuadas a sus habilidades y experiencia, lo que puede limitar su crecimiento profesional y financiero. Además, los empleadores pueden tener dificultades para encontrar músicos calificados y confiables para sus proyectos.</a:t>
+              <a:t>En la actualidad, la industria musical es altamente competitiva y encontrar trabajo como músico puede ser un desafío. Los músicos enfrentan dificultades para conectarse con oportunidades de trabajo adecuadas a sus habilidades y experiencia, lo que puede limitar su crecimiento profesional y financiero. Además, los empleadores pueden tener dificultades para encontrar músicos calificados y confiables para sus proyectos</a:t>
+            </a:r>
+            <a:r>
+              <a:rPr lang="es-ES" sz="2000" dirty="0">
+                <a:latin typeface="+mj-lt"/>
+              </a:rPr>
+              <a:t>.</a:t>
             </a:r>
           </a:p>
         </p:txBody>
@@ -7655,8 +6995,8 @@
         </p:blipFill>
         <p:spPr bwMode="auto">
           <a:xfrm>
-            <a:off x="6880693" y="2318789"/>
-            <a:ext cx="3291840" cy="2468880"/>
+            <a:off x="6566167" y="1861520"/>
+            <a:ext cx="4467018" cy="3350264"/>
           </a:xfrm>
           <a:prstGeom prst="rect">
             <a:avLst/>
@@ -7862,13 +7202,13 @@
   <p:clrMapOvr>
     <a:masterClrMapping/>
   </p:clrMapOvr>
-  <mc:AlternateContent xmlns:mc="http://schemas.openxmlformats.org/markup-compatibility/2006">
-    <mc:Choice xmlns:p159="http://schemas.microsoft.com/office/powerpoint/2015/09/main" Requires="p159">
+  <mc:AlternateContent xmlns:mc="http://schemas.openxmlformats.org/markup-compatibility/2006" xmlns:p159="http://schemas.microsoft.com/office/powerpoint/2015/09/main">
+    <mc:Choice Requires="p159">
       <p:transition xmlns:p14="http://schemas.microsoft.com/office/powerpoint/2010/main" spd="slow" p14:dur="1500">
         <p159:morph option="byObject"/>
       </p:transition>
     </mc:Choice>
-    <mc:Fallback>
+    <mc:Fallback xmlns="">
       <p:transition spd="slow">
         <p:fade/>
       </p:transition>
@@ -7927,8 +7267,8 @@
         </p:nvSpPr>
         <p:spPr>
           <a:xfrm>
-            <a:off x="456236" y="457723"/>
-            <a:ext cx="10515600" cy="676598"/>
+            <a:off x="1196977" y="311074"/>
+            <a:ext cx="4900768" cy="676598"/>
           </a:xfrm>
           <a:prstGeom prst="rect">
             <a:avLst/>
@@ -7985,8 +7325,8 @@
         </p:nvSpPr>
         <p:spPr>
           <a:xfrm>
-            <a:off x="1859668" y="3013501"/>
-            <a:ext cx="3854368" cy="1323439"/>
+            <a:off x="1661611" y="2398143"/>
+            <a:ext cx="3971500" cy="2308324"/>
           </a:xfrm>
           <a:prstGeom prst="rect">
             <a:avLst/>
@@ -8001,7 +7341,7 @@
           <a:p>
             <a:pPr algn="ctr"/>
             <a:r>
-              <a:rPr lang="es-ES" sz="1600" dirty="0">
+              <a:rPr lang="es-ES" sz="2400" dirty="0">
                 <a:latin typeface="+mj-lt"/>
               </a:rPr>
               <a:t>Nodens es una plataforma que ayuda a Músicos a encontrar empleo, al mismo que tiempo que ayuda a Personas que requieran servicios musicales a encontrar sus músicos ideales.</a:t>
@@ -8189,13 +7529,13 @@
   <p:clrMapOvr>
     <a:masterClrMapping/>
   </p:clrMapOvr>
-  <mc:AlternateContent xmlns:mc="http://schemas.openxmlformats.org/markup-compatibility/2006">
-    <mc:Choice xmlns:p159="http://schemas.microsoft.com/office/powerpoint/2015/09/main" Requires="p159">
+  <mc:AlternateContent xmlns:mc="http://schemas.openxmlformats.org/markup-compatibility/2006" xmlns:p159="http://schemas.microsoft.com/office/powerpoint/2015/09/main">
+    <mc:Choice Requires="p159">
       <p:transition xmlns:p14="http://schemas.microsoft.com/office/powerpoint/2010/main" spd="slow" p14:dur="1500">
         <p159:morph option="byObject"/>
       </p:transition>
     </mc:Choice>
-    <mc:Fallback>
+    <mc:Fallback xmlns="">
       <p:transition spd="slow">
         <p:fade/>
       </p:transition>
@@ -8254,8 +7594,8 @@
         </p:nvSpPr>
         <p:spPr>
           <a:xfrm>
-            <a:off x="456236" y="457723"/>
-            <a:ext cx="10515600" cy="676598"/>
+            <a:off x="2248373" y="341954"/>
+            <a:ext cx="2295590" cy="676598"/>
           </a:xfrm>
           <a:prstGeom prst="rect">
             <a:avLst/>
@@ -8312,8 +7652,8 @@
         </p:nvSpPr>
         <p:spPr>
           <a:xfrm>
-            <a:off x="1859668" y="3013501"/>
-            <a:ext cx="3854368" cy="1569660"/>
+            <a:off x="1078302" y="1828800"/>
+            <a:ext cx="4635733" cy="3539430"/>
           </a:xfrm>
           <a:prstGeom prst="rect">
             <a:avLst/>
@@ -8328,7 +7668,7 @@
           <a:p>
             <a:pPr algn="ctr"/>
             <a:r>
-              <a:rPr lang="es-ES" sz="1600" dirty="0">
+              <a:rPr lang="es-ES" sz="2800" dirty="0">
                 <a:latin typeface="+mj-lt"/>
               </a:rPr>
               <a:t>La aplicación web conecta músicos con empleadores, permitiéndoles mostrar su trabajo, establecer contactos y postularse a ofertas de empleo relevantes. Los empleadores pueden buscar talentos y revisar perfiles. </a:t>
@@ -8528,7 +7868,7 @@
         </p:blipFill>
         <p:spPr>
           <a:xfrm>
-            <a:off x="6477966" y="2124075"/>
+            <a:off x="6477967" y="2037811"/>
             <a:ext cx="4952509" cy="3209402"/>
           </a:xfrm>
           <a:prstGeom prst="rect">
@@ -8546,13 +7886,13 @@
   <p:clrMapOvr>
     <a:masterClrMapping/>
   </p:clrMapOvr>
-  <mc:AlternateContent xmlns:mc="http://schemas.openxmlformats.org/markup-compatibility/2006">
-    <mc:Choice xmlns:p159="http://schemas.microsoft.com/office/powerpoint/2015/09/main" Requires="p159">
+  <mc:AlternateContent xmlns:mc="http://schemas.openxmlformats.org/markup-compatibility/2006" xmlns:p159="http://schemas.microsoft.com/office/powerpoint/2015/09/main">
+    <mc:Choice Requires="p159">
       <p:transition xmlns:p14="http://schemas.microsoft.com/office/powerpoint/2010/main" spd="slow" p14:dur="1500">
         <p159:morph option="byObject"/>
       </p:transition>
     </mc:Choice>
-    <mc:Fallback>
+    <mc:Fallback xmlns="">
       <p:transition spd="slow">
         <p:fade/>
       </p:transition>
@@ -8595,103 +7935,6 @@
           <a:chExt cx="0" cy="0"/>
         </a:xfrm>
       </p:grpSpPr>
-      <p:grpSp>
-        <p:nvGrpSpPr>
-          <p:cNvPr id="16" name="Grupo 15">
-            <a:extLst>
-              <a:ext uri="{FF2B5EF4-FFF2-40B4-BE49-F238E27FC236}">
-                <a16:creationId xmlns:a16="http://schemas.microsoft.com/office/drawing/2014/main" id="{A503B9E4-D491-D395-1034-3C930F5E05D6}"/>
-              </a:ext>
-            </a:extLst>
-          </p:cNvPr>
-          <p:cNvGrpSpPr/>
-          <p:nvPr/>
-        </p:nvGrpSpPr>
-        <p:grpSpPr>
-          <a:xfrm>
-            <a:off x="655087" y="318176"/>
-            <a:ext cx="10585132" cy="7056755"/>
-            <a:chOff x="1795683" y="1547280"/>
-            <a:chExt cx="8014370" cy="5342913"/>
-          </a:xfrm>
-        </p:grpSpPr>
-        <p:pic>
-          <p:nvPicPr>
-            <p:cNvPr id="15" name="Imagen 14">
-              <a:extLst>
-                <a:ext uri="{FF2B5EF4-FFF2-40B4-BE49-F238E27FC236}">
-                  <a16:creationId xmlns:a16="http://schemas.microsoft.com/office/drawing/2014/main" id="{6C4B99B0-98BD-826E-EF35-7C63882A34B0}"/>
-                </a:ext>
-              </a:extLst>
-            </p:cNvPr>
-            <p:cNvPicPr>
-              <a:picLocks noChangeAspect="1"/>
-            </p:cNvPicPr>
-            <p:nvPr/>
-          </p:nvPicPr>
-          <p:blipFill>
-            <a:blip r:embed="rId3"/>
-            <a:stretch>
-              <a:fillRect/>
-            </a:stretch>
-          </p:blipFill>
-          <p:spPr>
-            <a:xfrm>
-              <a:off x="2905760" y="2279692"/>
-              <a:ext cx="5775960" cy="3228975"/>
-            </a:xfrm>
-            <a:prstGeom prst="rect">
-              <a:avLst/>
-            </a:prstGeom>
-          </p:spPr>
-        </p:pic>
-        <p:pic>
-          <p:nvPicPr>
-            <p:cNvPr id="12" name="Imagen 11" descr="Forma, Rectángulo&#10;&#10;Descripción generada automáticamente">
-              <a:extLst>
-                <a:ext uri="{FF2B5EF4-FFF2-40B4-BE49-F238E27FC236}">
-                  <a16:creationId xmlns:a16="http://schemas.microsoft.com/office/drawing/2014/main" id="{8600677A-DBC6-3C41-AEA5-69AEDD1509C5}"/>
-                </a:ext>
-              </a:extLst>
-            </p:cNvPr>
-            <p:cNvPicPr>
-              <a:picLocks noChangeAspect="1"/>
-            </p:cNvPicPr>
-            <p:nvPr/>
-          </p:nvPicPr>
-          <p:blipFill>
-            <a:blip r:embed="rId4">
-              <a:extLst>
-                <a:ext uri="{BEBA8EAE-BF5A-486C-A8C5-ECC9F3942E4B}">
-                  <a14:imgProps xmlns:a14="http://schemas.microsoft.com/office/drawing/2010/main">
-                    <a14:imgLayer r:embed="rId5">
-                      <a14:imgEffect>
-                        <a14:backgroundRemoval t="10000" b="90000" l="10000" r="90000">
-                          <a14:foregroundMark x1="41993" y1="86765" x2="41993" y2="86765"/>
-                          <a14:foregroundMark x1="40686" y1="87500" x2="40686" y2="87500"/>
-                          <a14:foregroundMark x1="40196" y1="87745" x2="40196" y2="87745"/>
-                        </a14:backgroundRemoval>
-                      </a14:imgEffect>
-                    </a14:imgLayer>
-                  </a14:imgProps>
-                </a:ext>
-              </a:extLst>
-            </a:blip>
-            <a:stretch>
-              <a:fillRect/>
-            </a:stretch>
-          </p:blipFill>
-          <p:spPr>
-            <a:xfrm>
-              <a:off x="1795683" y="1547280"/>
-              <a:ext cx="8014370" cy="5342913"/>
-            </a:xfrm>
-            <a:prstGeom prst="rect">
-              <a:avLst/>
-            </a:prstGeom>
-          </p:spPr>
-        </p:pic>
-      </p:grpSp>
       <p:sp>
         <p:nvSpPr>
           <p:cNvPr id="2" name="Título 1">
@@ -8708,8 +7951,8 @@
         </p:nvSpPr>
         <p:spPr>
           <a:xfrm>
-            <a:off x="409132" y="397086"/>
-            <a:ext cx="10515600" cy="676598"/>
+            <a:off x="3730544" y="282242"/>
+            <a:ext cx="4460060" cy="676598"/>
           </a:xfrm>
           <a:prstGeom prst="rect">
             <a:avLst/>
@@ -8747,7 +7990,7 @@
                 </a:solidFill>
                 <a:latin typeface="Work Sans Light" pitchFamily="2" charset="0"/>
               </a:rPr>
-              <a:t>Funcionalidades - Organizador</a:t>
+              <a:t>Funcionalidades</a:t>
             </a:r>
           </a:p>
         </p:txBody>
@@ -8787,10 +8030,10 @@
             <p:nvPr/>
           </p:nvPicPr>
           <p:blipFill>
-            <a:blip r:embed="rId6">
+            <a:blip r:embed="rId3">
               <a:extLst>
                 <a:ext uri="{96DAC541-7B7A-43D3-8B79-37D633B846F1}">
-                  <asvg:svgBlip xmlns:asvg="http://schemas.microsoft.com/office/drawing/2016/SVG/main" r:embed="rId7"/>
+                  <asvg:svgBlip xmlns:asvg="http://schemas.microsoft.com/office/drawing/2016/SVG/main" r:embed="rId4"/>
                 </a:ext>
               </a:extLst>
             </a:blip>
@@ -8823,11 +8066,11 @@
             <p:nvPr/>
           </p:nvPicPr>
           <p:blipFill>
-            <a:blip r:embed="rId8">
+            <a:blip r:embed="rId5">
               <a:extLst>
                 <a:ext uri="{BEBA8EAE-BF5A-486C-A8C5-ECC9F3942E4B}">
                   <a14:imgProps xmlns:a14="http://schemas.microsoft.com/office/drawing/2010/main">
-                    <a14:imgLayer r:embed="rId9">
+                    <a14:imgLayer r:embed="rId6">
                       <a14:imgEffect>
                         <a14:backgroundRemoval t="9582" b="89681" l="4950" r="94364">
                           <a14:foregroundMark x1="94440" y1="36364" x2="92007" y2="38843"/>
@@ -8922,328 +8165,88 @@
           </p:spPr>
         </p:pic>
       </p:grpSp>
-      <p:sp>
-        <p:nvSpPr>
-          <p:cNvPr id="18" name="CuadroTexto 17">
-            <a:extLst>
-              <a:ext uri="{FF2B5EF4-FFF2-40B4-BE49-F238E27FC236}">
-                <a16:creationId xmlns:a16="http://schemas.microsoft.com/office/drawing/2014/main" id="{848F35A6-4E84-E23F-9E39-2CB0405C4D30}"/>
-              </a:ext>
-            </a:extLst>
-          </p:cNvPr>
-          <p:cNvSpPr txBox="1"/>
+      <p:pic>
+        <p:nvPicPr>
+          <p:cNvPr id="4" name="Imagen 3" descr="Forma&#10;&#10;Descripción generada automáticamente">
+            <a:extLst>
+              <a:ext uri="{FF2B5EF4-FFF2-40B4-BE49-F238E27FC236}">
+                <a16:creationId xmlns:a16="http://schemas.microsoft.com/office/drawing/2014/main" id="{D593F4FD-49B5-00E6-73E0-6E1DE73358A1}"/>
+              </a:ext>
+            </a:extLst>
+          </p:cNvPr>
+          <p:cNvPicPr>
+            <a:picLocks noChangeAspect="1"/>
+          </p:cNvPicPr>
           <p:nvPr/>
-        </p:nvSpPr>
+        </p:nvPicPr>
+        <p:blipFill rotWithShape="1">
+          <a:blip r:embed="rId7"/>
+          <a:srcRect l="17021" t="16353" r="16608"/>
+          <a:stretch/>
+        </p:blipFill>
         <p:spPr>
           <a:xfrm>
-            <a:off x="273154" y="2185496"/>
-            <a:ext cx="1509623" cy="646331"/>
+            <a:off x="964209" y="2660103"/>
+            <a:ext cx="3775587" cy="2501993"/>
           </a:xfrm>
           <a:prstGeom prst="rect">
             <a:avLst/>
           </a:prstGeom>
-          <a:noFill/>
         </p:spPr>
-        <p:txBody>
-          <a:bodyPr wrap="square" rtlCol="0">
-            <a:spAutoFit/>
-          </a:bodyPr>
-          <a:lstStyle/>
-          <a:p>
-            <a:r>
-              <a:rPr lang="es-CO" dirty="0"/>
-              <a:t>Ver perfiles de músicos</a:t>
-            </a:r>
-          </a:p>
-        </p:txBody>
-      </p:sp>
-      <p:sp>
-        <p:nvSpPr>
-          <p:cNvPr id="20" name="CuadroTexto 19">
-            <a:extLst>
-              <a:ext uri="{FF2B5EF4-FFF2-40B4-BE49-F238E27FC236}">
-                <a16:creationId xmlns:a16="http://schemas.microsoft.com/office/drawing/2014/main" id="{78D3E90A-5065-7280-5EDA-626A8368637F}"/>
-              </a:ext>
-            </a:extLst>
-          </p:cNvPr>
-          <p:cNvSpPr txBox="1"/>
+      </p:pic>
+      <p:pic>
+        <p:nvPicPr>
+          <p:cNvPr id="9" name="Imagen 8" descr="Dibujo de una persona&#10;&#10;Descripción generada automáticamente con confianza media">
+            <a:extLst>
+              <a:ext uri="{FF2B5EF4-FFF2-40B4-BE49-F238E27FC236}">
+                <a16:creationId xmlns:a16="http://schemas.microsoft.com/office/drawing/2014/main" id="{EA8810A4-4255-7E2D-4948-45BC9060B9C9}"/>
+              </a:ext>
+            </a:extLst>
+          </p:cNvPr>
+          <p:cNvPicPr>
+            <a:picLocks noChangeAspect="1"/>
+          </p:cNvPicPr>
           <p:nvPr/>
-        </p:nvSpPr>
+        </p:nvPicPr>
+        <p:blipFill rotWithShape="1">
+          <a:blip r:embed="rId8"/>
+          <a:srcRect t="13626" b="14639"/>
+          <a:stretch/>
+        </p:blipFill>
         <p:spPr>
           <a:xfrm>
-            <a:off x="10312459" y="1334717"/>
-            <a:ext cx="1509623" cy="369332"/>
+            <a:off x="6871174" y="2746775"/>
+            <a:ext cx="4793999" cy="2328651"/>
           </a:xfrm>
           <a:prstGeom prst="rect">
             <a:avLst/>
           </a:prstGeom>
-          <a:noFill/>
         </p:spPr>
-        <p:txBody>
-          <a:bodyPr wrap="square" rtlCol="0">
-            <a:spAutoFit/>
-          </a:bodyPr>
-          <a:lstStyle/>
-          <a:p>
-            <a:r>
-              <a:rPr lang="es-CO" dirty="0"/>
-              <a:t>Crear Ofertas</a:t>
-            </a:r>
-          </a:p>
-        </p:txBody>
-      </p:sp>
-      <p:sp>
-        <p:nvSpPr>
-          <p:cNvPr id="22" name="CuadroTexto 21">
-            <a:extLst>
-              <a:ext uri="{FF2B5EF4-FFF2-40B4-BE49-F238E27FC236}">
-                <a16:creationId xmlns:a16="http://schemas.microsoft.com/office/drawing/2014/main" id="{7C5FBF95-4897-4DE7-A3E7-3019FB3F3A2E}"/>
-              </a:ext>
-            </a:extLst>
-          </p:cNvPr>
-          <p:cNvSpPr txBox="1"/>
-          <p:nvPr/>
-        </p:nvSpPr>
-        <p:spPr>
-          <a:xfrm>
-            <a:off x="260780" y="4803454"/>
-            <a:ext cx="1854679" cy="646331"/>
-          </a:xfrm>
-          <a:prstGeom prst="rect">
-            <a:avLst/>
-          </a:prstGeom>
-          <a:noFill/>
-        </p:spPr>
-        <p:txBody>
-          <a:bodyPr wrap="square" rtlCol="0">
-            <a:spAutoFit/>
-          </a:bodyPr>
-          <a:lstStyle/>
-          <a:p>
-            <a:r>
-              <a:rPr lang="es-CO" dirty="0"/>
-              <a:t>Ver postulaciones</a:t>
-            </a:r>
-          </a:p>
-          <a:p>
-            <a:r>
-              <a:rPr lang="es-CO" dirty="0"/>
-              <a:t>con sus perfiles</a:t>
-            </a:r>
-          </a:p>
-        </p:txBody>
-      </p:sp>
-      <p:sp>
-        <p:nvSpPr>
-          <p:cNvPr id="24" name="CuadroTexto 23">
-            <a:extLst>
-              <a:ext uri="{FF2B5EF4-FFF2-40B4-BE49-F238E27FC236}">
-                <a16:creationId xmlns:a16="http://schemas.microsoft.com/office/drawing/2014/main" id="{F925A169-D4A7-EF1D-5B90-6C383CE5CF24}"/>
-              </a:ext>
-            </a:extLst>
-          </p:cNvPr>
-          <p:cNvSpPr txBox="1"/>
-          <p:nvPr/>
-        </p:nvSpPr>
-        <p:spPr>
-          <a:xfrm>
-            <a:off x="9864112" y="3344288"/>
-            <a:ext cx="2121241" cy="646331"/>
-          </a:xfrm>
-          <a:prstGeom prst="rect">
-            <a:avLst/>
-          </a:prstGeom>
-          <a:noFill/>
-        </p:spPr>
-        <p:txBody>
-          <a:bodyPr wrap="square" rtlCol="0">
-            <a:spAutoFit/>
-          </a:bodyPr>
-          <a:lstStyle/>
-          <a:p>
-            <a:r>
-              <a:rPr lang="es-CO" dirty="0"/>
-              <a:t>Cambiar el estado de las postulaciones</a:t>
-            </a:r>
-          </a:p>
-        </p:txBody>
-      </p:sp>
+      </p:pic>
       <p:cxnSp>
         <p:nvCxnSpPr>
-          <p:cNvPr id="27" name="Conector: angular 26">
-            <a:extLst>
-              <a:ext uri="{FF2B5EF4-FFF2-40B4-BE49-F238E27FC236}">
-                <a16:creationId xmlns:a16="http://schemas.microsoft.com/office/drawing/2014/main" id="{9EC4D786-6CD7-8F06-D66A-DA4F8B584DA4}"/>
-              </a:ext>
-            </a:extLst>
-          </p:cNvPr>
-          <p:cNvCxnSpPr>
-            <a:cxnSpLocks/>
-          </p:cNvCxnSpPr>
+          <p:cNvPr id="11" name="Conector recto de flecha 10">
+            <a:extLst>
+              <a:ext uri="{FF2B5EF4-FFF2-40B4-BE49-F238E27FC236}">
+                <a16:creationId xmlns:a16="http://schemas.microsoft.com/office/drawing/2014/main" id="{1EDD8F20-74A4-F324-8C8D-F7D481F44214}"/>
+              </a:ext>
+            </a:extLst>
+          </p:cNvPr>
+          <p:cNvCxnSpPr/>
           <p:nvPr/>
         </p:nvCxnSpPr>
         <p:spPr>
-          <a:xfrm rot="10800000">
-            <a:off x="406464" y="2867763"/>
-            <a:ext cx="3078608" cy="727532"/>
-          </a:xfrm>
-          <a:prstGeom prst="bentConnector3">
+          <a:xfrm>
+            <a:off x="5072703" y="3614289"/>
+            <a:ext cx="1396181" cy="0"/>
+          </a:xfrm>
+          <a:prstGeom prst="straightConnector1">
             <a:avLst/>
           </a:prstGeom>
-          <a:ln w="19050"/>
-          <a:effectLst>
-            <a:outerShdw blurRad="50800" dist="38100" dir="2700000" algn="tl" rotWithShape="0">
-              <a:prstClr val="black">
-                <a:alpha val="40000"/>
-              </a:prstClr>
-            </a:outerShdw>
-          </a:effectLst>
-        </p:spPr>
-        <p:style>
-          <a:lnRef idx="1">
-            <a:schemeClr val="accent2"/>
-          </a:lnRef>
-          <a:fillRef idx="0">
-            <a:schemeClr val="accent2"/>
-          </a:fillRef>
-          <a:effectRef idx="0">
-            <a:schemeClr val="accent2"/>
-          </a:effectRef>
-          <a:fontRef idx="minor">
-            <a:schemeClr val="tx1"/>
-          </a:fontRef>
-        </p:style>
-      </p:cxnSp>
-      <p:cxnSp>
-        <p:nvCxnSpPr>
-          <p:cNvPr id="31" name="Conector: angular 30">
-            <a:extLst>
-              <a:ext uri="{FF2B5EF4-FFF2-40B4-BE49-F238E27FC236}">
-                <a16:creationId xmlns:a16="http://schemas.microsoft.com/office/drawing/2014/main" id="{A7963CFB-DE60-2D1C-6FD1-BD1E167284CF}"/>
-              </a:ext>
-            </a:extLst>
-          </p:cNvPr>
-          <p:cNvCxnSpPr>
-            <a:cxnSpLocks/>
-            <a:stCxn id="50" idx="2"/>
-            <a:endCxn id="51" idx="6"/>
-          </p:cNvCxnSpPr>
-          <p:nvPr/>
-        </p:nvCxnSpPr>
-        <p:spPr>
-          <a:xfrm rot="10800000" flipV="1">
-            <a:off x="469118" y="3807135"/>
-            <a:ext cx="6183143" cy="1636067"/>
-          </a:xfrm>
-          <a:prstGeom prst="bentConnector3">
-            <a:avLst>
-              <a:gd name="adj1" fmla="val 50000"/>
-            </a:avLst>
-          </a:prstGeom>
-          <a:ln w="19050"/>
-          <a:effectLst>
-            <a:outerShdw blurRad="50800" dist="38100" dir="2700000" algn="tl" rotWithShape="0">
-              <a:prstClr val="black">
-                <a:alpha val="40000"/>
-              </a:prstClr>
-            </a:outerShdw>
-          </a:effectLst>
-        </p:spPr>
-        <p:style>
-          <a:lnRef idx="1">
-            <a:schemeClr val="accent2"/>
-          </a:lnRef>
-          <a:fillRef idx="0">
-            <a:schemeClr val="accent2"/>
-          </a:fillRef>
-          <a:effectRef idx="0">
-            <a:schemeClr val="accent2"/>
-          </a:effectRef>
-          <a:fontRef idx="minor">
-            <a:schemeClr val="tx1"/>
-          </a:fontRef>
-        </p:style>
-      </p:cxnSp>
-      <p:cxnSp>
-        <p:nvCxnSpPr>
-          <p:cNvPr id="40" name="Conector: angular 39">
-            <a:extLst>
-              <a:ext uri="{FF2B5EF4-FFF2-40B4-BE49-F238E27FC236}">
-                <a16:creationId xmlns:a16="http://schemas.microsoft.com/office/drawing/2014/main" id="{CCF821BD-5A79-6DED-2793-7B6FD58D13A2}"/>
-              </a:ext>
-            </a:extLst>
-          </p:cNvPr>
-          <p:cNvCxnSpPr>
-            <a:cxnSpLocks/>
-          </p:cNvCxnSpPr>
-          <p:nvPr/>
-        </p:nvCxnSpPr>
-        <p:spPr>
-          <a:xfrm rot="10800000">
-            <a:off x="7970810" y="3297544"/>
-            <a:ext cx="3851272" cy="765498"/>
-          </a:xfrm>
-          <a:prstGeom prst="bentConnector3">
-            <a:avLst>
-              <a:gd name="adj1" fmla="val 62319"/>
-            </a:avLst>
-          </a:prstGeom>
-          <a:ln w="19050"/>
-          <a:effectLst>
-            <a:outerShdw blurRad="50800" dist="38100" dir="2700000" algn="tl" rotWithShape="0">
-              <a:prstClr val="black">
-                <a:alpha val="40000"/>
-              </a:prstClr>
-            </a:outerShdw>
-          </a:effectLst>
-        </p:spPr>
-        <p:style>
-          <a:lnRef idx="1">
-            <a:schemeClr val="accent2"/>
-          </a:lnRef>
-          <a:fillRef idx="0">
-            <a:schemeClr val="accent2"/>
-          </a:fillRef>
-          <a:effectRef idx="0">
-            <a:schemeClr val="accent2"/>
-          </a:effectRef>
-          <a:fontRef idx="minor">
-            <a:schemeClr val="tx1"/>
-          </a:fontRef>
-        </p:style>
-      </p:cxnSp>
-      <p:cxnSp>
-        <p:nvCxnSpPr>
-          <p:cNvPr id="44" name="Conector: angular 43">
-            <a:extLst>
-              <a:ext uri="{FF2B5EF4-FFF2-40B4-BE49-F238E27FC236}">
-                <a16:creationId xmlns:a16="http://schemas.microsoft.com/office/drawing/2014/main" id="{7C75C0F3-3D5B-DC31-9485-E15BADE73E66}"/>
-              </a:ext>
-            </a:extLst>
-          </p:cNvPr>
-          <p:cNvCxnSpPr>
-            <a:cxnSpLocks/>
-          </p:cNvCxnSpPr>
-          <p:nvPr/>
-        </p:nvCxnSpPr>
-        <p:spPr>
-          <a:xfrm rot="10800000" flipV="1">
-            <a:off x="7366958" y="1724110"/>
-            <a:ext cx="4255194" cy="186810"/>
-          </a:xfrm>
-          <a:prstGeom prst="bentConnector3">
-            <a:avLst>
-              <a:gd name="adj1" fmla="val 39864"/>
-            </a:avLst>
-          </a:prstGeom>
-          <a:ln w="19050"/>
-          <a:effectLst>
-            <a:outerShdw blurRad="50800" dist="38100" dir="2700000" algn="tl" rotWithShape="0">
-              <a:prstClr val="black">
-                <a:alpha val="40000"/>
-              </a:prstClr>
-            </a:outerShdw>
-          </a:effectLst>
+          <a:ln w="57150">
+            <a:headEnd type="triangle"/>
+            <a:tailEnd type="triangle"/>
+          </a:ln>
         </p:spPr>
         <p:style>
           <a:lnRef idx="1">
@@ -9262,561 +8265,10 @@
       </p:cxnSp>
       <p:sp>
         <p:nvSpPr>
-          <p:cNvPr id="50" name="Elipse 49">
-            <a:extLst>
-              <a:ext uri="{FF2B5EF4-FFF2-40B4-BE49-F238E27FC236}">
-                <a16:creationId xmlns:a16="http://schemas.microsoft.com/office/drawing/2014/main" id="{D11D5121-5B6E-BAA0-E125-EF77720557B3}"/>
-              </a:ext>
-            </a:extLst>
-          </p:cNvPr>
-          <p:cNvSpPr/>
-          <p:nvPr/>
-        </p:nvSpPr>
-        <p:spPr>
-          <a:xfrm>
-            <a:off x="6652260" y="3765226"/>
-            <a:ext cx="83820" cy="83820"/>
-          </a:xfrm>
-          <a:prstGeom prst="ellipse">
-            <a:avLst/>
-          </a:prstGeom>
-          <a:solidFill>
-            <a:schemeClr val="accent2"/>
-          </a:solidFill>
-          <a:ln>
-            <a:noFill/>
-          </a:ln>
-        </p:spPr>
-        <p:style>
-          <a:lnRef idx="2">
-            <a:schemeClr val="accent1">
-              <a:shade val="15000"/>
-            </a:schemeClr>
-          </a:lnRef>
-          <a:fillRef idx="1">
-            <a:schemeClr val="accent1"/>
-          </a:fillRef>
-          <a:effectRef idx="0">
-            <a:schemeClr val="accent1"/>
-          </a:effectRef>
-          <a:fontRef idx="minor">
-            <a:schemeClr val="lt1"/>
-          </a:fontRef>
-        </p:style>
-        <p:txBody>
-          <a:bodyPr rtlCol="0" anchor="ctr"/>
-          <a:lstStyle/>
-          <a:p>
-            <a:pPr algn="ctr"/>
-            <a:endParaRPr lang="es-CO"/>
-          </a:p>
-        </p:txBody>
-      </p:sp>
-      <p:sp>
-        <p:nvSpPr>
-          <p:cNvPr id="51" name="Elipse 50">
-            <a:extLst>
-              <a:ext uri="{FF2B5EF4-FFF2-40B4-BE49-F238E27FC236}">
-                <a16:creationId xmlns:a16="http://schemas.microsoft.com/office/drawing/2014/main" id="{22B50049-BC1F-DC24-34DD-46FDFD09992C}"/>
-              </a:ext>
-            </a:extLst>
-          </p:cNvPr>
-          <p:cNvSpPr/>
-          <p:nvPr/>
-        </p:nvSpPr>
-        <p:spPr>
-          <a:xfrm>
-            <a:off x="385297" y="5401293"/>
-            <a:ext cx="83820" cy="83820"/>
-          </a:xfrm>
-          <a:prstGeom prst="ellipse">
-            <a:avLst/>
-          </a:prstGeom>
-          <a:solidFill>
-            <a:schemeClr val="accent2"/>
-          </a:solidFill>
-          <a:ln>
-            <a:noFill/>
-          </a:ln>
-        </p:spPr>
-        <p:style>
-          <a:lnRef idx="2">
-            <a:schemeClr val="accent1">
-              <a:shade val="15000"/>
-            </a:schemeClr>
-          </a:lnRef>
-          <a:fillRef idx="1">
-            <a:schemeClr val="accent1"/>
-          </a:fillRef>
-          <a:effectRef idx="0">
-            <a:schemeClr val="accent1"/>
-          </a:effectRef>
-          <a:fontRef idx="minor">
-            <a:schemeClr val="lt1"/>
-          </a:fontRef>
-        </p:style>
-        <p:txBody>
-          <a:bodyPr rtlCol="0" anchor="ctr"/>
-          <a:lstStyle/>
-          <a:p>
-            <a:pPr algn="ctr"/>
-            <a:endParaRPr lang="es-CO"/>
-          </a:p>
-        </p:txBody>
-      </p:sp>
-      <p:sp>
-        <p:nvSpPr>
-          <p:cNvPr id="52" name="Elipse 51">
-            <a:extLst>
-              <a:ext uri="{FF2B5EF4-FFF2-40B4-BE49-F238E27FC236}">
-                <a16:creationId xmlns:a16="http://schemas.microsoft.com/office/drawing/2014/main" id="{E86DB5B0-F349-3ECC-B46A-95A4E63309B9}"/>
-              </a:ext>
-            </a:extLst>
-          </p:cNvPr>
-          <p:cNvSpPr/>
-          <p:nvPr/>
-        </p:nvSpPr>
-        <p:spPr>
-          <a:xfrm>
-            <a:off x="380301" y="2831827"/>
-            <a:ext cx="83820" cy="83820"/>
-          </a:xfrm>
-          <a:prstGeom prst="ellipse">
-            <a:avLst/>
-          </a:prstGeom>
-          <a:solidFill>
-            <a:schemeClr val="accent2"/>
-          </a:solidFill>
-          <a:ln>
-            <a:noFill/>
-          </a:ln>
-        </p:spPr>
-        <p:style>
-          <a:lnRef idx="2">
-            <a:schemeClr val="accent1">
-              <a:shade val="15000"/>
-            </a:schemeClr>
-          </a:lnRef>
-          <a:fillRef idx="1">
-            <a:schemeClr val="accent1"/>
-          </a:fillRef>
-          <a:effectRef idx="0">
-            <a:schemeClr val="accent1"/>
-          </a:effectRef>
-          <a:fontRef idx="minor">
-            <a:schemeClr val="lt1"/>
-          </a:fontRef>
-        </p:style>
-        <p:txBody>
-          <a:bodyPr rtlCol="0" anchor="ctr"/>
-          <a:lstStyle/>
-          <a:p>
-            <a:pPr algn="ctr"/>
-            <a:endParaRPr lang="es-CO"/>
-          </a:p>
-        </p:txBody>
-      </p:sp>
-      <p:sp>
-        <p:nvSpPr>
-          <p:cNvPr id="54" name="Elipse 53">
-            <a:extLst>
-              <a:ext uri="{FF2B5EF4-FFF2-40B4-BE49-F238E27FC236}">
-                <a16:creationId xmlns:a16="http://schemas.microsoft.com/office/drawing/2014/main" id="{C6104204-90E6-652C-93A9-9D7A5C879D94}"/>
-              </a:ext>
-            </a:extLst>
-          </p:cNvPr>
-          <p:cNvSpPr/>
-          <p:nvPr/>
-        </p:nvSpPr>
-        <p:spPr>
-          <a:xfrm>
-            <a:off x="3436199" y="3553386"/>
-            <a:ext cx="83820" cy="83820"/>
-          </a:xfrm>
-          <a:prstGeom prst="ellipse">
-            <a:avLst/>
-          </a:prstGeom>
-          <a:solidFill>
-            <a:schemeClr val="accent2"/>
-          </a:solidFill>
-          <a:ln>
-            <a:noFill/>
-          </a:ln>
-        </p:spPr>
-        <p:style>
-          <a:lnRef idx="2">
-            <a:schemeClr val="accent1">
-              <a:shade val="15000"/>
-            </a:schemeClr>
-          </a:lnRef>
-          <a:fillRef idx="1">
-            <a:schemeClr val="accent1"/>
-          </a:fillRef>
-          <a:effectRef idx="0">
-            <a:schemeClr val="accent1"/>
-          </a:effectRef>
-          <a:fontRef idx="minor">
-            <a:schemeClr val="lt1"/>
-          </a:fontRef>
-        </p:style>
-        <p:txBody>
-          <a:bodyPr rtlCol="0" anchor="ctr"/>
-          <a:lstStyle/>
-          <a:p>
-            <a:pPr algn="ctr"/>
-            <a:endParaRPr lang="es-CO"/>
-          </a:p>
-        </p:txBody>
-      </p:sp>
-      <p:sp>
-        <p:nvSpPr>
-          <p:cNvPr id="55" name="Elipse 54">
-            <a:extLst>
-              <a:ext uri="{FF2B5EF4-FFF2-40B4-BE49-F238E27FC236}">
-                <a16:creationId xmlns:a16="http://schemas.microsoft.com/office/drawing/2014/main" id="{513B1A6E-5485-D5EE-12BF-3B80C3BF404D}"/>
-              </a:ext>
-            </a:extLst>
-          </p:cNvPr>
-          <p:cNvSpPr/>
-          <p:nvPr/>
-        </p:nvSpPr>
-        <p:spPr>
-          <a:xfrm>
-            <a:off x="7935863" y="3255633"/>
-            <a:ext cx="83820" cy="83820"/>
-          </a:xfrm>
-          <a:prstGeom prst="ellipse">
-            <a:avLst/>
-          </a:prstGeom>
-          <a:solidFill>
-            <a:schemeClr val="accent2"/>
-          </a:solidFill>
-          <a:ln>
-            <a:noFill/>
-          </a:ln>
-        </p:spPr>
-        <p:style>
-          <a:lnRef idx="2">
-            <a:schemeClr val="accent1">
-              <a:shade val="15000"/>
-            </a:schemeClr>
-          </a:lnRef>
-          <a:fillRef idx="1">
-            <a:schemeClr val="accent1"/>
-          </a:fillRef>
-          <a:effectRef idx="0">
-            <a:schemeClr val="accent1"/>
-          </a:effectRef>
-          <a:fontRef idx="minor">
-            <a:schemeClr val="lt1"/>
-          </a:fontRef>
-        </p:style>
-        <p:txBody>
-          <a:bodyPr rtlCol="0" anchor="ctr"/>
-          <a:lstStyle/>
-          <a:p>
-            <a:pPr algn="ctr"/>
-            <a:endParaRPr lang="es-CO"/>
-          </a:p>
-        </p:txBody>
-      </p:sp>
-      <p:sp>
-        <p:nvSpPr>
-          <p:cNvPr id="56" name="Elipse 55">
-            <a:extLst>
-              <a:ext uri="{FF2B5EF4-FFF2-40B4-BE49-F238E27FC236}">
-                <a16:creationId xmlns:a16="http://schemas.microsoft.com/office/drawing/2014/main" id="{BCBB0056-4027-FC3B-91A7-50AABC1992D2}"/>
-              </a:ext>
-            </a:extLst>
-          </p:cNvPr>
-          <p:cNvSpPr/>
-          <p:nvPr/>
-        </p:nvSpPr>
-        <p:spPr>
-          <a:xfrm>
-            <a:off x="7325048" y="1875312"/>
-            <a:ext cx="83820" cy="83820"/>
-          </a:xfrm>
-          <a:prstGeom prst="ellipse">
-            <a:avLst/>
-          </a:prstGeom>
-          <a:solidFill>
-            <a:schemeClr val="accent2"/>
-          </a:solidFill>
-          <a:ln>
-            <a:noFill/>
-          </a:ln>
-        </p:spPr>
-        <p:style>
-          <a:lnRef idx="2">
-            <a:schemeClr val="accent1">
-              <a:shade val="15000"/>
-            </a:schemeClr>
-          </a:lnRef>
-          <a:fillRef idx="1">
-            <a:schemeClr val="accent1"/>
-          </a:fillRef>
-          <a:effectRef idx="0">
-            <a:schemeClr val="accent1"/>
-          </a:effectRef>
-          <a:fontRef idx="minor">
-            <a:schemeClr val="lt1"/>
-          </a:fontRef>
-        </p:style>
-        <p:txBody>
-          <a:bodyPr rtlCol="0" anchor="ctr"/>
-          <a:lstStyle/>
-          <a:p>
-            <a:pPr algn="ctr"/>
-            <a:endParaRPr lang="es-CO"/>
-          </a:p>
-        </p:txBody>
-      </p:sp>
-      <p:sp>
-        <p:nvSpPr>
-          <p:cNvPr id="57" name="Elipse 56">
-            <a:extLst>
-              <a:ext uri="{FF2B5EF4-FFF2-40B4-BE49-F238E27FC236}">
-                <a16:creationId xmlns:a16="http://schemas.microsoft.com/office/drawing/2014/main" id="{9AF6C956-78B7-612F-0290-90D44746ABB2}"/>
-              </a:ext>
-            </a:extLst>
-          </p:cNvPr>
-          <p:cNvSpPr/>
-          <p:nvPr/>
-        </p:nvSpPr>
-        <p:spPr>
-          <a:xfrm>
-            <a:off x="11596273" y="1682200"/>
-            <a:ext cx="83820" cy="83820"/>
-          </a:xfrm>
-          <a:prstGeom prst="ellipse">
-            <a:avLst/>
-          </a:prstGeom>
-          <a:solidFill>
-            <a:schemeClr val="accent2"/>
-          </a:solidFill>
-          <a:ln>
-            <a:noFill/>
-          </a:ln>
-        </p:spPr>
-        <p:style>
-          <a:lnRef idx="2">
-            <a:schemeClr val="accent1">
-              <a:shade val="15000"/>
-            </a:schemeClr>
-          </a:lnRef>
-          <a:fillRef idx="1">
-            <a:schemeClr val="accent1"/>
-          </a:fillRef>
-          <a:effectRef idx="0">
-            <a:schemeClr val="accent1"/>
-          </a:effectRef>
-          <a:fontRef idx="minor">
-            <a:schemeClr val="lt1"/>
-          </a:fontRef>
-        </p:style>
-        <p:txBody>
-          <a:bodyPr rtlCol="0" anchor="ctr"/>
-          <a:lstStyle/>
-          <a:p>
-            <a:pPr algn="ctr"/>
-            <a:endParaRPr lang="es-CO"/>
-          </a:p>
-        </p:txBody>
-      </p:sp>
-      <p:sp>
-        <p:nvSpPr>
-          <p:cNvPr id="58" name="Elipse 57">
-            <a:extLst>
-              <a:ext uri="{FF2B5EF4-FFF2-40B4-BE49-F238E27FC236}">
-                <a16:creationId xmlns:a16="http://schemas.microsoft.com/office/drawing/2014/main" id="{C4F7B62A-F9F7-2BCF-BECD-0F1DDD8E6D6F}"/>
-              </a:ext>
-            </a:extLst>
-          </p:cNvPr>
-          <p:cNvSpPr/>
-          <p:nvPr/>
-        </p:nvSpPr>
-        <p:spPr>
-          <a:xfrm>
-            <a:off x="11780172" y="4015434"/>
-            <a:ext cx="83820" cy="83820"/>
-          </a:xfrm>
-          <a:prstGeom prst="ellipse">
-            <a:avLst/>
-          </a:prstGeom>
-          <a:solidFill>
-            <a:schemeClr val="accent2"/>
-          </a:solidFill>
-          <a:ln>
-            <a:noFill/>
-          </a:ln>
-        </p:spPr>
-        <p:style>
-          <a:lnRef idx="2">
-            <a:schemeClr val="accent1">
-              <a:shade val="15000"/>
-            </a:schemeClr>
-          </a:lnRef>
-          <a:fillRef idx="1">
-            <a:schemeClr val="accent1"/>
-          </a:fillRef>
-          <a:effectRef idx="0">
-            <a:schemeClr val="accent1"/>
-          </a:effectRef>
-          <a:fontRef idx="minor">
-            <a:schemeClr val="lt1"/>
-          </a:fontRef>
-        </p:style>
-        <p:txBody>
-          <a:bodyPr rtlCol="0" anchor="ctr"/>
-          <a:lstStyle/>
-          <a:p>
-            <a:pPr algn="ctr"/>
-            <a:endParaRPr lang="es-CO"/>
-          </a:p>
-        </p:txBody>
-      </p:sp>
-    </p:spTree>
-    <p:extLst>
-      <p:ext uri="{BB962C8B-B14F-4D97-AF65-F5344CB8AC3E}">
-        <p14:creationId xmlns:p14="http://schemas.microsoft.com/office/powerpoint/2010/main" val="2484711086"/>
-      </p:ext>
-    </p:extLst>
-  </p:cSld>
-  <p:clrMapOvr>
-    <a:masterClrMapping/>
-  </p:clrMapOvr>
-  <mc:AlternateContent xmlns:mc="http://schemas.openxmlformats.org/markup-compatibility/2006">
-    <mc:Choice xmlns:p159="http://schemas.microsoft.com/office/powerpoint/2015/09/main" Requires="p159">
-      <p:transition xmlns:p14="http://schemas.microsoft.com/office/powerpoint/2010/main" spd="slow" p14:dur="1500">
-        <p159:morph option="byObject"/>
-      </p:transition>
-    </mc:Choice>
-    <mc:Fallback>
-      <p:transition spd="slow">
-        <p:fade/>
-      </p:transition>
-    </mc:Fallback>
-  </mc:AlternateContent>
-</p:sld>
-</file>
-
-<file path=ppt/slides/slide7.xml><?xml version="1.0" encoding="utf-8"?>
-<p:sld xmlns:a="http://schemas.openxmlformats.org/drawingml/2006/main" xmlns:r="http://schemas.openxmlformats.org/officeDocument/2006/relationships" xmlns:p="http://schemas.openxmlformats.org/presentationml/2006/main">
-  <p:cSld>
-    <p:bg>
-      <p:bgPr>
-        <a:blipFill>
-          <a:blip r:embed="rId2" cstate="email">
-            <a:extLst>
-              <a:ext uri="{28A0092B-C50C-407E-A947-70E740481C1C}">
-                <a14:useLocalDpi xmlns:a14="http://schemas.microsoft.com/office/drawing/2010/main"/>
-              </a:ext>
-            </a:extLst>
-          </a:blip>
-          <a:stretch>
-            <a:fillRect/>
-          </a:stretch>
-        </a:blipFill>
-        <a:effectLst/>
-      </p:bgPr>
-    </p:bg>
-    <p:spTree>
-      <p:nvGrpSpPr>
-        <p:cNvPr id="1" name=""/>
-        <p:cNvGrpSpPr/>
-        <p:nvPr/>
-      </p:nvGrpSpPr>
-      <p:grpSpPr>
-        <a:xfrm>
-          <a:off x="0" y="0"/>
-          <a:ext cx="0" cy="0"/>
-          <a:chOff x="0" y="0"/>
-          <a:chExt cx="0" cy="0"/>
-        </a:xfrm>
-      </p:grpSpPr>
-      <p:pic>
-        <p:nvPicPr>
-          <p:cNvPr id="9" name="Imagen 8">
-            <a:extLst>
-              <a:ext uri="{FF2B5EF4-FFF2-40B4-BE49-F238E27FC236}">
-                <a16:creationId xmlns:a16="http://schemas.microsoft.com/office/drawing/2014/main" id="{CCC8022F-4A90-6080-FA9A-EB88B520F5BA}"/>
-              </a:ext>
-            </a:extLst>
-          </p:cNvPr>
-          <p:cNvPicPr>
-            <a:picLocks noChangeAspect="1"/>
-          </p:cNvPicPr>
-          <p:nvPr/>
-        </p:nvPicPr>
-        <p:blipFill>
-          <a:blip r:embed="rId3"/>
-          <a:stretch>
-            <a:fillRect/>
-          </a:stretch>
-        </p:blipFill>
-        <p:spPr>
-          <a:xfrm>
-            <a:off x="2145914" y="1285523"/>
-            <a:ext cx="7606248" cy="4278515"/>
-          </a:xfrm>
-          <a:prstGeom prst="rect">
-            <a:avLst/>
-          </a:prstGeom>
-        </p:spPr>
-      </p:pic>
-      <p:pic>
-        <p:nvPicPr>
-          <p:cNvPr id="12" name="Imagen 11" descr="Forma, Rectángulo&#10;&#10;Descripción generada automáticamente">
-            <a:extLst>
-              <a:ext uri="{FF2B5EF4-FFF2-40B4-BE49-F238E27FC236}">
-                <a16:creationId xmlns:a16="http://schemas.microsoft.com/office/drawing/2014/main" id="{8600677A-DBC6-3C41-AEA5-69AEDD1509C5}"/>
-              </a:ext>
-            </a:extLst>
-          </p:cNvPr>
-          <p:cNvPicPr>
-            <a:picLocks noChangeAspect="1"/>
-          </p:cNvPicPr>
-          <p:nvPr/>
-        </p:nvPicPr>
-        <p:blipFill>
-          <a:blip r:embed="rId4">
-            <a:extLst>
-              <a:ext uri="{BEBA8EAE-BF5A-486C-A8C5-ECC9F3942E4B}">
-                <a14:imgProps xmlns:a14="http://schemas.microsoft.com/office/drawing/2010/main">
-                  <a14:imgLayer r:embed="rId5">
-                    <a14:imgEffect>
-                      <a14:backgroundRemoval t="10000" b="90000" l="10000" r="90000">
-                        <a14:foregroundMark x1="41993" y1="86765" x2="41993" y2="86765"/>
-                        <a14:foregroundMark x1="40686" y1="87500" x2="40686" y2="87500"/>
-                        <a14:foregroundMark x1="40196" y1="87745" x2="40196" y2="87745"/>
-                      </a14:backgroundRemoval>
-                    </a14:imgEffect>
-                  </a14:imgLayer>
-                </a14:imgProps>
-              </a:ext>
-            </a:extLst>
-          </a:blip>
-          <a:stretch>
-            <a:fillRect/>
-          </a:stretch>
-        </p:blipFill>
-        <p:spPr>
-          <a:xfrm>
-            <a:off x="655087" y="318176"/>
-            <a:ext cx="10585132" cy="7056755"/>
-          </a:xfrm>
-          <a:prstGeom prst="rect">
-            <a:avLst/>
-          </a:prstGeom>
-        </p:spPr>
-      </p:pic>
-      <p:sp>
-        <p:nvSpPr>
-          <p:cNvPr id="2" name="Título 1">
-            <a:extLst>
-              <a:ext uri="{FF2B5EF4-FFF2-40B4-BE49-F238E27FC236}">
-                <a16:creationId xmlns:a16="http://schemas.microsoft.com/office/drawing/2014/main" id="{BFF67CBC-1536-A090-A5B5-FE205F3AF4AD}"/>
+          <p:cNvPr id="13" name="Título 1">
+            <a:extLst>
+              <a:ext uri="{FF2B5EF4-FFF2-40B4-BE49-F238E27FC236}">
+                <a16:creationId xmlns:a16="http://schemas.microsoft.com/office/drawing/2014/main" id="{8EADE82A-FA9A-558F-9D1C-888F25399238}"/>
               </a:ext>
             </a:extLst>
           </p:cNvPr>
@@ -9827,8 +8279,8 @@
         </p:nvSpPr>
         <p:spPr>
           <a:xfrm>
-            <a:off x="456236" y="457723"/>
-            <a:ext cx="10515600" cy="676598"/>
+            <a:off x="1469382" y="1757686"/>
+            <a:ext cx="2765240" cy="561174"/>
           </a:xfrm>
           <a:prstGeom prst="rect">
             <a:avLst/>
@@ -9857,196 +8309,86 @@
           </a:lstStyle>
           <a:p>
             <a:r>
-              <a:rPr lang="es-CO" dirty="0">
+              <a:rPr lang="es-CO" sz="3600" dirty="0">
                 <a:solidFill>
                   <a:schemeClr val="tx1">
                     <a:lumMod val="95000"/>
                     <a:lumOff val="5000"/>
                   </a:schemeClr>
                 </a:solidFill>
-                <a:latin typeface="Work Sans Medium" pitchFamily="2" charset="77"/>
+                <a:latin typeface="Work Sans Light" pitchFamily="2" charset="0"/>
               </a:rPr>
-              <a:t>Funcionalidades - Músico</a:t>
+              <a:t>Organizador</a:t>
             </a:r>
           </a:p>
         </p:txBody>
       </p:sp>
-      <p:grpSp>
-        <p:nvGrpSpPr>
-          <p:cNvPr id="5" name="Grupo 4">
-            <a:extLst>
-              <a:ext uri="{FF2B5EF4-FFF2-40B4-BE49-F238E27FC236}">
-                <a16:creationId xmlns:a16="http://schemas.microsoft.com/office/drawing/2014/main" id="{87F15CCC-BB82-59EA-4A20-23BA12652E01}"/>
-              </a:ext>
-            </a:extLst>
-          </p:cNvPr>
-          <p:cNvGrpSpPr/>
+      <p:sp>
+        <p:nvSpPr>
+          <p:cNvPr id="17" name="Título 1">
+            <a:extLst>
+              <a:ext uri="{FF2B5EF4-FFF2-40B4-BE49-F238E27FC236}">
+                <a16:creationId xmlns:a16="http://schemas.microsoft.com/office/drawing/2014/main" id="{D992330C-2033-2B16-2ACB-6808385EE5FF}"/>
+              </a:ext>
+            </a:extLst>
+          </p:cNvPr>
+          <p:cNvSpPr txBox="1">
+            <a:spLocks/>
+          </p:cNvSpPr>
           <p:nvPr/>
-        </p:nvGrpSpPr>
-        <p:grpSpPr>
-          <a:xfrm>
-            <a:off x="9810053" y="282242"/>
-            <a:ext cx="1161783" cy="916373"/>
-            <a:chOff x="2592360" y="1419046"/>
-            <a:chExt cx="3959280" cy="3122940"/>
-          </a:xfrm>
-        </p:grpSpPr>
-        <p:pic>
-          <p:nvPicPr>
-            <p:cNvPr id="6" name="Gráfico 5">
-              <a:extLst>
-                <a:ext uri="{FF2B5EF4-FFF2-40B4-BE49-F238E27FC236}">
-                  <a16:creationId xmlns:a16="http://schemas.microsoft.com/office/drawing/2014/main" id="{DA6F0839-692B-5F43-3B85-C194DD260823}"/>
-                </a:ext>
-              </a:extLst>
-            </p:cNvPr>
-            <p:cNvPicPr>
-              <a:picLocks noChangeAspect="1"/>
-            </p:cNvPicPr>
-            <p:nvPr/>
-          </p:nvPicPr>
-          <p:blipFill>
-            <a:blip r:embed="rId6">
-              <a:extLst>
-                <a:ext uri="{96DAC541-7B7A-43D3-8B79-37D633B846F1}">
-                  <asvg:svgBlip xmlns:asvg="http://schemas.microsoft.com/office/drawing/2016/SVG/main" r:embed="rId7"/>
-                </a:ext>
-              </a:extLst>
-            </a:blip>
-            <a:stretch>
-              <a:fillRect/>
-            </a:stretch>
-          </p:blipFill>
-          <p:spPr>
-            <a:xfrm>
-              <a:off x="4011588" y="1419046"/>
-              <a:ext cx="1120824" cy="1895654"/>
-            </a:xfrm>
-            <a:prstGeom prst="rect">
-              <a:avLst/>
-            </a:prstGeom>
-          </p:spPr>
-        </p:pic>
-        <p:pic>
-          <p:nvPicPr>
-            <p:cNvPr id="7" name="Imagen 6">
-              <a:extLst>
-                <a:ext uri="{FF2B5EF4-FFF2-40B4-BE49-F238E27FC236}">
-                  <a16:creationId xmlns:a16="http://schemas.microsoft.com/office/drawing/2014/main" id="{F276B70A-17B6-E584-6037-CA89F33ED727}"/>
-                </a:ext>
-              </a:extLst>
-            </p:cNvPr>
-            <p:cNvPicPr>
-              <a:picLocks noChangeAspect="1"/>
-            </p:cNvPicPr>
-            <p:nvPr/>
-          </p:nvPicPr>
-          <p:blipFill>
-            <a:blip r:embed="rId8">
-              <a:extLst>
-                <a:ext uri="{BEBA8EAE-BF5A-486C-A8C5-ECC9F3942E4B}">
-                  <a14:imgProps xmlns:a14="http://schemas.microsoft.com/office/drawing/2010/main">
-                    <a14:imgLayer r:embed="rId9">
-                      <a14:imgEffect>
-                        <a14:backgroundRemoval t="9582" b="89681" l="4950" r="94364">
-                          <a14:foregroundMark x1="94440" y1="36364" x2="92007" y2="38843"/>
-                          <a14:foregroundMark x1="54049" y1="69088" x2="53694" y2="70762"/>
-                          <a14:foregroundMark x1="57203" y1="54189" x2="55043" y2="64387"/>
-                          <a14:foregroundMark x1="61081" y1="35872" x2="60260" y2="39752"/>
-                          <a14:foregroundMark x1="59659" y1="78902" x2="61615" y2="81572"/>
-                          <a14:foregroundMark x1="53694" y1="70762" x2="54203" y2="71457"/>
-                          <a14:foregroundMark x1="35796" y1="36364" x2="35339" y2="77641"/>
-                          <a14:foregroundMark x1="45416" y1="71429" x2="47296" y2="70270"/>
-                          <a14:foregroundMark x1="35339" y1="77641" x2="37155" y2="76521"/>
-                          <a14:foregroundMark x1="39299" y1="38812" x2="38614" y2="36118"/>
-                          <a14:foregroundMark x1="47296" y1="70270" x2="46331" y2="66474"/>
-                          <a14:foregroundMark x1="38614" y1="36118" x2="36481" y2="34889"/>
-                          <a14:foregroundMark x1="23762" y1="35627" x2="24372" y2="34889"/>
-                          <a14:foregroundMark x1="3732" y1="84275" x2="4950" y2="39066"/>
-                          <a14:foregroundMark x1="4950" y1="39066" x2="13633" y2="77641"/>
-                          <a14:foregroundMark x1="13633" y1="77641" x2="16146" y2="30467"/>
-                          <a14:foregroundMark x1="23645" y1="22609" x2="25057" y2="21130"/>
-                          <a14:foregroundMark x1="16146" y1="30467" x2="16916" y2="29661"/>
-                          <a14:backgroundMark x1="89109" y1="42506" x2="89109" y2="42506"/>
-                          <a14:backgroundMark x1="89109" y1="42506" x2="89109" y2="42506"/>
-                          <a14:backgroundMark x1="88728" y1="41769" x2="88728" y2="41769"/>
-                          <a14:backgroundMark x1="88728" y1="41769" x2="88728" y2="41769"/>
-                          <a14:backgroundMark x1="88728" y1="41769" x2="88728" y2="41769"/>
-                          <a14:backgroundMark x1="88728" y1="41769" x2="88728" y2="41769"/>
-                          <a14:backgroundMark x1="88728" y1="41769" x2="89109" y2="41523"/>
-                          <a14:backgroundMark x1="90099" y1="41523" x2="90099" y2="41523"/>
-                          <a14:backgroundMark x1="89947" y1="41523" x2="89566" y2="41278"/>
-                          <a14:backgroundMark x1="90861" y1="41032" x2="89261" y2="41032"/>
-                          <a14:backgroundMark x1="88043" y1="43489" x2="88576" y2="43243"/>
-                          <a14:backgroundMark x1="88652" y1="42015" x2="87738" y2="42260"/>
-                          <a14:backgroundMark x1="87357" y1="43489" x2="87357" y2="43489"/>
-                          <a14:backgroundMark x1="87357" y1="43489" x2="87510" y2="44717"/>
-                          <a14:backgroundMark x1="91318" y1="41278" x2="89337" y2="42260"/>
-                          <a14:backgroundMark x1="90784" y1="40786" x2="91546" y2="41032"/>
-                          <a14:backgroundMark x1="60701" y1="48649" x2="55598" y2="44963"/>
-                          <a14:backgroundMark x1="58720" y1="51843" x2="56969" y2="51843"/>
-                          <a14:backgroundMark x1="57121" y1="43980" x2="59025" y2="43489"/>
-                          <a14:backgroundMark x1="59482" y1="42752" x2="60929" y2="43735"/>
-                          <a14:backgroundMark x1="58873" y1="43980" x2="59558" y2="42506"/>
-                          <a14:backgroundMark x1="59482" y1="43243" x2="58492" y2="49631"/>
-                          <a14:backgroundMark x1="58111" y1="52334" x2="57045" y2="53563"/>
-                          <a14:backgroundMark x1="59558" y1="42015" x2="59863" y2="41523"/>
-                          <a14:backgroundMark x1="59711" y1="42015" x2="59330" y2="42998"/>
-                          <a14:backgroundMark x1="59406" y1="43980" x2="58644" y2="44963"/>
-                          <a14:backgroundMark x1="59558" y1="43489" x2="60701" y2="42506"/>
-                          <a14:backgroundMark x1="59939" y1="43243" x2="59939" y2="43243"/>
-                          <a14:backgroundMark x1="57273" y1="52826" x2="57273" y2="52826"/>
-                          <a14:backgroundMark x1="57350" y1="53563" x2="57350" y2="53563"/>
-                          <a14:backgroundMark x1="57350" y1="54300" x2="57350" y2="54300"/>
-                          <a14:backgroundMark x1="55065" y1="64865" x2="58187" y2="76413"/>
-                          <a14:backgroundMark x1="59254" y1="77150" x2="57959" y2="78133"/>
-                          <a14:backgroundMark x1="55750" y1="74939" x2="55141" y2="66585"/>
-                          <a14:backgroundMark x1="55065" y1="64373" x2="55674" y2="73710"/>
-                          <a14:backgroundMark x1="39299" y1="44717" x2="39299" y2="66830"/>
-                          <a14:backgroundMark x1="40746" y1="42506" x2="38385" y2="76658"/>
-                          <a14:backgroundMark x1="41280" y1="43980" x2="44707" y2="59951"/>
-                          <a14:backgroundMark x1="44859" y1="59459" x2="39832" y2="42506"/>
-                          <a14:backgroundMark x1="40137" y1="42506" x2="39604" y2="42260"/>
-                          <a14:backgroundMark x1="45316" y1="63391" x2="37548" y2="75676"/>
-                          <a14:backgroundMark x1="41736" y1="76167" x2="44021" y2="72482"/>
-                          <a14:backgroundMark x1="45925" y1="61179" x2="44554" y2="63391"/>
-                          <a14:backgroundMark x1="45621" y1="62162" x2="43488" y2="73710"/>
-                          <a14:backgroundMark x1="40975" y1="71990" x2="42117" y2="74939"/>
-                          <a14:backgroundMark x1="37471" y1="75921" x2="37776" y2="77396"/>
-                          <a14:backgroundMark x1="18507" y1="33907" x2="22544" y2="23833"/>
-                          <a14:backgroundMark x1="22391" y1="23833" x2="18050" y2="28501"/>
-                          <a14:backgroundMark x1="20030" y1="28501" x2="17593" y2="30221"/>
-                          <a14:backgroundMark x1="17136" y1="28993" x2="17136" y2="28993"/>
-                          <a14:backgroundMark x1="17136" y1="28993" x2="17974" y2="30958"/>
-                          <a14:backgroundMark x1="22239" y1="23342" x2="23382" y2="23833"/>
-                        </a14:backgroundRemoval>
-                      </a14:imgEffect>
-                    </a14:imgLayer>
-                  </a14:imgProps>
-                </a:ext>
-              </a:extLst>
-            </a:blip>
-            <a:stretch>
-              <a:fillRect/>
-            </a:stretch>
-          </p:blipFill>
-          <p:spPr>
-            <a:xfrm>
-              <a:off x="2592360" y="3314700"/>
-              <a:ext cx="3959280" cy="1227286"/>
-            </a:xfrm>
-            <a:prstGeom prst="rect">
-              <a:avLst/>
-            </a:prstGeom>
-          </p:spPr>
-        </p:pic>
-      </p:grpSp>
+        </p:nvSpPr>
+        <p:spPr>
+          <a:xfrm>
+            <a:off x="8370621" y="1754862"/>
+            <a:ext cx="1795104" cy="561174"/>
+          </a:xfrm>
+          <a:prstGeom prst="rect">
+            <a:avLst/>
+          </a:prstGeom>
+        </p:spPr>
+        <p:txBody>
+          <a:bodyPr/>
+          <a:lstStyle>
+            <a:lvl1pPr algn="l" defTabSz="914400" rtl="0" eaLnBrk="1" latinLnBrk="0" hangingPunct="1">
+              <a:lnSpc>
+                <a:spcPct val="90000"/>
+              </a:lnSpc>
+              <a:spcBef>
+                <a:spcPct val="0"/>
+              </a:spcBef>
+              <a:buNone/>
+              <a:defRPr sz="4400" kern="1200">
+                <a:solidFill>
+                  <a:schemeClr val="tx1"/>
+                </a:solidFill>
+                <a:latin typeface="+mj-lt"/>
+                <a:ea typeface="+mj-ea"/>
+                <a:cs typeface="+mj-cs"/>
+              </a:defRPr>
+            </a:lvl1pPr>
+          </a:lstStyle>
+          <a:p>
+            <a:r>
+              <a:rPr lang="es-CO" sz="3600" dirty="0">
+                <a:solidFill>
+                  <a:schemeClr val="tx1">
+                    <a:lumMod val="95000"/>
+                    <a:lumOff val="5000"/>
+                  </a:schemeClr>
+                </a:solidFill>
+                <a:latin typeface="Work Sans Light" pitchFamily="2" charset="0"/>
+              </a:rPr>
+              <a:t>Músico</a:t>
+            </a:r>
+          </a:p>
+        </p:txBody>
+      </p:sp>
       <p:sp>
         <p:nvSpPr>
-          <p:cNvPr id="18" name="CuadroTexto 17">
-            <a:extLst>
-              <a:ext uri="{FF2B5EF4-FFF2-40B4-BE49-F238E27FC236}">
-                <a16:creationId xmlns:a16="http://schemas.microsoft.com/office/drawing/2014/main" id="{848F35A6-4E84-E23F-9E39-2CB0405C4D30}"/>
+          <p:cNvPr id="19" name="CuadroTexto 18">
+            <a:extLst>
+              <a:ext uri="{FF2B5EF4-FFF2-40B4-BE49-F238E27FC236}">
+                <a16:creationId xmlns:a16="http://schemas.microsoft.com/office/drawing/2014/main" id="{7CB5043A-7F44-81BF-37CD-80F1A3F11F99}"/>
               </a:ext>
             </a:extLst>
           </p:cNvPr>
@@ -10055,8 +8397,8 @@
         </p:nvSpPr>
         <p:spPr>
           <a:xfrm>
-            <a:off x="338391" y="2439974"/>
-            <a:ext cx="1509623" cy="369332"/>
+            <a:off x="1986961" y="5362001"/>
+            <a:ext cx="1730082" cy="461665"/>
           </a:xfrm>
           <a:prstGeom prst="rect">
             <a:avLst/>
@@ -10070,18 +8412,19 @@
           <a:lstStyle/>
           <a:p>
             <a:r>
-              <a:rPr lang="es-CO" dirty="0"/>
-              <a:t>Ver Ofertas</a:t>
-            </a:r>
+              <a:rPr lang="es-ES" sz="2400" dirty="0"/>
+              <a:t>Crear Oferta</a:t>
+            </a:r>
+            <a:endParaRPr lang="es-CO" sz="2400" dirty="0"/>
           </a:p>
         </p:txBody>
       </p:sp>
       <p:sp>
         <p:nvSpPr>
-          <p:cNvPr id="20" name="CuadroTexto 19">
-            <a:extLst>
-              <a:ext uri="{FF2B5EF4-FFF2-40B4-BE49-F238E27FC236}">
-                <a16:creationId xmlns:a16="http://schemas.microsoft.com/office/drawing/2014/main" id="{78D3E90A-5065-7280-5EDA-626A8368637F}"/>
+          <p:cNvPr id="21" name="CuadroTexto 20">
+            <a:extLst>
+              <a:ext uri="{FF2B5EF4-FFF2-40B4-BE49-F238E27FC236}">
+                <a16:creationId xmlns:a16="http://schemas.microsoft.com/office/drawing/2014/main" id="{83CE5EE4-20F8-671B-278D-B7CF2F03EA3A}"/>
               </a:ext>
             </a:extLst>
           </p:cNvPr>
@@ -10090,8 +8433,8 @@
         </p:nvSpPr>
         <p:spPr>
           <a:xfrm>
-            <a:off x="10312459" y="1312801"/>
-            <a:ext cx="1509623" cy="646331"/>
+            <a:off x="7843137" y="5362002"/>
+            <a:ext cx="2850072" cy="461665"/>
           </a:xfrm>
           <a:prstGeom prst="rect">
             <a:avLst/>
@@ -10105,700 +8448,17 @@
           <a:lstStyle/>
           <a:p>
             <a:r>
-              <a:rPr lang="es-CO" dirty="0"/>
-              <a:t>Ver ofertas postuladas</a:t>
-            </a:r>
-          </a:p>
-        </p:txBody>
-      </p:sp>
-      <p:sp>
-        <p:nvSpPr>
-          <p:cNvPr id="22" name="CuadroTexto 21">
-            <a:extLst>
-              <a:ext uri="{FF2B5EF4-FFF2-40B4-BE49-F238E27FC236}">
-                <a16:creationId xmlns:a16="http://schemas.microsoft.com/office/drawing/2014/main" id="{7C5FBF95-4897-4DE7-A3E7-3019FB3F3A2E}"/>
-              </a:ext>
-            </a:extLst>
-          </p:cNvPr>
-          <p:cNvSpPr txBox="1"/>
-          <p:nvPr/>
-        </p:nvSpPr>
-        <p:spPr>
-          <a:xfrm>
-            <a:off x="201775" y="5028008"/>
-            <a:ext cx="2179058" cy="369332"/>
-          </a:xfrm>
-          <a:prstGeom prst="rect">
-            <a:avLst/>
-          </a:prstGeom>
-          <a:noFill/>
-        </p:spPr>
-        <p:txBody>
-          <a:bodyPr wrap="square" rtlCol="0">
-            <a:spAutoFit/>
-          </a:bodyPr>
-          <a:lstStyle/>
-          <a:p>
-            <a:r>
-              <a:rPr lang="es-CO" dirty="0"/>
-              <a:t>Aplicarse a ofertas</a:t>
-            </a:r>
-          </a:p>
-        </p:txBody>
-      </p:sp>
-      <p:sp>
-        <p:nvSpPr>
-          <p:cNvPr id="24" name="CuadroTexto 23">
-            <a:extLst>
-              <a:ext uri="{FF2B5EF4-FFF2-40B4-BE49-F238E27FC236}">
-                <a16:creationId xmlns:a16="http://schemas.microsoft.com/office/drawing/2014/main" id="{F925A169-D4A7-EF1D-5B90-6C383CE5CF24}"/>
-              </a:ext>
-            </a:extLst>
-          </p:cNvPr>
-          <p:cNvSpPr txBox="1"/>
-          <p:nvPr/>
-        </p:nvSpPr>
-        <p:spPr>
-          <a:xfrm>
-            <a:off x="9864112" y="3344288"/>
-            <a:ext cx="2121241" cy="369332"/>
-          </a:xfrm>
-          <a:prstGeom prst="rect">
-            <a:avLst/>
-          </a:prstGeom>
-          <a:noFill/>
-        </p:spPr>
-        <p:txBody>
-          <a:bodyPr wrap="square" rtlCol="0">
-            <a:spAutoFit/>
-          </a:bodyPr>
-          <a:lstStyle/>
-          <a:p>
-            <a:r>
-              <a:rPr lang="es-CO" dirty="0"/>
-              <a:t>Guardar Ofertas</a:t>
-            </a:r>
-          </a:p>
-        </p:txBody>
-      </p:sp>
-      <p:cxnSp>
-        <p:nvCxnSpPr>
-          <p:cNvPr id="27" name="Conector: angular 26">
-            <a:extLst>
-              <a:ext uri="{FF2B5EF4-FFF2-40B4-BE49-F238E27FC236}">
-                <a16:creationId xmlns:a16="http://schemas.microsoft.com/office/drawing/2014/main" id="{9EC4D786-6CD7-8F06-D66A-DA4F8B584DA4}"/>
-              </a:ext>
-            </a:extLst>
-          </p:cNvPr>
-          <p:cNvCxnSpPr>
-            <a:cxnSpLocks/>
-          </p:cNvCxnSpPr>
-          <p:nvPr/>
-        </p:nvCxnSpPr>
-        <p:spPr>
-          <a:xfrm rot="10800000">
-            <a:off x="406464" y="2867763"/>
-            <a:ext cx="3078608" cy="727532"/>
-          </a:xfrm>
-          <a:prstGeom prst="bentConnector3">
-            <a:avLst>
-              <a:gd name="adj1" fmla="val 29825"/>
-            </a:avLst>
-          </a:prstGeom>
-          <a:ln w="19050"/>
-          <a:effectLst>
-            <a:outerShdw blurRad="50800" dist="38100" dir="2700000" algn="tl" rotWithShape="0">
-              <a:prstClr val="black">
-                <a:alpha val="40000"/>
-              </a:prstClr>
-            </a:outerShdw>
-          </a:effectLst>
-        </p:spPr>
-        <p:style>
-          <a:lnRef idx="1">
-            <a:schemeClr val="accent2"/>
-          </a:lnRef>
-          <a:fillRef idx="0">
-            <a:schemeClr val="accent2"/>
-          </a:fillRef>
-          <a:effectRef idx="0">
-            <a:schemeClr val="accent2"/>
-          </a:effectRef>
-          <a:fontRef idx="minor">
-            <a:schemeClr val="tx1"/>
-          </a:fontRef>
-        </p:style>
-      </p:cxnSp>
-      <p:cxnSp>
-        <p:nvCxnSpPr>
-          <p:cNvPr id="31" name="Conector: angular 30">
-            <a:extLst>
-              <a:ext uri="{FF2B5EF4-FFF2-40B4-BE49-F238E27FC236}">
-                <a16:creationId xmlns:a16="http://schemas.microsoft.com/office/drawing/2014/main" id="{A7963CFB-DE60-2D1C-6FD1-BD1E167284CF}"/>
-              </a:ext>
-            </a:extLst>
-          </p:cNvPr>
-          <p:cNvCxnSpPr>
-            <a:cxnSpLocks/>
-            <a:stCxn id="50" idx="2"/>
-            <a:endCxn id="51" idx="6"/>
-          </p:cNvCxnSpPr>
-          <p:nvPr/>
-        </p:nvCxnSpPr>
-        <p:spPr>
-          <a:xfrm rot="10800000" flipV="1">
-            <a:off x="380301" y="3189619"/>
-            <a:ext cx="5305730" cy="2266178"/>
-          </a:xfrm>
-          <a:prstGeom prst="bentConnector3">
-            <a:avLst>
-              <a:gd name="adj1" fmla="val 50000"/>
-            </a:avLst>
-          </a:prstGeom>
-          <a:ln w="19050"/>
-          <a:effectLst>
-            <a:outerShdw blurRad="50800" dist="38100" dir="2700000" algn="tl" rotWithShape="0">
-              <a:prstClr val="black">
-                <a:alpha val="40000"/>
-              </a:prstClr>
-            </a:outerShdw>
-          </a:effectLst>
-        </p:spPr>
-        <p:style>
-          <a:lnRef idx="1">
-            <a:schemeClr val="accent2"/>
-          </a:lnRef>
-          <a:fillRef idx="0">
-            <a:schemeClr val="accent2"/>
-          </a:fillRef>
-          <a:effectRef idx="0">
-            <a:schemeClr val="accent2"/>
-          </a:effectRef>
-          <a:fontRef idx="minor">
-            <a:schemeClr val="tx1"/>
-          </a:fontRef>
-        </p:style>
-      </p:cxnSp>
-      <p:cxnSp>
-        <p:nvCxnSpPr>
-          <p:cNvPr id="40" name="Conector: angular 39">
-            <a:extLst>
-              <a:ext uri="{FF2B5EF4-FFF2-40B4-BE49-F238E27FC236}">
-                <a16:creationId xmlns:a16="http://schemas.microsoft.com/office/drawing/2014/main" id="{CCF821BD-5A79-6DED-2793-7B6FD58D13A2}"/>
-              </a:ext>
-            </a:extLst>
-          </p:cNvPr>
-          <p:cNvCxnSpPr>
-            <a:cxnSpLocks/>
-            <a:stCxn id="58" idx="2"/>
-            <a:endCxn id="55" idx="6"/>
-          </p:cNvCxnSpPr>
-          <p:nvPr/>
-        </p:nvCxnSpPr>
-        <p:spPr>
-          <a:xfrm rot="10800000">
-            <a:off x="6482348" y="3105800"/>
-            <a:ext cx="4954192" cy="577651"/>
-          </a:xfrm>
-          <a:prstGeom prst="bentConnector3">
-            <a:avLst>
-              <a:gd name="adj1" fmla="val 50000"/>
-            </a:avLst>
-          </a:prstGeom>
-          <a:ln w="19050"/>
-          <a:effectLst>
-            <a:outerShdw blurRad="50800" dist="38100" dir="2700000" algn="tl" rotWithShape="0">
-              <a:prstClr val="black">
-                <a:alpha val="40000"/>
-              </a:prstClr>
-            </a:outerShdw>
-          </a:effectLst>
-        </p:spPr>
-        <p:style>
-          <a:lnRef idx="1">
-            <a:schemeClr val="accent2"/>
-          </a:lnRef>
-          <a:fillRef idx="0">
-            <a:schemeClr val="accent2"/>
-          </a:fillRef>
-          <a:effectRef idx="0">
-            <a:schemeClr val="accent2"/>
-          </a:effectRef>
-          <a:fontRef idx="minor">
-            <a:schemeClr val="tx1"/>
-          </a:fontRef>
-        </p:style>
-      </p:cxnSp>
-      <p:cxnSp>
-        <p:nvCxnSpPr>
-          <p:cNvPr id="44" name="Conector: angular 43">
-            <a:extLst>
-              <a:ext uri="{FF2B5EF4-FFF2-40B4-BE49-F238E27FC236}">
-                <a16:creationId xmlns:a16="http://schemas.microsoft.com/office/drawing/2014/main" id="{7C75C0F3-3D5B-DC31-9485-E15BADE73E66}"/>
-              </a:ext>
-            </a:extLst>
-          </p:cNvPr>
-          <p:cNvCxnSpPr>
-            <a:cxnSpLocks/>
-            <a:stCxn id="57" idx="2"/>
-            <a:endCxn id="56" idx="6"/>
-          </p:cNvCxnSpPr>
-          <p:nvPr/>
-        </p:nvCxnSpPr>
-        <p:spPr>
-          <a:xfrm rot="10800000">
-            <a:off x="7045461" y="1802862"/>
-            <a:ext cx="4562242" cy="83820"/>
-          </a:xfrm>
-          <a:prstGeom prst="bentConnector3">
-            <a:avLst>
-              <a:gd name="adj1" fmla="val 50000"/>
-            </a:avLst>
-          </a:prstGeom>
-          <a:ln w="19050"/>
-          <a:effectLst>
-            <a:outerShdw blurRad="50800" dist="38100" dir="2700000" algn="tl" rotWithShape="0">
-              <a:prstClr val="black">
-                <a:alpha val="40000"/>
-              </a:prstClr>
-            </a:outerShdw>
-          </a:effectLst>
-        </p:spPr>
-        <p:style>
-          <a:lnRef idx="1">
-            <a:schemeClr val="accent2"/>
-          </a:lnRef>
-          <a:fillRef idx="0">
-            <a:schemeClr val="accent2"/>
-          </a:fillRef>
-          <a:effectRef idx="0">
-            <a:schemeClr val="accent2"/>
-          </a:effectRef>
-          <a:fontRef idx="minor">
-            <a:schemeClr val="tx1"/>
-          </a:fontRef>
-        </p:style>
-      </p:cxnSp>
-      <p:sp>
-        <p:nvSpPr>
-          <p:cNvPr id="50" name="Elipse 49">
-            <a:extLst>
-              <a:ext uri="{FF2B5EF4-FFF2-40B4-BE49-F238E27FC236}">
-                <a16:creationId xmlns:a16="http://schemas.microsoft.com/office/drawing/2014/main" id="{D11D5121-5B6E-BAA0-E125-EF77720557B3}"/>
-              </a:ext>
-            </a:extLst>
-          </p:cNvPr>
-          <p:cNvSpPr/>
-          <p:nvPr/>
-        </p:nvSpPr>
-        <p:spPr>
-          <a:xfrm>
-            <a:off x="5686031" y="3147709"/>
-            <a:ext cx="83820" cy="83820"/>
-          </a:xfrm>
-          <a:prstGeom prst="ellipse">
-            <a:avLst/>
-          </a:prstGeom>
-          <a:solidFill>
-            <a:schemeClr val="accent2"/>
-          </a:solidFill>
-          <a:ln>
-            <a:noFill/>
-          </a:ln>
-        </p:spPr>
-        <p:style>
-          <a:lnRef idx="2">
-            <a:schemeClr val="accent1">
-              <a:shade val="15000"/>
-            </a:schemeClr>
-          </a:lnRef>
-          <a:fillRef idx="1">
-            <a:schemeClr val="accent1"/>
-          </a:fillRef>
-          <a:effectRef idx="0">
-            <a:schemeClr val="accent1"/>
-          </a:effectRef>
-          <a:fontRef idx="minor">
-            <a:schemeClr val="lt1"/>
-          </a:fontRef>
-        </p:style>
-        <p:txBody>
-          <a:bodyPr rtlCol="0" anchor="ctr"/>
-          <a:lstStyle/>
-          <a:p>
-            <a:pPr algn="ctr"/>
-            <a:endParaRPr lang="es-CO"/>
-          </a:p>
-        </p:txBody>
-      </p:sp>
-      <p:sp>
-        <p:nvSpPr>
-          <p:cNvPr id="51" name="Elipse 50">
-            <a:extLst>
-              <a:ext uri="{FF2B5EF4-FFF2-40B4-BE49-F238E27FC236}">
-                <a16:creationId xmlns:a16="http://schemas.microsoft.com/office/drawing/2014/main" id="{22B50049-BC1F-DC24-34DD-46FDFD09992C}"/>
-              </a:ext>
-            </a:extLst>
-          </p:cNvPr>
-          <p:cNvSpPr/>
-          <p:nvPr/>
-        </p:nvSpPr>
-        <p:spPr>
-          <a:xfrm>
-            <a:off x="296481" y="5413887"/>
-            <a:ext cx="83820" cy="83820"/>
-          </a:xfrm>
-          <a:prstGeom prst="ellipse">
-            <a:avLst/>
-          </a:prstGeom>
-          <a:solidFill>
-            <a:schemeClr val="accent2"/>
-          </a:solidFill>
-          <a:ln>
-            <a:noFill/>
-          </a:ln>
-        </p:spPr>
-        <p:style>
-          <a:lnRef idx="2">
-            <a:schemeClr val="accent1">
-              <a:shade val="15000"/>
-            </a:schemeClr>
-          </a:lnRef>
-          <a:fillRef idx="1">
-            <a:schemeClr val="accent1"/>
-          </a:fillRef>
-          <a:effectRef idx="0">
-            <a:schemeClr val="accent1"/>
-          </a:effectRef>
-          <a:fontRef idx="minor">
-            <a:schemeClr val="lt1"/>
-          </a:fontRef>
-        </p:style>
-        <p:txBody>
-          <a:bodyPr rtlCol="0" anchor="ctr"/>
-          <a:lstStyle/>
-          <a:p>
-            <a:pPr algn="ctr"/>
-            <a:endParaRPr lang="es-CO"/>
-          </a:p>
-        </p:txBody>
-      </p:sp>
-      <p:sp>
-        <p:nvSpPr>
-          <p:cNvPr id="52" name="Elipse 51">
-            <a:extLst>
-              <a:ext uri="{FF2B5EF4-FFF2-40B4-BE49-F238E27FC236}">
-                <a16:creationId xmlns:a16="http://schemas.microsoft.com/office/drawing/2014/main" id="{E86DB5B0-F349-3ECC-B46A-95A4E63309B9}"/>
-              </a:ext>
-            </a:extLst>
-          </p:cNvPr>
-          <p:cNvSpPr/>
-          <p:nvPr/>
-        </p:nvSpPr>
-        <p:spPr>
-          <a:xfrm>
-            <a:off x="380301" y="2831827"/>
-            <a:ext cx="83820" cy="83820"/>
-          </a:xfrm>
-          <a:prstGeom prst="ellipse">
-            <a:avLst/>
-          </a:prstGeom>
-          <a:solidFill>
-            <a:schemeClr val="accent2"/>
-          </a:solidFill>
-          <a:ln>
-            <a:noFill/>
-          </a:ln>
-        </p:spPr>
-        <p:style>
-          <a:lnRef idx="2">
-            <a:schemeClr val="accent1">
-              <a:shade val="15000"/>
-            </a:schemeClr>
-          </a:lnRef>
-          <a:fillRef idx="1">
-            <a:schemeClr val="accent1"/>
-          </a:fillRef>
-          <a:effectRef idx="0">
-            <a:schemeClr val="accent1"/>
-          </a:effectRef>
-          <a:fontRef idx="minor">
-            <a:schemeClr val="lt1"/>
-          </a:fontRef>
-        </p:style>
-        <p:txBody>
-          <a:bodyPr rtlCol="0" anchor="ctr"/>
-          <a:lstStyle/>
-          <a:p>
-            <a:pPr algn="ctr"/>
-            <a:endParaRPr lang="es-CO"/>
-          </a:p>
-        </p:txBody>
-      </p:sp>
-      <p:sp>
-        <p:nvSpPr>
-          <p:cNvPr id="54" name="Elipse 53">
-            <a:extLst>
-              <a:ext uri="{FF2B5EF4-FFF2-40B4-BE49-F238E27FC236}">
-                <a16:creationId xmlns:a16="http://schemas.microsoft.com/office/drawing/2014/main" id="{C6104204-90E6-652C-93A9-9D7A5C879D94}"/>
-              </a:ext>
-            </a:extLst>
-          </p:cNvPr>
-          <p:cNvSpPr/>
-          <p:nvPr/>
-        </p:nvSpPr>
-        <p:spPr>
-          <a:xfrm>
-            <a:off x="3436199" y="3553386"/>
-            <a:ext cx="83820" cy="83820"/>
-          </a:xfrm>
-          <a:prstGeom prst="ellipse">
-            <a:avLst/>
-          </a:prstGeom>
-          <a:solidFill>
-            <a:schemeClr val="accent2"/>
-          </a:solidFill>
-          <a:ln>
-            <a:noFill/>
-          </a:ln>
-        </p:spPr>
-        <p:style>
-          <a:lnRef idx="2">
-            <a:schemeClr val="accent1">
-              <a:shade val="15000"/>
-            </a:schemeClr>
-          </a:lnRef>
-          <a:fillRef idx="1">
-            <a:schemeClr val="accent1"/>
-          </a:fillRef>
-          <a:effectRef idx="0">
-            <a:schemeClr val="accent1"/>
-          </a:effectRef>
-          <a:fontRef idx="minor">
-            <a:schemeClr val="lt1"/>
-          </a:fontRef>
-        </p:style>
-        <p:txBody>
-          <a:bodyPr rtlCol="0" anchor="ctr"/>
-          <a:lstStyle/>
-          <a:p>
-            <a:pPr algn="ctr"/>
-            <a:endParaRPr lang="es-CO"/>
-          </a:p>
-        </p:txBody>
-      </p:sp>
-      <p:sp>
-        <p:nvSpPr>
-          <p:cNvPr id="55" name="Elipse 54">
-            <a:extLst>
-              <a:ext uri="{FF2B5EF4-FFF2-40B4-BE49-F238E27FC236}">
-                <a16:creationId xmlns:a16="http://schemas.microsoft.com/office/drawing/2014/main" id="{513B1A6E-5485-D5EE-12BF-3B80C3BF404D}"/>
-              </a:ext>
-            </a:extLst>
-          </p:cNvPr>
-          <p:cNvSpPr/>
-          <p:nvPr/>
-        </p:nvSpPr>
-        <p:spPr>
-          <a:xfrm>
-            <a:off x="6398528" y="3063889"/>
-            <a:ext cx="83820" cy="83820"/>
-          </a:xfrm>
-          <a:prstGeom prst="ellipse">
-            <a:avLst/>
-          </a:prstGeom>
-          <a:solidFill>
-            <a:schemeClr val="accent2"/>
-          </a:solidFill>
-          <a:ln>
-            <a:noFill/>
-          </a:ln>
-        </p:spPr>
-        <p:style>
-          <a:lnRef idx="2">
-            <a:schemeClr val="accent1">
-              <a:shade val="15000"/>
-            </a:schemeClr>
-          </a:lnRef>
-          <a:fillRef idx="1">
-            <a:schemeClr val="accent1"/>
-          </a:fillRef>
-          <a:effectRef idx="0">
-            <a:schemeClr val="accent1"/>
-          </a:effectRef>
-          <a:fontRef idx="minor">
-            <a:schemeClr val="lt1"/>
-          </a:fontRef>
-        </p:style>
-        <p:txBody>
-          <a:bodyPr rtlCol="0" anchor="ctr"/>
-          <a:lstStyle/>
-          <a:p>
-            <a:pPr algn="ctr"/>
-            <a:endParaRPr lang="es-CO"/>
-          </a:p>
-        </p:txBody>
-      </p:sp>
-      <p:sp>
-        <p:nvSpPr>
-          <p:cNvPr id="56" name="Elipse 55">
-            <a:extLst>
-              <a:ext uri="{FF2B5EF4-FFF2-40B4-BE49-F238E27FC236}">
-                <a16:creationId xmlns:a16="http://schemas.microsoft.com/office/drawing/2014/main" id="{BCBB0056-4027-FC3B-91A7-50AABC1992D2}"/>
-              </a:ext>
-            </a:extLst>
-          </p:cNvPr>
-          <p:cNvSpPr/>
-          <p:nvPr/>
-        </p:nvSpPr>
-        <p:spPr>
-          <a:xfrm>
-            <a:off x="6961641" y="1760952"/>
-            <a:ext cx="83820" cy="83820"/>
-          </a:xfrm>
-          <a:prstGeom prst="ellipse">
-            <a:avLst/>
-          </a:prstGeom>
-          <a:solidFill>
-            <a:schemeClr val="accent2"/>
-          </a:solidFill>
-          <a:ln>
-            <a:noFill/>
-          </a:ln>
-        </p:spPr>
-        <p:style>
-          <a:lnRef idx="2">
-            <a:schemeClr val="accent1">
-              <a:shade val="15000"/>
-            </a:schemeClr>
-          </a:lnRef>
-          <a:fillRef idx="1">
-            <a:schemeClr val="accent1"/>
-          </a:fillRef>
-          <a:effectRef idx="0">
-            <a:schemeClr val="accent1"/>
-          </a:effectRef>
-          <a:fontRef idx="minor">
-            <a:schemeClr val="lt1"/>
-          </a:fontRef>
-        </p:style>
-        <p:txBody>
-          <a:bodyPr rtlCol="0" anchor="ctr"/>
-          <a:lstStyle/>
-          <a:p>
-            <a:pPr algn="ctr"/>
-            <a:endParaRPr lang="es-CO"/>
-          </a:p>
-        </p:txBody>
-      </p:sp>
-      <p:sp>
-        <p:nvSpPr>
-          <p:cNvPr id="57" name="Elipse 56">
-            <a:extLst>
-              <a:ext uri="{FF2B5EF4-FFF2-40B4-BE49-F238E27FC236}">
-                <a16:creationId xmlns:a16="http://schemas.microsoft.com/office/drawing/2014/main" id="{9AF6C956-78B7-612F-0290-90D44746ABB2}"/>
-              </a:ext>
-            </a:extLst>
-          </p:cNvPr>
-          <p:cNvSpPr/>
-          <p:nvPr/>
-        </p:nvSpPr>
-        <p:spPr>
-          <a:xfrm>
-            <a:off x="11607703" y="1844772"/>
-            <a:ext cx="83820" cy="83820"/>
-          </a:xfrm>
-          <a:prstGeom prst="ellipse">
-            <a:avLst/>
-          </a:prstGeom>
-          <a:solidFill>
-            <a:schemeClr val="accent2"/>
-          </a:solidFill>
-          <a:ln>
-            <a:noFill/>
-          </a:ln>
-        </p:spPr>
-        <p:style>
-          <a:lnRef idx="2">
-            <a:schemeClr val="accent1">
-              <a:shade val="15000"/>
-            </a:schemeClr>
-          </a:lnRef>
-          <a:fillRef idx="1">
-            <a:schemeClr val="accent1"/>
-          </a:fillRef>
-          <a:effectRef idx="0">
-            <a:schemeClr val="accent1"/>
-          </a:effectRef>
-          <a:fontRef idx="minor">
-            <a:schemeClr val="lt1"/>
-          </a:fontRef>
-        </p:style>
-        <p:txBody>
-          <a:bodyPr rtlCol="0" anchor="ctr"/>
-          <a:lstStyle/>
-          <a:p>
-            <a:pPr algn="ctr"/>
-            <a:endParaRPr lang="es-CO"/>
-          </a:p>
-        </p:txBody>
-      </p:sp>
-      <p:sp>
-        <p:nvSpPr>
-          <p:cNvPr id="58" name="Elipse 57">
-            <a:extLst>
-              <a:ext uri="{FF2B5EF4-FFF2-40B4-BE49-F238E27FC236}">
-                <a16:creationId xmlns:a16="http://schemas.microsoft.com/office/drawing/2014/main" id="{C4F7B62A-F9F7-2BCF-BECD-0F1DDD8E6D6F}"/>
-              </a:ext>
-            </a:extLst>
-          </p:cNvPr>
-          <p:cNvSpPr/>
-          <p:nvPr/>
-        </p:nvSpPr>
-        <p:spPr>
-          <a:xfrm>
-            <a:off x="11436540" y="3641540"/>
-            <a:ext cx="83820" cy="83820"/>
-          </a:xfrm>
-          <a:prstGeom prst="ellipse">
-            <a:avLst/>
-          </a:prstGeom>
-          <a:solidFill>
-            <a:schemeClr val="accent2"/>
-          </a:solidFill>
-          <a:ln>
-            <a:noFill/>
-          </a:ln>
-        </p:spPr>
-        <p:style>
-          <a:lnRef idx="2">
-            <a:schemeClr val="accent1">
-              <a:shade val="15000"/>
-            </a:schemeClr>
-          </a:lnRef>
-          <a:fillRef idx="1">
-            <a:schemeClr val="accent1"/>
-          </a:fillRef>
-          <a:effectRef idx="0">
-            <a:schemeClr val="accent1"/>
-          </a:effectRef>
-          <a:fontRef idx="minor">
-            <a:schemeClr val="lt1"/>
-          </a:fontRef>
-        </p:style>
-        <p:txBody>
-          <a:bodyPr rtlCol="0" anchor="ctr"/>
-          <a:lstStyle/>
-          <a:p>
-            <a:pPr algn="ctr"/>
-            <a:endParaRPr lang="es-CO"/>
+              <a:rPr lang="es-ES" sz="2400" dirty="0"/>
+              <a:t>Postularse a la Oferta</a:t>
+            </a:r>
+            <a:endParaRPr lang="es-CO" sz="2400" dirty="0"/>
           </a:p>
         </p:txBody>
       </p:sp>
     </p:spTree>
     <p:extLst>
       <p:ext uri="{BB962C8B-B14F-4D97-AF65-F5344CB8AC3E}">
-        <p14:creationId xmlns:p14="http://schemas.microsoft.com/office/powerpoint/2010/main" val="1901973431"/>
+        <p14:creationId xmlns:p14="http://schemas.microsoft.com/office/powerpoint/2010/main" val="927599529"/>
       </p:ext>
     </p:extLst>
   </p:cSld>
@@ -10820,7 +8480,7 @@
 </p:sld>
 </file>
 
-<file path=ppt/slides/slide8.xml><?xml version="1.0" encoding="utf-8"?>
+<file path=ppt/slides/slide7.xml><?xml version="1.0" encoding="utf-8"?>
 <p:sld xmlns:a="http://schemas.openxmlformats.org/drawingml/2006/main" xmlns:r="http://schemas.openxmlformats.org/officeDocument/2006/relationships" xmlns:p="http://schemas.openxmlformats.org/presentationml/2006/main">
   <p:cSld>
     <p:bg>
@@ -11003,7 +8663,7 @@
         </p:blipFill>
         <p:spPr>
           <a:xfrm>
-            <a:off x="194099" y="2962653"/>
+            <a:off x="329159" y="2037104"/>
             <a:ext cx="3797536" cy="3161448"/>
           </a:xfrm>
           <a:prstGeom prst="rect">
@@ -11033,7 +8693,7 @@
         </p:blipFill>
         <p:spPr>
           <a:xfrm>
-            <a:off x="4193386" y="3275950"/>
+            <a:off x="4328446" y="2350401"/>
             <a:ext cx="3797536" cy="2534855"/>
           </a:xfrm>
           <a:prstGeom prst="rect">
@@ -11063,7 +8723,7 @@
         </p:blipFill>
         <p:spPr>
           <a:xfrm>
-            <a:off x="8192673" y="3280697"/>
+            <a:off x="8327733" y="2355148"/>
             <a:ext cx="3797536" cy="2525361"/>
           </a:xfrm>
           <a:prstGeom prst="rect">
@@ -11271,6 +8931,114 @@
           </a:prstGeom>
         </p:spPr>
       </p:pic>
+      <p:sp>
+        <p:nvSpPr>
+          <p:cNvPr id="3" name="CuadroTexto 2">
+            <a:extLst>
+              <a:ext uri="{FF2B5EF4-FFF2-40B4-BE49-F238E27FC236}">
+                <a16:creationId xmlns:a16="http://schemas.microsoft.com/office/drawing/2014/main" id="{7843A770-41B0-A64D-ED14-32B034231EA3}"/>
+              </a:ext>
+            </a:extLst>
+          </p:cNvPr>
+          <p:cNvSpPr txBox="1"/>
+          <p:nvPr/>
+        </p:nvSpPr>
+        <p:spPr>
+          <a:xfrm>
+            <a:off x="1759790" y="5428111"/>
+            <a:ext cx="846300" cy="461665"/>
+          </a:xfrm>
+          <a:prstGeom prst="rect">
+            <a:avLst/>
+          </a:prstGeom>
+          <a:noFill/>
+        </p:spPr>
+        <p:txBody>
+          <a:bodyPr wrap="square" rtlCol="0">
+            <a:spAutoFit/>
+          </a:bodyPr>
+          <a:lstStyle/>
+          <a:p>
+            <a:r>
+              <a:rPr lang="es-ES" sz="2400" dirty="0"/>
+              <a:t>Posts</a:t>
+            </a:r>
+            <a:endParaRPr lang="es-CO" sz="2400" dirty="0"/>
+          </a:p>
+        </p:txBody>
+      </p:sp>
+      <p:sp>
+        <p:nvSpPr>
+          <p:cNvPr id="8" name="CuadroTexto 7">
+            <a:extLst>
+              <a:ext uri="{FF2B5EF4-FFF2-40B4-BE49-F238E27FC236}">
+                <a16:creationId xmlns:a16="http://schemas.microsoft.com/office/drawing/2014/main" id="{4C749313-41E5-2E80-592D-5AC9DF453A64}"/>
+              </a:ext>
+            </a:extLst>
+          </p:cNvPr>
+          <p:cNvSpPr txBox="1"/>
+          <p:nvPr/>
+        </p:nvSpPr>
+        <p:spPr>
+          <a:xfrm>
+            <a:off x="5158596" y="5428111"/>
+            <a:ext cx="1921037" cy="461665"/>
+          </a:xfrm>
+          <a:prstGeom prst="rect">
+            <a:avLst/>
+          </a:prstGeom>
+          <a:noFill/>
+        </p:spPr>
+        <p:txBody>
+          <a:bodyPr wrap="square" rtlCol="0">
+            <a:spAutoFit/>
+          </a:bodyPr>
+          <a:lstStyle/>
+          <a:p>
+            <a:r>
+              <a:rPr lang="es-ES" sz="2400" dirty="0"/>
+              <a:t>Autenticación</a:t>
+            </a:r>
+            <a:endParaRPr lang="es-CO" sz="2400" dirty="0"/>
+          </a:p>
+        </p:txBody>
+      </p:sp>
+      <p:sp>
+        <p:nvSpPr>
+          <p:cNvPr id="9" name="CuadroTexto 8">
+            <a:extLst>
+              <a:ext uri="{FF2B5EF4-FFF2-40B4-BE49-F238E27FC236}">
+                <a16:creationId xmlns:a16="http://schemas.microsoft.com/office/drawing/2014/main" id="{65AF8857-2F76-CC79-8D0A-7625A2FE45F2}"/>
+              </a:ext>
+            </a:extLst>
+          </p:cNvPr>
+          <p:cNvSpPr txBox="1"/>
+          <p:nvPr/>
+        </p:nvSpPr>
+        <p:spPr>
+          <a:xfrm>
+            <a:off x="8968068" y="5428111"/>
+            <a:ext cx="2410174" cy="461665"/>
+          </a:xfrm>
+          <a:prstGeom prst="rect">
+            <a:avLst/>
+          </a:prstGeom>
+          <a:noFill/>
+        </p:spPr>
+        <p:txBody>
+          <a:bodyPr wrap="square" rtlCol="0">
+            <a:spAutoFit/>
+          </a:bodyPr>
+          <a:lstStyle/>
+          <a:p>
+            <a:r>
+              <a:rPr lang="es-ES" sz="2400" dirty="0"/>
+              <a:t>Manejo del Perfil</a:t>
+            </a:r>
+            <a:endParaRPr lang="es-CO" sz="2400" dirty="0"/>
+          </a:p>
+        </p:txBody>
+      </p:sp>
     </p:spTree>
     <p:extLst>
       <p:ext uri="{BB962C8B-B14F-4D97-AF65-F5344CB8AC3E}">
@@ -11281,13 +9049,13 @@
   <p:clrMapOvr>
     <a:masterClrMapping/>
   </p:clrMapOvr>
-  <mc:AlternateContent xmlns:mc="http://schemas.openxmlformats.org/markup-compatibility/2006">
-    <mc:Choice xmlns:p159="http://schemas.microsoft.com/office/powerpoint/2015/09/main" Requires="p159">
+  <mc:AlternateContent xmlns:mc="http://schemas.openxmlformats.org/markup-compatibility/2006" xmlns:p159="http://schemas.microsoft.com/office/powerpoint/2015/09/main">
+    <mc:Choice Requires="p159">
       <p:transition xmlns:p14="http://schemas.microsoft.com/office/powerpoint/2010/main" spd="slow" p14:dur="1500">
         <p159:morph option="byObject"/>
       </p:transition>
     </mc:Choice>
-    <mc:Fallback>
+    <mc:Fallback xmlns="">
       <p:transition spd="slow">
         <p:fade/>
       </p:transition>
@@ -11296,7 +9064,7 @@
 </p:sld>
 </file>
 
-<file path=ppt/slides/slide9.xml><?xml version="1.0" encoding="utf-8"?>
+<file path=ppt/slides/slide8.xml><?xml version="1.0" encoding="utf-8"?>
 <p:sld xmlns:a="http://schemas.openxmlformats.org/drawingml/2006/main" xmlns:r="http://schemas.openxmlformats.org/officeDocument/2006/relationships" xmlns:p="http://schemas.openxmlformats.org/presentationml/2006/main">
   <p:cSld>
     <p:bg>
@@ -11606,13 +9374,688 @@
   <p:clrMapOvr>
     <a:masterClrMapping/>
   </p:clrMapOvr>
-  <mc:AlternateContent xmlns:mc="http://schemas.openxmlformats.org/markup-compatibility/2006">
-    <mc:Choice xmlns:p159="http://schemas.microsoft.com/office/powerpoint/2015/09/main" Requires="p159">
+  <mc:AlternateContent xmlns:mc="http://schemas.openxmlformats.org/markup-compatibility/2006" xmlns:p159="http://schemas.microsoft.com/office/powerpoint/2015/09/main">
+    <mc:Choice Requires="p159">
       <p:transition xmlns:p14="http://schemas.microsoft.com/office/powerpoint/2010/main" spd="slow" p14:dur="1500">
         <p159:morph option="byObject"/>
       </p:transition>
     </mc:Choice>
-    <mc:Fallback>
+    <mc:Fallback xmlns="">
+      <p:transition spd="slow">
+        <p:fade/>
+      </p:transition>
+    </mc:Fallback>
+  </mc:AlternateContent>
+</p:sld>
+</file>
+
+<file path=ppt/slides/slide9.xml><?xml version="1.0" encoding="utf-8"?>
+<p:sld xmlns:a="http://schemas.openxmlformats.org/drawingml/2006/main" xmlns:r="http://schemas.openxmlformats.org/officeDocument/2006/relationships" xmlns:p="http://schemas.openxmlformats.org/presentationml/2006/main">
+  <p:cSld>
+    <p:bg>
+      <p:bgPr>
+        <a:blipFill>
+          <a:blip r:embed="rId2" cstate="email">
+            <a:extLst>
+              <a:ext uri="{28A0092B-C50C-407E-A947-70E740481C1C}">
+                <a14:useLocalDpi xmlns:a14="http://schemas.microsoft.com/office/drawing/2010/main"/>
+              </a:ext>
+            </a:extLst>
+          </a:blip>
+          <a:stretch>
+            <a:fillRect/>
+          </a:stretch>
+        </a:blipFill>
+        <a:effectLst/>
+      </p:bgPr>
+    </p:bg>
+    <p:spTree>
+      <p:nvGrpSpPr>
+        <p:cNvPr id="1" name=""/>
+        <p:cNvGrpSpPr/>
+        <p:nvPr/>
+      </p:nvGrpSpPr>
+      <p:grpSpPr>
+        <a:xfrm>
+          <a:off x="0" y="0"/>
+          <a:ext cx="0" cy="0"/>
+          <a:chOff x="0" y="0"/>
+          <a:chExt cx="0" cy="0"/>
+        </a:xfrm>
+      </p:grpSpPr>
+      <p:sp>
+        <p:nvSpPr>
+          <p:cNvPr id="2" name="Título 1">
+            <a:extLst>
+              <a:ext uri="{FF2B5EF4-FFF2-40B4-BE49-F238E27FC236}">
+                <a16:creationId xmlns:a16="http://schemas.microsoft.com/office/drawing/2014/main" id="{BFF67CBC-1536-A090-A5B5-FE205F3AF4AD}"/>
+              </a:ext>
+            </a:extLst>
+          </p:cNvPr>
+          <p:cNvSpPr txBox="1">
+            <a:spLocks/>
+          </p:cNvSpPr>
+          <p:nvPr/>
+        </p:nvSpPr>
+        <p:spPr>
+          <a:xfrm>
+            <a:off x="456236" y="457723"/>
+            <a:ext cx="10515600" cy="676598"/>
+          </a:xfrm>
+          <a:prstGeom prst="rect">
+            <a:avLst/>
+          </a:prstGeom>
+        </p:spPr>
+        <p:txBody>
+          <a:bodyPr/>
+          <a:lstStyle>
+            <a:lvl1pPr algn="l" defTabSz="914400" rtl="0" eaLnBrk="1" latinLnBrk="0" hangingPunct="1">
+              <a:lnSpc>
+                <a:spcPct val="90000"/>
+              </a:lnSpc>
+              <a:spcBef>
+                <a:spcPct val="0"/>
+              </a:spcBef>
+              <a:buNone/>
+              <a:defRPr sz="4400" kern="1200">
+                <a:solidFill>
+                  <a:schemeClr val="tx1"/>
+                </a:solidFill>
+                <a:latin typeface="+mj-lt"/>
+                <a:ea typeface="+mj-ea"/>
+                <a:cs typeface="+mj-cs"/>
+              </a:defRPr>
+            </a:lvl1pPr>
+          </a:lstStyle>
+          <a:p>
+            <a:r>
+              <a:rPr lang="es-CO" dirty="0">
+                <a:solidFill>
+                  <a:schemeClr val="tx1">
+                    <a:lumMod val="95000"/>
+                    <a:lumOff val="5000"/>
+                  </a:schemeClr>
+                </a:solidFill>
+                <a:latin typeface="Work Sans Light" pitchFamily="2" charset="0"/>
+              </a:rPr>
+              <a:t>Tecnologías - </a:t>
+            </a:r>
+            <a:r>
+              <a:rPr lang="es-CO" dirty="0" err="1">
+                <a:solidFill>
+                  <a:schemeClr val="tx1">
+                    <a:lumMod val="95000"/>
+                    <a:lumOff val="5000"/>
+                  </a:schemeClr>
+                </a:solidFill>
+                <a:latin typeface="Work Sans Light" pitchFamily="2" charset="0"/>
+              </a:rPr>
+              <a:t>Backend</a:t>
+            </a:r>
+            <a:endParaRPr lang="es-CO" dirty="0">
+              <a:solidFill>
+                <a:schemeClr val="tx1">
+                  <a:lumMod val="95000"/>
+                  <a:lumOff val="5000"/>
+                </a:schemeClr>
+              </a:solidFill>
+              <a:latin typeface="Work Sans Light" pitchFamily="2" charset="0"/>
+            </a:endParaRPr>
+          </a:p>
+        </p:txBody>
+      </p:sp>
+      <p:grpSp>
+        <p:nvGrpSpPr>
+          <p:cNvPr id="5" name="Grupo 4">
+            <a:extLst>
+              <a:ext uri="{FF2B5EF4-FFF2-40B4-BE49-F238E27FC236}">
+                <a16:creationId xmlns:a16="http://schemas.microsoft.com/office/drawing/2014/main" id="{87F15CCC-BB82-59EA-4A20-23BA12652E01}"/>
+              </a:ext>
+            </a:extLst>
+          </p:cNvPr>
+          <p:cNvGrpSpPr/>
+          <p:nvPr/>
+        </p:nvGrpSpPr>
+        <p:grpSpPr>
+          <a:xfrm>
+            <a:off x="9810053" y="282242"/>
+            <a:ext cx="1161783" cy="916373"/>
+            <a:chOff x="2592360" y="1419046"/>
+            <a:chExt cx="3959280" cy="3122940"/>
+          </a:xfrm>
+        </p:grpSpPr>
+        <p:pic>
+          <p:nvPicPr>
+            <p:cNvPr id="6" name="Gráfico 5">
+              <a:extLst>
+                <a:ext uri="{FF2B5EF4-FFF2-40B4-BE49-F238E27FC236}">
+                  <a16:creationId xmlns:a16="http://schemas.microsoft.com/office/drawing/2014/main" id="{DA6F0839-692B-5F43-3B85-C194DD260823}"/>
+                </a:ext>
+              </a:extLst>
+            </p:cNvPr>
+            <p:cNvPicPr>
+              <a:picLocks noChangeAspect="1"/>
+            </p:cNvPicPr>
+            <p:nvPr/>
+          </p:nvPicPr>
+          <p:blipFill>
+            <a:blip r:embed="rId3">
+              <a:extLst>
+                <a:ext uri="{96DAC541-7B7A-43D3-8B79-37D633B846F1}">
+                  <asvg:svgBlip xmlns:asvg="http://schemas.microsoft.com/office/drawing/2016/SVG/main" r:embed="rId4"/>
+                </a:ext>
+              </a:extLst>
+            </a:blip>
+            <a:stretch>
+              <a:fillRect/>
+            </a:stretch>
+          </p:blipFill>
+          <p:spPr>
+            <a:xfrm>
+              <a:off x="4011588" y="1419046"/>
+              <a:ext cx="1120824" cy="1895654"/>
+            </a:xfrm>
+            <a:prstGeom prst="rect">
+              <a:avLst/>
+            </a:prstGeom>
+          </p:spPr>
+        </p:pic>
+        <p:pic>
+          <p:nvPicPr>
+            <p:cNvPr id="7" name="Imagen 6">
+              <a:extLst>
+                <a:ext uri="{FF2B5EF4-FFF2-40B4-BE49-F238E27FC236}">
+                  <a16:creationId xmlns:a16="http://schemas.microsoft.com/office/drawing/2014/main" id="{F276B70A-17B6-E584-6037-CA89F33ED727}"/>
+                </a:ext>
+              </a:extLst>
+            </p:cNvPr>
+            <p:cNvPicPr>
+              <a:picLocks noChangeAspect="1"/>
+            </p:cNvPicPr>
+            <p:nvPr/>
+          </p:nvPicPr>
+          <p:blipFill>
+            <a:blip r:embed="rId5">
+              <a:extLst>
+                <a:ext uri="{BEBA8EAE-BF5A-486C-A8C5-ECC9F3942E4B}">
+                  <a14:imgProps xmlns:a14="http://schemas.microsoft.com/office/drawing/2010/main">
+                    <a14:imgLayer r:embed="rId6">
+                      <a14:imgEffect>
+                        <a14:backgroundRemoval t="9582" b="89681" l="4950" r="94364">
+                          <a14:foregroundMark x1="94440" y1="36364" x2="92007" y2="38843"/>
+                          <a14:foregroundMark x1="54049" y1="69088" x2="53694" y2="70762"/>
+                          <a14:foregroundMark x1="57203" y1="54189" x2="55043" y2="64387"/>
+                          <a14:foregroundMark x1="61081" y1="35872" x2="60260" y2="39752"/>
+                          <a14:foregroundMark x1="59659" y1="78902" x2="61615" y2="81572"/>
+                          <a14:foregroundMark x1="53694" y1="70762" x2="54203" y2="71457"/>
+                          <a14:foregroundMark x1="35796" y1="36364" x2="35339" y2="77641"/>
+                          <a14:foregroundMark x1="45416" y1="71429" x2="47296" y2="70270"/>
+                          <a14:foregroundMark x1="35339" y1="77641" x2="37155" y2="76521"/>
+                          <a14:foregroundMark x1="39299" y1="38812" x2="38614" y2="36118"/>
+                          <a14:foregroundMark x1="47296" y1="70270" x2="46331" y2="66474"/>
+                          <a14:foregroundMark x1="38614" y1="36118" x2="36481" y2="34889"/>
+                          <a14:foregroundMark x1="23762" y1="35627" x2="24372" y2="34889"/>
+                          <a14:foregroundMark x1="3732" y1="84275" x2="4950" y2="39066"/>
+                          <a14:foregroundMark x1="4950" y1="39066" x2="13633" y2="77641"/>
+                          <a14:foregroundMark x1="13633" y1="77641" x2="16146" y2="30467"/>
+                          <a14:foregroundMark x1="23645" y1="22609" x2="25057" y2="21130"/>
+                          <a14:foregroundMark x1="16146" y1="30467" x2="16916" y2="29661"/>
+                          <a14:backgroundMark x1="89109" y1="42506" x2="89109" y2="42506"/>
+                          <a14:backgroundMark x1="89109" y1="42506" x2="89109" y2="42506"/>
+                          <a14:backgroundMark x1="88728" y1="41769" x2="88728" y2="41769"/>
+                          <a14:backgroundMark x1="88728" y1="41769" x2="88728" y2="41769"/>
+                          <a14:backgroundMark x1="88728" y1="41769" x2="88728" y2="41769"/>
+                          <a14:backgroundMark x1="88728" y1="41769" x2="88728" y2="41769"/>
+                          <a14:backgroundMark x1="88728" y1="41769" x2="89109" y2="41523"/>
+                          <a14:backgroundMark x1="90099" y1="41523" x2="90099" y2="41523"/>
+                          <a14:backgroundMark x1="89947" y1="41523" x2="89566" y2="41278"/>
+                          <a14:backgroundMark x1="90861" y1="41032" x2="89261" y2="41032"/>
+                          <a14:backgroundMark x1="88043" y1="43489" x2="88576" y2="43243"/>
+                          <a14:backgroundMark x1="88652" y1="42015" x2="87738" y2="42260"/>
+                          <a14:backgroundMark x1="87357" y1="43489" x2="87357" y2="43489"/>
+                          <a14:backgroundMark x1="87357" y1="43489" x2="87510" y2="44717"/>
+                          <a14:backgroundMark x1="91318" y1="41278" x2="89337" y2="42260"/>
+                          <a14:backgroundMark x1="90784" y1="40786" x2="91546" y2="41032"/>
+                          <a14:backgroundMark x1="60701" y1="48649" x2="55598" y2="44963"/>
+                          <a14:backgroundMark x1="58720" y1="51843" x2="56969" y2="51843"/>
+                          <a14:backgroundMark x1="57121" y1="43980" x2="59025" y2="43489"/>
+                          <a14:backgroundMark x1="59482" y1="42752" x2="60929" y2="43735"/>
+                          <a14:backgroundMark x1="58873" y1="43980" x2="59558" y2="42506"/>
+                          <a14:backgroundMark x1="59482" y1="43243" x2="58492" y2="49631"/>
+                          <a14:backgroundMark x1="58111" y1="52334" x2="57045" y2="53563"/>
+                          <a14:backgroundMark x1="59558" y1="42015" x2="59863" y2="41523"/>
+                          <a14:backgroundMark x1="59711" y1="42015" x2="59330" y2="42998"/>
+                          <a14:backgroundMark x1="59406" y1="43980" x2="58644" y2="44963"/>
+                          <a14:backgroundMark x1="59558" y1="43489" x2="60701" y2="42506"/>
+                          <a14:backgroundMark x1="59939" y1="43243" x2="59939" y2="43243"/>
+                          <a14:backgroundMark x1="57273" y1="52826" x2="57273" y2="52826"/>
+                          <a14:backgroundMark x1="57350" y1="53563" x2="57350" y2="53563"/>
+                          <a14:backgroundMark x1="57350" y1="54300" x2="57350" y2="54300"/>
+                          <a14:backgroundMark x1="55065" y1="64865" x2="58187" y2="76413"/>
+                          <a14:backgroundMark x1="59254" y1="77150" x2="57959" y2="78133"/>
+                          <a14:backgroundMark x1="55750" y1="74939" x2="55141" y2="66585"/>
+                          <a14:backgroundMark x1="55065" y1="64373" x2="55674" y2="73710"/>
+                          <a14:backgroundMark x1="39299" y1="44717" x2="39299" y2="66830"/>
+                          <a14:backgroundMark x1="40746" y1="42506" x2="38385" y2="76658"/>
+                          <a14:backgroundMark x1="41280" y1="43980" x2="44707" y2="59951"/>
+                          <a14:backgroundMark x1="44859" y1="59459" x2="39832" y2="42506"/>
+                          <a14:backgroundMark x1="40137" y1="42506" x2="39604" y2="42260"/>
+                          <a14:backgroundMark x1="45316" y1="63391" x2="37548" y2="75676"/>
+                          <a14:backgroundMark x1="41736" y1="76167" x2="44021" y2="72482"/>
+                          <a14:backgroundMark x1="45925" y1="61179" x2="44554" y2="63391"/>
+                          <a14:backgroundMark x1="45621" y1="62162" x2="43488" y2="73710"/>
+                          <a14:backgroundMark x1="40975" y1="71990" x2="42117" y2="74939"/>
+                          <a14:backgroundMark x1="37471" y1="75921" x2="37776" y2="77396"/>
+                          <a14:backgroundMark x1="18507" y1="33907" x2="22544" y2="23833"/>
+                          <a14:backgroundMark x1="22391" y1="23833" x2="18050" y2="28501"/>
+                          <a14:backgroundMark x1="20030" y1="28501" x2="17593" y2="30221"/>
+                          <a14:backgroundMark x1="17136" y1="28993" x2="17136" y2="28993"/>
+                          <a14:backgroundMark x1="17136" y1="28993" x2="17974" y2="30958"/>
+                          <a14:backgroundMark x1="22239" y1="23342" x2="23382" y2="23833"/>
+                        </a14:backgroundRemoval>
+                      </a14:imgEffect>
+                    </a14:imgLayer>
+                  </a14:imgProps>
+                </a:ext>
+              </a:extLst>
+            </a:blip>
+            <a:stretch>
+              <a:fillRect/>
+            </a:stretch>
+          </p:blipFill>
+          <p:spPr>
+            <a:xfrm>
+              <a:off x="2592360" y="3314700"/>
+              <a:ext cx="3959280" cy="1227286"/>
+            </a:xfrm>
+            <a:prstGeom prst="rect">
+              <a:avLst/>
+            </a:prstGeom>
+          </p:spPr>
+        </p:pic>
+      </p:grpSp>
+      <p:pic>
+        <p:nvPicPr>
+          <p:cNvPr id="9" name="Imagen 8" descr="Logotipo, nombre de la empresa&#10;&#10;Descripción generada automáticamente">
+            <a:extLst>
+              <a:ext uri="{FF2B5EF4-FFF2-40B4-BE49-F238E27FC236}">
+                <a16:creationId xmlns:a16="http://schemas.microsoft.com/office/drawing/2014/main" id="{B166E1E3-3FD2-F08A-D836-10EF9E32F2AA}"/>
+              </a:ext>
+            </a:extLst>
+          </p:cNvPr>
+          <p:cNvPicPr>
+            <a:picLocks noChangeAspect="1"/>
+          </p:cNvPicPr>
+          <p:nvPr/>
+        </p:nvPicPr>
+        <p:blipFill>
+          <a:blip r:embed="rId7"/>
+          <a:stretch>
+            <a:fillRect/>
+          </a:stretch>
+        </p:blipFill>
+        <p:spPr>
+          <a:xfrm>
+            <a:off x="4030815" y="1309802"/>
+            <a:ext cx="1897975" cy="1418289"/>
+          </a:xfrm>
+          <a:prstGeom prst="rect">
+            <a:avLst/>
+          </a:prstGeom>
+        </p:spPr>
+      </p:pic>
+      <p:pic>
+        <p:nvPicPr>
+          <p:cNvPr id="11" name="Imagen 10" descr="Logotipo, nombre de la empresa&#10;&#10;Descripción generada automáticamente">
+            <a:extLst>
+              <a:ext uri="{FF2B5EF4-FFF2-40B4-BE49-F238E27FC236}">
+                <a16:creationId xmlns:a16="http://schemas.microsoft.com/office/drawing/2014/main" id="{BA9DF6F4-5945-5C00-A2B6-34F297CE63E4}"/>
+              </a:ext>
+            </a:extLst>
+          </p:cNvPr>
+          <p:cNvPicPr>
+            <a:picLocks noChangeAspect="1"/>
+          </p:cNvPicPr>
+          <p:nvPr/>
+        </p:nvPicPr>
+        <p:blipFill>
+          <a:blip r:embed="rId8"/>
+          <a:stretch>
+            <a:fillRect/>
+          </a:stretch>
+        </p:blipFill>
+        <p:spPr>
+          <a:xfrm>
+            <a:off x="5826326" y="1459158"/>
+            <a:ext cx="2265954" cy="1268934"/>
+          </a:xfrm>
+          <a:prstGeom prst="rect">
+            <a:avLst/>
+          </a:prstGeom>
+        </p:spPr>
+      </p:pic>
+      <p:pic>
+        <p:nvPicPr>
+          <p:cNvPr id="13" name="Gráfico 12">
+            <a:extLst>
+              <a:ext uri="{FF2B5EF4-FFF2-40B4-BE49-F238E27FC236}">
+                <a16:creationId xmlns:a16="http://schemas.microsoft.com/office/drawing/2014/main" id="{3C75D79F-84D2-B120-E756-0DF6D38F8FBC}"/>
+              </a:ext>
+            </a:extLst>
+          </p:cNvPr>
+          <p:cNvPicPr>
+            <a:picLocks noChangeAspect="1"/>
+          </p:cNvPicPr>
+          <p:nvPr/>
+        </p:nvPicPr>
+        <p:blipFill>
+          <a:blip r:embed="rId9">
+            <a:extLst>
+              <a:ext uri="{96DAC541-7B7A-43D3-8B79-37D633B846F1}">
+                <asvg:svgBlip xmlns:asvg="http://schemas.microsoft.com/office/drawing/2016/SVG/main" r:embed="rId10"/>
+              </a:ext>
+            </a:extLst>
+          </a:blip>
+          <a:stretch>
+            <a:fillRect/>
+          </a:stretch>
+        </p:blipFill>
+        <p:spPr>
+          <a:xfrm>
+            <a:off x="956816" y="2181456"/>
+            <a:ext cx="871584" cy="980630"/>
+          </a:xfrm>
+          <a:prstGeom prst="rect">
+            <a:avLst/>
+          </a:prstGeom>
+        </p:spPr>
+      </p:pic>
+      <p:pic>
+        <p:nvPicPr>
+          <p:cNvPr id="15" name="Imagen 14" descr="Icono&#10;&#10;Descripción generada automáticamente">
+            <a:extLst>
+              <a:ext uri="{FF2B5EF4-FFF2-40B4-BE49-F238E27FC236}">
+                <a16:creationId xmlns:a16="http://schemas.microsoft.com/office/drawing/2014/main" id="{EF44359B-1BF9-E3B7-9F60-7023A298722A}"/>
+              </a:ext>
+            </a:extLst>
+          </p:cNvPr>
+          <p:cNvPicPr>
+            <a:picLocks noChangeAspect="1"/>
+          </p:cNvPicPr>
+          <p:nvPr/>
+        </p:nvPicPr>
+        <p:blipFill rotWithShape="1">
+          <a:blip r:embed="rId11"/>
+          <a:srcRect l="17902" r="20976" b="13637"/>
+          <a:stretch/>
+        </p:blipFill>
+        <p:spPr>
+          <a:xfrm>
+            <a:off x="1618478" y="3159876"/>
+            <a:ext cx="1214710" cy="1144220"/>
+          </a:xfrm>
+          <a:prstGeom prst="rect">
+            <a:avLst/>
+          </a:prstGeom>
+        </p:spPr>
+      </p:pic>
+      <p:pic>
+        <p:nvPicPr>
+          <p:cNvPr id="17" name="Imagen 16" descr="Logotipo&#10;&#10;Descripción generada automáticamente">
+            <a:extLst>
+              <a:ext uri="{FF2B5EF4-FFF2-40B4-BE49-F238E27FC236}">
+                <a16:creationId xmlns:a16="http://schemas.microsoft.com/office/drawing/2014/main" id="{96849DA7-1B70-E305-6F5F-B8DFBEEE71C1}"/>
+              </a:ext>
+            </a:extLst>
+          </p:cNvPr>
+          <p:cNvPicPr>
+            <a:picLocks noChangeAspect="1"/>
+          </p:cNvPicPr>
+          <p:nvPr/>
+        </p:nvPicPr>
+        <p:blipFill>
+          <a:blip r:embed="rId12"/>
+          <a:stretch>
+            <a:fillRect/>
+          </a:stretch>
+        </p:blipFill>
+        <p:spPr>
+          <a:xfrm>
+            <a:off x="2760713" y="4727271"/>
+            <a:ext cx="996900" cy="996900"/>
+          </a:xfrm>
+          <a:prstGeom prst="rect">
+            <a:avLst/>
+          </a:prstGeom>
+        </p:spPr>
+      </p:pic>
+      <p:pic>
+        <p:nvPicPr>
+          <p:cNvPr id="19" name="Imagen 18" descr="Forma&#10;&#10;Descripción generada automáticamente con confianza baja">
+            <a:extLst>
+              <a:ext uri="{FF2B5EF4-FFF2-40B4-BE49-F238E27FC236}">
+                <a16:creationId xmlns:a16="http://schemas.microsoft.com/office/drawing/2014/main" id="{7B3EB88B-B39D-F86D-E86E-DFBC015A8543}"/>
+              </a:ext>
+            </a:extLst>
+          </p:cNvPr>
+          <p:cNvPicPr>
+            <a:picLocks noChangeAspect="1"/>
+          </p:cNvPicPr>
+          <p:nvPr/>
+        </p:nvPicPr>
+        <p:blipFill>
+          <a:blip r:embed="rId13"/>
+          <a:stretch>
+            <a:fillRect/>
+          </a:stretch>
+        </p:blipFill>
+        <p:spPr>
+          <a:xfrm>
+            <a:off x="3774047" y="4922852"/>
+            <a:ext cx="1178988" cy="1178988"/>
+          </a:xfrm>
+          <a:prstGeom prst="rect">
+            <a:avLst/>
+          </a:prstGeom>
+        </p:spPr>
+      </p:pic>
+      <p:pic>
+        <p:nvPicPr>
+          <p:cNvPr id="21" name="Imagen 20" descr="Icono&#10;&#10;Descripción generada automáticamente">
+            <a:extLst>
+              <a:ext uri="{FF2B5EF4-FFF2-40B4-BE49-F238E27FC236}">
+                <a16:creationId xmlns:a16="http://schemas.microsoft.com/office/drawing/2014/main" id="{00B98918-6F8F-D1F9-E2BF-CEC0CC1166C4}"/>
+              </a:ext>
+            </a:extLst>
+          </p:cNvPr>
+          <p:cNvPicPr>
+            <a:picLocks noChangeAspect="1"/>
+          </p:cNvPicPr>
+          <p:nvPr/>
+        </p:nvPicPr>
+        <p:blipFill>
+          <a:blip r:embed="rId14"/>
+          <a:stretch>
+            <a:fillRect/>
+          </a:stretch>
+        </p:blipFill>
+        <p:spPr>
+          <a:xfrm>
+            <a:off x="800523" y="3228869"/>
+            <a:ext cx="817955" cy="817955"/>
+          </a:xfrm>
+          <a:prstGeom prst="rect">
+            <a:avLst/>
+          </a:prstGeom>
+        </p:spPr>
+      </p:pic>
+      <p:pic>
+        <p:nvPicPr>
+          <p:cNvPr id="23" name="Imagen 22" descr="Icono&#10;&#10;Descripción generada automáticamente">
+            <a:extLst>
+              <a:ext uri="{FF2B5EF4-FFF2-40B4-BE49-F238E27FC236}">
+                <a16:creationId xmlns:a16="http://schemas.microsoft.com/office/drawing/2014/main" id="{3A7867AE-DDBC-B6F2-9216-06A600C53B0E}"/>
+              </a:ext>
+            </a:extLst>
+          </p:cNvPr>
+          <p:cNvPicPr>
+            <a:picLocks noChangeAspect="1"/>
+          </p:cNvPicPr>
+          <p:nvPr/>
+        </p:nvPicPr>
+        <p:blipFill>
+          <a:blip r:embed="rId15"/>
+          <a:stretch>
+            <a:fillRect/>
+          </a:stretch>
+        </p:blipFill>
+        <p:spPr>
+          <a:xfrm>
+            <a:off x="7441654" y="5260468"/>
+            <a:ext cx="1063991" cy="1063991"/>
+          </a:xfrm>
+          <a:prstGeom prst="rect">
+            <a:avLst/>
+          </a:prstGeom>
+        </p:spPr>
+      </p:pic>
+      <p:pic>
+        <p:nvPicPr>
+          <p:cNvPr id="26" name="Imagen 25" descr="Imagen que contiene dibujo&#10;&#10;Descripción generada automáticamente">
+            <a:extLst>
+              <a:ext uri="{FF2B5EF4-FFF2-40B4-BE49-F238E27FC236}">
+                <a16:creationId xmlns:a16="http://schemas.microsoft.com/office/drawing/2014/main" id="{C0F91DCE-7C56-438A-3B97-81366B93111E}"/>
+              </a:ext>
+            </a:extLst>
+          </p:cNvPr>
+          <p:cNvPicPr>
+            <a:picLocks noChangeAspect="1"/>
+          </p:cNvPicPr>
+          <p:nvPr/>
+        </p:nvPicPr>
+        <p:blipFill>
+          <a:blip r:embed="rId16"/>
+          <a:stretch>
+            <a:fillRect/>
+          </a:stretch>
+        </p:blipFill>
+        <p:spPr>
+          <a:xfrm>
+            <a:off x="6573447" y="4727271"/>
+            <a:ext cx="868207" cy="868207"/>
+          </a:xfrm>
+          <a:prstGeom prst="rect">
+            <a:avLst/>
+          </a:prstGeom>
+        </p:spPr>
+      </p:pic>
+      <p:pic>
+        <p:nvPicPr>
+          <p:cNvPr id="28" name="Imagen 27" descr="Forma&#10;&#10;Descripción generada automáticamente con confianza baja">
+            <a:extLst>
+              <a:ext uri="{FF2B5EF4-FFF2-40B4-BE49-F238E27FC236}">
+                <a16:creationId xmlns:a16="http://schemas.microsoft.com/office/drawing/2014/main" id="{BB60D0E3-39BC-7527-7B67-CA84744924D8}"/>
+              </a:ext>
+            </a:extLst>
+          </p:cNvPr>
+          <p:cNvPicPr>
+            <a:picLocks noChangeAspect="1"/>
+          </p:cNvPicPr>
+          <p:nvPr/>
+        </p:nvPicPr>
+        <p:blipFill>
+          <a:blip r:embed="rId17"/>
+          <a:stretch>
+            <a:fillRect/>
+          </a:stretch>
+        </p:blipFill>
+        <p:spPr>
+          <a:xfrm>
+            <a:off x="8092280" y="4401942"/>
+            <a:ext cx="996900" cy="996900"/>
+          </a:xfrm>
+          <a:prstGeom prst="rect">
+            <a:avLst/>
+          </a:prstGeom>
+        </p:spPr>
+      </p:pic>
+      <p:pic>
+        <p:nvPicPr>
+          <p:cNvPr id="30" name="Imagen 29" descr="Logotipo&#10;&#10;Descripción generada automáticamente con confianza baja">
+            <a:extLst>
+              <a:ext uri="{FF2B5EF4-FFF2-40B4-BE49-F238E27FC236}">
+                <a16:creationId xmlns:a16="http://schemas.microsoft.com/office/drawing/2014/main" id="{8B5DC4ED-1FA0-C78C-E063-BA731016AC99}"/>
+              </a:ext>
+            </a:extLst>
+          </p:cNvPr>
+          <p:cNvPicPr>
+            <a:picLocks noChangeAspect="1"/>
+          </p:cNvPicPr>
+          <p:nvPr/>
+        </p:nvPicPr>
+        <p:blipFill>
+          <a:blip r:embed="rId18"/>
+          <a:stretch>
+            <a:fillRect/>
+          </a:stretch>
+        </p:blipFill>
+        <p:spPr>
+          <a:xfrm>
+            <a:off x="9511573" y="3206241"/>
+            <a:ext cx="1178988" cy="1178988"/>
+          </a:xfrm>
+          <a:prstGeom prst="rect">
+            <a:avLst/>
+          </a:prstGeom>
+        </p:spPr>
+      </p:pic>
+      <p:pic>
+        <p:nvPicPr>
+          <p:cNvPr id="32" name="Imagen 31" descr="Interfaz de usuario gráfica, Aplicación, nombre de la empresa&#10;&#10;Descripción generada automáticamente">
+            <a:extLst>
+              <a:ext uri="{FF2B5EF4-FFF2-40B4-BE49-F238E27FC236}">
+                <a16:creationId xmlns:a16="http://schemas.microsoft.com/office/drawing/2014/main" id="{B9A624C9-DD44-F334-8C80-8633F02B7873}"/>
+              </a:ext>
+            </a:extLst>
+          </p:cNvPr>
+          <p:cNvPicPr>
+            <a:picLocks noChangeAspect="1"/>
+          </p:cNvPicPr>
+          <p:nvPr/>
+        </p:nvPicPr>
+        <p:blipFill>
+          <a:blip r:embed="rId19"/>
+          <a:stretch>
+            <a:fillRect/>
+          </a:stretch>
+        </p:blipFill>
+        <p:spPr>
+          <a:xfrm>
+            <a:off x="9688691" y="1896169"/>
+            <a:ext cx="1404505" cy="1404505"/>
+          </a:xfrm>
+          <a:prstGeom prst="rect">
+            <a:avLst/>
+          </a:prstGeom>
+        </p:spPr>
+      </p:pic>
+    </p:spTree>
+    <p:extLst>
+      <p:ext uri="{BB962C8B-B14F-4D97-AF65-F5344CB8AC3E}">
+        <p14:creationId xmlns:p14="http://schemas.microsoft.com/office/powerpoint/2010/main" val="2563955885"/>
+      </p:ext>
+    </p:extLst>
+  </p:cSld>
+  <p:clrMapOvr>
+    <a:masterClrMapping/>
+  </p:clrMapOvr>
+  <mc:AlternateContent xmlns:mc="http://schemas.openxmlformats.org/markup-compatibility/2006" xmlns:p159="http://schemas.microsoft.com/office/powerpoint/2015/09/main">
+    <mc:Choice Requires="p159">
+      <p:transition xmlns:p14="http://schemas.microsoft.com/office/powerpoint/2010/main" spd="slow" p14:dur="1500">
+        <p159:morph option="byObject"/>
+      </p:transition>
+    </mc:Choice>
+    <mc:Fallback xmlns="">
       <p:transition spd="slow">
         <p:fade/>
       </p:transition>

--- a/Presentaciones del proyecto/Presentación de Proyecto Pitch1.pptx
+++ b/Presentaciones del proyecto/Presentación de Proyecto Pitch1.pptx
@@ -19,9 +19,9 @@
     <p:sldId id="521" r:id="rId7"/>
     <p:sldId id="518" r:id="rId8"/>
     <p:sldId id="513" r:id="rId9"/>
-    <p:sldId id="519" r:id="rId10"/>
-    <p:sldId id="520" r:id="rId11"/>
-    <p:sldId id="514" r:id="rId12"/>
+    <p:sldId id="514" r:id="rId10"/>
+    <p:sldId id="519" r:id="rId11"/>
+    <p:sldId id="520" r:id="rId12"/>
     <p:sldId id="515" r:id="rId13"/>
   </p:sldIdLst>
   <p:sldSz cx="12192000" cy="6858000"/>
@@ -263,7 +263,7 @@
           <a:p>
             <a:fld id="{88369B9F-131C-2846-AB8F-CEE154B4CAEB}" type="datetimeFigureOut">
               <a:rPr lang="es-CO" smtClean="0"/>
-              <a:t>27/06/2023</a:t>
+              <a:t>28/06/2023</a:t>
             </a:fld>
             <a:endParaRPr lang="es-CO"/>
           </a:p>
@@ -440,7 +440,7 @@
           <a:p>
             <a:fld id="{9660CB96-A603-FF42-AE46-F5F75F80A67B}" type="datetimeFigureOut">
               <a:rPr lang="es-CO" smtClean="0"/>
-              <a:t>27/06/2023</a:t>
+              <a:t>28/06/2023</a:t>
             </a:fld>
             <a:endParaRPr lang="es-CO"/>
           </a:p>
@@ -941,7 +941,7 @@
           <a:p>
             <a:fld id="{BD986248-06F7-A441-A47A-264EBD310E11}" type="datetimeFigureOut">
               <a:rPr lang="es-CO" smtClean="0"/>
-              <a:t>27/06/2023</a:t>
+              <a:t>28/06/2023</a:t>
             </a:fld>
             <a:endParaRPr lang="es-CO"/>
           </a:p>
@@ -1141,7 +1141,7 @@
           <a:p>
             <a:fld id="{BD986248-06F7-A441-A47A-264EBD310E11}" type="datetimeFigureOut">
               <a:rPr lang="es-CO" smtClean="0"/>
-              <a:t>27/06/2023</a:t>
+              <a:t>28/06/2023</a:t>
             </a:fld>
             <a:endParaRPr lang="es-CO"/>
           </a:p>
@@ -1351,7 +1351,7 @@
           <a:p>
             <a:fld id="{BD986248-06F7-A441-A47A-264EBD310E11}" type="datetimeFigureOut">
               <a:rPr lang="es-CO" smtClean="0"/>
-              <a:t>27/06/2023</a:t>
+              <a:t>28/06/2023</a:t>
             </a:fld>
             <a:endParaRPr lang="es-CO"/>
           </a:p>
@@ -1614,7 +1614,7 @@
           <a:p>
             <a:fld id="{BD986248-06F7-A441-A47A-264EBD310E11}" type="datetimeFigureOut">
               <a:rPr lang="es-CO" smtClean="0"/>
-              <a:t>27/06/2023</a:t>
+              <a:t>28/06/2023</a:t>
             </a:fld>
             <a:endParaRPr lang="es-CO"/>
           </a:p>
@@ -1814,7 +1814,7 @@
           <a:p>
             <a:fld id="{BD986248-06F7-A441-A47A-264EBD310E11}" type="datetimeFigureOut">
               <a:rPr lang="es-CO" smtClean="0"/>
-              <a:t>27/06/2023</a:t>
+              <a:t>28/06/2023</a:t>
             </a:fld>
             <a:endParaRPr lang="es-CO"/>
           </a:p>
@@ -2090,7 +2090,7 @@
           <a:p>
             <a:fld id="{BD986248-06F7-A441-A47A-264EBD310E11}" type="datetimeFigureOut">
               <a:rPr lang="es-CO" smtClean="0"/>
-              <a:t>27/06/2023</a:t>
+              <a:t>28/06/2023</a:t>
             </a:fld>
             <a:endParaRPr lang="es-CO"/>
           </a:p>
@@ -2358,7 +2358,7 @@
           <a:p>
             <a:fld id="{BD986248-06F7-A441-A47A-264EBD310E11}" type="datetimeFigureOut">
               <a:rPr lang="es-CO" smtClean="0"/>
-              <a:t>27/06/2023</a:t>
+              <a:t>28/06/2023</a:t>
             </a:fld>
             <a:endParaRPr lang="es-CO"/>
           </a:p>
@@ -2773,7 +2773,7 @@
           <a:p>
             <a:fld id="{BD986248-06F7-A441-A47A-264EBD310E11}" type="datetimeFigureOut">
               <a:rPr lang="es-CO" smtClean="0"/>
-              <a:t>27/06/2023</a:t>
+              <a:t>28/06/2023</a:t>
             </a:fld>
             <a:endParaRPr lang="es-CO"/>
           </a:p>
@@ -2915,7 +2915,7 @@
           <a:p>
             <a:fld id="{BD986248-06F7-A441-A47A-264EBD310E11}" type="datetimeFigureOut">
               <a:rPr lang="es-CO" smtClean="0"/>
-              <a:t>27/06/2023</a:t>
+              <a:t>28/06/2023</a:t>
             </a:fld>
             <a:endParaRPr lang="es-CO"/>
           </a:p>
@@ -3028,7 +3028,7 @@
           <a:p>
             <a:fld id="{BD986248-06F7-A441-A47A-264EBD310E11}" type="datetimeFigureOut">
               <a:rPr lang="es-CO" smtClean="0"/>
-              <a:t>27/06/2023</a:t>
+              <a:t>28/06/2023</a:t>
             </a:fld>
             <a:endParaRPr lang="es-CO"/>
           </a:p>
@@ -3341,7 +3341,7 @@
           <a:p>
             <a:fld id="{BD986248-06F7-A441-A47A-264EBD310E11}" type="datetimeFigureOut">
               <a:rPr lang="es-CO" smtClean="0"/>
-              <a:t>27/06/2023</a:t>
+              <a:t>28/06/2023</a:t>
             </a:fld>
             <a:endParaRPr lang="es-CO"/>
           </a:p>
@@ -3630,7 +3630,7 @@
           <a:p>
             <a:fld id="{BD986248-06F7-A441-A47A-264EBD310E11}" type="datetimeFigureOut">
               <a:rPr lang="es-CO" smtClean="0"/>
-              <a:t>27/06/2023</a:t>
+              <a:t>28/06/2023</a:t>
             </a:fld>
             <a:endParaRPr lang="es-CO"/>
           </a:p>
@@ -3873,7 +3873,7 @@
           <a:p>
             <a:fld id="{BD986248-06F7-A441-A47A-264EBD310E11}" type="datetimeFigureOut">
               <a:rPr lang="es-CO" smtClean="0"/>
-              <a:t>27/06/2023</a:t>
+              <a:t>28/06/2023</a:t>
             </a:fld>
             <a:endParaRPr lang="es-CO"/>
           </a:p>
@@ -4756,6 +4756,681 @@
                 </a:solidFill>
                 <a:latin typeface="Work Sans Light" pitchFamily="2" charset="0"/>
               </a:rPr>
+              <a:t>Backend</a:t>
+            </a:r>
+            <a:endParaRPr lang="es-CO" dirty="0">
+              <a:solidFill>
+                <a:schemeClr val="tx1">
+                  <a:lumMod val="95000"/>
+                  <a:lumOff val="5000"/>
+                </a:schemeClr>
+              </a:solidFill>
+              <a:latin typeface="Work Sans Light" pitchFamily="2" charset="0"/>
+            </a:endParaRPr>
+          </a:p>
+        </p:txBody>
+      </p:sp>
+      <p:grpSp>
+        <p:nvGrpSpPr>
+          <p:cNvPr id="5" name="Grupo 4">
+            <a:extLst>
+              <a:ext uri="{FF2B5EF4-FFF2-40B4-BE49-F238E27FC236}">
+                <a16:creationId xmlns:a16="http://schemas.microsoft.com/office/drawing/2014/main" id="{87F15CCC-BB82-59EA-4A20-23BA12652E01}"/>
+              </a:ext>
+            </a:extLst>
+          </p:cNvPr>
+          <p:cNvGrpSpPr/>
+          <p:nvPr/>
+        </p:nvGrpSpPr>
+        <p:grpSpPr>
+          <a:xfrm>
+            <a:off x="9810053" y="282242"/>
+            <a:ext cx="1161783" cy="916373"/>
+            <a:chOff x="2592360" y="1419046"/>
+            <a:chExt cx="3959280" cy="3122940"/>
+          </a:xfrm>
+        </p:grpSpPr>
+        <p:pic>
+          <p:nvPicPr>
+            <p:cNvPr id="6" name="Gráfico 5">
+              <a:extLst>
+                <a:ext uri="{FF2B5EF4-FFF2-40B4-BE49-F238E27FC236}">
+                  <a16:creationId xmlns:a16="http://schemas.microsoft.com/office/drawing/2014/main" id="{DA6F0839-692B-5F43-3B85-C194DD260823}"/>
+                </a:ext>
+              </a:extLst>
+            </p:cNvPr>
+            <p:cNvPicPr>
+              <a:picLocks noChangeAspect="1"/>
+            </p:cNvPicPr>
+            <p:nvPr/>
+          </p:nvPicPr>
+          <p:blipFill>
+            <a:blip r:embed="rId3">
+              <a:extLst>
+                <a:ext uri="{96DAC541-7B7A-43D3-8B79-37D633B846F1}">
+                  <asvg:svgBlip xmlns:asvg="http://schemas.microsoft.com/office/drawing/2016/SVG/main" r:embed="rId4"/>
+                </a:ext>
+              </a:extLst>
+            </a:blip>
+            <a:stretch>
+              <a:fillRect/>
+            </a:stretch>
+          </p:blipFill>
+          <p:spPr>
+            <a:xfrm>
+              <a:off x="4011588" y="1419046"/>
+              <a:ext cx="1120824" cy="1895654"/>
+            </a:xfrm>
+            <a:prstGeom prst="rect">
+              <a:avLst/>
+            </a:prstGeom>
+          </p:spPr>
+        </p:pic>
+        <p:pic>
+          <p:nvPicPr>
+            <p:cNvPr id="7" name="Imagen 6">
+              <a:extLst>
+                <a:ext uri="{FF2B5EF4-FFF2-40B4-BE49-F238E27FC236}">
+                  <a16:creationId xmlns:a16="http://schemas.microsoft.com/office/drawing/2014/main" id="{F276B70A-17B6-E584-6037-CA89F33ED727}"/>
+                </a:ext>
+              </a:extLst>
+            </p:cNvPr>
+            <p:cNvPicPr>
+              <a:picLocks noChangeAspect="1"/>
+            </p:cNvPicPr>
+            <p:nvPr/>
+          </p:nvPicPr>
+          <p:blipFill>
+            <a:blip r:embed="rId5">
+              <a:extLst>
+                <a:ext uri="{BEBA8EAE-BF5A-486C-A8C5-ECC9F3942E4B}">
+                  <a14:imgProps xmlns:a14="http://schemas.microsoft.com/office/drawing/2010/main">
+                    <a14:imgLayer r:embed="rId6">
+                      <a14:imgEffect>
+                        <a14:backgroundRemoval t="9582" b="89681" l="4950" r="94364">
+                          <a14:foregroundMark x1="94440" y1="36364" x2="92007" y2="38843"/>
+                          <a14:foregroundMark x1="54049" y1="69088" x2="53694" y2="70762"/>
+                          <a14:foregroundMark x1="57203" y1="54189" x2="55043" y2="64387"/>
+                          <a14:foregroundMark x1="61081" y1="35872" x2="60260" y2="39752"/>
+                          <a14:foregroundMark x1="59659" y1="78902" x2="61615" y2="81572"/>
+                          <a14:foregroundMark x1="53694" y1="70762" x2="54203" y2="71457"/>
+                          <a14:foregroundMark x1="35796" y1="36364" x2="35339" y2="77641"/>
+                          <a14:foregroundMark x1="45416" y1="71429" x2="47296" y2="70270"/>
+                          <a14:foregroundMark x1="35339" y1="77641" x2="37155" y2="76521"/>
+                          <a14:foregroundMark x1="39299" y1="38812" x2="38614" y2="36118"/>
+                          <a14:foregroundMark x1="47296" y1="70270" x2="46331" y2="66474"/>
+                          <a14:foregroundMark x1="38614" y1="36118" x2="36481" y2="34889"/>
+                          <a14:foregroundMark x1="23762" y1="35627" x2="24372" y2="34889"/>
+                          <a14:foregroundMark x1="3732" y1="84275" x2="4950" y2="39066"/>
+                          <a14:foregroundMark x1="4950" y1="39066" x2="13633" y2="77641"/>
+                          <a14:foregroundMark x1="13633" y1="77641" x2="16146" y2="30467"/>
+                          <a14:foregroundMark x1="23645" y1="22609" x2="25057" y2="21130"/>
+                          <a14:foregroundMark x1="16146" y1="30467" x2="16916" y2="29661"/>
+                          <a14:backgroundMark x1="89109" y1="42506" x2="89109" y2="42506"/>
+                          <a14:backgroundMark x1="89109" y1="42506" x2="89109" y2="42506"/>
+                          <a14:backgroundMark x1="88728" y1="41769" x2="88728" y2="41769"/>
+                          <a14:backgroundMark x1="88728" y1="41769" x2="88728" y2="41769"/>
+                          <a14:backgroundMark x1="88728" y1="41769" x2="88728" y2="41769"/>
+                          <a14:backgroundMark x1="88728" y1="41769" x2="88728" y2="41769"/>
+                          <a14:backgroundMark x1="88728" y1="41769" x2="89109" y2="41523"/>
+                          <a14:backgroundMark x1="90099" y1="41523" x2="90099" y2="41523"/>
+                          <a14:backgroundMark x1="89947" y1="41523" x2="89566" y2="41278"/>
+                          <a14:backgroundMark x1="90861" y1="41032" x2="89261" y2="41032"/>
+                          <a14:backgroundMark x1="88043" y1="43489" x2="88576" y2="43243"/>
+                          <a14:backgroundMark x1="88652" y1="42015" x2="87738" y2="42260"/>
+                          <a14:backgroundMark x1="87357" y1="43489" x2="87357" y2="43489"/>
+                          <a14:backgroundMark x1="87357" y1="43489" x2="87510" y2="44717"/>
+                          <a14:backgroundMark x1="91318" y1="41278" x2="89337" y2="42260"/>
+                          <a14:backgroundMark x1="90784" y1="40786" x2="91546" y2="41032"/>
+                          <a14:backgroundMark x1="60701" y1="48649" x2="55598" y2="44963"/>
+                          <a14:backgroundMark x1="58720" y1="51843" x2="56969" y2="51843"/>
+                          <a14:backgroundMark x1="57121" y1="43980" x2="59025" y2="43489"/>
+                          <a14:backgroundMark x1="59482" y1="42752" x2="60929" y2="43735"/>
+                          <a14:backgroundMark x1="58873" y1="43980" x2="59558" y2="42506"/>
+                          <a14:backgroundMark x1="59482" y1="43243" x2="58492" y2="49631"/>
+                          <a14:backgroundMark x1="58111" y1="52334" x2="57045" y2="53563"/>
+                          <a14:backgroundMark x1="59558" y1="42015" x2="59863" y2="41523"/>
+                          <a14:backgroundMark x1="59711" y1="42015" x2="59330" y2="42998"/>
+                          <a14:backgroundMark x1="59406" y1="43980" x2="58644" y2="44963"/>
+                          <a14:backgroundMark x1="59558" y1="43489" x2="60701" y2="42506"/>
+                          <a14:backgroundMark x1="59939" y1="43243" x2="59939" y2="43243"/>
+                          <a14:backgroundMark x1="57273" y1="52826" x2="57273" y2="52826"/>
+                          <a14:backgroundMark x1="57350" y1="53563" x2="57350" y2="53563"/>
+                          <a14:backgroundMark x1="57350" y1="54300" x2="57350" y2="54300"/>
+                          <a14:backgroundMark x1="55065" y1="64865" x2="58187" y2="76413"/>
+                          <a14:backgroundMark x1="59254" y1="77150" x2="57959" y2="78133"/>
+                          <a14:backgroundMark x1="55750" y1="74939" x2="55141" y2="66585"/>
+                          <a14:backgroundMark x1="55065" y1="64373" x2="55674" y2="73710"/>
+                          <a14:backgroundMark x1="39299" y1="44717" x2="39299" y2="66830"/>
+                          <a14:backgroundMark x1="40746" y1="42506" x2="38385" y2="76658"/>
+                          <a14:backgroundMark x1="41280" y1="43980" x2="44707" y2="59951"/>
+                          <a14:backgroundMark x1="44859" y1="59459" x2="39832" y2="42506"/>
+                          <a14:backgroundMark x1="40137" y1="42506" x2="39604" y2="42260"/>
+                          <a14:backgroundMark x1="45316" y1="63391" x2="37548" y2="75676"/>
+                          <a14:backgroundMark x1="41736" y1="76167" x2="44021" y2="72482"/>
+                          <a14:backgroundMark x1="45925" y1="61179" x2="44554" y2="63391"/>
+                          <a14:backgroundMark x1="45621" y1="62162" x2="43488" y2="73710"/>
+                          <a14:backgroundMark x1="40975" y1="71990" x2="42117" y2="74939"/>
+                          <a14:backgroundMark x1="37471" y1="75921" x2="37776" y2="77396"/>
+                          <a14:backgroundMark x1="18507" y1="33907" x2="22544" y2="23833"/>
+                          <a14:backgroundMark x1="22391" y1="23833" x2="18050" y2="28501"/>
+                          <a14:backgroundMark x1="20030" y1="28501" x2="17593" y2="30221"/>
+                          <a14:backgroundMark x1="17136" y1="28993" x2="17136" y2="28993"/>
+                          <a14:backgroundMark x1="17136" y1="28993" x2="17974" y2="30958"/>
+                          <a14:backgroundMark x1="22239" y1="23342" x2="23382" y2="23833"/>
+                        </a14:backgroundRemoval>
+                      </a14:imgEffect>
+                    </a14:imgLayer>
+                  </a14:imgProps>
+                </a:ext>
+              </a:extLst>
+            </a:blip>
+            <a:stretch>
+              <a:fillRect/>
+            </a:stretch>
+          </p:blipFill>
+          <p:spPr>
+            <a:xfrm>
+              <a:off x="2592360" y="3314700"/>
+              <a:ext cx="3959280" cy="1227286"/>
+            </a:xfrm>
+            <a:prstGeom prst="rect">
+              <a:avLst/>
+            </a:prstGeom>
+          </p:spPr>
+        </p:pic>
+      </p:grpSp>
+      <p:pic>
+        <p:nvPicPr>
+          <p:cNvPr id="9" name="Imagen 8" descr="Logotipo, nombre de la empresa&#10;&#10;Descripción generada automáticamente">
+            <a:extLst>
+              <a:ext uri="{FF2B5EF4-FFF2-40B4-BE49-F238E27FC236}">
+                <a16:creationId xmlns:a16="http://schemas.microsoft.com/office/drawing/2014/main" id="{B166E1E3-3FD2-F08A-D836-10EF9E32F2AA}"/>
+              </a:ext>
+            </a:extLst>
+          </p:cNvPr>
+          <p:cNvPicPr>
+            <a:picLocks noChangeAspect="1"/>
+          </p:cNvPicPr>
+          <p:nvPr/>
+        </p:nvPicPr>
+        <p:blipFill>
+          <a:blip r:embed="rId7"/>
+          <a:stretch>
+            <a:fillRect/>
+          </a:stretch>
+        </p:blipFill>
+        <p:spPr>
+          <a:xfrm>
+            <a:off x="4030815" y="1309802"/>
+            <a:ext cx="1897975" cy="1418289"/>
+          </a:xfrm>
+          <a:prstGeom prst="rect">
+            <a:avLst/>
+          </a:prstGeom>
+        </p:spPr>
+      </p:pic>
+      <p:pic>
+        <p:nvPicPr>
+          <p:cNvPr id="11" name="Imagen 10" descr="Logotipo, nombre de la empresa&#10;&#10;Descripción generada automáticamente">
+            <a:extLst>
+              <a:ext uri="{FF2B5EF4-FFF2-40B4-BE49-F238E27FC236}">
+                <a16:creationId xmlns:a16="http://schemas.microsoft.com/office/drawing/2014/main" id="{BA9DF6F4-5945-5C00-A2B6-34F297CE63E4}"/>
+              </a:ext>
+            </a:extLst>
+          </p:cNvPr>
+          <p:cNvPicPr>
+            <a:picLocks noChangeAspect="1"/>
+          </p:cNvPicPr>
+          <p:nvPr/>
+        </p:nvPicPr>
+        <p:blipFill>
+          <a:blip r:embed="rId8"/>
+          <a:stretch>
+            <a:fillRect/>
+          </a:stretch>
+        </p:blipFill>
+        <p:spPr>
+          <a:xfrm>
+            <a:off x="5826326" y="1459158"/>
+            <a:ext cx="2265954" cy="1268934"/>
+          </a:xfrm>
+          <a:prstGeom prst="rect">
+            <a:avLst/>
+          </a:prstGeom>
+        </p:spPr>
+      </p:pic>
+      <p:pic>
+        <p:nvPicPr>
+          <p:cNvPr id="13" name="Gráfico 12">
+            <a:extLst>
+              <a:ext uri="{FF2B5EF4-FFF2-40B4-BE49-F238E27FC236}">
+                <a16:creationId xmlns:a16="http://schemas.microsoft.com/office/drawing/2014/main" id="{3C75D79F-84D2-B120-E756-0DF6D38F8FBC}"/>
+              </a:ext>
+            </a:extLst>
+          </p:cNvPr>
+          <p:cNvPicPr>
+            <a:picLocks noChangeAspect="1"/>
+          </p:cNvPicPr>
+          <p:nvPr/>
+        </p:nvPicPr>
+        <p:blipFill>
+          <a:blip r:embed="rId9">
+            <a:extLst>
+              <a:ext uri="{96DAC541-7B7A-43D3-8B79-37D633B846F1}">
+                <asvg:svgBlip xmlns:asvg="http://schemas.microsoft.com/office/drawing/2016/SVG/main" r:embed="rId10"/>
+              </a:ext>
+            </a:extLst>
+          </a:blip>
+          <a:stretch>
+            <a:fillRect/>
+          </a:stretch>
+        </p:blipFill>
+        <p:spPr>
+          <a:xfrm>
+            <a:off x="956816" y="2181456"/>
+            <a:ext cx="871584" cy="980630"/>
+          </a:xfrm>
+          <a:prstGeom prst="rect">
+            <a:avLst/>
+          </a:prstGeom>
+        </p:spPr>
+      </p:pic>
+      <p:pic>
+        <p:nvPicPr>
+          <p:cNvPr id="15" name="Imagen 14" descr="Icono&#10;&#10;Descripción generada automáticamente">
+            <a:extLst>
+              <a:ext uri="{FF2B5EF4-FFF2-40B4-BE49-F238E27FC236}">
+                <a16:creationId xmlns:a16="http://schemas.microsoft.com/office/drawing/2014/main" id="{EF44359B-1BF9-E3B7-9F60-7023A298722A}"/>
+              </a:ext>
+            </a:extLst>
+          </p:cNvPr>
+          <p:cNvPicPr>
+            <a:picLocks noChangeAspect="1"/>
+          </p:cNvPicPr>
+          <p:nvPr/>
+        </p:nvPicPr>
+        <p:blipFill rotWithShape="1">
+          <a:blip r:embed="rId11"/>
+          <a:srcRect l="17902" r="20976" b="13637"/>
+          <a:stretch/>
+        </p:blipFill>
+        <p:spPr>
+          <a:xfrm>
+            <a:off x="1618478" y="3159876"/>
+            <a:ext cx="1214710" cy="1144220"/>
+          </a:xfrm>
+          <a:prstGeom prst="rect">
+            <a:avLst/>
+          </a:prstGeom>
+        </p:spPr>
+      </p:pic>
+      <p:pic>
+        <p:nvPicPr>
+          <p:cNvPr id="17" name="Imagen 16" descr="Logotipo&#10;&#10;Descripción generada automáticamente">
+            <a:extLst>
+              <a:ext uri="{FF2B5EF4-FFF2-40B4-BE49-F238E27FC236}">
+                <a16:creationId xmlns:a16="http://schemas.microsoft.com/office/drawing/2014/main" id="{96849DA7-1B70-E305-6F5F-B8DFBEEE71C1}"/>
+              </a:ext>
+            </a:extLst>
+          </p:cNvPr>
+          <p:cNvPicPr>
+            <a:picLocks noChangeAspect="1"/>
+          </p:cNvPicPr>
+          <p:nvPr/>
+        </p:nvPicPr>
+        <p:blipFill>
+          <a:blip r:embed="rId12"/>
+          <a:stretch>
+            <a:fillRect/>
+          </a:stretch>
+        </p:blipFill>
+        <p:spPr>
+          <a:xfrm>
+            <a:off x="2760713" y="4727271"/>
+            <a:ext cx="996900" cy="996900"/>
+          </a:xfrm>
+          <a:prstGeom prst="rect">
+            <a:avLst/>
+          </a:prstGeom>
+        </p:spPr>
+      </p:pic>
+      <p:pic>
+        <p:nvPicPr>
+          <p:cNvPr id="19" name="Imagen 18" descr="Forma&#10;&#10;Descripción generada automáticamente con confianza baja">
+            <a:extLst>
+              <a:ext uri="{FF2B5EF4-FFF2-40B4-BE49-F238E27FC236}">
+                <a16:creationId xmlns:a16="http://schemas.microsoft.com/office/drawing/2014/main" id="{7B3EB88B-B39D-F86D-E86E-DFBC015A8543}"/>
+              </a:ext>
+            </a:extLst>
+          </p:cNvPr>
+          <p:cNvPicPr>
+            <a:picLocks noChangeAspect="1"/>
+          </p:cNvPicPr>
+          <p:nvPr/>
+        </p:nvPicPr>
+        <p:blipFill>
+          <a:blip r:embed="rId13"/>
+          <a:stretch>
+            <a:fillRect/>
+          </a:stretch>
+        </p:blipFill>
+        <p:spPr>
+          <a:xfrm>
+            <a:off x="3774047" y="4922852"/>
+            <a:ext cx="1178988" cy="1178988"/>
+          </a:xfrm>
+          <a:prstGeom prst="rect">
+            <a:avLst/>
+          </a:prstGeom>
+        </p:spPr>
+      </p:pic>
+      <p:pic>
+        <p:nvPicPr>
+          <p:cNvPr id="21" name="Imagen 20" descr="Icono&#10;&#10;Descripción generada automáticamente">
+            <a:extLst>
+              <a:ext uri="{FF2B5EF4-FFF2-40B4-BE49-F238E27FC236}">
+                <a16:creationId xmlns:a16="http://schemas.microsoft.com/office/drawing/2014/main" id="{00B98918-6F8F-D1F9-E2BF-CEC0CC1166C4}"/>
+              </a:ext>
+            </a:extLst>
+          </p:cNvPr>
+          <p:cNvPicPr>
+            <a:picLocks noChangeAspect="1"/>
+          </p:cNvPicPr>
+          <p:nvPr/>
+        </p:nvPicPr>
+        <p:blipFill>
+          <a:blip r:embed="rId14"/>
+          <a:stretch>
+            <a:fillRect/>
+          </a:stretch>
+        </p:blipFill>
+        <p:spPr>
+          <a:xfrm>
+            <a:off x="800523" y="3228869"/>
+            <a:ext cx="817955" cy="817955"/>
+          </a:xfrm>
+          <a:prstGeom prst="rect">
+            <a:avLst/>
+          </a:prstGeom>
+        </p:spPr>
+      </p:pic>
+      <p:pic>
+        <p:nvPicPr>
+          <p:cNvPr id="23" name="Imagen 22" descr="Icono&#10;&#10;Descripción generada automáticamente">
+            <a:extLst>
+              <a:ext uri="{FF2B5EF4-FFF2-40B4-BE49-F238E27FC236}">
+                <a16:creationId xmlns:a16="http://schemas.microsoft.com/office/drawing/2014/main" id="{3A7867AE-DDBC-B6F2-9216-06A600C53B0E}"/>
+              </a:ext>
+            </a:extLst>
+          </p:cNvPr>
+          <p:cNvPicPr>
+            <a:picLocks noChangeAspect="1"/>
+          </p:cNvPicPr>
+          <p:nvPr/>
+        </p:nvPicPr>
+        <p:blipFill>
+          <a:blip r:embed="rId15"/>
+          <a:stretch>
+            <a:fillRect/>
+          </a:stretch>
+        </p:blipFill>
+        <p:spPr>
+          <a:xfrm>
+            <a:off x="7441654" y="5260468"/>
+            <a:ext cx="1063991" cy="1063991"/>
+          </a:xfrm>
+          <a:prstGeom prst="rect">
+            <a:avLst/>
+          </a:prstGeom>
+        </p:spPr>
+      </p:pic>
+      <p:pic>
+        <p:nvPicPr>
+          <p:cNvPr id="26" name="Imagen 25" descr="Imagen que contiene dibujo&#10;&#10;Descripción generada automáticamente">
+            <a:extLst>
+              <a:ext uri="{FF2B5EF4-FFF2-40B4-BE49-F238E27FC236}">
+                <a16:creationId xmlns:a16="http://schemas.microsoft.com/office/drawing/2014/main" id="{C0F91DCE-7C56-438A-3B97-81366B93111E}"/>
+              </a:ext>
+            </a:extLst>
+          </p:cNvPr>
+          <p:cNvPicPr>
+            <a:picLocks noChangeAspect="1"/>
+          </p:cNvPicPr>
+          <p:nvPr/>
+        </p:nvPicPr>
+        <p:blipFill>
+          <a:blip r:embed="rId16"/>
+          <a:stretch>
+            <a:fillRect/>
+          </a:stretch>
+        </p:blipFill>
+        <p:spPr>
+          <a:xfrm>
+            <a:off x="6573447" y="4727271"/>
+            <a:ext cx="868207" cy="868207"/>
+          </a:xfrm>
+          <a:prstGeom prst="rect">
+            <a:avLst/>
+          </a:prstGeom>
+        </p:spPr>
+      </p:pic>
+      <p:pic>
+        <p:nvPicPr>
+          <p:cNvPr id="28" name="Imagen 27" descr="Forma&#10;&#10;Descripción generada automáticamente con confianza baja">
+            <a:extLst>
+              <a:ext uri="{FF2B5EF4-FFF2-40B4-BE49-F238E27FC236}">
+                <a16:creationId xmlns:a16="http://schemas.microsoft.com/office/drawing/2014/main" id="{BB60D0E3-39BC-7527-7B67-CA84744924D8}"/>
+              </a:ext>
+            </a:extLst>
+          </p:cNvPr>
+          <p:cNvPicPr>
+            <a:picLocks noChangeAspect="1"/>
+          </p:cNvPicPr>
+          <p:nvPr/>
+        </p:nvPicPr>
+        <p:blipFill>
+          <a:blip r:embed="rId17"/>
+          <a:stretch>
+            <a:fillRect/>
+          </a:stretch>
+        </p:blipFill>
+        <p:spPr>
+          <a:xfrm>
+            <a:off x="8092280" y="4401942"/>
+            <a:ext cx="996900" cy="996900"/>
+          </a:xfrm>
+          <a:prstGeom prst="rect">
+            <a:avLst/>
+          </a:prstGeom>
+        </p:spPr>
+      </p:pic>
+      <p:pic>
+        <p:nvPicPr>
+          <p:cNvPr id="30" name="Imagen 29" descr="Logotipo&#10;&#10;Descripción generada automáticamente con confianza baja">
+            <a:extLst>
+              <a:ext uri="{FF2B5EF4-FFF2-40B4-BE49-F238E27FC236}">
+                <a16:creationId xmlns:a16="http://schemas.microsoft.com/office/drawing/2014/main" id="{8B5DC4ED-1FA0-C78C-E063-BA731016AC99}"/>
+              </a:ext>
+            </a:extLst>
+          </p:cNvPr>
+          <p:cNvPicPr>
+            <a:picLocks noChangeAspect="1"/>
+          </p:cNvPicPr>
+          <p:nvPr/>
+        </p:nvPicPr>
+        <p:blipFill>
+          <a:blip r:embed="rId18"/>
+          <a:stretch>
+            <a:fillRect/>
+          </a:stretch>
+        </p:blipFill>
+        <p:spPr>
+          <a:xfrm>
+            <a:off x="9511573" y="3206241"/>
+            <a:ext cx="1178988" cy="1178988"/>
+          </a:xfrm>
+          <a:prstGeom prst="rect">
+            <a:avLst/>
+          </a:prstGeom>
+        </p:spPr>
+      </p:pic>
+      <p:pic>
+        <p:nvPicPr>
+          <p:cNvPr id="32" name="Imagen 31" descr="Interfaz de usuario gráfica, Aplicación, nombre de la empresa&#10;&#10;Descripción generada automáticamente">
+            <a:extLst>
+              <a:ext uri="{FF2B5EF4-FFF2-40B4-BE49-F238E27FC236}">
+                <a16:creationId xmlns:a16="http://schemas.microsoft.com/office/drawing/2014/main" id="{B9A624C9-DD44-F334-8C80-8633F02B7873}"/>
+              </a:ext>
+            </a:extLst>
+          </p:cNvPr>
+          <p:cNvPicPr>
+            <a:picLocks noChangeAspect="1"/>
+          </p:cNvPicPr>
+          <p:nvPr/>
+        </p:nvPicPr>
+        <p:blipFill>
+          <a:blip r:embed="rId19"/>
+          <a:stretch>
+            <a:fillRect/>
+          </a:stretch>
+        </p:blipFill>
+        <p:spPr>
+          <a:xfrm>
+            <a:off x="9688691" y="1896169"/>
+            <a:ext cx="1404505" cy="1404505"/>
+          </a:xfrm>
+          <a:prstGeom prst="rect">
+            <a:avLst/>
+          </a:prstGeom>
+        </p:spPr>
+      </p:pic>
+    </p:spTree>
+    <p:extLst>
+      <p:ext uri="{BB962C8B-B14F-4D97-AF65-F5344CB8AC3E}">
+        <p14:creationId xmlns:p14="http://schemas.microsoft.com/office/powerpoint/2010/main" val="2563955885"/>
+      </p:ext>
+    </p:extLst>
+  </p:cSld>
+  <p:clrMapOvr>
+    <a:masterClrMapping/>
+  </p:clrMapOvr>
+  <mc:AlternateContent xmlns:mc="http://schemas.openxmlformats.org/markup-compatibility/2006" xmlns:p159="http://schemas.microsoft.com/office/powerpoint/2015/09/main">
+    <mc:Choice Requires="p159">
+      <p:transition xmlns:p14="http://schemas.microsoft.com/office/powerpoint/2010/main" spd="slow" p14:dur="1500">
+        <p159:morph option="byObject"/>
+      </p:transition>
+    </mc:Choice>
+    <mc:Fallback xmlns="">
+      <p:transition spd="slow">
+        <p:fade/>
+      </p:transition>
+    </mc:Fallback>
+  </mc:AlternateContent>
+</p:sld>
+</file>
+
+<file path=ppt/slides/slide11.xml><?xml version="1.0" encoding="utf-8"?>
+<p:sld xmlns:a="http://schemas.openxmlformats.org/drawingml/2006/main" xmlns:r="http://schemas.openxmlformats.org/officeDocument/2006/relationships" xmlns:p="http://schemas.openxmlformats.org/presentationml/2006/main">
+  <p:cSld>
+    <p:bg>
+      <p:bgPr>
+        <a:blipFill>
+          <a:blip r:embed="rId2" cstate="email">
+            <a:extLst>
+              <a:ext uri="{28A0092B-C50C-407E-A947-70E740481C1C}">
+                <a14:useLocalDpi xmlns:a14="http://schemas.microsoft.com/office/drawing/2010/main"/>
+              </a:ext>
+            </a:extLst>
+          </a:blip>
+          <a:stretch>
+            <a:fillRect/>
+          </a:stretch>
+        </a:blipFill>
+        <a:effectLst/>
+      </p:bgPr>
+    </p:bg>
+    <p:spTree>
+      <p:nvGrpSpPr>
+        <p:cNvPr id="1" name=""/>
+        <p:cNvGrpSpPr/>
+        <p:nvPr/>
+      </p:nvGrpSpPr>
+      <p:grpSpPr>
+        <a:xfrm>
+          <a:off x="0" y="0"/>
+          <a:ext cx="0" cy="0"/>
+          <a:chOff x="0" y="0"/>
+          <a:chExt cx="0" cy="0"/>
+        </a:xfrm>
+      </p:grpSpPr>
+      <p:sp>
+        <p:nvSpPr>
+          <p:cNvPr id="2" name="Título 1">
+            <a:extLst>
+              <a:ext uri="{FF2B5EF4-FFF2-40B4-BE49-F238E27FC236}">
+                <a16:creationId xmlns:a16="http://schemas.microsoft.com/office/drawing/2014/main" id="{BFF67CBC-1536-A090-A5B5-FE205F3AF4AD}"/>
+              </a:ext>
+            </a:extLst>
+          </p:cNvPr>
+          <p:cNvSpPr txBox="1">
+            <a:spLocks/>
+          </p:cNvSpPr>
+          <p:nvPr/>
+        </p:nvSpPr>
+        <p:spPr>
+          <a:xfrm>
+            <a:off x="456236" y="457723"/>
+            <a:ext cx="10515600" cy="676598"/>
+          </a:xfrm>
+          <a:prstGeom prst="rect">
+            <a:avLst/>
+          </a:prstGeom>
+        </p:spPr>
+        <p:txBody>
+          <a:bodyPr/>
+          <a:lstStyle>
+            <a:lvl1pPr algn="l" defTabSz="914400" rtl="0" eaLnBrk="1" latinLnBrk="0" hangingPunct="1">
+              <a:lnSpc>
+                <a:spcPct val="90000"/>
+              </a:lnSpc>
+              <a:spcBef>
+                <a:spcPct val="0"/>
+              </a:spcBef>
+              <a:buNone/>
+              <a:defRPr sz="4400" kern="1200">
+                <a:solidFill>
+                  <a:schemeClr val="tx1"/>
+                </a:solidFill>
+                <a:latin typeface="+mj-lt"/>
+                <a:ea typeface="+mj-ea"/>
+                <a:cs typeface="+mj-cs"/>
+              </a:defRPr>
+            </a:lvl1pPr>
+          </a:lstStyle>
+          <a:p>
+            <a:r>
+              <a:rPr lang="es-CO" dirty="0">
+                <a:solidFill>
+                  <a:schemeClr val="tx1">
+                    <a:lumMod val="95000"/>
+                    <a:lumOff val="5000"/>
+                  </a:schemeClr>
+                </a:solidFill>
+                <a:latin typeface="Work Sans Light" pitchFamily="2" charset="0"/>
+              </a:rPr>
+              <a:t>Tecnologías - </a:t>
+            </a:r>
+            <a:r>
+              <a:rPr lang="es-CO" dirty="0" err="1">
+                <a:solidFill>
+                  <a:schemeClr val="tx1">
+                    <a:lumMod val="95000"/>
+                    <a:lumOff val="5000"/>
+                  </a:schemeClr>
+                </a:solidFill>
+                <a:latin typeface="Work Sans Light" pitchFamily="2" charset="0"/>
+              </a:rPr>
               <a:t>Frontend</a:t>
             </a:r>
             <a:endParaRPr lang="es-CO" dirty="0">
@@ -5154,295 +5829,6 @@
     <p:extLst>
       <p:ext uri="{BB962C8B-B14F-4D97-AF65-F5344CB8AC3E}">
         <p14:creationId xmlns:p14="http://schemas.microsoft.com/office/powerpoint/2010/main" val="2433945833"/>
-      </p:ext>
-    </p:extLst>
-  </p:cSld>
-  <p:clrMapOvr>
-    <a:masterClrMapping/>
-  </p:clrMapOvr>
-  <mc:AlternateContent xmlns:mc="http://schemas.openxmlformats.org/markup-compatibility/2006" xmlns:p159="http://schemas.microsoft.com/office/powerpoint/2015/09/main">
-    <mc:Choice Requires="p159">
-      <p:transition xmlns:p14="http://schemas.microsoft.com/office/powerpoint/2010/main" spd="slow" p14:dur="1500">
-        <p159:morph option="byObject"/>
-      </p:transition>
-    </mc:Choice>
-    <mc:Fallback xmlns="">
-      <p:transition spd="slow">
-        <p:fade/>
-      </p:transition>
-    </mc:Fallback>
-  </mc:AlternateContent>
-</p:sld>
-</file>
-
-<file path=ppt/slides/slide11.xml><?xml version="1.0" encoding="utf-8"?>
-<p:sld xmlns:a="http://schemas.openxmlformats.org/drawingml/2006/main" xmlns:r="http://schemas.openxmlformats.org/officeDocument/2006/relationships" xmlns:p="http://schemas.openxmlformats.org/presentationml/2006/main">
-  <p:cSld>
-    <p:bg>
-      <p:bgPr>
-        <a:blipFill>
-          <a:blip r:embed="rId2" cstate="email">
-            <a:extLst>
-              <a:ext uri="{28A0092B-C50C-407E-A947-70E740481C1C}">
-                <a14:useLocalDpi xmlns:a14="http://schemas.microsoft.com/office/drawing/2010/main"/>
-              </a:ext>
-            </a:extLst>
-          </a:blip>
-          <a:stretch>
-            <a:fillRect/>
-          </a:stretch>
-        </a:blipFill>
-        <a:effectLst/>
-      </p:bgPr>
-    </p:bg>
-    <p:spTree>
-      <p:nvGrpSpPr>
-        <p:cNvPr id="1" name=""/>
-        <p:cNvGrpSpPr/>
-        <p:nvPr/>
-      </p:nvGrpSpPr>
-      <p:grpSpPr>
-        <a:xfrm>
-          <a:off x="0" y="0"/>
-          <a:ext cx="0" cy="0"/>
-          <a:chOff x="0" y="0"/>
-          <a:chExt cx="0" cy="0"/>
-        </a:xfrm>
-      </p:grpSpPr>
-      <p:grpSp>
-        <p:nvGrpSpPr>
-          <p:cNvPr id="5" name="Grupo 4">
-            <a:extLst>
-              <a:ext uri="{FF2B5EF4-FFF2-40B4-BE49-F238E27FC236}">
-                <a16:creationId xmlns:a16="http://schemas.microsoft.com/office/drawing/2014/main" id="{87F15CCC-BB82-59EA-4A20-23BA12652E01}"/>
-              </a:ext>
-            </a:extLst>
-          </p:cNvPr>
-          <p:cNvGrpSpPr/>
-          <p:nvPr/>
-        </p:nvGrpSpPr>
-        <p:grpSpPr>
-          <a:xfrm>
-            <a:off x="10915194" y="1412542"/>
-            <a:ext cx="1161783" cy="916373"/>
-            <a:chOff x="2592360" y="1419046"/>
-            <a:chExt cx="3959280" cy="3122940"/>
-          </a:xfrm>
-        </p:grpSpPr>
-        <p:pic>
-          <p:nvPicPr>
-            <p:cNvPr id="6" name="Gráfico 5">
-              <a:extLst>
-                <a:ext uri="{FF2B5EF4-FFF2-40B4-BE49-F238E27FC236}">
-                  <a16:creationId xmlns:a16="http://schemas.microsoft.com/office/drawing/2014/main" id="{DA6F0839-692B-5F43-3B85-C194DD260823}"/>
-                </a:ext>
-              </a:extLst>
-            </p:cNvPr>
-            <p:cNvPicPr>
-              <a:picLocks noChangeAspect="1"/>
-            </p:cNvPicPr>
-            <p:nvPr/>
-          </p:nvPicPr>
-          <p:blipFill>
-            <a:blip r:embed="rId3">
-              <a:extLst>
-                <a:ext uri="{96DAC541-7B7A-43D3-8B79-37D633B846F1}">
-                  <asvg:svgBlip xmlns:asvg="http://schemas.microsoft.com/office/drawing/2016/SVG/main" r:embed="rId4"/>
-                </a:ext>
-              </a:extLst>
-            </a:blip>
-            <a:stretch>
-              <a:fillRect/>
-            </a:stretch>
-          </p:blipFill>
-          <p:spPr>
-            <a:xfrm>
-              <a:off x="4011588" y="1419046"/>
-              <a:ext cx="1120824" cy="1895654"/>
-            </a:xfrm>
-            <a:prstGeom prst="rect">
-              <a:avLst/>
-            </a:prstGeom>
-          </p:spPr>
-        </p:pic>
-        <p:pic>
-          <p:nvPicPr>
-            <p:cNvPr id="7" name="Imagen 6">
-              <a:extLst>
-                <a:ext uri="{FF2B5EF4-FFF2-40B4-BE49-F238E27FC236}">
-                  <a16:creationId xmlns:a16="http://schemas.microsoft.com/office/drawing/2014/main" id="{F276B70A-17B6-E584-6037-CA89F33ED727}"/>
-                </a:ext>
-              </a:extLst>
-            </p:cNvPr>
-            <p:cNvPicPr>
-              <a:picLocks noChangeAspect="1"/>
-            </p:cNvPicPr>
-            <p:nvPr/>
-          </p:nvPicPr>
-          <p:blipFill>
-            <a:blip r:embed="rId5">
-              <a:extLst>
-                <a:ext uri="{BEBA8EAE-BF5A-486C-A8C5-ECC9F3942E4B}">
-                  <a14:imgProps xmlns:a14="http://schemas.microsoft.com/office/drawing/2010/main">
-                    <a14:imgLayer r:embed="rId6">
-                      <a14:imgEffect>
-                        <a14:backgroundRemoval t="9582" b="89681" l="4950" r="94364">
-                          <a14:foregroundMark x1="94440" y1="36364" x2="92007" y2="38843"/>
-                          <a14:foregroundMark x1="54049" y1="69088" x2="53694" y2="70762"/>
-                          <a14:foregroundMark x1="57203" y1="54189" x2="55043" y2="64387"/>
-                          <a14:foregroundMark x1="61081" y1="35872" x2="60260" y2="39752"/>
-                          <a14:foregroundMark x1="59659" y1="78902" x2="61615" y2="81572"/>
-                          <a14:foregroundMark x1="53694" y1="70762" x2="54203" y2="71457"/>
-                          <a14:foregroundMark x1="35796" y1="36364" x2="35339" y2="77641"/>
-                          <a14:foregroundMark x1="45416" y1="71429" x2="47296" y2="70270"/>
-                          <a14:foregroundMark x1="35339" y1="77641" x2="37155" y2="76521"/>
-                          <a14:foregroundMark x1="39299" y1="38812" x2="38614" y2="36118"/>
-                          <a14:foregroundMark x1="47296" y1="70270" x2="46331" y2="66474"/>
-                          <a14:foregroundMark x1="38614" y1="36118" x2="36481" y2="34889"/>
-                          <a14:foregroundMark x1="23762" y1="35627" x2="24372" y2="34889"/>
-                          <a14:foregroundMark x1="3732" y1="84275" x2="4950" y2="39066"/>
-                          <a14:foregroundMark x1="4950" y1="39066" x2="13633" y2="77641"/>
-                          <a14:foregroundMark x1="13633" y1="77641" x2="16146" y2="30467"/>
-                          <a14:foregroundMark x1="23645" y1="22609" x2="25057" y2="21130"/>
-                          <a14:foregroundMark x1="16146" y1="30467" x2="16916" y2="29661"/>
-                          <a14:backgroundMark x1="89109" y1="42506" x2="89109" y2="42506"/>
-                          <a14:backgroundMark x1="89109" y1="42506" x2="89109" y2="42506"/>
-                          <a14:backgroundMark x1="88728" y1="41769" x2="88728" y2="41769"/>
-                          <a14:backgroundMark x1="88728" y1="41769" x2="88728" y2="41769"/>
-                          <a14:backgroundMark x1="88728" y1="41769" x2="88728" y2="41769"/>
-                          <a14:backgroundMark x1="88728" y1="41769" x2="88728" y2="41769"/>
-                          <a14:backgroundMark x1="88728" y1="41769" x2="89109" y2="41523"/>
-                          <a14:backgroundMark x1="90099" y1="41523" x2="90099" y2="41523"/>
-                          <a14:backgroundMark x1="89947" y1="41523" x2="89566" y2="41278"/>
-                          <a14:backgroundMark x1="90861" y1="41032" x2="89261" y2="41032"/>
-                          <a14:backgroundMark x1="88043" y1="43489" x2="88576" y2="43243"/>
-                          <a14:backgroundMark x1="88652" y1="42015" x2="87738" y2="42260"/>
-                          <a14:backgroundMark x1="87357" y1="43489" x2="87357" y2="43489"/>
-                          <a14:backgroundMark x1="87357" y1="43489" x2="87510" y2="44717"/>
-                          <a14:backgroundMark x1="91318" y1="41278" x2="89337" y2="42260"/>
-                          <a14:backgroundMark x1="90784" y1="40786" x2="91546" y2="41032"/>
-                          <a14:backgroundMark x1="60701" y1="48649" x2="55598" y2="44963"/>
-                          <a14:backgroundMark x1="58720" y1="51843" x2="56969" y2="51843"/>
-                          <a14:backgroundMark x1="57121" y1="43980" x2="59025" y2="43489"/>
-                          <a14:backgroundMark x1="59482" y1="42752" x2="60929" y2="43735"/>
-                          <a14:backgroundMark x1="58873" y1="43980" x2="59558" y2="42506"/>
-                          <a14:backgroundMark x1="59482" y1="43243" x2="58492" y2="49631"/>
-                          <a14:backgroundMark x1="58111" y1="52334" x2="57045" y2="53563"/>
-                          <a14:backgroundMark x1="59558" y1="42015" x2="59863" y2="41523"/>
-                          <a14:backgroundMark x1="59711" y1="42015" x2="59330" y2="42998"/>
-                          <a14:backgroundMark x1="59406" y1="43980" x2="58644" y2="44963"/>
-                          <a14:backgroundMark x1="59558" y1="43489" x2="60701" y2="42506"/>
-                          <a14:backgroundMark x1="59939" y1="43243" x2="59939" y2="43243"/>
-                          <a14:backgroundMark x1="57273" y1="52826" x2="57273" y2="52826"/>
-                          <a14:backgroundMark x1="57350" y1="53563" x2="57350" y2="53563"/>
-                          <a14:backgroundMark x1="57350" y1="54300" x2="57350" y2="54300"/>
-                          <a14:backgroundMark x1="55065" y1="64865" x2="58187" y2="76413"/>
-                          <a14:backgroundMark x1="59254" y1="77150" x2="57959" y2="78133"/>
-                          <a14:backgroundMark x1="55750" y1="74939" x2="55141" y2="66585"/>
-                          <a14:backgroundMark x1="55065" y1="64373" x2="55674" y2="73710"/>
-                          <a14:backgroundMark x1="39299" y1="44717" x2="39299" y2="66830"/>
-                          <a14:backgroundMark x1="40746" y1="42506" x2="38385" y2="76658"/>
-                          <a14:backgroundMark x1="41280" y1="43980" x2="44707" y2="59951"/>
-                          <a14:backgroundMark x1="44859" y1="59459" x2="39832" y2="42506"/>
-                          <a14:backgroundMark x1="40137" y1="42506" x2="39604" y2="42260"/>
-                          <a14:backgroundMark x1="45316" y1="63391" x2="37548" y2="75676"/>
-                          <a14:backgroundMark x1="41736" y1="76167" x2="44021" y2="72482"/>
-                          <a14:backgroundMark x1="45925" y1="61179" x2="44554" y2="63391"/>
-                          <a14:backgroundMark x1="45621" y1="62162" x2="43488" y2="73710"/>
-                          <a14:backgroundMark x1="40975" y1="71990" x2="42117" y2="74939"/>
-                          <a14:backgroundMark x1="37471" y1="75921" x2="37776" y2="77396"/>
-                          <a14:backgroundMark x1="18507" y1="33907" x2="22544" y2="23833"/>
-                          <a14:backgroundMark x1="22391" y1="23833" x2="18050" y2="28501"/>
-                          <a14:backgroundMark x1="20030" y1="28501" x2="17593" y2="30221"/>
-                          <a14:backgroundMark x1="17136" y1="28993" x2="17136" y2="28993"/>
-                          <a14:backgroundMark x1="17136" y1="28993" x2="17974" y2="30958"/>
-                          <a14:backgroundMark x1="22239" y1="23342" x2="23382" y2="23833"/>
-                        </a14:backgroundRemoval>
-                      </a14:imgEffect>
-                    </a14:imgLayer>
-                  </a14:imgProps>
-                </a:ext>
-              </a:extLst>
-            </a:blip>
-            <a:stretch>
-              <a:fillRect/>
-            </a:stretch>
-          </p:blipFill>
-          <p:spPr>
-            <a:xfrm>
-              <a:off x="2592360" y="3314700"/>
-              <a:ext cx="3959280" cy="1227286"/>
-            </a:xfrm>
-            <a:prstGeom prst="rect">
-              <a:avLst/>
-            </a:prstGeom>
-          </p:spPr>
-        </p:pic>
-      </p:grpSp>
-      <p:pic>
-        <p:nvPicPr>
-          <p:cNvPr id="4" name="Imagen 3" descr="Diagrama, Esquemático&#10;&#10;Descripción generada automáticamente">
-            <a:extLst>
-              <a:ext uri="{FF2B5EF4-FFF2-40B4-BE49-F238E27FC236}">
-                <a16:creationId xmlns:a16="http://schemas.microsoft.com/office/drawing/2014/main" id="{270887E7-4984-8D71-5B13-D4D0AEEC0C0F}"/>
-              </a:ext>
-            </a:extLst>
-          </p:cNvPr>
-          <p:cNvPicPr>
-            <a:picLocks noChangeAspect="1"/>
-          </p:cNvPicPr>
-          <p:nvPr/>
-        </p:nvPicPr>
-        <p:blipFill>
-          <a:blip r:embed="rId7"/>
-          <a:stretch>
-            <a:fillRect/>
-          </a:stretch>
-        </p:blipFill>
-        <p:spPr>
-          <a:xfrm>
-            <a:off x="1276806" y="0"/>
-            <a:ext cx="9262881" cy="6865634"/>
-          </a:xfrm>
-          <a:prstGeom prst="rect">
-            <a:avLst/>
-          </a:prstGeom>
-        </p:spPr>
-      </p:pic>
-      <p:pic>
-        <p:nvPicPr>
-          <p:cNvPr id="2" name="Imagen 1">
-            <a:extLst>
-              <a:ext uri="{FF2B5EF4-FFF2-40B4-BE49-F238E27FC236}">
-                <a16:creationId xmlns:a16="http://schemas.microsoft.com/office/drawing/2014/main" id="{2F9E04A7-A78C-79A5-D333-DEF554A37AFE}"/>
-              </a:ext>
-            </a:extLst>
-          </p:cNvPr>
-          <p:cNvPicPr>
-            <a:picLocks noChangeAspect="1"/>
-          </p:cNvPicPr>
-          <p:nvPr/>
-        </p:nvPicPr>
-        <p:blipFill>
-          <a:blip r:embed="rId8"/>
-          <a:stretch>
-            <a:fillRect/>
-          </a:stretch>
-        </p:blipFill>
-        <p:spPr>
-          <a:xfrm>
-            <a:off x="6013201" y="6048555"/>
-            <a:ext cx="921589" cy="921589"/>
-          </a:xfrm>
-          <a:prstGeom prst="rect">
-            <a:avLst/>
-          </a:prstGeom>
-        </p:spPr>
-      </p:pic>
-    </p:spTree>
-    <p:extLst>
-      <p:ext uri="{BB962C8B-B14F-4D97-AF65-F5344CB8AC3E}">
-        <p14:creationId xmlns:p14="http://schemas.microsoft.com/office/powerpoint/2010/main" val="2765547452"/>
       </p:ext>
     </p:extLst>
   </p:cSld>
@@ -8465,13 +8851,13 @@
   <p:clrMapOvr>
     <a:masterClrMapping/>
   </p:clrMapOvr>
-  <mc:AlternateContent xmlns:mc="http://schemas.openxmlformats.org/markup-compatibility/2006">
-    <mc:Choice xmlns:p159="http://schemas.microsoft.com/office/powerpoint/2015/09/main" Requires="p159">
+  <mc:AlternateContent xmlns:mc="http://schemas.openxmlformats.org/markup-compatibility/2006" xmlns:p159="http://schemas.microsoft.com/office/powerpoint/2015/09/main">
+    <mc:Choice Requires="p159">
       <p:transition xmlns:p14="http://schemas.microsoft.com/office/powerpoint/2010/main" spd="slow" p14:dur="1500">
         <p159:morph option="byObject"/>
       </p:transition>
     </mc:Choice>
-    <mc:Fallback>
+    <mc:Fallback xmlns="">
       <p:transition spd="slow">
         <p:fade/>
       </p:transition>
@@ -9423,87 +9809,6 @@
           <a:chExt cx="0" cy="0"/>
         </a:xfrm>
       </p:grpSpPr>
-      <p:sp>
-        <p:nvSpPr>
-          <p:cNvPr id="2" name="Título 1">
-            <a:extLst>
-              <a:ext uri="{FF2B5EF4-FFF2-40B4-BE49-F238E27FC236}">
-                <a16:creationId xmlns:a16="http://schemas.microsoft.com/office/drawing/2014/main" id="{BFF67CBC-1536-A090-A5B5-FE205F3AF4AD}"/>
-              </a:ext>
-            </a:extLst>
-          </p:cNvPr>
-          <p:cNvSpPr txBox="1">
-            <a:spLocks/>
-          </p:cNvSpPr>
-          <p:nvPr/>
-        </p:nvSpPr>
-        <p:spPr>
-          <a:xfrm>
-            <a:off x="456236" y="457723"/>
-            <a:ext cx="10515600" cy="676598"/>
-          </a:xfrm>
-          <a:prstGeom prst="rect">
-            <a:avLst/>
-          </a:prstGeom>
-        </p:spPr>
-        <p:txBody>
-          <a:bodyPr/>
-          <a:lstStyle>
-            <a:lvl1pPr algn="l" defTabSz="914400" rtl="0" eaLnBrk="1" latinLnBrk="0" hangingPunct="1">
-              <a:lnSpc>
-                <a:spcPct val="90000"/>
-              </a:lnSpc>
-              <a:spcBef>
-                <a:spcPct val="0"/>
-              </a:spcBef>
-              <a:buNone/>
-              <a:defRPr sz="4400" kern="1200">
-                <a:solidFill>
-                  <a:schemeClr val="tx1"/>
-                </a:solidFill>
-                <a:latin typeface="+mj-lt"/>
-                <a:ea typeface="+mj-ea"/>
-                <a:cs typeface="+mj-cs"/>
-              </a:defRPr>
-            </a:lvl1pPr>
-          </a:lstStyle>
-          <a:p>
-            <a:r>
-              <a:rPr lang="es-CO" dirty="0">
-                <a:solidFill>
-                  <a:schemeClr val="tx1">
-                    <a:lumMod val="95000"/>
-                    <a:lumOff val="5000"/>
-                  </a:schemeClr>
-                </a:solidFill>
-                <a:latin typeface="Work Sans Light" pitchFamily="2" charset="0"/>
-              </a:rPr>
-              <a:t>Tecnologías - </a:t>
-            </a:r>
-            <a:r>
-              <a:rPr lang="es-CO" dirty="0" err="1">
-                <a:solidFill>
-                  <a:schemeClr val="tx1">
-                    <a:lumMod val="95000"/>
-                    <a:lumOff val="5000"/>
-                  </a:schemeClr>
-                </a:solidFill>
-                <a:latin typeface="Work Sans Light" pitchFamily="2" charset="0"/>
-              </a:rPr>
-              <a:t>Backend</a:t>
-            </a:r>
-            <a:endParaRPr lang="es-CO" dirty="0">
-              <a:solidFill>
-                <a:schemeClr val="tx1">
-                  <a:lumMod val="95000"/>
-                  <a:lumOff val="5000"/>
-                </a:schemeClr>
-              </a:solidFill>
-              <a:latin typeface="Work Sans Light" pitchFamily="2" charset="0"/>
-            </a:endParaRPr>
-          </a:p>
-        </p:txBody>
-      </p:sp>
       <p:grpSp>
         <p:nvGrpSpPr>
           <p:cNvPr id="5" name="Grupo 4">
@@ -9518,7 +9823,7 @@
         </p:nvGrpSpPr>
         <p:grpSpPr>
           <a:xfrm>
-            <a:off x="9810053" y="282242"/>
+            <a:off x="9931784" y="315470"/>
             <a:ext cx="1161783" cy="916373"/>
             <a:chOff x="2592360" y="1419046"/>
             <a:chExt cx="3959280" cy="3122940"/>
@@ -9674,12 +9979,358 @@
           </p:spPr>
         </p:pic>
       </p:grpSp>
+      <p:sp>
+        <p:nvSpPr>
+          <p:cNvPr id="3" name="Título 1">
+            <a:extLst>
+              <a:ext uri="{FF2B5EF4-FFF2-40B4-BE49-F238E27FC236}">
+                <a16:creationId xmlns:a16="http://schemas.microsoft.com/office/drawing/2014/main" id="{3A426D85-9569-C2A3-3F6C-8B04460032D9}"/>
+              </a:ext>
+            </a:extLst>
+          </p:cNvPr>
+          <p:cNvSpPr txBox="1">
+            <a:spLocks/>
+          </p:cNvSpPr>
+          <p:nvPr/>
+        </p:nvSpPr>
+        <p:spPr>
+          <a:xfrm>
+            <a:off x="4373398" y="259796"/>
+            <a:ext cx="3445204" cy="676598"/>
+          </a:xfrm>
+          <a:prstGeom prst="rect">
+            <a:avLst/>
+          </a:prstGeom>
+        </p:spPr>
+        <p:txBody>
+          <a:bodyPr/>
+          <a:lstStyle>
+            <a:lvl1pPr algn="l" defTabSz="914400" rtl="0" eaLnBrk="1" latinLnBrk="0" hangingPunct="1">
+              <a:lnSpc>
+                <a:spcPct val="90000"/>
+              </a:lnSpc>
+              <a:spcBef>
+                <a:spcPct val="0"/>
+              </a:spcBef>
+              <a:buNone/>
+              <a:defRPr sz="4400" kern="1200">
+                <a:solidFill>
+                  <a:schemeClr val="tx1"/>
+                </a:solidFill>
+                <a:latin typeface="+mj-lt"/>
+                <a:ea typeface="+mj-ea"/>
+                <a:cs typeface="+mj-cs"/>
+              </a:defRPr>
+            </a:lvl1pPr>
+          </a:lstStyle>
+          <a:p>
+            <a:r>
+              <a:rPr lang="es-CO" dirty="0">
+                <a:solidFill>
+                  <a:schemeClr val="tx1">
+                    <a:lumMod val="95000"/>
+                    <a:lumOff val="5000"/>
+                  </a:schemeClr>
+                </a:solidFill>
+                <a:latin typeface="Work Sans Light" pitchFamily="2" charset="0"/>
+              </a:rPr>
+              <a:t>Arquitectura</a:t>
+            </a:r>
+          </a:p>
+        </p:txBody>
+      </p:sp>
+      <p:sp>
+        <p:nvSpPr>
+          <p:cNvPr id="8" name="Rectángulo: esquinas redondeadas 7">
+            <a:extLst>
+              <a:ext uri="{FF2B5EF4-FFF2-40B4-BE49-F238E27FC236}">
+                <a16:creationId xmlns:a16="http://schemas.microsoft.com/office/drawing/2014/main" id="{A02A8872-C13E-9BD5-60DF-4B3D43805B11}"/>
+              </a:ext>
+            </a:extLst>
+          </p:cNvPr>
+          <p:cNvSpPr/>
+          <p:nvPr/>
+        </p:nvSpPr>
+        <p:spPr>
+          <a:xfrm>
+            <a:off x="246375" y="4591943"/>
+            <a:ext cx="1794294" cy="1181819"/>
+          </a:xfrm>
+          <a:prstGeom prst="roundRect">
+            <a:avLst/>
+          </a:prstGeom>
+        </p:spPr>
+        <p:style>
+          <a:lnRef idx="2">
+            <a:schemeClr val="accent4"/>
+          </a:lnRef>
+          <a:fillRef idx="1">
+            <a:schemeClr val="lt1"/>
+          </a:fillRef>
+          <a:effectRef idx="0">
+            <a:schemeClr val="accent4"/>
+          </a:effectRef>
+          <a:fontRef idx="minor">
+            <a:schemeClr val="dk1"/>
+          </a:fontRef>
+        </p:style>
+        <p:txBody>
+          <a:bodyPr rtlCol="0" anchor="ctr"/>
+          <a:lstStyle/>
+          <a:p>
+            <a:pPr algn="ctr"/>
+            <a:r>
+              <a:rPr lang="es-CO" dirty="0">
+                <a:solidFill>
+                  <a:schemeClr val="dk1"/>
+                </a:solidFill>
+              </a:rPr>
+              <a:t>Musicos</a:t>
+            </a:r>
+          </a:p>
+        </p:txBody>
+      </p:sp>
+      <p:sp>
+        <p:nvSpPr>
+          <p:cNvPr id="9" name="Rectángulo: esquinas redondeadas 8">
+            <a:extLst>
+              <a:ext uri="{FF2B5EF4-FFF2-40B4-BE49-F238E27FC236}">
+                <a16:creationId xmlns:a16="http://schemas.microsoft.com/office/drawing/2014/main" id="{B43F78AE-5F93-65DE-8D8F-0E6B72AC3CA4}"/>
+              </a:ext>
+            </a:extLst>
+          </p:cNvPr>
+          <p:cNvSpPr/>
+          <p:nvPr/>
+        </p:nvSpPr>
+        <p:spPr>
+          <a:xfrm>
+            <a:off x="1390298" y="2999977"/>
+            <a:ext cx="1794294" cy="1181819"/>
+          </a:xfrm>
+          <a:prstGeom prst="roundRect">
+            <a:avLst/>
+          </a:prstGeom>
+        </p:spPr>
+        <p:style>
+          <a:lnRef idx="2">
+            <a:schemeClr val="accent4"/>
+          </a:lnRef>
+          <a:fillRef idx="1">
+            <a:schemeClr val="lt1"/>
+          </a:fillRef>
+          <a:effectRef idx="0">
+            <a:schemeClr val="accent4"/>
+          </a:effectRef>
+          <a:fontRef idx="minor">
+            <a:schemeClr val="dk1"/>
+          </a:fontRef>
+        </p:style>
+        <p:txBody>
+          <a:bodyPr rtlCol="0" anchor="ctr"/>
+          <a:lstStyle/>
+          <a:p>
+            <a:pPr algn="ctr"/>
+            <a:r>
+              <a:rPr lang="es-CO" dirty="0"/>
+              <a:t>Autenticación</a:t>
+            </a:r>
+          </a:p>
+        </p:txBody>
+      </p:sp>
+      <p:sp>
+        <p:nvSpPr>
+          <p:cNvPr id="10" name="Rectángulo: esquinas redondeadas 9">
+            <a:extLst>
+              <a:ext uri="{FF2B5EF4-FFF2-40B4-BE49-F238E27FC236}">
+                <a16:creationId xmlns:a16="http://schemas.microsoft.com/office/drawing/2014/main" id="{B2A0725D-4A0A-A55C-8D20-4E898A67546B}"/>
+              </a:ext>
+            </a:extLst>
+          </p:cNvPr>
+          <p:cNvSpPr/>
+          <p:nvPr/>
+        </p:nvSpPr>
+        <p:spPr>
+          <a:xfrm>
+            <a:off x="2566841" y="4591943"/>
+            <a:ext cx="1794294" cy="1181819"/>
+          </a:xfrm>
+          <a:prstGeom prst="roundRect">
+            <a:avLst/>
+          </a:prstGeom>
+        </p:spPr>
+        <p:style>
+          <a:lnRef idx="2">
+            <a:schemeClr val="accent4"/>
+          </a:lnRef>
+          <a:fillRef idx="1">
+            <a:schemeClr val="lt1"/>
+          </a:fillRef>
+          <a:effectRef idx="0">
+            <a:schemeClr val="accent4"/>
+          </a:effectRef>
+          <a:fontRef idx="minor">
+            <a:schemeClr val="dk1"/>
+          </a:fontRef>
+        </p:style>
+        <p:txBody>
+          <a:bodyPr rtlCol="0" anchor="ctr"/>
+          <a:lstStyle/>
+          <a:p>
+            <a:pPr algn="ctr"/>
+            <a:r>
+              <a:rPr lang="es-CO" dirty="0"/>
+              <a:t>Organizadores</a:t>
+            </a:r>
+          </a:p>
+        </p:txBody>
+      </p:sp>
+      <p:sp>
+        <p:nvSpPr>
+          <p:cNvPr id="11" name="Rectángulo: esquinas redondeadas 10">
+            <a:extLst>
+              <a:ext uri="{FF2B5EF4-FFF2-40B4-BE49-F238E27FC236}">
+                <a16:creationId xmlns:a16="http://schemas.microsoft.com/office/drawing/2014/main" id="{A9DD9104-1756-8861-D696-BFAE890BFC5C}"/>
+              </a:ext>
+            </a:extLst>
+          </p:cNvPr>
+          <p:cNvSpPr/>
+          <p:nvPr/>
+        </p:nvSpPr>
+        <p:spPr>
+          <a:xfrm>
+            <a:off x="246375" y="1316451"/>
+            <a:ext cx="1794294" cy="1181819"/>
+          </a:xfrm>
+          <a:prstGeom prst="roundRect">
+            <a:avLst/>
+          </a:prstGeom>
+        </p:spPr>
+        <p:style>
+          <a:lnRef idx="2">
+            <a:schemeClr val="accent4"/>
+          </a:lnRef>
+          <a:fillRef idx="1">
+            <a:schemeClr val="lt1"/>
+          </a:fillRef>
+          <a:effectRef idx="0">
+            <a:schemeClr val="accent4"/>
+          </a:effectRef>
+          <a:fontRef idx="minor">
+            <a:schemeClr val="dk1"/>
+          </a:fontRef>
+        </p:style>
+        <p:txBody>
+          <a:bodyPr rtlCol="0" anchor="ctr"/>
+          <a:lstStyle/>
+          <a:p>
+            <a:pPr algn="ctr"/>
+            <a:r>
+              <a:rPr lang="es-CO" dirty="0"/>
+              <a:t>Ofertas</a:t>
+            </a:r>
+          </a:p>
+        </p:txBody>
+      </p:sp>
+      <p:sp>
+        <p:nvSpPr>
+          <p:cNvPr id="12" name="Rectángulo: esquinas redondeadas 11">
+            <a:extLst>
+              <a:ext uri="{FF2B5EF4-FFF2-40B4-BE49-F238E27FC236}">
+                <a16:creationId xmlns:a16="http://schemas.microsoft.com/office/drawing/2014/main" id="{39C11DE5-D8DB-CC5A-36E6-C53BC8F959C9}"/>
+              </a:ext>
+            </a:extLst>
+          </p:cNvPr>
+          <p:cNvSpPr/>
+          <p:nvPr/>
+        </p:nvSpPr>
+        <p:spPr>
+          <a:xfrm>
+            <a:off x="2566841" y="1316451"/>
+            <a:ext cx="1794294" cy="1181819"/>
+          </a:xfrm>
+          <a:prstGeom prst="roundRect">
+            <a:avLst/>
+          </a:prstGeom>
+        </p:spPr>
+        <p:style>
+          <a:lnRef idx="2">
+            <a:schemeClr val="accent4"/>
+          </a:lnRef>
+          <a:fillRef idx="1">
+            <a:schemeClr val="lt1"/>
+          </a:fillRef>
+          <a:effectRef idx="0">
+            <a:schemeClr val="accent4"/>
+          </a:effectRef>
+          <a:fontRef idx="minor">
+            <a:schemeClr val="dk1"/>
+          </a:fontRef>
+        </p:style>
+        <p:txBody>
+          <a:bodyPr rtlCol="0" anchor="ctr"/>
+          <a:lstStyle/>
+          <a:p>
+            <a:pPr algn="ctr"/>
+            <a:r>
+              <a:rPr lang="es-CO" dirty="0"/>
+              <a:t>Posts</a:t>
+            </a:r>
+          </a:p>
+        </p:txBody>
+      </p:sp>
+      <p:sp>
+        <p:nvSpPr>
+          <p:cNvPr id="13" name="Rectángulo: esquinas redondeadas 12">
+            <a:extLst>
+              <a:ext uri="{FF2B5EF4-FFF2-40B4-BE49-F238E27FC236}">
+                <a16:creationId xmlns:a16="http://schemas.microsoft.com/office/drawing/2014/main" id="{D0D1C096-CD9D-E1EA-2C93-86461BFCF6DB}"/>
+              </a:ext>
+            </a:extLst>
+          </p:cNvPr>
+          <p:cNvSpPr/>
+          <p:nvPr/>
+        </p:nvSpPr>
+        <p:spPr>
+          <a:xfrm>
+            <a:off x="9625159" y="3139928"/>
+            <a:ext cx="1794294" cy="1181819"/>
+          </a:xfrm>
+          <a:prstGeom prst="roundRect">
+            <a:avLst/>
+          </a:prstGeom>
+        </p:spPr>
+        <p:style>
+          <a:lnRef idx="2">
+            <a:schemeClr val="accent4"/>
+          </a:lnRef>
+          <a:fillRef idx="1">
+            <a:schemeClr val="lt1"/>
+          </a:fillRef>
+          <a:effectRef idx="0">
+            <a:schemeClr val="accent4"/>
+          </a:effectRef>
+          <a:fontRef idx="minor">
+            <a:schemeClr val="dk1"/>
+          </a:fontRef>
+        </p:style>
+        <p:txBody>
+          <a:bodyPr rtlCol="0" anchor="ctr"/>
+          <a:lstStyle/>
+          <a:p>
+            <a:pPr algn="ctr"/>
+            <a:r>
+              <a:rPr lang="es-CO" dirty="0"/>
+              <a:t>Cliente</a:t>
+            </a:r>
+          </a:p>
+        </p:txBody>
+      </p:sp>
       <p:pic>
         <p:nvPicPr>
-          <p:cNvPr id="9" name="Imagen 8" descr="Logotipo, nombre de la empresa&#10;&#10;Descripción generada automáticamente">
-            <a:extLst>
-              <a:ext uri="{FF2B5EF4-FFF2-40B4-BE49-F238E27FC236}">
-                <a16:creationId xmlns:a16="http://schemas.microsoft.com/office/drawing/2014/main" id="{B166E1E3-3FD2-F08A-D836-10EF9E32F2AA}"/>
+          <p:cNvPr id="15" name="Imagen 14" descr="Icono&#10;&#10;Descripción generada automáticamente">
+            <a:extLst>
+              <a:ext uri="{FF2B5EF4-FFF2-40B4-BE49-F238E27FC236}">
+                <a16:creationId xmlns:a16="http://schemas.microsoft.com/office/drawing/2014/main" id="{292E553F-B32D-7AA9-DCCE-2DE71B244BC8}"/>
               </a:ext>
             </a:extLst>
           </p:cNvPr>
@@ -9696,8 +10347,8 @@
         </p:blipFill>
         <p:spPr>
           <a:xfrm>
-            <a:off x="4030815" y="1309802"/>
-            <a:ext cx="1897975" cy="1418289"/>
+            <a:off x="1950821" y="3831917"/>
+            <a:ext cx="699758" cy="699758"/>
           </a:xfrm>
           <a:prstGeom prst="rect">
             <a:avLst/>
@@ -9706,10 +10357,10 @@
       </p:pic>
       <p:pic>
         <p:nvPicPr>
-          <p:cNvPr id="11" name="Imagen 10" descr="Logotipo, nombre de la empresa&#10;&#10;Descripción generada automáticamente">
-            <a:extLst>
-              <a:ext uri="{FF2B5EF4-FFF2-40B4-BE49-F238E27FC236}">
-                <a16:creationId xmlns:a16="http://schemas.microsoft.com/office/drawing/2014/main" id="{BA9DF6F4-5945-5C00-A2B6-34F297CE63E4}"/>
+          <p:cNvPr id="19" name="Imagen 18" descr="Icono&#10;&#10;Descripción generada automáticamente">
+            <a:extLst>
+              <a:ext uri="{FF2B5EF4-FFF2-40B4-BE49-F238E27FC236}">
+                <a16:creationId xmlns:a16="http://schemas.microsoft.com/office/drawing/2014/main" id="{22B25670-0D6A-70EA-1BA9-28B8973A3032}"/>
               </a:ext>
             </a:extLst>
           </p:cNvPr>
@@ -9719,15 +10370,30 @@
           <p:nvPr/>
         </p:nvPicPr>
         <p:blipFill>
-          <a:blip r:embed="rId8"/>
+          <a:blip r:embed="rId8">
+            <a:extLst>
+              <a:ext uri="{BEBA8EAE-BF5A-486C-A8C5-ECC9F3942E4B}">
+                <a14:imgProps xmlns:a14="http://schemas.microsoft.com/office/drawing/2010/main">
+                  <a14:imgLayer r:embed="rId9">
+                    <a14:imgEffect>
+                      <a14:backgroundRemoval t="7979" b="89894" l="9701" r="89925">
+                        <a14:foregroundMark x1="33209" y1="89362" x2="43284" y2="88298"/>
+                        <a14:foregroundMark x1="75373" y1="7979" x2="75373" y2="7979"/>
+                      </a14:backgroundRemoval>
+                    </a14:imgEffect>
+                  </a14:imgLayer>
+                </a14:imgProps>
+              </a:ext>
+            </a:extLst>
+          </a:blip>
           <a:stretch>
             <a:fillRect/>
           </a:stretch>
         </p:blipFill>
         <p:spPr>
           <a:xfrm>
-            <a:off x="5826326" y="1459158"/>
-            <a:ext cx="2265954" cy="1268934"/>
+            <a:off x="672575" y="5379540"/>
+            <a:ext cx="1123950" cy="788443"/>
           </a:xfrm>
           <a:prstGeom prst="rect">
             <a:avLst/>
@@ -9736,10 +10402,10 @@
       </p:pic>
       <p:pic>
         <p:nvPicPr>
-          <p:cNvPr id="13" name="Gráfico 12">
-            <a:extLst>
-              <a:ext uri="{FF2B5EF4-FFF2-40B4-BE49-F238E27FC236}">
-                <a16:creationId xmlns:a16="http://schemas.microsoft.com/office/drawing/2014/main" id="{3C75D79F-84D2-B120-E756-0DF6D38F8FBC}"/>
+          <p:cNvPr id="21" name="Imagen 20" descr="Icono&#10;&#10;Descripción generada automáticamente">
+            <a:extLst>
+              <a:ext uri="{FF2B5EF4-FFF2-40B4-BE49-F238E27FC236}">
+                <a16:creationId xmlns:a16="http://schemas.microsoft.com/office/drawing/2014/main" id="{0A919923-6088-71CB-8C21-096CA8C49E27}"/>
               </a:ext>
             </a:extLst>
           </p:cNvPr>
@@ -9749,21 +10415,15 @@
           <p:nvPr/>
         </p:nvPicPr>
         <p:blipFill>
-          <a:blip r:embed="rId9">
-            <a:extLst>
-              <a:ext uri="{96DAC541-7B7A-43D3-8B79-37D633B846F1}">
-                <asvg:svgBlip xmlns:asvg="http://schemas.microsoft.com/office/drawing/2016/SVG/main" r:embed="rId10"/>
-              </a:ext>
-            </a:extLst>
-          </a:blip>
+          <a:blip r:embed="rId10"/>
           <a:stretch>
             <a:fillRect/>
           </a:stretch>
         </p:blipFill>
         <p:spPr>
           <a:xfrm>
-            <a:off x="956816" y="2181456"/>
-            <a:ext cx="871584" cy="980630"/>
+            <a:off x="3184592" y="5423883"/>
+            <a:ext cx="711434" cy="711434"/>
           </a:xfrm>
           <a:prstGeom prst="rect">
             <a:avLst/>
@@ -9772,39 +10432,10 @@
       </p:pic>
       <p:pic>
         <p:nvPicPr>
-          <p:cNvPr id="15" name="Imagen 14" descr="Icono&#10;&#10;Descripción generada automáticamente">
-            <a:extLst>
-              <a:ext uri="{FF2B5EF4-FFF2-40B4-BE49-F238E27FC236}">
-                <a16:creationId xmlns:a16="http://schemas.microsoft.com/office/drawing/2014/main" id="{EF44359B-1BF9-E3B7-9F60-7023A298722A}"/>
-              </a:ext>
-            </a:extLst>
-          </p:cNvPr>
-          <p:cNvPicPr>
-            <a:picLocks noChangeAspect="1"/>
-          </p:cNvPicPr>
-          <p:nvPr/>
-        </p:nvPicPr>
-        <p:blipFill rotWithShape="1">
-          <a:blip r:embed="rId11"/>
-          <a:srcRect l="17902" r="20976" b="13637"/>
-          <a:stretch/>
-        </p:blipFill>
-        <p:spPr>
-          <a:xfrm>
-            <a:off x="1618478" y="3159876"/>
-            <a:ext cx="1214710" cy="1144220"/>
-          </a:xfrm>
-          <a:prstGeom prst="rect">
-            <a:avLst/>
-          </a:prstGeom>
-        </p:spPr>
-      </p:pic>
-      <p:pic>
-        <p:nvPicPr>
-          <p:cNvPr id="17" name="Imagen 16" descr="Logotipo&#10;&#10;Descripción generada automáticamente">
-            <a:extLst>
-              <a:ext uri="{FF2B5EF4-FFF2-40B4-BE49-F238E27FC236}">
-                <a16:creationId xmlns:a16="http://schemas.microsoft.com/office/drawing/2014/main" id="{96849DA7-1B70-E305-6F5F-B8DFBEEE71C1}"/>
+          <p:cNvPr id="23" name="Imagen 22" descr="Icono&#10;&#10;Descripción generada automáticamente">
+            <a:extLst>
+              <a:ext uri="{FF2B5EF4-FFF2-40B4-BE49-F238E27FC236}">
+                <a16:creationId xmlns:a16="http://schemas.microsoft.com/office/drawing/2014/main" id="{FA0F6D79-4361-47E2-AC61-C1491C4C7F4B}"/>
               </a:ext>
             </a:extLst>
           </p:cNvPr>
@@ -9814,15 +10445,15 @@
           <p:nvPr/>
         </p:nvPicPr>
         <p:blipFill>
-          <a:blip r:embed="rId12"/>
+          <a:blip r:embed="rId11"/>
           <a:stretch>
             <a:fillRect/>
           </a:stretch>
         </p:blipFill>
         <p:spPr>
           <a:xfrm>
-            <a:off x="2760713" y="4727271"/>
-            <a:ext cx="996900" cy="996900"/>
+            <a:off x="787804" y="2148391"/>
+            <a:ext cx="711435" cy="711435"/>
           </a:xfrm>
           <a:prstGeom prst="rect">
             <a:avLst/>
@@ -9831,10 +10462,10 @@
       </p:pic>
       <p:pic>
         <p:nvPicPr>
-          <p:cNvPr id="19" name="Imagen 18" descr="Forma&#10;&#10;Descripción generada automáticamente con confianza baja">
-            <a:extLst>
-              <a:ext uri="{FF2B5EF4-FFF2-40B4-BE49-F238E27FC236}">
-                <a16:creationId xmlns:a16="http://schemas.microsoft.com/office/drawing/2014/main" id="{7B3EB88B-B39D-F86D-E86E-DFBC015A8543}"/>
+          <p:cNvPr id="25" name="Imagen 24" descr="Icono&#10;&#10;Descripción generada automáticamente">
+            <a:extLst>
+              <a:ext uri="{FF2B5EF4-FFF2-40B4-BE49-F238E27FC236}">
+                <a16:creationId xmlns:a16="http://schemas.microsoft.com/office/drawing/2014/main" id="{E8EB2A1C-04B2-235C-EE80-B7C72AA19612}"/>
               </a:ext>
             </a:extLst>
           </p:cNvPr>
@@ -9844,15 +10475,36 @@
           <p:nvPr/>
         </p:nvPicPr>
         <p:blipFill>
-          <a:blip r:embed="rId13"/>
+          <a:blip r:embed="rId12">
+            <a:extLst>
+              <a:ext uri="{BEBA8EAE-BF5A-486C-A8C5-ECC9F3942E4B}">
+                <a14:imgProps xmlns:a14="http://schemas.microsoft.com/office/drawing/2010/main">
+                  <a14:imgLayer r:embed="rId13">
+                    <a14:imgEffect>
+                      <a14:backgroundRemoval t="10000" b="90000" l="10000" r="90000">
+                        <a14:foregroundMark x1="32500" y1="55375" x2="32500" y2="55375"/>
+                        <a14:foregroundMark x1="35625" y1="60125" x2="35625" y2="60125"/>
+                        <a14:foregroundMark x1="46125" y1="61375" x2="46125" y2="61375"/>
+                        <a14:foregroundMark x1="46125" y1="62875" x2="43500" y2="49375"/>
+                        <a14:foregroundMark x1="47125" y1="64875" x2="29250" y2="66375"/>
+                        <a14:foregroundMark x1="29250" y1="66375" x2="26625" y2="65750"/>
+                        <a14:foregroundMark x1="55625" y1="58125" x2="67125" y2="51750"/>
+                        <a14:foregroundMark x1="67125" y1="51750" x2="54250" y2="49625"/>
+                      </a14:backgroundRemoval>
+                    </a14:imgEffect>
+                  </a14:imgLayer>
+                </a14:imgProps>
+              </a:ext>
+            </a:extLst>
+          </a:blip>
           <a:stretch>
             <a:fillRect/>
           </a:stretch>
         </p:blipFill>
         <p:spPr>
           <a:xfrm>
-            <a:off x="3774047" y="4922852"/>
-            <a:ext cx="1178988" cy="1178988"/>
+            <a:off x="3004757" y="1936295"/>
+            <a:ext cx="1123950" cy="1123950"/>
           </a:xfrm>
           <a:prstGeom prst="rect">
             <a:avLst/>
@@ -9861,10 +10513,10 @@
       </p:pic>
       <p:pic>
         <p:nvPicPr>
-          <p:cNvPr id="21" name="Imagen 20" descr="Icono&#10;&#10;Descripción generada automáticamente">
-            <a:extLst>
-              <a:ext uri="{FF2B5EF4-FFF2-40B4-BE49-F238E27FC236}">
-                <a16:creationId xmlns:a16="http://schemas.microsoft.com/office/drawing/2014/main" id="{00B98918-6F8F-D1F9-E2BF-CEC0CC1166C4}"/>
+          <p:cNvPr id="27" name="Imagen 26" descr="Icono&#10;&#10;Descripción generada automáticamente">
+            <a:extLst>
+              <a:ext uri="{FF2B5EF4-FFF2-40B4-BE49-F238E27FC236}">
+                <a16:creationId xmlns:a16="http://schemas.microsoft.com/office/drawing/2014/main" id="{28733BC9-06E8-EA73-374B-6167D76908AA}"/>
               </a:ext>
             </a:extLst>
           </p:cNvPr>
@@ -9874,57 +10526,116 @@
           <p:nvPr/>
         </p:nvPicPr>
         <p:blipFill>
-          <a:blip r:embed="rId14"/>
+          <a:blip r:embed="rId14">
+            <a:extLst>
+              <a:ext uri="{BEBA8EAE-BF5A-486C-A8C5-ECC9F3942E4B}">
+                <a14:imgProps xmlns:a14="http://schemas.microsoft.com/office/drawing/2010/main">
+                  <a14:imgLayer r:embed="rId15">
+                    <a14:imgEffect>
+                      <a14:backgroundRemoval t="7556" b="92444" l="0" r="96889">
+                        <a14:foregroundMark x1="4444" y1="36889" x2="17778" y2="58667"/>
+                        <a14:foregroundMark x1="17778" y1="58667" x2="47111" y2="80444"/>
+                        <a14:foregroundMark x1="47111" y1="80444" x2="47556" y2="89333"/>
+                        <a14:foregroundMark x1="74667" y1="72889" x2="95111" y2="60444"/>
+                        <a14:foregroundMark x1="95111" y1="60444" x2="97333" y2="15111"/>
+                        <a14:foregroundMark x1="70222" y1="8889" x2="9333" y2="11111"/>
+                        <a14:foregroundMark x1="9778" y1="7556" x2="15111" y2="8000"/>
+                        <a14:foregroundMark x1="16444" y1="8000" x2="31556" y2="8000"/>
+                        <a14:foregroundMark x1="71556" y1="8000" x2="94222" y2="12444"/>
+                        <a14:foregroundMark x1="94222" y1="12444" x2="94667" y2="14667"/>
+                        <a14:foregroundMark x1="3556" y1="33778" x2="11111" y2="10667"/>
+                        <a14:foregroundMark x1="11111" y1="10667" x2="12444" y2="10222"/>
+                        <a14:foregroundMark x1="8889" y1="10222" x2="1333" y2="31556"/>
+                        <a14:foregroundMark x1="1333" y1="31556" x2="1778" y2="40444"/>
+                        <a14:foregroundMark x1="0" y1="44889" x2="6667" y2="71111"/>
+                        <a14:foregroundMark x1="6667" y1="71111" x2="17778" y2="73333"/>
+                        <a14:foregroundMark x1="12889" y1="62667" x2="60889" y2="57333"/>
+                        <a14:foregroundMark x1="60889" y1="57333" x2="91111" y2="58222"/>
+                        <a14:foregroundMark x1="96889" y1="67111" x2="56000" y2="77778"/>
+                        <a14:foregroundMark x1="56000" y1="77778" x2="34222" y2="66667"/>
+                        <a14:foregroundMark x1="51111" y1="67556" x2="51111" y2="67556"/>
+                        <a14:foregroundMark x1="53778" y1="78667" x2="33778" y2="91111"/>
+                        <a14:foregroundMark x1="33778" y1="91111" x2="33778" y2="91111"/>
+                        <a14:foregroundMark x1="46667" y1="90667" x2="70667" y2="92444"/>
+                        <a14:foregroundMark x1="32444" y1="92444" x2="28444" y2="92444"/>
+                        <a14:foregroundMark x1="37778" y1="75111" x2="15556" y2="75111"/>
+                        <a14:foregroundMark x1="15556" y1="75111" x2="3111" y2="62667"/>
+                        <a14:foregroundMark x1="75111" y1="74667" x2="96444" y2="68444"/>
+                        <a14:foregroundMark x1="96444" y1="68444" x2="96000" y2="67111"/>
+                      </a14:backgroundRemoval>
+                    </a14:imgEffect>
+                  </a14:imgLayer>
+                </a14:imgProps>
+              </a:ext>
+            </a:extLst>
+          </a:blip>
           <a:stretch>
             <a:fillRect/>
           </a:stretch>
         </p:blipFill>
         <p:spPr>
           <a:xfrm>
-            <a:off x="800523" y="3228869"/>
-            <a:ext cx="817955" cy="817955"/>
+            <a:off x="10166589" y="4021696"/>
+            <a:ext cx="711434" cy="711434"/>
           </a:xfrm>
           <a:prstGeom prst="rect">
             <a:avLst/>
           </a:prstGeom>
         </p:spPr>
       </p:pic>
+      <p:sp>
+        <p:nvSpPr>
+          <p:cNvPr id="28" name="Rectángulo: esquinas redondeadas 27">
+            <a:extLst>
+              <a:ext uri="{FF2B5EF4-FFF2-40B4-BE49-F238E27FC236}">
+                <a16:creationId xmlns:a16="http://schemas.microsoft.com/office/drawing/2014/main" id="{EFBBF5CE-8000-2055-F021-BA0D0CCA1021}"/>
+              </a:ext>
+            </a:extLst>
+          </p:cNvPr>
+          <p:cNvSpPr/>
+          <p:nvPr/>
+        </p:nvSpPr>
+        <p:spPr>
+          <a:xfrm>
+            <a:off x="6096000" y="3139928"/>
+            <a:ext cx="1794294" cy="1181819"/>
+          </a:xfrm>
+          <a:prstGeom prst="roundRect">
+            <a:avLst/>
+          </a:prstGeom>
+        </p:spPr>
+        <p:style>
+          <a:lnRef idx="2">
+            <a:schemeClr val="accent4"/>
+          </a:lnRef>
+          <a:fillRef idx="1">
+            <a:schemeClr val="lt1"/>
+          </a:fillRef>
+          <a:effectRef idx="0">
+            <a:schemeClr val="accent4"/>
+          </a:effectRef>
+          <a:fontRef idx="minor">
+            <a:schemeClr val="dk1"/>
+          </a:fontRef>
+        </p:style>
+        <p:txBody>
+          <a:bodyPr rtlCol="0" anchor="ctr"/>
+          <a:lstStyle/>
+          <a:p>
+            <a:pPr algn="ctr"/>
+            <a:r>
+              <a:rPr lang="es-CO" dirty="0"/>
+              <a:t>Gateway</a:t>
+            </a:r>
+          </a:p>
+        </p:txBody>
+      </p:sp>
       <p:pic>
         <p:nvPicPr>
-          <p:cNvPr id="23" name="Imagen 22" descr="Icono&#10;&#10;Descripción generada automáticamente">
-            <a:extLst>
-              <a:ext uri="{FF2B5EF4-FFF2-40B4-BE49-F238E27FC236}">
-                <a16:creationId xmlns:a16="http://schemas.microsoft.com/office/drawing/2014/main" id="{3A7867AE-DDBC-B6F2-9216-06A600C53B0E}"/>
-              </a:ext>
-            </a:extLst>
-          </p:cNvPr>
-          <p:cNvPicPr>
-            <a:picLocks noChangeAspect="1"/>
-          </p:cNvPicPr>
-          <p:nvPr/>
-        </p:nvPicPr>
-        <p:blipFill>
-          <a:blip r:embed="rId15"/>
-          <a:stretch>
-            <a:fillRect/>
-          </a:stretch>
-        </p:blipFill>
-        <p:spPr>
-          <a:xfrm>
-            <a:off x="7441654" y="5260468"/>
-            <a:ext cx="1063991" cy="1063991"/>
-          </a:xfrm>
-          <a:prstGeom prst="rect">
-            <a:avLst/>
-          </a:prstGeom>
-        </p:spPr>
-      </p:pic>
-      <p:pic>
-        <p:nvPicPr>
-          <p:cNvPr id="26" name="Imagen 25" descr="Imagen que contiene dibujo&#10;&#10;Descripción generada automáticamente">
-            <a:extLst>
-              <a:ext uri="{FF2B5EF4-FFF2-40B4-BE49-F238E27FC236}">
-                <a16:creationId xmlns:a16="http://schemas.microsoft.com/office/drawing/2014/main" id="{C0F91DCE-7C56-438A-3B97-81366B93111E}"/>
+          <p:cNvPr id="38" name="Imagen 37" descr="Forma&#10;&#10;Descripción generada automáticamente con confianza baja">
+            <a:extLst>
+              <a:ext uri="{FF2B5EF4-FFF2-40B4-BE49-F238E27FC236}">
+                <a16:creationId xmlns:a16="http://schemas.microsoft.com/office/drawing/2014/main" id="{ACC8407D-F59E-92C1-A2E8-098EEDA4D4F2}"/>
               </a:ext>
             </a:extLst>
           </p:cNvPr>
@@ -9940,109 +10651,215 @@
           </a:stretch>
         </p:blipFill>
         <p:spPr>
-          <a:xfrm>
-            <a:off x="6573447" y="4727271"/>
-            <a:ext cx="868207" cy="868207"/>
+          <a:xfrm flipH="1">
+            <a:off x="6637430" y="3971868"/>
+            <a:ext cx="699758" cy="699758"/>
           </a:xfrm>
           <a:prstGeom prst="rect">
             <a:avLst/>
           </a:prstGeom>
         </p:spPr>
       </p:pic>
-      <p:pic>
-        <p:nvPicPr>
-          <p:cNvPr id="28" name="Imagen 27" descr="Forma&#10;&#10;Descripción generada automáticamente con confianza baja">
-            <a:extLst>
-              <a:ext uri="{FF2B5EF4-FFF2-40B4-BE49-F238E27FC236}">
-                <a16:creationId xmlns:a16="http://schemas.microsoft.com/office/drawing/2014/main" id="{BB60D0E3-39BC-7527-7B67-CA84744924D8}"/>
-              </a:ext>
-            </a:extLst>
-          </p:cNvPr>
-          <p:cNvPicPr>
-            <a:picLocks noChangeAspect="1"/>
-          </p:cNvPicPr>
+      <p:cxnSp>
+        <p:nvCxnSpPr>
+          <p:cNvPr id="40" name="Conector recto 39">
+            <a:extLst>
+              <a:ext uri="{FF2B5EF4-FFF2-40B4-BE49-F238E27FC236}">
+                <a16:creationId xmlns:a16="http://schemas.microsoft.com/office/drawing/2014/main" id="{39DE5F7C-C994-60A0-21E8-97D5585C9495}"/>
+              </a:ext>
+            </a:extLst>
+          </p:cNvPr>
+          <p:cNvCxnSpPr/>
           <p:nvPr/>
-        </p:nvPicPr>
-        <p:blipFill>
-          <a:blip r:embed="rId17"/>
-          <a:stretch>
-            <a:fillRect/>
-          </a:stretch>
-        </p:blipFill>
-        <p:spPr>
-          <a:xfrm>
-            <a:off x="8092280" y="4401942"/>
-            <a:ext cx="996900" cy="996900"/>
-          </a:xfrm>
-          <a:prstGeom prst="rect">
+        </p:nvCxnSpPr>
+        <p:spPr>
+          <a:xfrm>
+            <a:off x="4734560" y="1316452"/>
+            <a:ext cx="0" cy="4457310"/>
+          </a:xfrm>
+          <a:prstGeom prst="line">
             <a:avLst/>
           </a:prstGeom>
         </p:spPr>
-      </p:pic>
-      <p:pic>
-        <p:nvPicPr>
-          <p:cNvPr id="30" name="Imagen 29" descr="Logotipo&#10;&#10;Descripción generada automáticamente con confianza baja">
-            <a:extLst>
-              <a:ext uri="{FF2B5EF4-FFF2-40B4-BE49-F238E27FC236}">
-                <a16:creationId xmlns:a16="http://schemas.microsoft.com/office/drawing/2014/main" id="{8B5DC4ED-1FA0-C78C-E063-BA731016AC99}"/>
-              </a:ext>
-            </a:extLst>
-          </p:cNvPr>
-          <p:cNvPicPr>
-            <a:picLocks noChangeAspect="1"/>
-          </p:cNvPicPr>
+        <p:style>
+          <a:lnRef idx="1">
+            <a:schemeClr val="accent2"/>
+          </a:lnRef>
+          <a:fillRef idx="0">
+            <a:schemeClr val="accent2"/>
+          </a:fillRef>
+          <a:effectRef idx="0">
+            <a:schemeClr val="accent2"/>
+          </a:effectRef>
+          <a:fontRef idx="minor">
+            <a:schemeClr val="tx1"/>
+          </a:fontRef>
+        </p:style>
+      </p:cxnSp>
+      <p:cxnSp>
+        <p:nvCxnSpPr>
+          <p:cNvPr id="42" name="Conector recto de flecha 41">
+            <a:extLst>
+              <a:ext uri="{FF2B5EF4-FFF2-40B4-BE49-F238E27FC236}">
+                <a16:creationId xmlns:a16="http://schemas.microsoft.com/office/drawing/2014/main" id="{AE03175E-3901-4F16-78C1-349BF08552A4}"/>
+              </a:ext>
+            </a:extLst>
+          </p:cNvPr>
+          <p:cNvCxnSpPr/>
           <p:nvPr/>
-        </p:nvPicPr>
-        <p:blipFill>
-          <a:blip r:embed="rId18"/>
-          <a:stretch>
-            <a:fillRect/>
-          </a:stretch>
-        </p:blipFill>
-        <p:spPr>
-          <a:xfrm>
-            <a:off x="9511573" y="3206241"/>
-            <a:ext cx="1178988" cy="1178988"/>
-          </a:xfrm>
-          <a:prstGeom prst="rect">
+        </p:nvCxnSpPr>
+        <p:spPr>
+          <a:xfrm>
+            <a:off x="8239760" y="3434080"/>
+            <a:ext cx="995680" cy="0"/>
+          </a:xfrm>
+          <a:prstGeom prst="straightConnector1">
             <a:avLst/>
           </a:prstGeom>
-        </p:spPr>
-      </p:pic>
-      <p:pic>
-        <p:nvPicPr>
-          <p:cNvPr id="32" name="Imagen 31" descr="Interfaz de usuario gráfica, Aplicación, nombre de la empresa&#10;&#10;Descripción generada automáticamente">
-            <a:extLst>
-              <a:ext uri="{FF2B5EF4-FFF2-40B4-BE49-F238E27FC236}">
-                <a16:creationId xmlns:a16="http://schemas.microsoft.com/office/drawing/2014/main" id="{B9A624C9-DD44-F334-8C80-8633F02B7873}"/>
-              </a:ext>
-            </a:extLst>
-          </p:cNvPr>
-          <p:cNvPicPr>
-            <a:picLocks noChangeAspect="1"/>
-          </p:cNvPicPr>
+          <a:ln>
+            <a:tailEnd type="triangle"/>
+          </a:ln>
+        </p:spPr>
+        <p:style>
+          <a:lnRef idx="1">
+            <a:schemeClr val="accent2"/>
+          </a:lnRef>
+          <a:fillRef idx="0">
+            <a:schemeClr val="accent2"/>
+          </a:fillRef>
+          <a:effectRef idx="0">
+            <a:schemeClr val="accent2"/>
+          </a:effectRef>
+          <a:fontRef idx="minor">
+            <a:schemeClr val="tx1"/>
+          </a:fontRef>
+        </p:style>
+      </p:cxnSp>
+      <p:cxnSp>
+        <p:nvCxnSpPr>
+          <p:cNvPr id="43" name="Conector recto de flecha 42">
+            <a:extLst>
+              <a:ext uri="{FF2B5EF4-FFF2-40B4-BE49-F238E27FC236}">
+                <a16:creationId xmlns:a16="http://schemas.microsoft.com/office/drawing/2014/main" id="{187C8686-99A4-67EB-3451-733292E4137F}"/>
+              </a:ext>
+            </a:extLst>
+          </p:cNvPr>
+          <p:cNvCxnSpPr>
+            <a:cxnSpLocks/>
+          </p:cNvCxnSpPr>
           <p:nvPr/>
-        </p:nvPicPr>
-        <p:blipFill>
-          <a:blip r:embed="rId19"/>
-          <a:stretch>
-            <a:fillRect/>
-          </a:stretch>
-        </p:blipFill>
-        <p:spPr>
-          <a:xfrm>
-            <a:off x="9688691" y="1896169"/>
-            <a:ext cx="1404505" cy="1404505"/>
-          </a:xfrm>
-          <a:prstGeom prst="rect">
+        </p:nvCxnSpPr>
+        <p:spPr>
+          <a:xfrm>
+            <a:off x="5029200" y="3429000"/>
+            <a:ext cx="792480" cy="0"/>
+          </a:xfrm>
+          <a:prstGeom prst="straightConnector1">
             <a:avLst/>
           </a:prstGeom>
-        </p:spPr>
-      </p:pic>
+          <a:ln>
+            <a:tailEnd type="triangle"/>
+          </a:ln>
+        </p:spPr>
+        <p:style>
+          <a:lnRef idx="1">
+            <a:schemeClr val="accent2"/>
+          </a:lnRef>
+          <a:fillRef idx="0">
+            <a:schemeClr val="accent2"/>
+          </a:fillRef>
+          <a:effectRef idx="0">
+            <a:schemeClr val="accent2"/>
+          </a:effectRef>
+          <a:fontRef idx="minor">
+            <a:schemeClr val="tx1"/>
+          </a:fontRef>
+        </p:style>
+      </p:cxnSp>
+      <p:cxnSp>
+        <p:nvCxnSpPr>
+          <p:cNvPr id="47" name="Conector recto de flecha 46">
+            <a:extLst>
+              <a:ext uri="{FF2B5EF4-FFF2-40B4-BE49-F238E27FC236}">
+                <a16:creationId xmlns:a16="http://schemas.microsoft.com/office/drawing/2014/main" id="{F7E5399B-12C8-43D9-983D-7FD3C92985B3}"/>
+              </a:ext>
+            </a:extLst>
+          </p:cNvPr>
+          <p:cNvCxnSpPr/>
+          <p:nvPr/>
+        </p:nvCxnSpPr>
+        <p:spPr>
+          <a:xfrm flipH="1">
+            <a:off x="8239760" y="3867477"/>
+            <a:ext cx="995680" cy="0"/>
+          </a:xfrm>
+          <a:prstGeom prst="straightConnector1">
+            <a:avLst/>
+          </a:prstGeom>
+          <a:ln>
+            <a:tailEnd type="triangle"/>
+          </a:ln>
+        </p:spPr>
+        <p:style>
+          <a:lnRef idx="1">
+            <a:schemeClr val="accent2"/>
+          </a:lnRef>
+          <a:fillRef idx="0">
+            <a:schemeClr val="accent2"/>
+          </a:fillRef>
+          <a:effectRef idx="0">
+            <a:schemeClr val="accent2"/>
+          </a:effectRef>
+          <a:fontRef idx="minor">
+            <a:schemeClr val="tx1"/>
+          </a:fontRef>
+        </p:style>
+      </p:cxnSp>
+      <p:cxnSp>
+        <p:nvCxnSpPr>
+          <p:cNvPr id="48" name="Conector recto de flecha 47">
+            <a:extLst>
+              <a:ext uri="{FF2B5EF4-FFF2-40B4-BE49-F238E27FC236}">
+                <a16:creationId xmlns:a16="http://schemas.microsoft.com/office/drawing/2014/main" id="{820ECAB4-D711-E972-89A1-89558AA14E5E}"/>
+              </a:ext>
+            </a:extLst>
+          </p:cNvPr>
+          <p:cNvCxnSpPr>
+            <a:cxnSpLocks/>
+          </p:cNvCxnSpPr>
+          <p:nvPr/>
+        </p:nvCxnSpPr>
+        <p:spPr>
+          <a:xfrm flipH="1">
+            <a:off x="5029200" y="3918063"/>
+            <a:ext cx="762000" cy="0"/>
+          </a:xfrm>
+          <a:prstGeom prst="straightConnector1">
+            <a:avLst/>
+          </a:prstGeom>
+          <a:ln>
+            <a:tailEnd type="triangle"/>
+          </a:ln>
+        </p:spPr>
+        <p:style>
+          <a:lnRef idx="1">
+            <a:schemeClr val="accent2"/>
+          </a:lnRef>
+          <a:fillRef idx="0">
+            <a:schemeClr val="accent2"/>
+          </a:fillRef>
+          <a:effectRef idx="0">
+            <a:schemeClr val="accent2"/>
+          </a:effectRef>
+          <a:fontRef idx="minor">
+            <a:schemeClr val="tx1"/>
+          </a:fontRef>
+        </p:style>
+      </p:cxnSp>
     </p:spTree>
     <p:extLst>
       <p:ext uri="{BB962C8B-B14F-4D97-AF65-F5344CB8AC3E}">
-        <p14:creationId xmlns:p14="http://schemas.microsoft.com/office/powerpoint/2010/main" val="2563955885"/>
+        <p14:creationId xmlns:p14="http://schemas.microsoft.com/office/powerpoint/2010/main" val="2765547452"/>
       </p:ext>
     </p:extLst>
   </p:cSld>
